--- a/public/docs/StudyCards.pptx
+++ b/public/docs/StudyCards.pptx
@@ -5,11 +5,11 @@
     <p:sldMasterId id="2147483648" r:id="rId1"/>
   </p:sldMasterIdLst>
   <p:sldIdLst>
-    <p:sldId id="256" r:id="rId2"/>
-    <p:sldId id="257" r:id="rId3"/>
+    <p:sldId id="257" r:id="rId2"/>
+    <p:sldId id="256" r:id="rId3"/>
   </p:sldIdLst>
   <p:sldSz cx="12192000" cy="6858000"/>
-  <p:notesSz cx="6858000" cy="9144000"/>
+  <p:notesSz cx="6858000" cy="9926638"/>
   <p:defaultTextStyle>
     <a:defPPr>
       <a:defRPr lang="en-US"/>
@@ -260,7 +260,7 @@
           <a:p>
             <a:fld id="{D0E5D855-4F39-4693-A2AA-4E6EEA7B06AC}" type="datetimeFigureOut">
               <a:rPr lang="en-US" smtClean="0"/>
-              <a:t>8/12/2024</a:t>
+              <a:t>5/16/2025</a:t>
             </a:fld>
             <a:endParaRPr lang="en-US"/>
           </a:p>
@@ -458,7 +458,7 @@
           <a:p>
             <a:fld id="{D0E5D855-4F39-4693-A2AA-4E6EEA7B06AC}" type="datetimeFigureOut">
               <a:rPr lang="en-US" smtClean="0"/>
-              <a:t>8/12/2024</a:t>
+              <a:t>5/16/2025</a:t>
             </a:fld>
             <a:endParaRPr lang="en-US"/>
           </a:p>
@@ -666,7 +666,7 @@
           <a:p>
             <a:fld id="{D0E5D855-4F39-4693-A2AA-4E6EEA7B06AC}" type="datetimeFigureOut">
               <a:rPr lang="en-US" smtClean="0"/>
-              <a:t>8/12/2024</a:t>
+              <a:t>5/16/2025</a:t>
             </a:fld>
             <a:endParaRPr lang="en-US"/>
           </a:p>
@@ -864,7 +864,7 @@
           <a:p>
             <a:fld id="{D0E5D855-4F39-4693-A2AA-4E6EEA7B06AC}" type="datetimeFigureOut">
               <a:rPr lang="en-US" smtClean="0"/>
-              <a:t>8/12/2024</a:t>
+              <a:t>5/16/2025</a:t>
             </a:fld>
             <a:endParaRPr lang="en-US"/>
           </a:p>
@@ -1139,7 +1139,7 @@
           <a:p>
             <a:fld id="{D0E5D855-4F39-4693-A2AA-4E6EEA7B06AC}" type="datetimeFigureOut">
               <a:rPr lang="en-US" smtClean="0"/>
-              <a:t>8/12/2024</a:t>
+              <a:t>5/16/2025</a:t>
             </a:fld>
             <a:endParaRPr lang="en-US"/>
           </a:p>
@@ -1404,7 +1404,7 @@
           <a:p>
             <a:fld id="{D0E5D855-4F39-4693-A2AA-4E6EEA7B06AC}" type="datetimeFigureOut">
               <a:rPr lang="en-US" smtClean="0"/>
-              <a:t>8/12/2024</a:t>
+              <a:t>5/16/2025</a:t>
             </a:fld>
             <a:endParaRPr lang="en-US"/>
           </a:p>
@@ -1816,7 +1816,7 @@
           <a:p>
             <a:fld id="{D0E5D855-4F39-4693-A2AA-4E6EEA7B06AC}" type="datetimeFigureOut">
               <a:rPr lang="en-US" smtClean="0"/>
-              <a:t>8/12/2024</a:t>
+              <a:t>5/16/2025</a:t>
             </a:fld>
             <a:endParaRPr lang="en-US"/>
           </a:p>
@@ -1957,7 +1957,7 @@
           <a:p>
             <a:fld id="{D0E5D855-4F39-4693-A2AA-4E6EEA7B06AC}" type="datetimeFigureOut">
               <a:rPr lang="en-US" smtClean="0"/>
-              <a:t>8/12/2024</a:t>
+              <a:t>5/16/2025</a:t>
             </a:fld>
             <a:endParaRPr lang="en-US"/>
           </a:p>
@@ -2070,7 +2070,7 @@
           <a:p>
             <a:fld id="{D0E5D855-4F39-4693-A2AA-4E6EEA7B06AC}" type="datetimeFigureOut">
               <a:rPr lang="en-US" smtClean="0"/>
-              <a:t>8/12/2024</a:t>
+              <a:t>5/16/2025</a:t>
             </a:fld>
             <a:endParaRPr lang="en-US"/>
           </a:p>
@@ -2381,7 +2381,7 @@
           <a:p>
             <a:fld id="{D0E5D855-4F39-4693-A2AA-4E6EEA7B06AC}" type="datetimeFigureOut">
               <a:rPr lang="en-US" smtClean="0"/>
-              <a:t>8/12/2024</a:t>
+              <a:t>5/16/2025</a:t>
             </a:fld>
             <a:endParaRPr lang="en-US"/>
           </a:p>
@@ -2669,7 +2669,7 @@
           <a:p>
             <a:fld id="{D0E5D855-4F39-4693-A2AA-4E6EEA7B06AC}" type="datetimeFigureOut">
               <a:rPr lang="en-US" smtClean="0"/>
-              <a:t>8/12/2024</a:t>
+              <a:t>5/16/2025</a:t>
             </a:fld>
             <a:endParaRPr lang="en-US"/>
           </a:p>
@@ -2910,7 +2910,7 @@
           <a:p>
             <a:fld id="{D0E5D855-4F39-4693-A2AA-4E6EEA7B06AC}" type="datetimeFigureOut">
               <a:rPr lang="en-US" smtClean="0"/>
-              <a:t>8/12/2024</a:t>
+              <a:t>5/16/2025</a:t>
             </a:fld>
             <a:endParaRPr lang="en-US"/>
           </a:p>
@@ -3329,6 +3329,3445 @@
       </p:grpSpPr>
       <p:sp>
         <p:nvSpPr>
+          <p:cNvPr id="3" name="Rectangle 2">
+            <a:extLst>
+              <a:ext uri="{FF2B5EF4-FFF2-40B4-BE49-F238E27FC236}">
+                <a16:creationId xmlns:a16="http://schemas.microsoft.com/office/drawing/2014/main" id="{D72040EB-432B-07FC-795F-35A9E6DB34A0}"/>
+              </a:ext>
+            </a:extLst>
+          </p:cNvPr>
+          <p:cNvSpPr/>
+          <p:nvPr/>
+        </p:nvSpPr>
+        <p:spPr>
+          <a:xfrm>
+            <a:off x="0" y="0"/>
+            <a:ext cx="2986206" cy="6858000"/>
+          </a:xfrm>
+          <a:prstGeom prst="rect">
+            <a:avLst/>
+          </a:prstGeom>
+          <a:solidFill>
+            <a:srgbClr val="44BD86"/>
+          </a:solidFill>
+          <a:ln>
+            <a:noFill/>
+          </a:ln>
+        </p:spPr>
+        <p:style>
+          <a:lnRef idx="2">
+            <a:schemeClr val="accent1">
+              <a:shade val="15000"/>
+            </a:schemeClr>
+          </a:lnRef>
+          <a:fillRef idx="1">
+            <a:schemeClr val="accent1"/>
+          </a:fillRef>
+          <a:effectRef idx="0">
+            <a:schemeClr val="accent1"/>
+          </a:effectRef>
+          <a:fontRef idx="minor">
+            <a:schemeClr val="lt1"/>
+          </a:fontRef>
+        </p:style>
+        <p:txBody>
+          <a:bodyPr rtlCol="0" anchor="ctr"/>
+          <a:lstStyle/>
+          <a:p>
+            <a:pPr marL="0" marR="0" lvl="0" indent="0" algn="l" defTabSz="914400" rtl="0" eaLnBrk="0" fontAlgn="base" latinLnBrk="0" hangingPunct="0">
+              <a:lnSpc>
+                <a:spcPct val="100000"/>
+              </a:lnSpc>
+              <a:spcBef>
+                <a:spcPct val="0"/>
+              </a:spcBef>
+              <a:spcAft>
+                <a:spcPct val="0"/>
+              </a:spcAft>
+              <a:buClrTx/>
+              <a:buSzTx/>
+              <a:buFontTx/>
+              <a:buNone/>
+              <a:tabLst/>
+            </a:pPr>
+            <a:r>
+              <a:rPr kumimoji="0" lang="en-US" altLang="zh-CN" sz="2800" b="1" i="0" u="none" strike="noStrike" cap="none" normalizeH="0" baseline="0" dirty="0">
+                <a:ln>
+                  <a:noFill/>
+                </a:ln>
+                <a:solidFill>
+                  <a:schemeClr val="tx1"/>
+                </a:solidFill>
+                <a:effectLst/>
+                <a:latin typeface="Arial" panose="020B0604020202020204" pitchFamily="34" charset="0"/>
+              </a:rPr>
+              <a:t> Vue</a:t>
+            </a:r>
+            <a:r>
+              <a:rPr kumimoji="0" lang="zh-CN" altLang="en-US" sz="2800" b="0" i="0" u="none" strike="noStrike" cap="none" normalizeH="0" baseline="0" dirty="0">
+                <a:ln>
+                  <a:noFill/>
+                </a:ln>
+                <a:solidFill>
+                  <a:schemeClr val="tx1"/>
+                </a:solidFill>
+                <a:effectLst/>
+                <a:latin typeface="Arial" panose="020B0604020202020204" pitchFamily="34" charset="0"/>
+              </a:rPr>
+              <a:t> </a:t>
+            </a:r>
+            <a:endParaRPr kumimoji="0" lang="en-US" altLang="zh-CN" sz="2800" b="0" i="0" u="none" strike="noStrike" cap="none" normalizeH="0" baseline="0" dirty="0">
+              <a:ln>
+                <a:noFill/>
+              </a:ln>
+              <a:solidFill>
+                <a:schemeClr val="tx1"/>
+              </a:solidFill>
+              <a:effectLst/>
+              <a:latin typeface="Arial" panose="020B0604020202020204" pitchFamily="34" charset="0"/>
+            </a:endParaRPr>
+          </a:p>
+          <a:p>
+            <a:pPr marL="0" marR="0" lvl="0" indent="0" algn="l" defTabSz="914400" rtl="0" eaLnBrk="0" fontAlgn="base" latinLnBrk="0" hangingPunct="0">
+              <a:lnSpc>
+                <a:spcPct val="100000"/>
+              </a:lnSpc>
+              <a:spcBef>
+                <a:spcPct val="0"/>
+              </a:spcBef>
+              <a:spcAft>
+                <a:spcPct val="0"/>
+              </a:spcAft>
+              <a:buClrTx/>
+              <a:buSzTx/>
+              <a:buFontTx/>
+              <a:buNone/>
+              <a:tabLst/>
+            </a:pPr>
+            <a:endParaRPr kumimoji="0" lang="en-US" altLang="zh-CN" sz="1600" b="0" i="0" u="none" strike="noStrike" cap="none" normalizeH="0" baseline="0" dirty="0">
+              <a:ln>
+                <a:noFill/>
+              </a:ln>
+              <a:solidFill>
+                <a:schemeClr val="tx1"/>
+              </a:solidFill>
+              <a:effectLst/>
+              <a:latin typeface="Arial" panose="020B0604020202020204" pitchFamily="34" charset="0"/>
+            </a:endParaRPr>
+          </a:p>
+          <a:p>
+            <a:pPr marL="0" marR="0" lvl="0" indent="0" algn="l" defTabSz="914400" rtl="0" eaLnBrk="0" fontAlgn="base" latinLnBrk="0" hangingPunct="0">
+              <a:lnSpc>
+                <a:spcPct val="100000"/>
+              </a:lnSpc>
+              <a:spcBef>
+                <a:spcPct val="0"/>
+              </a:spcBef>
+              <a:spcAft>
+                <a:spcPct val="0"/>
+              </a:spcAft>
+              <a:buClrTx/>
+              <a:buSzTx/>
+              <a:buFontTx/>
+              <a:buNone/>
+              <a:tabLst/>
+            </a:pPr>
+            <a:r>
+              <a:rPr kumimoji="0" lang="zh-CN" altLang="en-US" sz="1600" b="0" i="0" u="none" strike="noStrike" cap="none" normalizeH="0" baseline="0" dirty="0">
+                <a:ln>
+                  <a:noFill/>
+                </a:ln>
+                <a:solidFill>
+                  <a:schemeClr val="tx1"/>
+                </a:solidFill>
+                <a:effectLst/>
+                <a:latin typeface="Arial" panose="020B0604020202020204" pitchFamily="34" charset="0"/>
+              </a:rPr>
+              <a:t>是一款轻量、灵活、渐进式的前端框架，专注于构建用户界面。它采用响应式数据绑定和组件化开发理念，使开发者能够高效地构建交互复杂、可维护性强的单页应用（</a:t>
+            </a:r>
+            <a:r>
+              <a:rPr kumimoji="0" lang="en-US" altLang="zh-CN" sz="1600" b="0" i="0" u="none" strike="noStrike" cap="none" normalizeH="0" baseline="0" dirty="0">
+                <a:ln>
+                  <a:noFill/>
+                </a:ln>
+                <a:solidFill>
+                  <a:schemeClr val="tx1"/>
+                </a:solidFill>
+                <a:effectLst/>
+                <a:latin typeface="Arial" panose="020B0604020202020204" pitchFamily="34" charset="0"/>
+              </a:rPr>
+              <a:t>SPA</a:t>
+            </a:r>
+            <a:r>
+              <a:rPr kumimoji="0" lang="zh-CN" altLang="en-US" sz="1600" b="0" i="0" u="none" strike="noStrike" cap="none" normalizeH="0" baseline="0" dirty="0">
+                <a:ln>
+                  <a:noFill/>
+                </a:ln>
+                <a:solidFill>
+                  <a:schemeClr val="tx1"/>
+                </a:solidFill>
+                <a:effectLst/>
+                <a:latin typeface="Arial" panose="020B0604020202020204" pitchFamily="34" charset="0"/>
+              </a:rPr>
+              <a:t>）和大型前端项目。</a:t>
+            </a:r>
+            <a:endParaRPr kumimoji="0" lang="en-US" altLang="zh-CN" sz="1600" b="0" i="0" u="none" strike="noStrike" cap="none" normalizeH="0" baseline="0" dirty="0">
+              <a:ln>
+                <a:noFill/>
+              </a:ln>
+              <a:solidFill>
+                <a:schemeClr val="tx1"/>
+              </a:solidFill>
+              <a:effectLst/>
+              <a:latin typeface="Arial" panose="020B0604020202020204" pitchFamily="34" charset="0"/>
+            </a:endParaRPr>
+          </a:p>
+          <a:p>
+            <a:pPr marL="0" marR="0" lvl="0" indent="0" algn="l" defTabSz="914400" rtl="0" eaLnBrk="0" fontAlgn="base" latinLnBrk="0" hangingPunct="0">
+              <a:lnSpc>
+                <a:spcPct val="100000"/>
+              </a:lnSpc>
+              <a:spcBef>
+                <a:spcPct val="0"/>
+              </a:spcBef>
+              <a:spcAft>
+                <a:spcPct val="0"/>
+              </a:spcAft>
+              <a:buClrTx/>
+              <a:buSzTx/>
+              <a:buFontTx/>
+              <a:buNone/>
+              <a:tabLst/>
+            </a:pPr>
+            <a:endParaRPr lang="en-US" altLang="zh-CN" sz="1600" dirty="0">
+              <a:solidFill>
+                <a:schemeClr val="tx1"/>
+              </a:solidFill>
+              <a:latin typeface="Arial" panose="020B0604020202020204" pitchFamily="34" charset="0"/>
+            </a:endParaRPr>
+          </a:p>
+          <a:p>
+            <a:pPr marL="0" marR="0" lvl="0" indent="0" algn="l" defTabSz="914400" rtl="0" eaLnBrk="0" fontAlgn="base" latinLnBrk="0" hangingPunct="0">
+              <a:lnSpc>
+                <a:spcPct val="100000"/>
+              </a:lnSpc>
+              <a:spcBef>
+                <a:spcPct val="0"/>
+              </a:spcBef>
+              <a:spcAft>
+                <a:spcPct val="0"/>
+              </a:spcAft>
+              <a:buClrTx/>
+              <a:buSzTx/>
+              <a:buFontTx/>
+              <a:buNone/>
+              <a:tabLst/>
+            </a:pPr>
+            <a:r>
+              <a:rPr kumimoji="0" lang="zh-CN" altLang="en-US" sz="1400" b="1" i="0" u="none" strike="noStrike" cap="none" normalizeH="0" baseline="0" dirty="0">
+                <a:ln>
+                  <a:noFill/>
+                </a:ln>
+                <a:solidFill>
+                  <a:schemeClr val="tx1"/>
+                </a:solidFill>
+                <a:effectLst/>
+                <a:latin typeface="Arial" panose="020B0604020202020204" pitchFamily="34" charset="0"/>
+              </a:rPr>
+              <a:t>简单易学，中文生态完善：</a:t>
+            </a:r>
+            <a:r>
+              <a:rPr kumimoji="0" lang="zh-CN" altLang="en-US" sz="1400" b="0" i="0" u="none" strike="noStrike" cap="none" normalizeH="0" baseline="0" dirty="0">
+                <a:ln>
+                  <a:noFill/>
+                </a:ln>
+                <a:solidFill>
+                  <a:schemeClr val="tx1"/>
+                </a:solidFill>
+                <a:effectLst/>
+                <a:latin typeface="Arial" panose="020B0604020202020204" pitchFamily="34" charset="0"/>
+              </a:rPr>
+              <a:t>语法直观，官方文档完善，学习曲线相对平缓，适合中小团队快速上手。</a:t>
+            </a:r>
+            <a:endParaRPr kumimoji="0" lang="en-US" altLang="zh-CN" sz="1400" b="0" i="0" u="none" strike="noStrike" cap="none" normalizeH="0" baseline="0" dirty="0">
+              <a:ln>
+                <a:noFill/>
+              </a:ln>
+              <a:solidFill>
+                <a:schemeClr val="tx1"/>
+              </a:solidFill>
+              <a:effectLst/>
+              <a:latin typeface="Arial" panose="020B0604020202020204" pitchFamily="34" charset="0"/>
+            </a:endParaRPr>
+          </a:p>
+          <a:p>
+            <a:pPr marL="0" marR="0" lvl="0" indent="0" algn="l" defTabSz="914400" rtl="0" eaLnBrk="0" fontAlgn="base" latinLnBrk="0" hangingPunct="0">
+              <a:lnSpc>
+                <a:spcPct val="100000"/>
+              </a:lnSpc>
+              <a:spcBef>
+                <a:spcPct val="0"/>
+              </a:spcBef>
+              <a:spcAft>
+                <a:spcPct val="0"/>
+              </a:spcAft>
+              <a:buClrTx/>
+              <a:buSzTx/>
+              <a:buFontTx/>
+              <a:buNone/>
+              <a:tabLst/>
+            </a:pPr>
+            <a:r>
+              <a:rPr kumimoji="0" lang="zh-CN" altLang="en-US" sz="1400" b="1" i="0" u="none" strike="noStrike" cap="none" normalizeH="0" baseline="0" dirty="0">
+                <a:ln>
+                  <a:noFill/>
+                </a:ln>
+                <a:solidFill>
+                  <a:schemeClr val="tx1"/>
+                </a:solidFill>
+                <a:effectLst/>
+                <a:latin typeface="Arial" panose="020B0604020202020204" pitchFamily="34" charset="0"/>
+              </a:rPr>
+              <a:t>响应式系统强大：</a:t>
+            </a:r>
+            <a:r>
+              <a:rPr kumimoji="0" lang="zh-CN" altLang="en-US" sz="1400" b="0" i="0" u="none" strike="noStrike" cap="none" normalizeH="0" baseline="0" dirty="0">
+                <a:ln>
+                  <a:noFill/>
+                </a:ln>
+                <a:solidFill>
+                  <a:schemeClr val="tx1"/>
+                </a:solidFill>
+                <a:effectLst/>
+                <a:latin typeface="Arial" panose="020B0604020202020204" pitchFamily="34" charset="0"/>
+              </a:rPr>
+              <a:t>通过 </a:t>
+            </a:r>
+            <a:r>
+              <a:rPr kumimoji="0" lang="en-US" altLang="zh-CN" sz="1400" b="0" i="0" u="none" strike="noStrike" cap="none" normalizeH="0" baseline="0" dirty="0">
+                <a:ln>
+                  <a:noFill/>
+                </a:ln>
+                <a:solidFill>
+                  <a:schemeClr val="tx1"/>
+                </a:solidFill>
+                <a:effectLst/>
+                <a:latin typeface="Arial" panose="020B0604020202020204" pitchFamily="34" charset="0"/>
+              </a:rPr>
+              <a:t>reactive </a:t>
+            </a:r>
+            <a:r>
+              <a:rPr kumimoji="0" lang="zh-CN" altLang="en-US" sz="1400" b="0" i="0" u="none" strike="noStrike" cap="none" normalizeH="0" baseline="0" dirty="0">
+                <a:ln>
+                  <a:noFill/>
+                </a:ln>
+                <a:solidFill>
+                  <a:schemeClr val="tx1"/>
+                </a:solidFill>
+                <a:effectLst/>
+                <a:latin typeface="Arial" panose="020B0604020202020204" pitchFamily="34" charset="0"/>
+              </a:rPr>
+              <a:t>和 </a:t>
+            </a:r>
+            <a:r>
+              <a:rPr kumimoji="0" lang="en-US" altLang="zh-CN" sz="1400" b="0" i="0" u="none" strike="noStrike" cap="none" normalizeH="0" baseline="0" dirty="0">
+                <a:ln>
+                  <a:noFill/>
+                </a:ln>
+                <a:solidFill>
+                  <a:schemeClr val="tx1"/>
+                </a:solidFill>
+                <a:effectLst/>
+                <a:latin typeface="Arial" panose="020B0604020202020204" pitchFamily="34" charset="0"/>
+              </a:rPr>
+              <a:t>ref </a:t>
+            </a:r>
+            <a:r>
+              <a:rPr kumimoji="0" lang="zh-CN" altLang="en-US" sz="1400" b="0" i="0" u="none" strike="noStrike" cap="none" normalizeH="0" baseline="0" dirty="0">
+                <a:ln>
+                  <a:noFill/>
+                </a:ln>
+                <a:solidFill>
+                  <a:schemeClr val="tx1"/>
+                </a:solidFill>
+                <a:effectLst/>
+                <a:latin typeface="Arial" panose="020B0604020202020204" pitchFamily="34" charset="0"/>
+              </a:rPr>
+              <a:t>实现数据驱动视图更新，开发体验优雅且高效。</a:t>
+            </a:r>
+            <a:endParaRPr kumimoji="0" lang="en-US" altLang="zh-CN" sz="1400" b="0" i="0" u="none" strike="noStrike" cap="none" normalizeH="0" baseline="0" dirty="0">
+              <a:ln>
+                <a:noFill/>
+              </a:ln>
+              <a:solidFill>
+                <a:schemeClr val="tx1"/>
+              </a:solidFill>
+              <a:effectLst/>
+              <a:latin typeface="Arial" panose="020B0604020202020204" pitchFamily="34" charset="0"/>
+            </a:endParaRPr>
+          </a:p>
+          <a:p>
+            <a:pPr marL="0" marR="0" lvl="0" indent="0" algn="l" defTabSz="914400" rtl="0" eaLnBrk="0" fontAlgn="base" latinLnBrk="0" hangingPunct="0">
+              <a:lnSpc>
+                <a:spcPct val="100000"/>
+              </a:lnSpc>
+              <a:spcBef>
+                <a:spcPct val="0"/>
+              </a:spcBef>
+              <a:spcAft>
+                <a:spcPct val="0"/>
+              </a:spcAft>
+              <a:buClrTx/>
+              <a:buSzTx/>
+              <a:buFontTx/>
+              <a:buNone/>
+              <a:tabLst/>
+            </a:pPr>
+            <a:r>
+              <a:rPr kumimoji="0" lang="zh-CN" altLang="en-US" sz="1400" b="1" i="0" u="none" strike="noStrike" cap="none" normalizeH="0" baseline="0" dirty="0">
+                <a:ln>
+                  <a:noFill/>
+                </a:ln>
+                <a:solidFill>
+                  <a:schemeClr val="tx1"/>
+                </a:solidFill>
+                <a:effectLst/>
+                <a:latin typeface="Arial" panose="020B0604020202020204" pitchFamily="34" charset="0"/>
+              </a:rPr>
+              <a:t>组合式 </a:t>
+            </a:r>
+            <a:r>
+              <a:rPr kumimoji="0" lang="en-US" altLang="zh-CN" sz="1400" b="1" i="0" u="none" strike="noStrike" cap="none" normalizeH="0" baseline="0" dirty="0">
+                <a:ln>
+                  <a:noFill/>
+                </a:ln>
+                <a:solidFill>
+                  <a:schemeClr val="tx1"/>
+                </a:solidFill>
+                <a:effectLst/>
+                <a:latin typeface="Arial" panose="020B0604020202020204" pitchFamily="34" charset="0"/>
+              </a:rPr>
+              <a:t>API (Composition API)</a:t>
+            </a:r>
+            <a:r>
+              <a:rPr kumimoji="0" lang="zh-CN" altLang="en-US" sz="1400" b="1" i="0" u="none" strike="noStrike" cap="none" normalizeH="0" baseline="0" dirty="0">
+                <a:ln>
+                  <a:noFill/>
+                </a:ln>
+                <a:solidFill>
+                  <a:schemeClr val="tx1"/>
+                </a:solidFill>
+                <a:effectLst/>
+                <a:latin typeface="Arial" panose="020B0604020202020204" pitchFamily="34" charset="0"/>
+              </a:rPr>
+              <a:t>：</a:t>
+            </a:r>
+            <a:r>
+              <a:rPr kumimoji="0" lang="zh-CN" altLang="en-US" sz="1400" b="0" i="0" u="none" strike="noStrike" cap="none" normalizeH="0" baseline="0" dirty="0">
+                <a:ln>
+                  <a:noFill/>
+                </a:ln>
+                <a:solidFill>
+                  <a:schemeClr val="tx1"/>
+                </a:solidFill>
+                <a:effectLst/>
+                <a:latin typeface="Arial" panose="020B0604020202020204" pitchFamily="34" charset="0"/>
+              </a:rPr>
+              <a:t>增强逻辑复用能力，适用于大型项目的模块化开发。</a:t>
+            </a:r>
+            <a:endParaRPr kumimoji="0" lang="en-US" altLang="zh-CN" sz="1400" b="0" i="0" u="none" strike="noStrike" cap="none" normalizeH="0" baseline="0" dirty="0">
+              <a:ln>
+                <a:noFill/>
+              </a:ln>
+              <a:solidFill>
+                <a:schemeClr val="tx1"/>
+              </a:solidFill>
+              <a:effectLst/>
+              <a:latin typeface="Arial" panose="020B0604020202020204" pitchFamily="34" charset="0"/>
+            </a:endParaRPr>
+          </a:p>
+          <a:p>
+            <a:pPr marL="0" marR="0" lvl="0" indent="0" algn="l" defTabSz="914400" rtl="0" eaLnBrk="0" fontAlgn="base" latinLnBrk="0" hangingPunct="0">
+              <a:lnSpc>
+                <a:spcPct val="100000"/>
+              </a:lnSpc>
+              <a:spcBef>
+                <a:spcPct val="0"/>
+              </a:spcBef>
+              <a:spcAft>
+                <a:spcPct val="0"/>
+              </a:spcAft>
+              <a:buClrTx/>
+              <a:buSzTx/>
+              <a:buFontTx/>
+              <a:buNone/>
+              <a:tabLst/>
+            </a:pPr>
+            <a:r>
+              <a:rPr kumimoji="0" lang="zh-CN" altLang="en-US" sz="1400" b="1" i="0" u="none" strike="noStrike" cap="none" normalizeH="0" baseline="0" dirty="0">
+                <a:ln>
+                  <a:noFill/>
+                </a:ln>
+                <a:solidFill>
+                  <a:schemeClr val="tx1"/>
+                </a:solidFill>
+                <a:effectLst/>
+                <a:latin typeface="Arial" panose="020B0604020202020204" pitchFamily="34" charset="0"/>
+              </a:rPr>
+              <a:t>组件化开发：</a:t>
+            </a:r>
+            <a:r>
+              <a:rPr kumimoji="0" lang="zh-CN" altLang="en-US" sz="1400" b="0" i="0" u="none" strike="noStrike" cap="none" normalizeH="0" baseline="0" dirty="0">
+                <a:ln>
+                  <a:noFill/>
+                </a:ln>
+                <a:solidFill>
+                  <a:schemeClr val="tx1"/>
+                </a:solidFill>
+                <a:effectLst/>
+                <a:latin typeface="Arial" panose="020B0604020202020204" pitchFamily="34" charset="0"/>
+              </a:rPr>
+              <a:t>鼓励 </a:t>
+            </a:r>
+            <a:r>
+              <a:rPr kumimoji="0" lang="en-US" altLang="zh-CN" sz="1400" b="0" i="0" u="none" strike="noStrike" cap="none" normalizeH="0" baseline="0" dirty="0">
+                <a:ln>
+                  <a:noFill/>
+                </a:ln>
+                <a:solidFill>
+                  <a:schemeClr val="tx1"/>
+                </a:solidFill>
+                <a:effectLst/>
+                <a:latin typeface="Arial" panose="020B0604020202020204" pitchFamily="34" charset="0"/>
+              </a:rPr>
+              <a:t>UI </a:t>
+            </a:r>
+            <a:r>
+              <a:rPr kumimoji="0" lang="zh-CN" altLang="en-US" sz="1400" b="0" i="0" u="none" strike="noStrike" cap="none" normalizeH="0" baseline="0" dirty="0">
+                <a:ln>
+                  <a:noFill/>
+                </a:ln>
+                <a:solidFill>
+                  <a:schemeClr val="tx1"/>
+                </a:solidFill>
+                <a:effectLst/>
+                <a:latin typeface="Arial" panose="020B0604020202020204" pitchFamily="34" charset="0"/>
+              </a:rPr>
+              <a:t>与逻辑封装，提升代码组织性和复用性。</a:t>
+            </a:r>
+            <a:endParaRPr kumimoji="0" lang="en-US" altLang="zh-CN" sz="1400" b="0" i="0" u="none" strike="noStrike" cap="none" normalizeH="0" baseline="0" dirty="0">
+              <a:ln>
+                <a:noFill/>
+              </a:ln>
+              <a:solidFill>
+                <a:schemeClr val="tx1"/>
+              </a:solidFill>
+              <a:effectLst/>
+              <a:latin typeface="Arial" panose="020B0604020202020204" pitchFamily="34" charset="0"/>
+            </a:endParaRPr>
+          </a:p>
+          <a:p>
+            <a:pPr marL="0" marR="0" lvl="0" indent="0" algn="l" defTabSz="914400" rtl="0" eaLnBrk="0" fontAlgn="base" latinLnBrk="0" hangingPunct="0">
+              <a:lnSpc>
+                <a:spcPct val="100000"/>
+              </a:lnSpc>
+              <a:spcBef>
+                <a:spcPct val="0"/>
+              </a:spcBef>
+              <a:spcAft>
+                <a:spcPct val="0"/>
+              </a:spcAft>
+              <a:buClrTx/>
+              <a:buSzTx/>
+              <a:buFontTx/>
+              <a:buNone/>
+              <a:tabLst/>
+            </a:pPr>
+            <a:r>
+              <a:rPr kumimoji="0" lang="zh-CN" altLang="en-US" sz="1400" b="1" i="0" u="none" strike="noStrike" cap="none" normalizeH="0" baseline="0" dirty="0">
+                <a:ln>
+                  <a:noFill/>
+                </a:ln>
+                <a:solidFill>
+                  <a:schemeClr val="tx1"/>
+                </a:solidFill>
+                <a:effectLst/>
+                <a:latin typeface="Arial" panose="020B0604020202020204" pitchFamily="34" charset="0"/>
+              </a:rPr>
+              <a:t>生态丰富：</a:t>
+            </a:r>
+            <a:r>
+              <a:rPr kumimoji="0" lang="en-US" altLang="zh-CN" sz="1400" b="0" i="0" u="none" strike="noStrike" cap="none" normalizeH="0" baseline="0" dirty="0" err="1">
+                <a:ln>
+                  <a:noFill/>
+                </a:ln>
+                <a:solidFill>
+                  <a:schemeClr val="tx1"/>
+                </a:solidFill>
+                <a:effectLst/>
+                <a:latin typeface="Arial" panose="020B0604020202020204" pitchFamily="34" charset="0"/>
+              </a:rPr>
+              <a:t>Pinia</a:t>
+            </a:r>
+            <a:r>
+              <a:rPr kumimoji="0" lang="zh-CN" altLang="en-US" sz="1400" b="0" i="0" u="none" strike="noStrike" cap="none" normalizeH="0" baseline="0" dirty="0">
+                <a:ln>
+                  <a:noFill/>
+                </a:ln>
+                <a:solidFill>
+                  <a:schemeClr val="tx1"/>
+                </a:solidFill>
+                <a:effectLst/>
+                <a:latin typeface="Arial" panose="020B0604020202020204" pitchFamily="34" charset="0"/>
+              </a:rPr>
+              <a:t>（状态管理）、</a:t>
+            </a:r>
+            <a:r>
+              <a:rPr kumimoji="0" lang="en-US" altLang="zh-CN" sz="1400" b="0" i="0" u="none" strike="noStrike" cap="none" normalizeH="0" baseline="0" dirty="0">
+                <a:ln>
+                  <a:noFill/>
+                </a:ln>
+                <a:solidFill>
+                  <a:schemeClr val="tx1"/>
+                </a:solidFill>
+                <a:effectLst/>
+                <a:latin typeface="Arial" panose="020B0604020202020204" pitchFamily="34" charset="0"/>
+              </a:rPr>
+              <a:t>Vue Router</a:t>
+            </a:r>
+            <a:r>
+              <a:rPr kumimoji="0" lang="zh-CN" altLang="en-US" sz="1400" b="0" i="0" u="none" strike="noStrike" cap="none" normalizeH="0" baseline="0" dirty="0">
+                <a:ln>
+                  <a:noFill/>
+                </a:ln>
+                <a:solidFill>
+                  <a:schemeClr val="tx1"/>
+                </a:solidFill>
+                <a:effectLst/>
+                <a:latin typeface="Arial" panose="020B0604020202020204" pitchFamily="34" charset="0"/>
+              </a:rPr>
+              <a:t>、</a:t>
+            </a:r>
+            <a:r>
+              <a:rPr kumimoji="0" lang="en-US" altLang="zh-CN" sz="1400" b="0" i="0" u="none" strike="noStrike" cap="none" normalizeH="0" baseline="0" dirty="0" err="1">
+                <a:ln>
+                  <a:noFill/>
+                </a:ln>
+                <a:solidFill>
+                  <a:schemeClr val="tx1"/>
+                </a:solidFill>
+                <a:effectLst/>
+                <a:latin typeface="Arial" panose="020B0604020202020204" pitchFamily="34" charset="0"/>
+              </a:rPr>
+              <a:t>Vite</a:t>
+            </a:r>
+            <a:r>
+              <a:rPr kumimoji="0" lang="zh-CN" altLang="en-US" sz="1400" b="0" i="0" u="none" strike="noStrike" cap="none" normalizeH="0" baseline="0" dirty="0">
+                <a:ln>
+                  <a:noFill/>
+                </a:ln>
+                <a:solidFill>
+                  <a:schemeClr val="tx1"/>
+                </a:solidFill>
+                <a:effectLst/>
+                <a:latin typeface="Arial" panose="020B0604020202020204" pitchFamily="34" charset="0"/>
+              </a:rPr>
+              <a:t>（构建）、</a:t>
+            </a:r>
+            <a:r>
+              <a:rPr kumimoji="0" lang="en-US" altLang="zh-CN" sz="1400" b="0" i="0" u="none" strike="noStrike" cap="none" normalizeH="0" baseline="0" dirty="0" err="1">
+                <a:ln>
+                  <a:noFill/>
+                </a:ln>
+                <a:solidFill>
+                  <a:schemeClr val="tx1"/>
+                </a:solidFill>
+                <a:effectLst/>
+                <a:latin typeface="Arial" panose="020B0604020202020204" pitchFamily="34" charset="0"/>
+              </a:rPr>
+              <a:t>VueUse</a:t>
+            </a:r>
+            <a:r>
+              <a:rPr kumimoji="0" lang="en-US" altLang="zh-CN" sz="1400" b="0" i="0" u="none" strike="noStrike" cap="none" normalizeH="0" baseline="0" dirty="0">
+                <a:ln>
+                  <a:noFill/>
+                </a:ln>
+                <a:solidFill>
+                  <a:schemeClr val="tx1"/>
+                </a:solidFill>
+                <a:effectLst/>
+                <a:latin typeface="Arial" panose="020B0604020202020204" pitchFamily="34" charset="0"/>
+              </a:rPr>
+              <a:t> </a:t>
+            </a:r>
+            <a:r>
+              <a:rPr kumimoji="0" lang="zh-CN" altLang="en-US" sz="1400" b="0" i="0" u="none" strike="noStrike" cap="none" normalizeH="0" baseline="0" dirty="0">
+                <a:ln>
+                  <a:noFill/>
+                </a:ln>
+                <a:solidFill>
+                  <a:schemeClr val="tx1"/>
+                </a:solidFill>
+                <a:effectLst/>
+                <a:latin typeface="Arial" panose="020B0604020202020204" pitchFamily="34" charset="0"/>
+              </a:rPr>
+              <a:t>等构建完整技术栈。</a:t>
+            </a:r>
+            <a:endParaRPr kumimoji="0" lang="en-US" altLang="zh-CN" sz="1400" b="0" i="0" u="none" strike="noStrike" cap="none" normalizeH="0" baseline="0" dirty="0">
+              <a:ln>
+                <a:noFill/>
+              </a:ln>
+              <a:solidFill>
+                <a:schemeClr val="tx1"/>
+              </a:solidFill>
+              <a:effectLst/>
+              <a:latin typeface="Arial" panose="020B0604020202020204" pitchFamily="34" charset="0"/>
+            </a:endParaRPr>
+          </a:p>
+          <a:p>
+            <a:pPr marL="0" marR="0" lvl="0" indent="0" algn="l" defTabSz="914400" rtl="0" eaLnBrk="0" fontAlgn="base" latinLnBrk="0" hangingPunct="0">
+              <a:lnSpc>
+                <a:spcPct val="100000"/>
+              </a:lnSpc>
+              <a:spcBef>
+                <a:spcPct val="0"/>
+              </a:spcBef>
+              <a:spcAft>
+                <a:spcPct val="0"/>
+              </a:spcAft>
+              <a:buClrTx/>
+              <a:buSzTx/>
+              <a:buFontTx/>
+              <a:buNone/>
+              <a:tabLst/>
+            </a:pPr>
+            <a:r>
+              <a:rPr kumimoji="0" lang="zh-CN" altLang="en-US" sz="1400" b="1" i="0" u="none" strike="noStrike" cap="none" normalizeH="0" baseline="0" dirty="0">
+                <a:ln>
+                  <a:noFill/>
+                </a:ln>
+                <a:solidFill>
+                  <a:schemeClr val="tx1"/>
+                </a:solidFill>
+                <a:effectLst/>
+                <a:latin typeface="Arial" panose="020B0604020202020204" pitchFamily="34" charset="0"/>
+              </a:rPr>
+              <a:t>良好的渐进式设计：</a:t>
+            </a:r>
+            <a:r>
+              <a:rPr kumimoji="0" lang="zh-CN" altLang="en-US" sz="1400" b="0" i="0" u="none" strike="noStrike" cap="none" normalizeH="0" baseline="0" dirty="0">
+                <a:ln>
+                  <a:noFill/>
+                </a:ln>
+                <a:solidFill>
+                  <a:schemeClr val="tx1"/>
+                </a:solidFill>
+                <a:effectLst/>
+                <a:latin typeface="Arial" panose="020B0604020202020204" pitchFamily="34" charset="0"/>
+              </a:rPr>
+              <a:t>可以逐步引入特性，适用于小型项目或将现有项目渐进迁移到 </a:t>
+            </a:r>
+            <a:r>
+              <a:rPr kumimoji="0" lang="en-US" altLang="zh-CN" sz="1400" b="0" i="0" u="none" strike="noStrike" cap="none" normalizeH="0" baseline="0" dirty="0">
+                <a:ln>
+                  <a:noFill/>
+                </a:ln>
+                <a:solidFill>
+                  <a:schemeClr val="tx1"/>
+                </a:solidFill>
+                <a:effectLst/>
+                <a:latin typeface="Arial" panose="020B0604020202020204" pitchFamily="34" charset="0"/>
+              </a:rPr>
+              <a:t>Vue</a:t>
+            </a:r>
+            <a:r>
+              <a:rPr kumimoji="0" lang="zh-CN" altLang="en-US" sz="1400" b="0" i="0" u="none" strike="noStrike" cap="none" normalizeH="0" baseline="0" dirty="0">
+                <a:ln>
+                  <a:noFill/>
+                </a:ln>
+                <a:solidFill>
+                  <a:schemeClr val="tx1"/>
+                </a:solidFill>
+                <a:effectLst/>
+                <a:latin typeface="Arial" panose="020B0604020202020204" pitchFamily="34" charset="0"/>
+              </a:rPr>
+              <a:t>。</a:t>
+            </a:r>
+            <a:endParaRPr kumimoji="0" lang="en-US" altLang="zh-CN" sz="1400" b="0" i="0" u="none" strike="noStrike" cap="none" normalizeH="0" baseline="0" dirty="0">
+              <a:ln>
+                <a:noFill/>
+              </a:ln>
+              <a:solidFill>
+                <a:schemeClr val="tx1"/>
+              </a:solidFill>
+              <a:effectLst/>
+              <a:latin typeface="Arial" panose="020B0604020202020204" pitchFamily="34" charset="0"/>
+            </a:endParaRPr>
+          </a:p>
+        </p:txBody>
+      </p:sp>
+      <p:grpSp>
+        <p:nvGrpSpPr>
+          <p:cNvPr id="32" name="Group 31">
+            <a:extLst>
+              <a:ext uri="{FF2B5EF4-FFF2-40B4-BE49-F238E27FC236}">
+                <a16:creationId xmlns:a16="http://schemas.microsoft.com/office/drawing/2014/main" id="{D33D2A8E-C72B-F3B7-6650-AC27545A940A}"/>
+              </a:ext>
+            </a:extLst>
+          </p:cNvPr>
+          <p:cNvGrpSpPr/>
+          <p:nvPr/>
+        </p:nvGrpSpPr>
+        <p:grpSpPr>
+          <a:xfrm>
+            <a:off x="3155145" y="5523518"/>
+            <a:ext cx="4386653" cy="1126259"/>
+            <a:chOff x="7614613" y="5950488"/>
+            <a:chExt cx="4386653" cy="1126259"/>
+          </a:xfrm>
+        </p:grpSpPr>
+        <p:sp>
+          <p:nvSpPr>
+            <p:cNvPr id="30" name="Rectangle: Rounded Corners 29">
+              <a:extLst>
+                <a:ext uri="{FF2B5EF4-FFF2-40B4-BE49-F238E27FC236}">
+                  <a16:creationId xmlns:a16="http://schemas.microsoft.com/office/drawing/2014/main" id="{A87CBF22-2A69-A7B1-0210-035DA3F644B2}"/>
+                </a:ext>
+              </a:extLst>
+            </p:cNvPr>
+            <p:cNvSpPr/>
+            <p:nvPr/>
+          </p:nvSpPr>
+          <p:spPr>
+            <a:xfrm>
+              <a:off x="7614613" y="5950488"/>
+              <a:ext cx="4386653" cy="285959"/>
+            </a:xfrm>
+            <a:prstGeom prst="roundRect">
+              <a:avLst>
+                <a:gd name="adj" fmla="val 16014"/>
+              </a:avLst>
+            </a:prstGeom>
+            <a:solidFill>
+              <a:schemeClr val="tx1"/>
+            </a:solidFill>
+          </p:spPr>
+          <p:style>
+            <a:lnRef idx="2">
+              <a:schemeClr val="accent1">
+                <a:shade val="15000"/>
+              </a:schemeClr>
+            </a:lnRef>
+            <a:fillRef idx="1">
+              <a:schemeClr val="accent1"/>
+            </a:fillRef>
+            <a:effectRef idx="0">
+              <a:schemeClr val="accent1"/>
+            </a:effectRef>
+            <a:fontRef idx="minor">
+              <a:schemeClr val="lt1"/>
+            </a:fontRef>
+          </p:style>
+          <p:txBody>
+            <a:bodyPr rtlCol="0" anchor="ctr"/>
+            <a:lstStyle/>
+            <a:p>
+              <a:r>
+                <a:rPr lang="zh-CN" altLang="en-US" sz="1200" dirty="0">
+                  <a:solidFill>
+                    <a:schemeClr val="bg1"/>
+                  </a:solidFill>
+                  <a:latin typeface="ui-monospace"/>
+                </a:rPr>
+                <a:t>▶拓展</a:t>
+              </a:r>
+              <a:endParaRPr lang="en-US" altLang="zh-CN" sz="1200" dirty="0">
+                <a:solidFill>
+                  <a:schemeClr val="bg1"/>
+                </a:solidFill>
+                <a:latin typeface="ui-monospace"/>
+              </a:endParaRPr>
+            </a:p>
+          </p:txBody>
+        </p:sp>
+        <p:sp>
+          <p:nvSpPr>
+            <p:cNvPr id="31" name="TextBox 30">
+              <a:extLst>
+                <a:ext uri="{FF2B5EF4-FFF2-40B4-BE49-F238E27FC236}">
+                  <a16:creationId xmlns:a16="http://schemas.microsoft.com/office/drawing/2014/main" id="{2BC95877-7080-57DE-E862-3D4C677B13EE}"/>
+                </a:ext>
+              </a:extLst>
+            </p:cNvPr>
+            <p:cNvSpPr txBox="1"/>
+            <p:nvPr/>
+          </p:nvSpPr>
+          <p:spPr>
+            <a:xfrm>
+              <a:off x="7667294" y="6245750"/>
+              <a:ext cx="4281578" cy="830997"/>
+            </a:xfrm>
+            <a:prstGeom prst="rect">
+              <a:avLst/>
+            </a:prstGeom>
+            <a:noFill/>
+          </p:spPr>
+          <p:txBody>
+            <a:bodyPr wrap="square">
+              <a:spAutoFit/>
+            </a:bodyPr>
+            <a:lstStyle/>
+            <a:p>
+              <a:r>
+                <a:rPr lang="zh-CN" altLang="en-US" sz="1200" dirty="0">
+                  <a:solidFill>
+                    <a:srgbClr val="44BD86"/>
+                  </a:solidFill>
+                  <a:latin typeface="ui-monospace"/>
+                </a:rPr>
+                <a:t>组合式函数</a:t>
+              </a:r>
+              <a:endParaRPr lang="en-US" altLang="zh-CN" sz="1200" dirty="0">
+                <a:solidFill>
+                  <a:srgbClr val="44BD86"/>
+                </a:solidFill>
+                <a:latin typeface="ui-monospace"/>
+              </a:endParaRPr>
+            </a:p>
+            <a:p>
+              <a:r>
+                <a:rPr lang="zh-CN" altLang="en-US" sz="1200" dirty="0">
+                  <a:solidFill>
+                    <a:srgbClr val="44BD86"/>
+                  </a:solidFill>
+                  <a:latin typeface="ui-monospace"/>
+                </a:rPr>
+                <a:t>自定义指令</a:t>
+              </a:r>
+              <a:endParaRPr lang="en-US" altLang="zh-CN" sz="1200" dirty="0">
+                <a:solidFill>
+                  <a:srgbClr val="44BD86"/>
+                </a:solidFill>
+                <a:latin typeface="ui-monospace"/>
+              </a:endParaRPr>
+            </a:p>
+            <a:p>
+              <a:r>
+                <a:rPr lang="en-US" altLang="zh-CN" sz="1200" dirty="0">
+                  <a:solidFill>
+                    <a:srgbClr val="44BD86"/>
+                  </a:solidFill>
+                  <a:latin typeface="ui-monospace"/>
+                </a:rPr>
+                <a:t>&lt;Teleport to=</a:t>
+              </a:r>
+              <a:r>
+                <a:rPr lang="en-US" sz="1200" dirty="0">
+                  <a:solidFill>
+                    <a:srgbClr val="44BD86"/>
+                  </a:solidFill>
+                  <a:latin typeface="ui-monospace"/>
+                </a:rPr>
+                <a:t>"</a:t>
+              </a:r>
+              <a:r>
+                <a:rPr lang="en-US" altLang="zh-CN" sz="1200" dirty="0">
+                  <a:solidFill>
+                    <a:srgbClr val="44BD86"/>
+                  </a:solidFill>
+                  <a:latin typeface="ui-monospace"/>
+                </a:rPr>
+                <a:t>body</a:t>
+              </a:r>
+              <a:r>
+                <a:rPr lang="en-US" sz="1200" dirty="0">
+                  <a:solidFill>
+                    <a:srgbClr val="44BD86"/>
+                  </a:solidFill>
+                  <a:latin typeface="ui-monospace"/>
+                </a:rPr>
+                <a:t>"</a:t>
+              </a:r>
+              <a:r>
+                <a:rPr lang="en-US" altLang="zh-CN" sz="1200" dirty="0">
+                  <a:solidFill>
+                    <a:srgbClr val="44BD86"/>
+                  </a:solidFill>
+                  <a:latin typeface="ui-monospace"/>
+                </a:rPr>
+                <a:t>&gt;&lt;/Teleport&gt;</a:t>
+              </a:r>
+            </a:p>
+            <a:p>
+              <a:r>
+                <a:rPr lang="zh-CN" altLang="en-US" sz="1200" dirty="0">
+                  <a:solidFill>
+                    <a:srgbClr val="44BD86"/>
+                  </a:solidFill>
+                  <a:latin typeface="ui-monospace"/>
+                </a:rPr>
+                <a:t>单元测试</a:t>
+              </a:r>
+              <a:endParaRPr lang="en-US" altLang="zh-CN" sz="1200" dirty="0">
+                <a:solidFill>
+                  <a:srgbClr val="44BD86"/>
+                </a:solidFill>
+                <a:latin typeface="ui-monospace"/>
+              </a:endParaRPr>
+            </a:p>
+          </p:txBody>
+        </p:sp>
+      </p:grpSp>
+      <p:grpSp>
+        <p:nvGrpSpPr>
+          <p:cNvPr id="33" name="Group 32">
+            <a:extLst>
+              <a:ext uri="{FF2B5EF4-FFF2-40B4-BE49-F238E27FC236}">
+                <a16:creationId xmlns:a16="http://schemas.microsoft.com/office/drawing/2014/main" id="{B669CF29-58BB-DB19-E1A0-5A9E43620F75}"/>
+              </a:ext>
+            </a:extLst>
+          </p:cNvPr>
+          <p:cNvGrpSpPr/>
+          <p:nvPr/>
+        </p:nvGrpSpPr>
+        <p:grpSpPr>
+          <a:xfrm>
+            <a:off x="7614609" y="73250"/>
+            <a:ext cx="4386653" cy="572261"/>
+            <a:chOff x="7614613" y="5950488"/>
+            <a:chExt cx="4386653" cy="572261"/>
+          </a:xfrm>
+        </p:grpSpPr>
+        <p:sp>
+          <p:nvSpPr>
+            <p:cNvPr id="34" name="Rectangle: Rounded Corners 33">
+              <a:extLst>
+                <a:ext uri="{FF2B5EF4-FFF2-40B4-BE49-F238E27FC236}">
+                  <a16:creationId xmlns:a16="http://schemas.microsoft.com/office/drawing/2014/main" id="{96BAD8AD-3198-E06A-3088-04BB09BD5983}"/>
+                </a:ext>
+              </a:extLst>
+            </p:cNvPr>
+            <p:cNvSpPr/>
+            <p:nvPr/>
+          </p:nvSpPr>
+          <p:spPr>
+            <a:xfrm>
+              <a:off x="7614613" y="5950488"/>
+              <a:ext cx="4386653" cy="285959"/>
+            </a:xfrm>
+            <a:prstGeom prst="roundRect">
+              <a:avLst>
+                <a:gd name="adj" fmla="val 16014"/>
+              </a:avLst>
+            </a:prstGeom>
+            <a:solidFill>
+              <a:schemeClr val="tx1"/>
+            </a:solidFill>
+          </p:spPr>
+          <p:style>
+            <a:lnRef idx="2">
+              <a:schemeClr val="accent1">
+                <a:shade val="15000"/>
+              </a:schemeClr>
+            </a:lnRef>
+            <a:fillRef idx="1">
+              <a:schemeClr val="accent1"/>
+            </a:fillRef>
+            <a:effectRef idx="0">
+              <a:schemeClr val="accent1"/>
+            </a:effectRef>
+            <a:fontRef idx="minor">
+              <a:schemeClr val="lt1"/>
+            </a:fontRef>
+          </p:style>
+          <p:txBody>
+            <a:bodyPr rtlCol="0" anchor="ctr"/>
+            <a:lstStyle/>
+            <a:p>
+              <a:r>
+                <a:rPr lang="zh-CN" altLang="en-US" sz="1200" dirty="0">
+                  <a:solidFill>
+                    <a:schemeClr val="bg1"/>
+                  </a:solidFill>
+                  <a:latin typeface="ui-monospace"/>
+                </a:rPr>
+                <a:t>▶响应式变量</a:t>
+              </a:r>
+              <a:endParaRPr lang="en-US" altLang="zh-CN" sz="1200" dirty="0">
+                <a:solidFill>
+                  <a:schemeClr val="bg1"/>
+                </a:solidFill>
+                <a:latin typeface="ui-monospace"/>
+              </a:endParaRPr>
+            </a:p>
+          </p:txBody>
+        </p:sp>
+        <p:sp>
+          <p:nvSpPr>
+            <p:cNvPr id="35" name="TextBox 34">
+              <a:extLst>
+                <a:ext uri="{FF2B5EF4-FFF2-40B4-BE49-F238E27FC236}">
+                  <a16:creationId xmlns:a16="http://schemas.microsoft.com/office/drawing/2014/main" id="{441AD841-B020-834F-3FCE-AAA92E0E965B}"/>
+                </a:ext>
+              </a:extLst>
+            </p:cNvPr>
+            <p:cNvSpPr txBox="1"/>
+            <p:nvPr/>
+          </p:nvSpPr>
+          <p:spPr>
+            <a:xfrm>
+              <a:off x="7667294" y="6245750"/>
+              <a:ext cx="4281578" cy="276999"/>
+            </a:xfrm>
+            <a:prstGeom prst="rect">
+              <a:avLst/>
+            </a:prstGeom>
+            <a:noFill/>
+          </p:spPr>
+          <p:txBody>
+            <a:bodyPr wrap="square">
+              <a:spAutoFit/>
+            </a:bodyPr>
+            <a:lstStyle/>
+            <a:p>
+              <a:r>
+                <a:rPr lang="en-US" sz="1200" dirty="0">
+                  <a:solidFill>
+                    <a:srgbClr val="44BD86"/>
+                  </a:solidFill>
+                  <a:latin typeface="ui-monospace"/>
+                </a:rPr>
+                <a:t>ref(0) / reactive({…}) / </a:t>
+              </a:r>
+              <a:r>
+                <a:rPr lang="en-US" sz="1200" dirty="0" err="1">
+                  <a:solidFill>
+                    <a:srgbClr val="44BD86"/>
+                  </a:solidFill>
+                  <a:latin typeface="ui-monospace"/>
+                </a:rPr>
+                <a:t>toRef</a:t>
+              </a:r>
+              <a:r>
+                <a:rPr lang="en-US" sz="1200" dirty="0">
+                  <a:solidFill>
+                    <a:srgbClr val="44BD86"/>
+                  </a:solidFill>
+                  <a:latin typeface="ui-monospace"/>
+                </a:rPr>
+                <a:t>()</a:t>
+              </a:r>
+            </a:p>
+          </p:txBody>
+        </p:sp>
+      </p:grpSp>
+      <p:grpSp>
+        <p:nvGrpSpPr>
+          <p:cNvPr id="36" name="Group 35">
+            <a:extLst>
+              <a:ext uri="{FF2B5EF4-FFF2-40B4-BE49-F238E27FC236}">
+                <a16:creationId xmlns:a16="http://schemas.microsoft.com/office/drawing/2014/main" id="{9EFD5587-1236-0D5A-092B-896B6AD9DAA1}"/>
+              </a:ext>
+            </a:extLst>
+          </p:cNvPr>
+          <p:cNvGrpSpPr/>
+          <p:nvPr/>
+        </p:nvGrpSpPr>
+        <p:grpSpPr>
+          <a:xfrm>
+            <a:off x="7614611" y="2102013"/>
+            <a:ext cx="4386653" cy="1126259"/>
+            <a:chOff x="7614613" y="5950488"/>
+            <a:chExt cx="4386653" cy="1126259"/>
+          </a:xfrm>
+        </p:grpSpPr>
+        <p:sp>
+          <p:nvSpPr>
+            <p:cNvPr id="37" name="Rectangle: Rounded Corners 36">
+              <a:extLst>
+                <a:ext uri="{FF2B5EF4-FFF2-40B4-BE49-F238E27FC236}">
+                  <a16:creationId xmlns:a16="http://schemas.microsoft.com/office/drawing/2014/main" id="{E8979E40-0C50-F7E1-EFD6-73DBA2FB1BB6}"/>
+                </a:ext>
+              </a:extLst>
+            </p:cNvPr>
+            <p:cNvSpPr/>
+            <p:nvPr/>
+          </p:nvSpPr>
+          <p:spPr>
+            <a:xfrm>
+              <a:off x="7614613" y="5950488"/>
+              <a:ext cx="4386653" cy="285959"/>
+            </a:xfrm>
+            <a:prstGeom prst="roundRect">
+              <a:avLst>
+                <a:gd name="adj" fmla="val 16014"/>
+              </a:avLst>
+            </a:prstGeom>
+            <a:solidFill>
+              <a:schemeClr val="tx1"/>
+            </a:solidFill>
+          </p:spPr>
+          <p:style>
+            <a:lnRef idx="2">
+              <a:schemeClr val="accent1">
+                <a:shade val="15000"/>
+              </a:schemeClr>
+            </a:lnRef>
+            <a:fillRef idx="1">
+              <a:schemeClr val="accent1"/>
+            </a:fillRef>
+            <a:effectRef idx="0">
+              <a:schemeClr val="accent1"/>
+            </a:effectRef>
+            <a:fontRef idx="minor">
+              <a:schemeClr val="lt1"/>
+            </a:fontRef>
+          </p:style>
+          <p:txBody>
+            <a:bodyPr rtlCol="0" anchor="ctr"/>
+            <a:lstStyle/>
+            <a:p>
+              <a:r>
+                <a:rPr lang="zh-CN" altLang="en-US" sz="1200" dirty="0">
+                  <a:solidFill>
+                    <a:schemeClr val="bg1"/>
+                  </a:solidFill>
+                  <a:latin typeface="ui-monospace"/>
+                </a:rPr>
+                <a:t>▶内置指令 </a:t>
+              </a:r>
+              <a:r>
+                <a:rPr lang="en-US" altLang="zh-CN" sz="1200" dirty="0">
+                  <a:solidFill>
+                    <a:schemeClr val="bg1"/>
+                  </a:solidFill>
+                  <a:latin typeface="ui-monospace"/>
+                </a:rPr>
+                <a:t>directives</a:t>
+              </a:r>
+            </a:p>
+          </p:txBody>
+        </p:sp>
+        <p:sp>
+          <p:nvSpPr>
+            <p:cNvPr id="38" name="TextBox 37">
+              <a:extLst>
+                <a:ext uri="{FF2B5EF4-FFF2-40B4-BE49-F238E27FC236}">
+                  <a16:creationId xmlns:a16="http://schemas.microsoft.com/office/drawing/2014/main" id="{86B99746-F643-49D7-A29D-2B0CAA99A6EF}"/>
+                </a:ext>
+              </a:extLst>
+            </p:cNvPr>
+            <p:cNvSpPr txBox="1"/>
+            <p:nvPr/>
+          </p:nvSpPr>
+          <p:spPr>
+            <a:xfrm>
+              <a:off x="7667294" y="6245750"/>
+              <a:ext cx="4281578" cy="830997"/>
+            </a:xfrm>
+            <a:prstGeom prst="rect">
+              <a:avLst/>
+            </a:prstGeom>
+            <a:noFill/>
+          </p:spPr>
+          <p:txBody>
+            <a:bodyPr wrap="square">
+              <a:spAutoFit/>
+            </a:bodyPr>
+            <a:lstStyle/>
+            <a:p>
+              <a:r>
+                <a:rPr lang="en-US" sz="1200" dirty="0">
+                  <a:solidFill>
+                    <a:srgbClr val="44BD86"/>
+                  </a:solidFill>
+                  <a:latin typeface="ui-monospace"/>
+                </a:rPr>
+                <a:t>v-if v-else-if v-else</a:t>
+              </a:r>
+            </a:p>
+            <a:p>
+              <a:r>
+                <a:rPr lang="en-US" sz="1200" dirty="0">
+                  <a:solidFill>
+                    <a:srgbClr val="44BD86"/>
+                  </a:solidFill>
+                  <a:latin typeface="ui-monospace"/>
+                </a:rPr>
+                <a:t>v-for="(item, index) in list"</a:t>
+              </a:r>
+            </a:p>
+            <a:p>
+              <a:r>
+                <a:rPr lang="en-US" sz="1200" dirty="0">
+                  <a:solidFill>
+                    <a:srgbClr val="44BD86"/>
+                  </a:solidFill>
+                  <a:latin typeface="ui-monospace"/>
+                </a:rPr>
+                <a:t>v-for="(value, key, index) in object"</a:t>
+              </a:r>
+            </a:p>
+            <a:p>
+              <a:r>
+                <a:rPr lang="en-US" sz="1200" dirty="0">
+                  <a:solidFill>
+                    <a:srgbClr val="44BD86"/>
+                  </a:solidFill>
+                  <a:latin typeface="ui-monospace"/>
+                </a:rPr>
+                <a:t>v-if</a:t>
+              </a:r>
+              <a:r>
+                <a:rPr lang="zh-CN" altLang="en-US" sz="1200" dirty="0">
+                  <a:solidFill>
+                    <a:srgbClr val="44BD86"/>
+                  </a:solidFill>
+                  <a:latin typeface="ui-monospace"/>
+                </a:rPr>
+                <a:t>的优先级高于</a:t>
+              </a:r>
+              <a:r>
+                <a:rPr lang="en-US" altLang="zh-CN" sz="1200" dirty="0">
+                  <a:solidFill>
+                    <a:srgbClr val="44BD86"/>
+                  </a:solidFill>
+                  <a:latin typeface="ui-monospace"/>
+                </a:rPr>
+                <a:t>v-for</a:t>
+              </a:r>
+              <a:endParaRPr lang="en-US" sz="1200" dirty="0">
+                <a:solidFill>
+                  <a:srgbClr val="44BD86"/>
+                </a:solidFill>
+              </a:endParaRPr>
+            </a:p>
+          </p:txBody>
+        </p:sp>
+      </p:grpSp>
+      <p:grpSp>
+        <p:nvGrpSpPr>
+          <p:cNvPr id="51" name="Group 50">
+            <a:extLst>
+              <a:ext uri="{FF2B5EF4-FFF2-40B4-BE49-F238E27FC236}">
+                <a16:creationId xmlns:a16="http://schemas.microsoft.com/office/drawing/2014/main" id="{6CCC70EF-A6C8-446A-9C7D-55E4CDCCDD3D}"/>
+              </a:ext>
+            </a:extLst>
+          </p:cNvPr>
+          <p:cNvGrpSpPr/>
+          <p:nvPr/>
+        </p:nvGrpSpPr>
+        <p:grpSpPr>
+          <a:xfrm>
+            <a:off x="7614612" y="640173"/>
+            <a:ext cx="4391408" cy="1512010"/>
+            <a:chOff x="7471489" y="743546"/>
+            <a:chExt cx="4391408" cy="1512010"/>
+          </a:xfrm>
+        </p:grpSpPr>
+        <p:pic>
+          <p:nvPicPr>
+            <p:cNvPr id="1026" name="Picture 2" descr="指令语法图">
+              <a:extLst>
+                <a:ext uri="{FF2B5EF4-FFF2-40B4-BE49-F238E27FC236}">
+                  <a16:creationId xmlns:a16="http://schemas.microsoft.com/office/drawing/2014/main" id="{F0867108-DBB4-EF9B-8628-8A068CEB75B9}"/>
+                </a:ext>
+              </a:extLst>
+            </p:cNvPr>
+            <p:cNvPicPr>
+              <a:picLocks noChangeAspect="1" noChangeArrowheads="1"/>
+            </p:cNvPicPr>
+            <p:nvPr/>
+          </p:nvPicPr>
+          <p:blipFill rotWithShape="1">
+            <a:blip r:embed="rId2">
+              <a:extLst>
+                <a:ext uri="{28A0092B-C50C-407E-A947-70E740481C1C}">
+                  <a14:useLocalDpi xmlns:a14="http://schemas.microsoft.com/office/drawing/2010/main" val="0"/>
+                </a:ext>
+              </a:extLst>
+            </a:blip>
+            <a:srcRect l="9672"/>
+            <a:stretch/>
+          </p:blipFill>
+          <p:spPr bwMode="auto">
+            <a:xfrm>
+              <a:off x="7515225" y="909978"/>
+              <a:ext cx="3800691" cy="1345578"/>
+            </a:xfrm>
+            <a:prstGeom prst="rect">
+              <a:avLst/>
+            </a:prstGeom>
+            <a:noFill/>
+            <a:extLst>
+              <a:ext uri="{909E8E84-426E-40DD-AFC4-6F175D3DCCD1}">
+                <a14:hiddenFill xmlns:a14="http://schemas.microsoft.com/office/drawing/2010/main">
+                  <a:solidFill>
+                    <a:srgbClr val="FFFFFF"/>
+                  </a:solidFill>
+                </a14:hiddenFill>
+              </a:ext>
+            </a:extLst>
+          </p:spPr>
+        </p:pic>
+        <p:sp>
+          <p:nvSpPr>
+            <p:cNvPr id="20" name="Rectangle: Rounded Corners 19">
+              <a:extLst>
+                <a:ext uri="{FF2B5EF4-FFF2-40B4-BE49-F238E27FC236}">
+                  <a16:creationId xmlns:a16="http://schemas.microsoft.com/office/drawing/2014/main" id="{9AD2CA1D-07FB-EBE7-3DF7-EE269738B2F4}"/>
+                </a:ext>
+              </a:extLst>
+            </p:cNvPr>
+            <p:cNvSpPr/>
+            <p:nvPr/>
+          </p:nvSpPr>
+          <p:spPr>
+            <a:xfrm>
+              <a:off x="7471489" y="743546"/>
+              <a:ext cx="4386653" cy="285959"/>
+            </a:xfrm>
+            <a:prstGeom prst="roundRect">
+              <a:avLst>
+                <a:gd name="adj" fmla="val 16014"/>
+              </a:avLst>
+            </a:prstGeom>
+            <a:solidFill>
+              <a:schemeClr val="tx1"/>
+            </a:solidFill>
+          </p:spPr>
+          <p:style>
+            <a:lnRef idx="2">
+              <a:schemeClr val="accent1">
+                <a:shade val="15000"/>
+              </a:schemeClr>
+            </a:lnRef>
+            <a:fillRef idx="1">
+              <a:schemeClr val="accent1"/>
+            </a:fillRef>
+            <a:effectRef idx="0">
+              <a:schemeClr val="accent1"/>
+            </a:effectRef>
+            <a:fontRef idx="minor">
+              <a:schemeClr val="lt1"/>
+            </a:fontRef>
+          </p:style>
+          <p:txBody>
+            <a:bodyPr rtlCol="0" anchor="ctr"/>
+            <a:lstStyle/>
+            <a:p>
+              <a:r>
+                <a:rPr lang="zh-CN" altLang="en-US" sz="1200" dirty="0">
+                  <a:solidFill>
+                    <a:schemeClr val="bg1"/>
+                  </a:solidFill>
+                  <a:latin typeface="ui-monospace"/>
+                </a:rPr>
+                <a:t>▶文本插值 </a:t>
+              </a:r>
+              <a:r>
+                <a:rPr lang="en-US" altLang="zh-CN" sz="1200" dirty="0">
+                  <a:solidFill>
+                    <a:schemeClr val="bg1"/>
+                  </a:solidFill>
+                  <a:latin typeface="ui-monospace"/>
+                </a:rPr>
+                <a:t>/ </a:t>
+              </a:r>
+              <a:r>
+                <a:rPr lang="en-US" altLang="zh-CN" sz="1200" dirty="0" err="1">
+                  <a:solidFill>
+                    <a:schemeClr val="bg1"/>
+                  </a:solidFill>
+                  <a:latin typeface="ui-monospace"/>
+                </a:rPr>
+                <a:t>attr</a:t>
+              </a:r>
+              <a:r>
+                <a:rPr lang="zh-CN" altLang="en-US" sz="1200" dirty="0">
+                  <a:solidFill>
+                    <a:schemeClr val="bg1"/>
+                  </a:solidFill>
+                  <a:latin typeface="ui-monospace"/>
+                </a:rPr>
+                <a:t>绑定 </a:t>
+              </a:r>
+              <a:r>
+                <a:rPr lang="en-US" altLang="zh-CN" sz="1200" dirty="0">
+                  <a:solidFill>
+                    <a:schemeClr val="bg1"/>
+                  </a:solidFill>
+                  <a:latin typeface="ui-monospace"/>
+                </a:rPr>
+                <a:t>/ class / style</a:t>
+              </a:r>
+              <a:r>
+                <a:rPr lang="zh-CN" altLang="en-US" sz="1200" dirty="0">
+                  <a:solidFill>
+                    <a:schemeClr val="bg1"/>
+                  </a:solidFill>
+                  <a:latin typeface="ui-monospace"/>
+                </a:rPr>
+                <a:t> </a:t>
+              </a:r>
+              <a:r>
+                <a:rPr lang="en-US" altLang="zh-CN" sz="1200" dirty="0">
+                  <a:solidFill>
+                    <a:schemeClr val="bg1"/>
+                  </a:solidFill>
+                  <a:latin typeface="ui-monospace"/>
+                </a:rPr>
+                <a:t>/ v-model / v-bind / v-on</a:t>
+              </a:r>
+            </a:p>
+          </p:txBody>
+        </p:sp>
+        <p:sp>
+          <p:nvSpPr>
+            <p:cNvPr id="42" name="TextBox 41">
+              <a:extLst>
+                <a:ext uri="{FF2B5EF4-FFF2-40B4-BE49-F238E27FC236}">
+                  <a16:creationId xmlns:a16="http://schemas.microsoft.com/office/drawing/2014/main" id="{4BD512FD-A5DC-E5E2-4369-B424FBB43337}"/>
+                </a:ext>
+              </a:extLst>
+            </p:cNvPr>
+            <p:cNvSpPr txBox="1"/>
+            <p:nvPr/>
+          </p:nvSpPr>
+          <p:spPr>
+            <a:xfrm>
+              <a:off x="11118686" y="1038808"/>
+              <a:ext cx="744211" cy="1200329"/>
+            </a:xfrm>
+            <a:prstGeom prst="rect">
+              <a:avLst/>
+            </a:prstGeom>
+            <a:noFill/>
+          </p:spPr>
+          <p:txBody>
+            <a:bodyPr wrap="square">
+              <a:spAutoFit/>
+            </a:bodyPr>
+            <a:lstStyle/>
+            <a:p>
+              <a:r>
+                <a:rPr lang="en-US" sz="1200" dirty="0">
+                  <a:solidFill>
+                    <a:srgbClr val="44BD86"/>
+                  </a:solidFill>
+                </a:rPr>
+                <a:t>.stop</a:t>
+              </a:r>
+            </a:p>
+            <a:p>
+              <a:r>
+                <a:rPr lang="en-US" sz="1200" dirty="0">
+                  <a:solidFill>
+                    <a:srgbClr val="44BD86"/>
+                  </a:solidFill>
+                </a:rPr>
+                <a:t>.prevent</a:t>
+              </a:r>
+            </a:p>
+            <a:p>
+              <a:r>
+                <a:rPr lang="en-US" sz="1200" dirty="0">
+                  <a:solidFill>
+                    <a:srgbClr val="44BD86"/>
+                  </a:solidFill>
+                </a:rPr>
+                <a:t>.self</a:t>
+              </a:r>
+            </a:p>
+            <a:p>
+              <a:r>
+                <a:rPr lang="en-US" sz="1200" dirty="0">
+                  <a:solidFill>
+                    <a:srgbClr val="44BD86"/>
+                  </a:solidFill>
+                </a:rPr>
+                <a:t>.capture</a:t>
+              </a:r>
+            </a:p>
+            <a:p>
+              <a:r>
+                <a:rPr lang="en-US" sz="1200" dirty="0">
+                  <a:solidFill>
+                    <a:srgbClr val="44BD86"/>
+                  </a:solidFill>
+                </a:rPr>
+                <a:t>.once</a:t>
+              </a:r>
+            </a:p>
+            <a:p>
+              <a:r>
+                <a:rPr lang="en-US" sz="1200" dirty="0">
+                  <a:solidFill>
+                    <a:srgbClr val="44BD86"/>
+                  </a:solidFill>
+                </a:rPr>
+                <a:t>.passive</a:t>
+              </a:r>
+            </a:p>
+          </p:txBody>
+        </p:sp>
+      </p:grpSp>
+      <p:grpSp>
+        <p:nvGrpSpPr>
+          <p:cNvPr id="43" name="Group 42">
+            <a:extLst>
+              <a:ext uri="{FF2B5EF4-FFF2-40B4-BE49-F238E27FC236}">
+                <a16:creationId xmlns:a16="http://schemas.microsoft.com/office/drawing/2014/main" id="{66784C57-A160-C9B4-F2F4-69707C3C2648}"/>
+              </a:ext>
+            </a:extLst>
+          </p:cNvPr>
+          <p:cNvGrpSpPr/>
+          <p:nvPr/>
+        </p:nvGrpSpPr>
+        <p:grpSpPr>
+          <a:xfrm>
+            <a:off x="7614611" y="3245526"/>
+            <a:ext cx="4386653" cy="941593"/>
+            <a:chOff x="7614613" y="5950488"/>
+            <a:chExt cx="4386653" cy="941593"/>
+          </a:xfrm>
+        </p:grpSpPr>
+        <p:sp>
+          <p:nvSpPr>
+            <p:cNvPr id="44" name="Rectangle: Rounded Corners 43">
+              <a:extLst>
+                <a:ext uri="{FF2B5EF4-FFF2-40B4-BE49-F238E27FC236}">
+                  <a16:creationId xmlns:a16="http://schemas.microsoft.com/office/drawing/2014/main" id="{EC69D1AA-7899-9698-E9EF-DDBC635CB9F1}"/>
+                </a:ext>
+              </a:extLst>
+            </p:cNvPr>
+            <p:cNvSpPr/>
+            <p:nvPr/>
+          </p:nvSpPr>
+          <p:spPr>
+            <a:xfrm>
+              <a:off x="7614613" y="5950488"/>
+              <a:ext cx="4386653" cy="285959"/>
+            </a:xfrm>
+            <a:prstGeom prst="roundRect">
+              <a:avLst>
+                <a:gd name="adj" fmla="val 16014"/>
+              </a:avLst>
+            </a:prstGeom>
+            <a:solidFill>
+              <a:schemeClr val="tx1"/>
+            </a:solidFill>
+          </p:spPr>
+          <p:style>
+            <a:lnRef idx="2">
+              <a:schemeClr val="accent1">
+                <a:shade val="15000"/>
+              </a:schemeClr>
+            </a:lnRef>
+            <a:fillRef idx="1">
+              <a:schemeClr val="accent1"/>
+            </a:fillRef>
+            <a:effectRef idx="0">
+              <a:schemeClr val="accent1"/>
+            </a:effectRef>
+            <a:fontRef idx="minor">
+              <a:schemeClr val="lt1"/>
+            </a:fontRef>
+          </p:style>
+          <p:txBody>
+            <a:bodyPr rtlCol="0" anchor="ctr"/>
+            <a:lstStyle/>
+            <a:p>
+              <a:r>
+                <a:rPr lang="zh-CN" altLang="en-US" sz="1200" dirty="0">
+                  <a:solidFill>
+                    <a:schemeClr val="bg1"/>
+                  </a:solidFill>
+                  <a:latin typeface="ui-monospace"/>
+                </a:rPr>
+                <a:t>▶侦听器 </a:t>
+              </a:r>
+              <a:r>
+                <a:rPr lang="en-US" altLang="zh-CN" sz="1200" dirty="0">
+                  <a:solidFill>
+                    <a:schemeClr val="bg1"/>
+                  </a:solidFill>
+                  <a:latin typeface="ui-monospace"/>
+                </a:rPr>
+                <a:t>watch (</a:t>
+              </a:r>
+              <a:r>
+                <a:rPr lang="zh-CN" altLang="en-US" sz="1200" dirty="0"/>
+                <a:t>监听响应式数据的变化并执行副作用函数</a:t>
+              </a:r>
+              <a:r>
+                <a:rPr lang="en-US" altLang="zh-CN" sz="1200" dirty="0"/>
+                <a:t>)</a:t>
+              </a:r>
+              <a:endParaRPr lang="en-US" altLang="zh-CN" sz="1200" dirty="0">
+                <a:solidFill>
+                  <a:schemeClr val="bg1"/>
+                </a:solidFill>
+                <a:latin typeface="ui-monospace"/>
+              </a:endParaRPr>
+            </a:p>
+          </p:txBody>
+        </p:sp>
+        <p:sp>
+          <p:nvSpPr>
+            <p:cNvPr id="45" name="TextBox 44">
+              <a:extLst>
+                <a:ext uri="{FF2B5EF4-FFF2-40B4-BE49-F238E27FC236}">
+                  <a16:creationId xmlns:a16="http://schemas.microsoft.com/office/drawing/2014/main" id="{59A40619-45F7-9D3B-9103-5C301F9B5237}"/>
+                </a:ext>
+              </a:extLst>
+            </p:cNvPr>
+            <p:cNvSpPr txBox="1"/>
+            <p:nvPr/>
+          </p:nvSpPr>
+          <p:spPr>
+            <a:xfrm>
+              <a:off x="7667294" y="6245750"/>
+              <a:ext cx="4281578" cy="646331"/>
+            </a:xfrm>
+            <a:prstGeom prst="rect">
+              <a:avLst/>
+            </a:prstGeom>
+            <a:noFill/>
+          </p:spPr>
+          <p:txBody>
+            <a:bodyPr wrap="square">
+              <a:spAutoFit/>
+            </a:bodyPr>
+            <a:lstStyle/>
+            <a:p>
+              <a:r>
+                <a:rPr lang="en-US" altLang="zh-CN" sz="1200" dirty="0">
+                  <a:solidFill>
+                    <a:srgbClr val="44BD86"/>
+                  </a:solidFill>
+                  <a:latin typeface="ui-monospace"/>
+                </a:rPr>
+                <a:t>watch(count, (</a:t>
+              </a:r>
+              <a:r>
+                <a:rPr lang="en-US" altLang="zh-CN" sz="1200" dirty="0" err="1">
+                  <a:solidFill>
+                    <a:srgbClr val="44BD86"/>
+                  </a:solidFill>
+                  <a:latin typeface="ui-monospace"/>
+                </a:rPr>
+                <a:t>newVal</a:t>
+              </a:r>
+              <a:r>
+                <a:rPr lang="en-US" altLang="zh-CN" sz="1200" dirty="0">
+                  <a:solidFill>
+                    <a:srgbClr val="44BD86"/>
+                  </a:solidFill>
+                  <a:latin typeface="ui-monospace"/>
+                </a:rPr>
+                <a:t>, </a:t>
+              </a:r>
+              <a:r>
+                <a:rPr lang="en-US" altLang="zh-CN" sz="1200" dirty="0" err="1">
+                  <a:solidFill>
+                    <a:srgbClr val="44BD86"/>
+                  </a:solidFill>
+                  <a:latin typeface="ui-monospace"/>
+                </a:rPr>
+                <a:t>oldVal</a:t>
+              </a:r>
+              <a:r>
+                <a:rPr lang="en-US" altLang="zh-CN" sz="1200" dirty="0">
+                  <a:solidFill>
+                    <a:srgbClr val="44BD86"/>
+                  </a:solidFill>
+                  <a:latin typeface="ui-monospace"/>
+                </a:rPr>
+                <a:t>) =&gt; {}, {immediate, deep, once})</a:t>
+              </a:r>
+            </a:p>
+            <a:p>
+              <a:r>
+                <a:rPr lang="en-US" altLang="zh-CN" sz="1200" dirty="0">
+                  <a:solidFill>
+                    <a:srgbClr val="44BD86"/>
+                  </a:solidFill>
+                  <a:latin typeface="ui-monospace"/>
+                </a:rPr>
+                <a:t>watch(() =&gt; </a:t>
+              </a:r>
+              <a:r>
+                <a:rPr lang="en-US" altLang="zh-CN" sz="1200" dirty="0" err="1">
+                  <a:solidFill>
+                    <a:srgbClr val="44BD86"/>
+                  </a:solidFill>
+                  <a:latin typeface="ui-monospace"/>
+                </a:rPr>
+                <a:t>state.status</a:t>
+              </a:r>
+              <a:r>
+                <a:rPr lang="en-US" altLang="zh-CN" sz="1200" dirty="0">
+                  <a:solidFill>
+                    <a:srgbClr val="44BD86"/>
+                  </a:solidFill>
+                  <a:latin typeface="ui-monospace"/>
+                </a:rPr>
+                <a:t>, (</a:t>
+              </a:r>
+              <a:r>
+                <a:rPr lang="en-US" altLang="zh-CN" sz="1200" dirty="0" err="1">
+                  <a:solidFill>
+                    <a:srgbClr val="44BD86"/>
+                  </a:solidFill>
+                  <a:latin typeface="ui-monospace"/>
+                </a:rPr>
+                <a:t>newVal</a:t>
+              </a:r>
+              <a:r>
+                <a:rPr lang="en-US" altLang="zh-CN" sz="1200" dirty="0">
+                  <a:solidFill>
+                    <a:srgbClr val="44BD86"/>
+                  </a:solidFill>
+                  <a:latin typeface="ui-monospace"/>
+                </a:rPr>
+                <a:t>, </a:t>
+              </a:r>
+              <a:r>
+                <a:rPr lang="en-US" altLang="zh-CN" sz="1200" dirty="0" err="1">
+                  <a:solidFill>
+                    <a:srgbClr val="44BD86"/>
+                  </a:solidFill>
+                  <a:latin typeface="ui-monospace"/>
+                </a:rPr>
+                <a:t>oldVal</a:t>
+              </a:r>
+              <a:r>
+                <a:rPr lang="en-US" altLang="zh-CN" sz="1200" dirty="0">
+                  <a:solidFill>
+                    <a:srgbClr val="44BD86"/>
+                  </a:solidFill>
+                  <a:latin typeface="ui-monospace"/>
+                </a:rPr>
+                <a:t>) =&gt; {})</a:t>
+              </a:r>
+            </a:p>
+            <a:p>
+              <a:r>
+                <a:rPr lang="en-US" sz="1200" dirty="0" err="1">
+                  <a:solidFill>
+                    <a:srgbClr val="44BD86"/>
+                  </a:solidFill>
+                </a:rPr>
+                <a:t>watchEffect</a:t>
+              </a:r>
+              <a:r>
+                <a:rPr lang="en-US" sz="1200" dirty="0">
+                  <a:solidFill>
+                    <a:srgbClr val="44BD86"/>
+                  </a:solidFill>
+                </a:rPr>
+                <a:t>(id, async() =&gt; {})</a:t>
+              </a:r>
+            </a:p>
+          </p:txBody>
+        </p:sp>
+      </p:grpSp>
+      <p:grpSp>
+        <p:nvGrpSpPr>
+          <p:cNvPr id="48" name="Group 47">
+            <a:extLst>
+              <a:ext uri="{FF2B5EF4-FFF2-40B4-BE49-F238E27FC236}">
+                <a16:creationId xmlns:a16="http://schemas.microsoft.com/office/drawing/2014/main" id="{22FFB50E-4AEE-7EFC-DD25-6CD90C318304}"/>
+              </a:ext>
+            </a:extLst>
+          </p:cNvPr>
+          <p:cNvGrpSpPr/>
+          <p:nvPr/>
+        </p:nvGrpSpPr>
+        <p:grpSpPr>
+          <a:xfrm>
+            <a:off x="7614610" y="4216046"/>
+            <a:ext cx="4386653" cy="1310925"/>
+            <a:chOff x="7614613" y="5950488"/>
+            <a:chExt cx="4386653" cy="1310925"/>
+          </a:xfrm>
+        </p:grpSpPr>
+        <p:sp>
+          <p:nvSpPr>
+            <p:cNvPr id="49" name="Rectangle: Rounded Corners 48">
+              <a:extLst>
+                <a:ext uri="{FF2B5EF4-FFF2-40B4-BE49-F238E27FC236}">
+                  <a16:creationId xmlns:a16="http://schemas.microsoft.com/office/drawing/2014/main" id="{27AB0404-6DA2-28F3-664A-E77C91432A2E}"/>
+                </a:ext>
+              </a:extLst>
+            </p:cNvPr>
+            <p:cNvSpPr/>
+            <p:nvPr/>
+          </p:nvSpPr>
+          <p:spPr>
+            <a:xfrm>
+              <a:off x="7614613" y="5950488"/>
+              <a:ext cx="4386653" cy="285959"/>
+            </a:xfrm>
+            <a:prstGeom prst="roundRect">
+              <a:avLst>
+                <a:gd name="adj" fmla="val 16014"/>
+              </a:avLst>
+            </a:prstGeom>
+            <a:solidFill>
+              <a:schemeClr val="tx1"/>
+            </a:solidFill>
+          </p:spPr>
+          <p:style>
+            <a:lnRef idx="2">
+              <a:schemeClr val="accent1">
+                <a:shade val="15000"/>
+              </a:schemeClr>
+            </a:lnRef>
+            <a:fillRef idx="1">
+              <a:schemeClr val="accent1"/>
+            </a:fillRef>
+            <a:effectRef idx="0">
+              <a:schemeClr val="accent1"/>
+            </a:effectRef>
+            <a:fontRef idx="minor">
+              <a:schemeClr val="lt1"/>
+            </a:fontRef>
+          </p:style>
+          <p:txBody>
+            <a:bodyPr rtlCol="0" anchor="ctr"/>
+            <a:lstStyle/>
+            <a:p>
+              <a:r>
+                <a:rPr lang="zh-CN" altLang="en-US" sz="1200" dirty="0">
+                  <a:solidFill>
+                    <a:schemeClr val="bg1"/>
+                  </a:solidFill>
+                  <a:latin typeface="ui-monospace"/>
+                </a:rPr>
+                <a:t>▶计算属性 </a:t>
+              </a:r>
+              <a:r>
+                <a:rPr lang="en-US" altLang="zh-CN" sz="1200" dirty="0">
+                  <a:solidFill>
+                    <a:schemeClr val="bg1"/>
+                  </a:solidFill>
+                  <a:latin typeface="ui-monospace"/>
+                </a:rPr>
+                <a:t>computed (</a:t>
+              </a:r>
+              <a:r>
+                <a:rPr lang="en-US" sz="1200" dirty="0"/>
+                <a:t>ref</a:t>
+              </a:r>
+              <a:r>
+                <a:rPr lang="zh-CN" altLang="en-US" sz="1200" dirty="0"/>
+                <a:t>类型只读计算值</a:t>
+              </a:r>
+              <a:r>
+                <a:rPr lang="en-US" altLang="zh-CN" sz="1200" dirty="0"/>
+                <a:t>)</a:t>
+              </a:r>
+              <a:endParaRPr lang="en-US" altLang="zh-CN" sz="1200" dirty="0">
+                <a:solidFill>
+                  <a:schemeClr val="bg1"/>
+                </a:solidFill>
+                <a:latin typeface="ui-monospace"/>
+              </a:endParaRPr>
+            </a:p>
+          </p:txBody>
+        </p:sp>
+        <p:sp>
+          <p:nvSpPr>
+            <p:cNvPr id="50" name="TextBox 49">
+              <a:extLst>
+                <a:ext uri="{FF2B5EF4-FFF2-40B4-BE49-F238E27FC236}">
+                  <a16:creationId xmlns:a16="http://schemas.microsoft.com/office/drawing/2014/main" id="{1EB24140-48E4-8B40-7D5D-7DC281AFB234}"/>
+                </a:ext>
+              </a:extLst>
+            </p:cNvPr>
+            <p:cNvSpPr txBox="1"/>
+            <p:nvPr/>
+          </p:nvSpPr>
+          <p:spPr>
+            <a:xfrm>
+              <a:off x="7667294" y="6245750"/>
+              <a:ext cx="4281578" cy="1015663"/>
+            </a:xfrm>
+            <a:prstGeom prst="rect">
+              <a:avLst/>
+            </a:prstGeom>
+            <a:noFill/>
+          </p:spPr>
+          <p:txBody>
+            <a:bodyPr wrap="square">
+              <a:spAutoFit/>
+            </a:bodyPr>
+            <a:lstStyle/>
+            <a:p>
+              <a:r>
+                <a:rPr lang="en-US" altLang="zh-CN" sz="1200" dirty="0">
+                  <a:solidFill>
+                    <a:srgbClr val="44BD86"/>
+                  </a:solidFill>
+                  <a:latin typeface="ui-monospace"/>
+                </a:rPr>
+                <a:t>const result = computed(() =&gt; value * 2)</a:t>
+              </a:r>
+            </a:p>
+            <a:p>
+              <a:r>
+                <a:rPr lang="en-US" altLang="zh-CN" sz="1200" dirty="0">
+                  <a:solidFill>
+                    <a:srgbClr val="44BD86"/>
+                  </a:solidFill>
+                  <a:latin typeface="ui-monospace"/>
+                </a:rPr>
+                <a:t>const </a:t>
+              </a:r>
+              <a:r>
+                <a:rPr lang="en-US" altLang="zh-CN" sz="1200" dirty="0" err="1">
+                  <a:solidFill>
+                    <a:srgbClr val="44BD86"/>
+                  </a:solidFill>
+                  <a:latin typeface="ui-monospace"/>
+                </a:rPr>
+                <a:t>fullName</a:t>
+              </a:r>
+              <a:r>
+                <a:rPr lang="en-US" altLang="zh-CN" sz="1200" dirty="0">
+                  <a:solidFill>
+                    <a:srgbClr val="44BD86"/>
+                  </a:solidFill>
+                  <a:latin typeface="ui-monospace"/>
+                </a:rPr>
+                <a:t> = computed({</a:t>
+              </a:r>
+            </a:p>
+            <a:p>
+              <a:r>
+                <a:rPr lang="en-US" altLang="zh-CN" sz="1200" dirty="0">
+                  <a:solidFill>
+                    <a:srgbClr val="44BD86"/>
+                  </a:solidFill>
+                  <a:latin typeface="ui-monospace"/>
+                </a:rPr>
+                <a:t>    get: () =&gt; ``,</a:t>
+              </a:r>
+            </a:p>
+            <a:p>
+              <a:r>
+                <a:rPr lang="en-US" altLang="zh-CN" sz="1200" dirty="0">
+                  <a:solidFill>
+                    <a:srgbClr val="44BD86"/>
+                  </a:solidFill>
+                  <a:latin typeface="ui-monospace"/>
+                </a:rPr>
+                <a:t>    set: (</a:t>
+              </a:r>
+              <a:r>
+                <a:rPr lang="en-US" altLang="zh-CN" sz="1200" dirty="0" err="1">
+                  <a:solidFill>
+                    <a:srgbClr val="44BD86"/>
+                  </a:solidFill>
+                  <a:latin typeface="ui-monospace"/>
+                </a:rPr>
+                <a:t>val:string</a:t>
+              </a:r>
+              <a:r>
+                <a:rPr lang="en-US" altLang="zh-CN" sz="1200" dirty="0">
+                  <a:solidFill>
+                    <a:srgbClr val="44BD86"/>
+                  </a:solidFill>
+                  <a:latin typeface="ui-monospace"/>
+                </a:rPr>
+                <a:t>) =&gt; {}</a:t>
+              </a:r>
+            </a:p>
+            <a:p>
+              <a:r>
+                <a:rPr lang="en-US" altLang="zh-CN" sz="1200" dirty="0">
+                  <a:solidFill>
+                    <a:srgbClr val="44BD86"/>
+                  </a:solidFill>
+                  <a:latin typeface="ui-monospace"/>
+                </a:rPr>
+                <a:t>})</a:t>
+              </a:r>
+              <a:endParaRPr lang="en-US" sz="1200" dirty="0">
+                <a:solidFill>
+                  <a:srgbClr val="44BD86"/>
+                </a:solidFill>
+              </a:endParaRPr>
+            </a:p>
+          </p:txBody>
+        </p:sp>
+      </p:grpSp>
+      <p:grpSp>
+        <p:nvGrpSpPr>
+          <p:cNvPr id="52" name="Group 51">
+            <a:extLst>
+              <a:ext uri="{FF2B5EF4-FFF2-40B4-BE49-F238E27FC236}">
+                <a16:creationId xmlns:a16="http://schemas.microsoft.com/office/drawing/2014/main" id="{7F44DE50-9377-2A2B-7C24-6B3A24D4135D}"/>
+              </a:ext>
+            </a:extLst>
+          </p:cNvPr>
+          <p:cNvGrpSpPr/>
+          <p:nvPr/>
+        </p:nvGrpSpPr>
+        <p:grpSpPr>
+          <a:xfrm>
+            <a:off x="3155148" y="151546"/>
+            <a:ext cx="4386653" cy="572261"/>
+            <a:chOff x="7614613" y="5950488"/>
+            <a:chExt cx="4386653" cy="572261"/>
+          </a:xfrm>
+        </p:grpSpPr>
+        <p:sp>
+          <p:nvSpPr>
+            <p:cNvPr id="53" name="Rectangle: Rounded Corners 52">
+              <a:extLst>
+                <a:ext uri="{FF2B5EF4-FFF2-40B4-BE49-F238E27FC236}">
+                  <a16:creationId xmlns:a16="http://schemas.microsoft.com/office/drawing/2014/main" id="{0E2D2E61-7153-9F4D-6CA9-4391CC561302}"/>
+                </a:ext>
+              </a:extLst>
+            </p:cNvPr>
+            <p:cNvSpPr/>
+            <p:nvPr/>
+          </p:nvSpPr>
+          <p:spPr>
+            <a:xfrm>
+              <a:off x="7614613" y="5950488"/>
+              <a:ext cx="4386653" cy="285959"/>
+            </a:xfrm>
+            <a:prstGeom prst="roundRect">
+              <a:avLst>
+                <a:gd name="adj" fmla="val 16014"/>
+              </a:avLst>
+            </a:prstGeom>
+            <a:solidFill>
+              <a:schemeClr val="tx1"/>
+            </a:solidFill>
+          </p:spPr>
+          <p:style>
+            <a:lnRef idx="2">
+              <a:schemeClr val="accent1">
+                <a:shade val="15000"/>
+              </a:schemeClr>
+            </a:lnRef>
+            <a:fillRef idx="1">
+              <a:schemeClr val="accent1"/>
+            </a:fillRef>
+            <a:effectRef idx="0">
+              <a:schemeClr val="accent1"/>
+            </a:effectRef>
+            <a:fontRef idx="minor">
+              <a:schemeClr val="lt1"/>
+            </a:fontRef>
+          </p:style>
+          <p:txBody>
+            <a:bodyPr rtlCol="0" anchor="ctr"/>
+            <a:lstStyle/>
+            <a:p>
+              <a:r>
+                <a:rPr lang="zh-CN" altLang="en-US" sz="1200" dirty="0">
+                  <a:solidFill>
+                    <a:schemeClr val="bg1"/>
+                  </a:solidFill>
+                  <a:latin typeface="ui-monospace"/>
+                </a:rPr>
+                <a:t>▶项目结构</a:t>
+              </a:r>
+              <a:endParaRPr lang="en-US" sz="1200" dirty="0">
+                <a:solidFill>
+                  <a:schemeClr val="bg1"/>
+                </a:solidFill>
+              </a:endParaRPr>
+            </a:p>
+          </p:txBody>
+        </p:sp>
+        <p:sp>
+          <p:nvSpPr>
+            <p:cNvPr id="54" name="TextBox 53">
+              <a:extLst>
+                <a:ext uri="{FF2B5EF4-FFF2-40B4-BE49-F238E27FC236}">
+                  <a16:creationId xmlns:a16="http://schemas.microsoft.com/office/drawing/2014/main" id="{ABF720B2-9684-6EC8-A231-DAD96B70A1B7}"/>
+                </a:ext>
+              </a:extLst>
+            </p:cNvPr>
+            <p:cNvSpPr txBox="1"/>
+            <p:nvPr/>
+          </p:nvSpPr>
+          <p:spPr>
+            <a:xfrm>
+              <a:off x="7667294" y="6245750"/>
+              <a:ext cx="4281578" cy="276999"/>
+            </a:xfrm>
+            <a:prstGeom prst="rect">
+              <a:avLst/>
+            </a:prstGeom>
+            <a:noFill/>
+          </p:spPr>
+          <p:txBody>
+            <a:bodyPr wrap="square">
+              <a:spAutoFit/>
+            </a:bodyPr>
+            <a:lstStyle/>
+            <a:p>
+              <a:r>
+                <a:rPr lang="en-US" sz="1200" dirty="0" err="1">
+                  <a:solidFill>
+                    <a:srgbClr val="44BD86"/>
+                  </a:solidFill>
+                  <a:latin typeface="ui-monospace"/>
+                </a:rPr>
+                <a:t>vue</a:t>
+              </a:r>
+              <a:r>
+                <a:rPr lang="en-US" sz="1200" dirty="0">
+                  <a:solidFill>
+                    <a:srgbClr val="44BD86"/>
+                  </a:solidFill>
+                  <a:latin typeface="ui-monospace"/>
+                </a:rPr>
+                <a:t>-template</a:t>
+              </a:r>
+              <a:endParaRPr lang="en-US" sz="1200" dirty="0">
+                <a:solidFill>
+                  <a:srgbClr val="44BD86"/>
+                </a:solidFill>
+              </a:endParaRPr>
+            </a:p>
+          </p:txBody>
+        </p:sp>
+      </p:grpSp>
+      <p:grpSp>
+        <p:nvGrpSpPr>
+          <p:cNvPr id="55" name="Group 54">
+            <a:extLst>
+              <a:ext uri="{FF2B5EF4-FFF2-40B4-BE49-F238E27FC236}">
+                <a16:creationId xmlns:a16="http://schemas.microsoft.com/office/drawing/2014/main" id="{D0AD0FD8-8575-816E-DB53-CBACBAE73266}"/>
+              </a:ext>
+            </a:extLst>
+          </p:cNvPr>
+          <p:cNvGrpSpPr/>
+          <p:nvPr/>
+        </p:nvGrpSpPr>
+        <p:grpSpPr>
+          <a:xfrm>
+            <a:off x="7614609" y="5520372"/>
+            <a:ext cx="4386653" cy="1310925"/>
+            <a:chOff x="7614613" y="5950488"/>
+            <a:chExt cx="4386653" cy="1310925"/>
+          </a:xfrm>
+        </p:grpSpPr>
+        <p:sp>
+          <p:nvSpPr>
+            <p:cNvPr id="56" name="Rectangle: Rounded Corners 55">
+              <a:extLst>
+                <a:ext uri="{FF2B5EF4-FFF2-40B4-BE49-F238E27FC236}">
+                  <a16:creationId xmlns:a16="http://schemas.microsoft.com/office/drawing/2014/main" id="{2C200720-5429-DB2E-A97F-4E9097C30B37}"/>
+                </a:ext>
+              </a:extLst>
+            </p:cNvPr>
+            <p:cNvSpPr/>
+            <p:nvPr/>
+          </p:nvSpPr>
+          <p:spPr>
+            <a:xfrm>
+              <a:off x="7614613" y="5950488"/>
+              <a:ext cx="4386653" cy="285959"/>
+            </a:xfrm>
+            <a:prstGeom prst="roundRect">
+              <a:avLst>
+                <a:gd name="adj" fmla="val 16014"/>
+              </a:avLst>
+            </a:prstGeom>
+            <a:solidFill>
+              <a:schemeClr val="tx1"/>
+            </a:solidFill>
+          </p:spPr>
+          <p:style>
+            <a:lnRef idx="2">
+              <a:schemeClr val="accent1">
+                <a:shade val="15000"/>
+              </a:schemeClr>
+            </a:lnRef>
+            <a:fillRef idx="1">
+              <a:schemeClr val="accent1"/>
+            </a:fillRef>
+            <a:effectRef idx="0">
+              <a:schemeClr val="accent1"/>
+            </a:effectRef>
+            <a:fontRef idx="minor">
+              <a:schemeClr val="lt1"/>
+            </a:fontRef>
+          </p:style>
+          <p:txBody>
+            <a:bodyPr rtlCol="0" anchor="ctr"/>
+            <a:lstStyle/>
+            <a:p>
+              <a:r>
+                <a:rPr lang="zh-CN" altLang="en-US" sz="1200" dirty="0">
+                  <a:solidFill>
+                    <a:schemeClr val="bg1"/>
+                  </a:solidFill>
+                  <a:latin typeface="ui-monospace"/>
+                </a:rPr>
+                <a:t>▶内置组件 </a:t>
+              </a:r>
+              <a:r>
+                <a:rPr lang="en-US" altLang="zh-CN" sz="1200" dirty="0">
+                  <a:solidFill>
+                    <a:schemeClr val="bg1"/>
+                  </a:solidFill>
+                  <a:latin typeface="ui-monospace"/>
+                </a:rPr>
+                <a:t>Transition/</a:t>
+              </a:r>
+              <a:r>
+                <a:rPr lang="en-US" altLang="zh-CN" sz="1200" dirty="0" err="1">
+                  <a:solidFill>
+                    <a:schemeClr val="bg1"/>
+                  </a:solidFill>
+                  <a:latin typeface="ui-monospace"/>
+                </a:rPr>
+                <a:t>TransitionGroup</a:t>
+              </a:r>
+              <a:endParaRPr lang="en-US" sz="1200" dirty="0">
+                <a:solidFill>
+                  <a:schemeClr val="bg1"/>
+                </a:solidFill>
+              </a:endParaRPr>
+            </a:p>
+          </p:txBody>
+        </p:sp>
+        <p:sp>
+          <p:nvSpPr>
+            <p:cNvPr id="57" name="TextBox 56">
+              <a:extLst>
+                <a:ext uri="{FF2B5EF4-FFF2-40B4-BE49-F238E27FC236}">
+                  <a16:creationId xmlns:a16="http://schemas.microsoft.com/office/drawing/2014/main" id="{8FA61CF9-635E-2108-380A-DD0631F49AE1}"/>
+                </a:ext>
+              </a:extLst>
+            </p:cNvPr>
+            <p:cNvSpPr txBox="1"/>
+            <p:nvPr/>
+          </p:nvSpPr>
+          <p:spPr>
+            <a:xfrm>
+              <a:off x="7667294" y="6245750"/>
+              <a:ext cx="4281578" cy="1015663"/>
+            </a:xfrm>
+            <a:prstGeom prst="rect">
+              <a:avLst/>
+            </a:prstGeom>
+            <a:noFill/>
+          </p:spPr>
+          <p:txBody>
+            <a:bodyPr wrap="square">
+              <a:spAutoFit/>
+            </a:bodyPr>
+            <a:lstStyle/>
+            <a:p>
+              <a:r>
+                <a:rPr lang="en-US" sz="1200" dirty="0">
+                  <a:solidFill>
+                    <a:srgbClr val="44BD86"/>
+                  </a:solidFill>
+                  <a:latin typeface="ui-monospace"/>
+                </a:rPr>
+                <a:t>&lt;Transition name="fade"&gt;&lt;/Transition&gt;</a:t>
+              </a:r>
+            </a:p>
+            <a:p>
+              <a:r>
+                <a:rPr lang="en-US" sz="1200" dirty="0">
+                  <a:solidFill>
+                    <a:srgbClr val="44BD86"/>
+                  </a:solidFill>
+                  <a:latin typeface="ui-monospace"/>
+                </a:rPr>
+                <a:t>&lt;</a:t>
+              </a:r>
+              <a:r>
+                <a:rPr lang="en-US" sz="1200" dirty="0" err="1">
+                  <a:solidFill>
+                    <a:srgbClr val="44BD86"/>
+                  </a:solidFill>
+                  <a:latin typeface="ui-monospace"/>
+                </a:rPr>
+                <a:t>TransitionGroup</a:t>
+              </a:r>
+              <a:r>
+                <a:rPr lang="en-US" sz="1200" dirty="0">
+                  <a:solidFill>
+                    <a:srgbClr val="44BD86"/>
+                  </a:solidFill>
+                  <a:latin typeface="ui-monospace"/>
+                </a:rPr>
+                <a:t> name="fade“ tag="</a:t>
+              </a:r>
+              <a:r>
+                <a:rPr lang="en-US" sz="1200" dirty="0" err="1">
+                  <a:solidFill>
+                    <a:srgbClr val="44BD86"/>
+                  </a:solidFill>
+                  <a:latin typeface="ui-monospace"/>
+                </a:rPr>
+                <a:t>ul</a:t>
+              </a:r>
+              <a:r>
+                <a:rPr lang="en-US" sz="1200" dirty="0">
+                  <a:solidFill>
+                    <a:srgbClr val="44BD86"/>
+                  </a:solidFill>
+                  <a:latin typeface="ui-monospace"/>
+                </a:rPr>
+                <a:t>"&gt;&lt;/</a:t>
+              </a:r>
+              <a:r>
+                <a:rPr lang="en-US" sz="1200" dirty="0" err="1">
+                  <a:solidFill>
+                    <a:srgbClr val="44BD86"/>
+                  </a:solidFill>
+                  <a:latin typeface="ui-monospace"/>
+                </a:rPr>
+                <a:t>TransitionGroup</a:t>
+              </a:r>
+              <a:r>
+                <a:rPr lang="en-US" sz="1200" dirty="0">
+                  <a:solidFill>
+                    <a:srgbClr val="44BD86"/>
+                  </a:solidFill>
+                  <a:latin typeface="ui-monospace"/>
+                </a:rPr>
+                <a:t>&gt;</a:t>
+              </a:r>
+            </a:p>
+            <a:p>
+              <a:r>
+                <a:rPr lang="en-US" sz="1200" dirty="0">
+                  <a:solidFill>
+                    <a:srgbClr val="44BD86"/>
+                  </a:solidFill>
+                  <a:latin typeface="ui-monospace"/>
+                </a:rPr>
+                <a:t>.fade-enter-from/active/to</a:t>
+              </a:r>
+            </a:p>
+            <a:p>
+              <a:r>
+                <a:rPr lang="en-US" sz="1200" dirty="0">
+                  <a:solidFill>
+                    <a:srgbClr val="44BD86"/>
+                  </a:solidFill>
+                  <a:latin typeface="ui-monospace"/>
+                </a:rPr>
+                <a:t>.fade-leave-from/active/to</a:t>
+              </a:r>
+            </a:p>
+            <a:p>
+              <a:r>
+                <a:rPr lang="en-US" sz="1200" dirty="0">
+                  <a:solidFill>
+                    <a:srgbClr val="44BD86"/>
+                  </a:solidFill>
+                  <a:latin typeface="ui-monospace"/>
+                </a:rPr>
+                <a:t>.list-move</a:t>
+              </a:r>
+            </a:p>
+          </p:txBody>
+        </p:sp>
+      </p:grpSp>
+      <p:grpSp>
+        <p:nvGrpSpPr>
+          <p:cNvPr id="58" name="Group 57">
+            <a:extLst>
+              <a:ext uri="{FF2B5EF4-FFF2-40B4-BE49-F238E27FC236}">
+                <a16:creationId xmlns:a16="http://schemas.microsoft.com/office/drawing/2014/main" id="{E4E80F0B-DCF9-9719-E35C-69120404DFAF}"/>
+              </a:ext>
+            </a:extLst>
+          </p:cNvPr>
+          <p:cNvGrpSpPr/>
+          <p:nvPr/>
+        </p:nvGrpSpPr>
+        <p:grpSpPr>
+          <a:xfrm>
+            <a:off x="3155147" y="1727781"/>
+            <a:ext cx="4386653" cy="2788252"/>
+            <a:chOff x="7614613" y="5950488"/>
+            <a:chExt cx="4386653" cy="2788252"/>
+          </a:xfrm>
+        </p:grpSpPr>
+        <p:sp>
+          <p:nvSpPr>
+            <p:cNvPr id="59" name="Rectangle: Rounded Corners 58">
+              <a:extLst>
+                <a:ext uri="{FF2B5EF4-FFF2-40B4-BE49-F238E27FC236}">
+                  <a16:creationId xmlns:a16="http://schemas.microsoft.com/office/drawing/2014/main" id="{67573833-5B57-26BA-272E-B300CA2BADD5}"/>
+                </a:ext>
+              </a:extLst>
+            </p:cNvPr>
+            <p:cNvSpPr/>
+            <p:nvPr/>
+          </p:nvSpPr>
+          <p:spPr>
+            <a:xfrm>
+              <a:off x="7614613" y="5950488"/>
+              <a:ext cx="4386653" cy="285959"/>
+            </a:xfrm>
+            <a:prstGeom prst="roundRect">
+              <a:avLst>
+                <a:gd name="adj" fmla="val 16014"/>
+              </a:avLst>
+            </a:prstGeom>
+            <a:solidFill>
+              <a:schemeClr val="tx1"/>
+            </a:solidFill>
+          </p:spPr>
+          <p:style>
+            <a:lnRef idx="2">
+              <a:schemeClr val="accent1">
+                <a:shade val="15000"/>
+              </a:schemeClr>
+            </a:lnRef>
+            <a:fillRef idx="1">
+              <a:schemeClr val="accent1"/>
+            </a:fillRef>
+            <a:effectRef idx="0">
+              <a:schemeClr val="accent1"/>
+            </a:effectRef>
+            <a:fontRef idx="minor">
+              <a:schemeClr val="lt1"/>
+            </a:fontRef>
+          </p:style>
+          <p:txBody>
+            <a:bodyPr rtlCol="0" anchor="ctr"/>
+            <a:lstStyle/>
+            <a:p>
+              <a:r>
+                <a:rPr lang="zh-CN" altLang="en-US" sz="1200" dirty="0">
+                  <a:solidFill>
+                    <a:schemeClr val="bg1"/>
+                  </a:solidFill>
+                  <a:latin typeface="ui-monospace"/>
+                </a:rPr>
+                <a:t>▶组件通讯</a:t>
+              </a:r>
+              <a:endParaRPr lang="en-US" altLang="zh-CN" sz="1200" dirty="0">
+                <a:solidFill>
+                  <a:schemeClr val="bg1"/>
+                </a:solidFill>
+                <a:latin typeface="ui-monospace"/>
+              </a:endParaRPr>
+            </a:p>
+          </p:txBody>
+        </p:sp>
+        <p:sp>
+          <p:nvSpPr>
+            <p:cNvPr id="60" name="TextBox 59">
+              <a:extLst>
+                <a:ext uri="{FF2B5EF4-FFF2-40B4-BE49-F238E27FC236}">
+                  <a16:creationId xmlns:a16="http://schemas.microsoft.com/office/drawing/2014/main" id="{69D34B44-AA7C-7F58-FD71-AC4E87940F27}"/>
+                </a:ext>
+              </a:extLst>
+            </p:cNvPr>
+            <p:cNvSpPr txBox="1"/>
+            <p:nvPr/>
+          </p:nvSpPr>
+          <p:spPr>
+            <a:xfrm>
+              <a:off x="7667294" y="6245750"/>
+              <a:ext cx="4281578" cy="2492990"/>
+            </a:xfrm>
+            <a:prstGeom prst="rect">
+              <a:avLst/>
+            </a:prstGeom>
+            <a:noFill/>
+          </p:spPr>
+          <p:txBody>
+            <a:bodyPr wrap="square">
+              <a:spAutoFit/>
+            </a:bodyPr>
+            <a:lstStyle/>
+            <a:p>
+              <a:r>
+                <a:rPr lang="en-US" sz="1200" dirty="0">
+                  <a:solidFill>
+                    <a:srgbClr val="44BD86"/>
+                  </a:solidFill>
+                  <a:latin typeface="ui-monospace"/>
+                </a:rPr>
+                <a:t>// v-model</a:t>
+              </a:r>
+            </a:p>
+            <a:p>
+              <a:r>
+                <a:rPr lang="en-US" sz="1200" dirty="0" err="1">
+                  <a:solidFill>
+                    <a:srgbClr val="44BD86"/>
+                  </a:solidFill>
+                  <a:latin typeface="ui-monospace"/>
+                </a:rPr>
+                <a:t>v-model:data</a:t>
+              </a:r>
+              <a:r>
+                <a:rPr lang="en-US" sz="1200" dirty="0">
+                  <a:solidFill>
+                    <a:srgbClr val="44BD86"/>
+                  </a:solidFill>
+                  <a:latin typeface="ui-monospace"/>
+                </a:rPr>
+                <a:t>=Ref&lt;data&gt;</a:t>
+              </a:r>
+            </a:p>
+            <a:p>
+              <a:r>
+                <a:rPr lang="en-US" sz="1200" dirty="0">
+                  <a:solidFill>
+                    <a:srgbClr val="44BD86"/>
+                  </a:solidFill>
+                  <a:latin typeface="ui-monospace"/>
+                </a:rPr>
+                <a:t>emits(</a:t>
+              </a:r>
+              <a:r>
+                <a:rPr lang="en-US" sz="1200" dirty="0">
+                  <a:solidFill>
+                    <a:srgbClr val="44BD86"/>
+                  </a:solidFill>
+                </a:rPr>
+                <a:t>'</a:t>
+              </a:r>
+              <a:r>
+                <a:rPr lang="en-US" sz="1200" dirty="0" err="1">
+                  <a:solidFill>
+                    <a:srgbClr val="44BD86"/>
+                  </a:solidFill>
+                  <a:latin typeface="ui-monospace"/>
+                </a:rPr>
+                <a:t>update:data</a:t>
+              </a:r>
+              <a:r>
+                <a:rPr lang="en-US" sz="1200" dirty="0">
+                  <a:solidFill>
+                    <a:srgbClr val="44BD86"/>
+                  </a:solidFill>
+                </a:rPr>
+                <a:t>'</a:t>
+              </a:r>
+              <a:r>
+                <a:rPr lang="en-US" sz="1200" dirty="0">
+                  <a:solidFill>
+                    <a:srgbClr val="44BD86"/>
+                  </a:solidFill>
+                  <a:latin typeface="ui-monospace"/>
+                </a:rPr>
+                <a:t>, value)</a:t>
+              </a:r>
+            </a:p>
+            <a:p>
+              <a:r>
+                <a:rPr lang="en-US" sz="1200" dirty="0">
+                  <a:solidFill>
+                    <a:srgbClr val="44BD86"/>
+                  </a:solidFill>
+                  <a:latin typeface="ui-monospace"/>
+                </a:rPr>
+                <a:t>// props + emit</a:t>
+              </a:r>
+            </a:p>
+            <a:p>
+              <a:r>
+                <a:rPr lang="en-US" sz="1200" dirty="0">
+                  <a:solidFill>
+                    <a:srgbClr val="44BD86"/>
+                  </a:solidFill>
+                  <a:latin typeface="ui-monospace"/>
+                </a:rPr>
+                <a:t>const props = </a:t>
+              </a:r>
+              <a:r>
+                <a:rPr lang="en-US" sz="1200" dirty="0" err="1">
+                  <a:solidFill>
+                    <a:srgbClr val="44BD86"/>
+                  </a:solidFill>
+                  <a:latin typeface="ui-monospace"/>
+                </a:rPr>
+                <a:t>defineProps</a:t>
+              </a:r>
+              <a:r>
+                <a:rPr lang="en-US" sz="1200" dirty="0">
+                  <a:solidFill>
+                    <a:srgbClr val="44BD86"/>
+                  </a:solidFill>
+                  <a:latin typeface="ui-monospace"/>
+                </a:rPr>
+                <a:t>({ data:{type, default, require} })</a:t>
+              </a:r>
+            </a:p>
+            <a:p>
+              <a:r>
+                <a:rPr lang="en-US" sz="1200" dirty="0">
+                  <a:solidFill>
+                    <a:srgbClr val="44BD86"/>
+                  </a:solidFill>
+                  <a:latin typeface="ui-monospace"/>
+                </a:rPr>
+                <a:t>const emits = </a:t>
+              </a:r>
+              <a:r>
+                <a:rPr lang="en-US" sz="1200" dirty="0" err="1">
+                  <a:solidFill>
+                    <a:srgbClr val="44BD86"/>
+                  </a:solidFill>
+                  <a:latin typeface="ui-monospace"/>
+                </a:rPr>
+                <a:t>defineEmits</a:t>
+              </a:r>
+              <a:r>
+                <a:rPr lang="en-US" sz="1200" dirty="0">
+                  <a:solidFill>
+                    <a:srgbClr val="44BD86"/>
+                  </a:solidFill>
+                  <a:latin typeface="ui-monospace"/>
+                </a:rPr>
+                <a:t>&lt;{ (</a:t>
+              </a:r>
+              <a:r>
+                <a:rPr lang="en-US" sz="1200" dirty="0" err="1">
+                  <a:solidFill>
+                    <a:srgbClr val="44BD86"/>
+                  </a:solidFill>
+                  <a:latin typeface="ui-monospace"/>
+                </a:rPr>
+                <a:t>event:</a:t>
+              </a:r>
+              <a:r>
+                <a:rPr lang="en-US" sz="1200" dirty="0" err="1">
+                  <a:solidFill>
+                    <a:srgbClr val="44BD86"/>
+                  </a:solidFill>
+                </a:rPr>
+                <a:t>'</a:t>
+              </a:r>
+              <a:r>
+                <a:rPr lang="en-US" sz="1200" dirty="0" err="1">
+                  <a:solidFill>
+                    <a:srgbClr val="44BD86"/>
+                  </a:solidFill>
+                  <a:latin typeface="ui-monospace"/>
+                </a:rPr>
+                <a:t>update</a:t>
+              </a:r>
+              <a:r>
+                <a:rPr lang="en-US" sz="1200" dirty="0">
+                  <a:solidFill>
+                    <a:srgbClr val="44BD86"/>
+                  </a:solidFill>
+                </a:rPr>
+                <a:t>'</a:t>
+              </a:r>
+              <a:r>
+                <a:rPr lang="en-US" sz="1200" dirty="0">
+                  <a:solidFill>
+                    <a:srgbClr val="44BD86"/>
+                  </a:solidFill>
+                  <a:latin typeface="ui-monospace"/>
+                </a:rPr>
+                <a:t>, </a:t>
+              </a:r>
+              <a:r>
+                <a:rPr lang="en-US" sz="1200" dirty="0" err="1">
+                  <a:solidFill>
+                    <a:srgbClr val="44BD86"/>
+                  </a:solidFill>
+                  <a:latin typeface="ui-monospace"/>
+                </a:rPr>
+                <a:t>value:any</a:t>
+              </a:r>
+              <a:r>
+                <a:rPr lang="en-US" sz="1200" dirty="0">
+                  <a:solidFill>
+                    <a:srgbClr val="44BD86"/>
+                  </a:solidFill>
+                  <a:latin typeface="ui-monospace"/>
+                </a:rPr>
+                <a:t>):void }&gt;()</a:t>
+              </a:r>
+            </a:p>
+            <a:p>
+              <a:r>
+                <a:rPr lang="en-US" sz="1200" dirty="0">
+                  <a:solidFill>
+                    <a:srgbClr val="44BD86"/>
+                  </a:solidFill>
+                  <a:latin typeface="ui-monospace"/>
+                </a:rPr>
+                <a:t>// ref</a:t>
+              </a:r>
+            </a:p>
+            <a:p>
+              <a:r>
+                <a:rPr lang="en-US" sz="1200" dirty="0" err="1">
+                  <a:solidFill>
+                    <a:srgbClr val="44BD86"/>
+                  </a:solidFill>
+                  <a:latin typeface="ui-monospace"/>
+                </a:rPr>
+                <a:t>childRef.value?.validate</a:t>
+              </a:r>
+              <a:r>
+                <a:rPr lang="en-US" sz="1200" dirty="0">
+                  <a:solidFill>
+                    <a:srgbClr val="44BD86"/>
+                  </a:solidFill>
+                  <a:latin typeface="ui-monospace"/>
+                </a:rPr>
+                <a:t>()</a:t>
+              </a:r>
+            </a:p>
+            <a:p>
+              <a:r>
+                <a:rPr lang="en-US" sz="1200" dirty="0" err="1">
+                  <a:solidFill>
+                    <a:srgbClr val="44BD86"/>
+                  </a:solidFill>
+                </a:rPr>
+                <a:t>defineExpose</a:t>
+              </a:r>
+              <a:r>
+                <a:rPr lang="en-US" sz="1200" dirty="0">
+                  <a:solidFill>
+                    <a:srgbClr val="44BD86"/>
+                  </a:solidFill>
+                </a:rPr>
+                <a:t>({ validate })</a:t>
+              </a:r>
+            </a:p>
+            <a:p>
+              <a:r>
+                <a:rPr lang="en-US" sz="1200" dirty="0">
+                  <a:solidFill>
+                    <a:srgbClr val="44BD86"/>
+                  </a:solidFill>
+                </a:rPr>
+                <a:t>// provide + inject</a:t>
+              </a:r>
+            </a:p>
+            <a:p>
+              <a:r>
+                <a:rPr lang="en-US" sz="1200" dirty="0">
+                  <a:solidFill>
+                    <a:srgbClr val="44BD86"/>
+                  </a:solidFill>
+                </a:rPr>
+                <a:t>provide('theme', ref('dark'));</a:t>
+              </a:r>
+            </a:p>
+            <a:p>
+              <a:r>
+                <a:rPr lang="en-US" sz="1200" dirty="0">
+                  <a:solidFill>
+                    <a:srgbClr val="44BD86"/>
+                  </a:solidFill>
+                </a:rPr>
+                <a:t>const theme = inject('theme’);</a:t>
+              </a:r>
+            </a:p>
+            <a:p>
+              <a:r>
+                <a:rPr lang="en-US" sz="1200" dirty="0">
+                  <a:solidFill>
+                    <a:srgbClr val="44BD86"/>
+                  </a:solidFill>
+                </a:rPr>
+                <a:t>// mitt + </a:t>
+              </a:r>
+              <a:r>
+                <a:rPr lang="en-US" sz="1200" dirty="0" err="1">
+                  <a:solidFill>
+                    <a:srgbClr val="44BD86"/>
+                  </a:solidFill>
+                </a:rPr>
+                <a:t>eventBus</a:t>
+              </a:r>
+              <a:endParaRPr lang="en-US" sz="1200" dirty="0">
+                <a:solidFill>
+                  <a:srgbClr val="44BD86"/>
+                </a:solidFill>
+              </a:endParaRPr>
+            </a:p>
+          </p:txBody>
+        </p:sp>
+      </p:grpSp>
+      <p:grpSp>
+        <p:nvGrpSpPr>
+          <p:cNvPr id="61" name="Group 60">
+            <a:extLst>
+              <a:ext uri="{FF2B5EF4-FFF2-40B4-BE49-F238E27FC236}">
+                <a16:creationId xmlns:a16="http://schemas.microsoft.com/office/drawing/2014/main" id="{C03D72D4-90E7-8632-D169-2503CB6C8EE4}"/>
+              </a:ext>
+            </a:extLst>
+          </p:cNvPr>
+          <p:cNvGrpSpPr/>
+          <p:nvPr/>
+        </p:nvGrpSpPr>
+        <p:grpSpPr>
+          <a:xfrm>
+            <a:off x="3155148" y="746292"/>
+            <a:ext cx="4386653" cy="941593"/>
+            <a:chOff x="7614613" y="5950488"/>
+            <a:chExt cx="4386653" cy="941593"/>
+          </a:xfrm>
+        </p:grpSpPr>
+        <p:sp>
+          <p:nvSpPr>
+            <p:cNvPr id="62" name="Rectangle: Rounded Corners 61">
+              <a:extLst>
+                <a:ext uri="{FF2B5EF4-FFF2-40B4-BE49-F238E27FC236}">
+                  <a16:creationId xmlns:a16="http://schemas.microsoft.com/office/drawing/2014/main" id="{410C3D44-701F-5F6D-FEB1-15C739901053}"/>
+                </a:ext>
+              </a:extLst>
+            </p:cNvPr>
+            <p:cNvSpPr/>
+            <p:nvPr/>
+          </p:nvSpPr>
+          <p:spPr>
+            <a:xfrm>
+              <a:off x="7614613" y="5950488"/>
+              <a:ext cx="4386653" cy="285959"/>
+            </a:xfrm>
+            <a:prstGeom prst="roundRect">
+              <a:avLst>
+                <a:gd name="adj" fmla="val 16014"/>
+              </a:avLst>
+            </a:prstGeom>
+            <a:solidFill>
+              <a:schemeClr val="tx1"/>
+            </a:solidFill>
+          </p:spPr>
+          <p:style>
+            <a:lnRef idx="2">
+              <a:schemeClr val="accent1">
+                <a:shade val="15000"/>
+              </a:schemeClr>
+            </a:lnRef>
+            <a:fillRef idx="1">
+              <a:schemeClr val="accent1"/>
+            </a:fillRef>
+            <a:effectRef idx="0">
+              <a:schemeClr val="accent1"/>
+            </a:effectRef>
+            <a:fontRef idx="minor">
+              <a:schemeClr val="lt1"/>
+            </a:fontRef>
+          </p:style>
+          <p:txBody>
+            <a:bodyPr rtlCol="0" anchor="ctr"/>
+            <a:lstStyle/>
+            <a:p>
+              <a:r>
+                <a:rPr lang="zh-CN" altLang="en-US" sz="1200" dirty="0">
+                  <a:solidFill>
+                    <a:schemeClr val="bg1"/>
+                  </a:solidFill>
+                  <a:latin typeface="ui-monospace"/>
+                </a:rPr>
+                <a:t>▶生命周期</a:t>
+              </a:r>
+              <a:endParaRPr lang="en-US" sz="1200" dirty="0">
+                <a:solidFill>
+                  <a:schemeClr val="bg1"/>
+                </a:solidFill>
+              </a:endParaRPr>
+            </a:p>
+          </p:txBody>
+        </p:sp>
+        <p:sp>
+          <p:nvSpPr>
+            <p:cNvPr id="63" name="TextBox 62">
+              <a:extLst>
+                <a:ext uri="{FF2B5EF4-FFF2-40B4-BE49-F238E27FC236}">
+                  <a16:creationId xmlns:a16="http://schemas.microsoft.com/office/drawing/2014/main" id="{BE4D54E7-546F-4714-BCE4-78A3FBDF6B81}"/>
+                </a:ext>
+              </a:extLst>
+            </p:cNvPr>
+            <p:cNvSpPr txBox="1"/>
+            <p:nvPr/>
+          </p:nvSpPr>
+          <p:spPr>
+            <a:xfrm>
+              <a:off x="7667294" y="6245750"/>
+              <a:ext cx="4281578" cy="646331"/>
+            </a:xfrm>
+            <a:prstGeom prst="rect">
+              <a:avLst/>
+            </a:prstGeom>
+            <a:noFill/>
+          </p:spPr>
+          <p:txBody>
+            <a:bodyPr wrap="square">
+              <a:spAutoFit/>
+            </a:bodyPr>
+            <a:lstStyle/>
+            <a:p>
+              <a:r>
+                <a:rPr lang="en-US" sz="1200" dirty="0" err="1">
+                  <a:solidFill>
+                    <a:srgbClr val="44BD86"/>
+                  </a:solidFill>
+                  <a:latin typeface="ui-monospace"/>
+                </a:rPr>
+                <a:t>onMounted</a:t>
+              </a:r>
+              <a:r>
+                <a:rPr lang="en-US" sz="1200" dirty="0">
+                  <a:solidFill>
+                    <a:srgbClr val="44BD86"/>
+                  </a:solidFill>
+                  <a:latin typeface="ui-monospace"/>
+                </a:rPr>
+                <a:t> / </a:t>
+              </a:r>
+              <a:r>
+                <a:rPr lang="en-US" sz="1200" dirty="0" err="1">
+                  <a:solidFill>
+                    <a:srgbClr val="44BD86"/>
+                  </a:solidFill>
+                  <a:latin typeface="ui-monospace"/>
+                </a:rPr>
+                <a:t>onUnmounted</a:t>
+              </a:r>
+              <a:endParaRPr lang="en-US" sz="1200" dirty="0">
+                <a:solidFill>
+                  <a:srgbClr val="44BD86"/>
+                </a:solidFill>
+                <a:latin typeface="ui-monospace"/>
+              </a:endParaRPr>
+            </a:p>
+            <a:p>
+              <a:r>
+                <a:rPr lang="en-US" sz="1200" dirty="0" err="1">
+                  <a:solidFill>
+                    <a:srgbClr val="44BD86"/>
+                  </a:solidFill>
+                  <a:latin typeface="ui-monospace"/>
+                </a:rPr>
+                <a:t>onUpdated</a:t>
+              </a:r>
+              <a:r>
+                <a:rPr lang="en-US" sz="1200" dirty="0">
+                  <a:solidFill>
+                    <a:srgbClr val="44BD86"/>
+                  </a:solidFill>
+                  <a:latin typeface="ui-monospace"/>
+                </a:rPr>
+                <a:t> / </a:t>
+              </a:r>
+              <a:r>
+                <a:rPr lang="en-US" sz="1200" dirty="0" err="1">
+                  <a:solidFill>
+                    <a:srgbClr val="44BD86"/>
+                  </a:solidFill>
+                  <a:latin typeface="ui-monospace"/>
+                </a:rPr>
+                <a:t>nextTick</a:t>
+              </a:r>
+              <a:endParaRPr lang="en-US" sz="1200" dirty="0">
+                <a:solidFill>
+                  <a:srgbClr val="44BD86"/>
+                </a:solidFill>
+                <a:latin typeface="ui-monospace"/>
+              </a:endParaRPr>
+            </a:p>
+            <a:p>
+              <a:r>
+                <a:rPr lang="en-US" sz="1200" dirty="0" err="1">
+                  <a:solidFill>
+                    <a:srgbClr val="44BD86"/>
+                  </a:solidFill>
+                  <a:latin typeface="ui-monospace"/>
+                </a:rPr>
+                <a:t>onActivated</a:t>
+              </a:r>
+              <a:r>
+                <a:rPr lang="en-US" sz="1200" dirty="0">
+                  <a:solidFill>
+                    <a:srgbClr val="44BD86"/>
+                  </a:solidFill>
+                  <a:latin typeface="ui-monospace"/>
+                </a:rPr>
+                <a:t> / </a:t>
+              </a:r>
+              <a:r>
+                <a:rPr lang="en-US" sz="1200" dirty="0" err="1">
+                  <a:solidFill>
+                    <a:srgbClr val="44BD86"/>
+                  </a:solidFill>
+                  <a:latin typeface="ui-monospace"/>
+                </a:rPr>
+                <a:t>onDeactivated</a:t>
+              </a:r>
+              <a:r>
+                <a:rPr lang="en-US" sz="1200" dirty="0">
+                  <a:solidFill>
+                    <a:srgbClr val="44BD86"/>
+                  </a:solidFill>
+                  <a:latin typeface="ui-monospace"/>
+                </a:rPr>
+                <a:t> + &lt;keep-alive&gt;</a:t>
+              </a:r>
+              <a:endParaRPr lang="en-US" sz="1200" dirty="0">
+                <a:solidFill>
+                  <a:srgbClr val="44BD86"/>
+                </a:solidFill>
+              </a:endParaRPr>
+            </a:p>
+          </p:txBody>
+        </p:sp>
+      </p:grpSp>
+      <p:grpSp>
+        <p:nvGrpSpPr>
+          <p:cNvPr id="1024" name="Group 1023">
+            <a:extLst>
+              <a:ext uri="{FF2B5EF4-FFF2-40B4-BE49-F238E27FC236}">
+                <a16:creationId xmlns:a16="http://schemas.microsoft.com/office/drawing/2014/main" id="{16E5C2B0-0B15-F6D8-C5FC-A3D3E7C8B338}"/>
+              </a:ext>
+            </a:extLst>
+          </p:cNvPr>
+          <p:cNvGrpSpPr/>
+          <p:nvPr/>
+        </p:nvGrpSpPr>
+        <p:grpSpPr>
+          <a:xfrm>
+            <a:off x="3155146" y="4524913"/>
+            <a:ext cx="4386653" cy="941593"/>
+            <a:chOff x="7614613" y="5950488"/>
+            <a:chExt cx="4386653" cy="941593"/>
+          </a:xfrm>
+        </p:grpSpPr>
+        <p:sp>
+          <p:nvSpPr>
+            <p:cNvPr id="1025" name="Rectangle: Rounded Corners 1024">
+              <a:extLst>
+                <a:ext uri="{FF2B5EF4-FFF2-40B4-BE49-F238E27FC236}">
+                  <a16:creationId xmlns:a16="http://schemas.microsoft.com/office/drawing/2014/main" id="{54B2CF4C-23CD-FF8A-9769-2A1D5F9E03CA}"/>
+                </a:ext>
+              </a:extLst>
+            </p:cNvPr>
+            <p:cNvSpPr/>
+            <p:nvPr/>
+          </p:nvSpPr>
+          <p:spPr>
+            <a:xfrm>
+              <a:off x="7614613" y="5950488"/>
+              <a:ext cx="4386653" cy="285959"/>
+            </a:xfrm>
+            <a:prstGeom prst="roundRect">
+              <a:avLst>
+                <a:gd name="adj" fmla="val 16014"/>
+              </a:avLst>
+            </a:prstGeom>
+            <a:solidFill>
+              <a:schemeClr val="tx1"/>
+            </a:solidFill>
+          </p:spPr>
+          <p:style>
+            <a:lnRef idx="2">
+              <a:schemeClr val="accent1">
+                <a:shade val="15000"/>
+              </a:schemeClr>
+            </a:lnRef>
+            <a:fillRef idx="1">
+              <a:schemeClr val="accent1"/>
+            </a:fillRef>
+            <a:effectRef idx="0">
+              <a:schemeClr val="accent1"/>
+            </a:effectRef>
+            <a:fontRef idx="minor">
+              <a:schemeClr val="lt1"/>
+            </a:fontRef>
+          </p:style>
+          <p:txBody>
+            <a:bodyPr rtlCol="0" anchor="ctr"/>
+            <a:lstStyle/>
+            <a:p>
+              <a:r>
+                <a:rPr lang="zh-CN" altLang="en-US" sz="1200" dirty="0">
+                  <a:solidFill>
+                    <a:schemeClr val="bg1"/>
+                  </a:solidFill>
+                  <a:latin typeface="ui-monospace"/>
+                </a:rPr>
+                <a:t>▶插槽 </a:t>
+              </a:r>
+              <a:r>
+                <a:rPr lang="en-US" altLang="zh-CN" sz="1200" dirty="0">
+                  <a:solidFill>
+                    <a:schemeClr val="bg1"/>
+                  </a:solidFill>
+                  <a:latin typeface="ui-monospace"/>
+                </a:rPr>
+                <a:t>slots</a:t>
+              </a:r>
+            </a:p>
+          </p:txBody>
+        </p:sp>
+        <p:sp>
+          <p:nvSpPr>
+            <p:cNvPr id="1027" name="TextBox 1026">
+              <a:extLst>
+                <a:ext uri="{FF2B5EF4-FFF2-40B4-BE49-F238E27FC236}">
+                  <a16:creationId xmlns:a16="http://schemas.microsoft.com/office/drawing/2014/main" id="{D1F7B532-EE1B-2786-3DF9-37E53FD062CD}"/>
+                </a:ext>
+              </a:extLst>
+            </p:cNvPr>
+            <p:cNvSpPr txBox="1"/>
+            <p:nvPr/>
+          </p:nvSpPr>
+          <p:spPr>
+            <a:xfrm>
+              <a:off x="7667294" y="6245750"/>
+              <a:ext cx="4281578" cy="646331"/>
+            </a:xfrm>
+            <a:prstGeom prst="rect">
+              <a:avLst/>
+            </a:prstGeom>
+            <a:noFill/>
+          </p:spPr>
+          <p:txBody>
+            <a:bodyPr wrap="square">
+              <a:spAutoFit/>
+            </a:bodyPr>
+            <a:lstStyle/>
+            <a:p>
+              <a:r>
+                <a:rPr lang="en-US" sz="1200" dirty="0">
+                  <a:solidFill>
+                    <a:srgbClr val="44BD86"/>
+                  </a:solidFill>
+                  <a:latin typeface="ui-monospace"/>
+                </a:rPr>
+                <a:t>&lt;template </a:t>
+              </a:r>
+              <a:r>
+                <a:rPr lang="en-US" sz="1200" dirty="0" err="1">
+                  <a:solidFill>
+                    <a:srgbClr val="44BD86"/>
+                  </a:solidFill>
+                  <a:latin typeface="ui-monospace"/>
+                </a:rPr>
+                <a:t>v-slot:header</a:t>
+              </a:r>
+              <a:r>
+                <a:rPr lang="en-US" sz="1200" dirty="0">
+                  <a:solidFill>
+                    <a:srgbClr val="44BD86"/>
+                  </a:solidFill>
+                  <a:latin typeface="ui-monospace"/>
+                </a:rPr>
+                <a:t>&gt;&lt;/template&gt;</a:t>
+              </a:r>
+            </a:p>
+            <a:p>
+              <a:r>
+                <a:rPr lang="en-US" sz="1200" dirty="0">
+                  <a:solidFill>
+                    <a:srgbClr val="44BD86"/>
+                  </a:solidFill>
+                  <a:latin typeface="ui-monospace"/>
+                </a:rPr>
+                <a:t>&lt;slot name=</a:t>
+              </a:r>
+              <a:r>
+                <a:rPr lang="en-US" sz="1200" dirty="0">
+                  <a:solidFill>
+                    <a:srgbClr val="44BD86"/>
+                  </a:solidFill>
+                </a:rPr>
+                <a:t>'</a:t>
+              </a:r>
+              <a:r>
+                <a:rPr lang="en-US" sz="1200" dirty="0">
+                  <a:solidFill>
+                    <a:srgbClr val="44BD86"/>
+                  </a:solidFill>
+                  <a:latin typeface="ui-monospace"/>
+                </a:rPr>
+                <a:t>header</a:t>
+              </a:r>
+              <a:r>
+                <a:rPr lang="en-US" sz="1200" dirty="0">
+                  <a:solidFill>
+                    <a:srgbClr val="44BD86"/>
+                  </a:solidFill>
+                </a:rPr>
+                <a:t>'</a:t>
+              </a:r>
+              <a:r>
+                <a:rPr lang="en-US" sz="1200" dirty="0">
+                  <a:solidFill>
+                    <a:srgbClr val="44BD86"/>
+                  </a:solidFill>
+                  <a:latin typeface="ui-monospace"/>
+                </a:rPr>
+                <a:t>&gt;&lt;/slot&gt;</a:t>
+              </a:r>
+            </a:p>
+            <a:p>
+              <a:r>
+                <a:rPr lang="en-US" sz="1200" dirty="0">
+                  <a:solidFill>
+                    <a:srgbClr val="44BD86"/>
+                  </a:solidFill>
+                  <a:latin typeface="ui-monospace"/>
+                </a:rPr>
+                <a:t>$</a:t>
+              </a:r>
+              <a:r>
+                <a:rPr lang="en-US" sz="1200" dirty="0" err="1">
+                  <a:solidFill>
+                    <a:srgbClr val="44BD86"/>
+                  </a:solidFill>
+                  <a:latin typeface="ui-monospace"/>
+                </a:rPr>
+                <a:t>slot.header</a:t>
+              </a:r>
+              <a:endParaRPr lang="en-US" sz="1200" dirty="0">
+                <a:solidFill>
+                  <a:srgbClr val="44BD86"/>
+                </a:solidFill>
+              </a:endParaRPr>
+            </a:p>
+          </p:txBody>
+        </p:sp>
+      </p:grpSp>
+      <p:sp>
+        <p:nvSpPr>
+          <p:cNvPr id="1052" name="Rectangle: Rounded Corners 1051">
+            <a:extLst>
+              <a:ext uri="{FF2B5EF4-FFF2-40B4-BE49-F238E27FC236}">
+                <a16:creationId xmlns:a16="http://schemas.microsoft.com/office/drawing/2014/main" id="{2F17CD35-FA66-0249-D2CA-F24E730EE464}"/>
+              </a:ext>
+            </a:extLst>
+          </p:cNvPr>
+          <p:cNvSpPr/>
+          <p:nvPr/>
+        </p:nvSpPr>
+        <p:spPr>
+          <a:xfrm>
+            <a:off x="2065296" y="153911"/>
+            <a:ext cx="652694" cy="652694"/>
+          </a:xfrm>
+          <a:prstGeom prst="roundRect">
+            <a:avLst/>
+          </a:prstGeom>
+          <a:solidFill>
+            <a:schemeClr val="bg1">
+              <a:lumMod val="95000"/>
+            </a:schemeClr>
+          </a:solidFill>
+          <a:ln>
+            <a:noFill/>
+          </a:ln>
+        </p:spPr>
+        <p:style>
+          <a:lnRef idx="2">
+            <a:schemeClr val="accent1">
+              <a:shade val="15000"/>
+            </a:schemeClr>
+          </a:lnRef>
+          <a:fillRef idx="1">
+            <a:schemeClr val="accent1"/>
+          </a:fillRef>
+          <a:effectRef idx="0">
+            <a:schemeClr val="accent1"/>
+          </a:effectRef>
+          <a:fontRef idx="minor">
+            <a:schemeClr val="lt1"/>
+          </a:fontRef>
+        </p:style>
+        <p:txBody>
+          <a:bodyPr rtlCol="0" anchor="ctr"/>
+          <a:lstStyle/>
+          <a:p>
+            <a:pPr algn="ctr"/>
+            <a:endParaRPr lang="en-US"/>
+          </a:p>
+        </p:txBody>
+      </p:sp>
+      <p:pic>
+        <p:nvPicPr>
+          <p:cNvPr id="1051" name="Picture 1050">
+            <a:extLst>
+              <a:ext uri="{FF2B5EF4-FFF2-40B4-BE49-F238E27FC236}">
+                <a16:creationId xmlns:a16="http://schemas.microsoft.com/office/drawing/2014/main" id="{0ADD2052-5AEE-DE11-7945-28954EFA9F6A}"/>
+              </a:ext>
+            </a:extLst>
+          </p:cNvPr>
+          <p:cNvPicPr>
+            <a:picLocks noChangeAspect="1"/>
+          </p:cNvPicPr>
+          <p:nvPr/>
+        </p:nvPicPr>
+        <p:blipFill>
+          <a:blip r:embed="rId3">
+            <a:extLst>
+              <a:ext uri="{28A0092B-C50C-407E-A947-70E740481C1C}">
+                <a14:useLocalDpi xmlns:a14="http://schemas.microsoft.com/office/drawing/2010/main" val="0"/>
+              </a:ext>
+            </a:extLst>
+          </a:blip>
+          <a:stretch>
+            <a:fillRect/>
+          </a:stretch>
+        </p:blipFill>
+        <p:spPr>
+          <a:xfrm>
+            <a:off x="2065296" y="153911"/>
+            <a:ext cx="652694" cy="652694"/>
+          </a:xfrm>
+          <a:prstGeom prst="rect">
+            <a:avLst/>
+          </a:prstGeom>
+        </p:spPr>
+      </p:pic>
+    </p:spTree>
+    <p:extLst>
+      <p:ext uri="{BB962C8B-B14F-4D97-AF65-F5344CB8AC3E}">
+        <p14:creationId xmlns:p14="http://schemas.microsoft.com/office/powerpoint/2010/main" val="1267691032"/>
+      </p:ext>
+    </p:extLst>
+  </p:cSld>
+  <p:clrMapOvr>
+    <a:masterClrMapping/>
+  </p:clrMapOvr>
+</p:sld>
+</file>
+
+<file path=ppt/slides/slide2.xml><?xml version="1.0" encoding="utf-8"?>
+<p:sld xmlns:a="http://schemas.openxmlformats.org/drawingml/2006/main" xmlns:r="http://schemas.openxmlformats.org/officeDocument/2006/relationships" xmlns:p="http://schemas.openxmlformats.org/presentationml/2006/main">
+  <p:cSld>
+    <p:spTree>
+      <p:nvGrpSpPr>
+        <p:cNvPr id="1" name=""/>
+        <p:cNvGrpSpPr/>
+        <p:nvPr/>
+      </p:nvGrpSpPr>
+      <p:grpSpPr>
+        <a:xfrm>
+          <a:off x="0" y="0"/>
+          <a:ext cx="0" cy="0"/>
+          <a:chOff x="0" y="0"/>
+          <a:chExt cx="0" cy="0"/>
+        </a:xfrm>
+      </p:grpSpPr>
+      <p:sp>
+        <p:nvSpPr>
           <p:cNvPr id="4" name="Rectangle: Rounded Corners 3">
             <a:extLst>
               <a:ext uri="{FF2B5EF4-FFF2-40B4-BE49-F238E27FC236}">
@@ -6106,761 +9545,6 @@
     <p:extLst>
       <p:ext uri="{BB962C8B-B14F-4D97-AF65-F5344CB8AC3E}">
         <p14:creationId xmlns:p14="http://schemas.microsoft.com/office/powerpoint/2010/main" val="416431619"/>
-      </p:ext>
-    </p:extLst>
-  </p:cSld>
-  <p:clrMapOvr>
-    <a:masterClrMapping/>
-  </p:clrMapOvr>
-</p:sld>
-</file>
-
-<file path=ppt/slides/slide2.xml><?xml version="1.0" encoding="utf-8"?>
-<p:sld xmlns:a="http://schemas.openxmlformats.org/drawingml/2006/main" xmlns:r="http://schemas.openxmlformats.org/officeDocument/2006/relationships" xmlns:p="http://schemas.openxmlformats.org/presentationml/2006/main">
-  <p:cSld>
-    <p:spTree>
-      <p:nvGrpSpPr>
-        <p:cNvPr id="1" name=""/>
-        <p:cNvGrpSpPr/>
-        <p:nvPr/>
-      </p:nvGrpSpPr>
-      <p:grpSpPr>
-        <a:xfrm>
-          <a:off x="0" y="0"/>
-          <a:ext cx="0" cy="0"/>
-          <a:chOff x="0" y="0"/>
-          <a:chExt cx="0" cy="0"/>
-        </a:xfrm>
-      </p:grpSpPr>
-      <p:sp>
-        <p:nvSpPr>
-          <p:cNvPr id="2" name="Rectangle: Rounded Corners 1">
-            <a:extLst>
-              <a:ext uri="{FF2B5EF4-FFF2-40B4-BE49-F238E27FC236}">
-                <a16:creationId xmlns:a16="http://schemas.microsoft.com/office/drawing/2014/main" id="{A05353C0-1CB3-AFE0-6F16-BF0A98347BDB}"/>
-              </a:ext>
-            </a:extLst>
-          </p:cNvPr>
-          <p:cNvSpPr/>
-          <p:nvPr/>
-        </p:nvSpPr>
-        <p:spPr>
-          <a:xfrm>
-            <a:off x="3669702" y="508213"/>
-            <a:ext cx="4386653" cy="3899484"/>
-          </a:xfrm>
-          <a:prstGeom prst="roundRect">
-            <a:avLst>
-              <a:gd name="adj" fmla="val 2926"/>
-            </a:avLst>
-          </a:prstGeom>
-          <a:solidFill>
-            <a:schemeClr val="tx1"/>
-          </a:solidFill>
-        </p:spPr>
-        <p:style>
-          <a:lnRef idx="2">
-            <a:schemeClr val="accent1">
-              <a:shade val="15000"/>
-            </a:schemeClr>
-          </a:lnRef>
-          <a:fillRef idx="1">
-            <a:schemeClr val="accent1"/>
-          </a:fillRef>
-          <a:effectRef idx="0">
-            <a:schemeClr val="accent1"/>
-          </a:effectRef>
-          <a:fontRef idx="minor">
-            <a:schemeClr val="lt1"/>
-          </a:fontRef>
-        </p:style>
-        <p:txBody>
-          <a:bodyPr rtlCol="0" anchor="ctr"/>
-          <a:lstStyle/>
-          <a:p>
-            <a:r>
-              <a:rPr lang="en-US" sz="1200" b="0" i="0" dirty="0">
-                <a:solidFill>
-                  <a:schemeClr val="bg1"/>
-                </a:solidFill>
-                <a:effectLst/>
-                <a:latin typeface="ui-monospace"/>
-              </a:rPr>
-              <a:t>// </a:t>
-            </a:r>
-            <a:r>
-              <a:rPr lang="en-US" sz="1200" b="0" i="0" dirty="0" err="1">
-                <a:solidFill>
-                  <a:schemeClr val="bg1"/>
-                </a:solidFill>
-                <a:effectLst/>
-                <a:latin typeface="ui-monospace"/>
-              </a:rPr>
-              <a:t>pinia</a:t>
-            </a:r>
-            <a:endParaRPr lang="en-US" sz="1200" b="0" i="0" dirty="0">
-              <a:solidFill>
-                <a:schemeClr val="bg1"/>
-              </a:solidFill>
-              <a:effectLst/>
-              <a:latin typeface="ui-monospace"/>
-            </a:endParaRPr>
-          </a:p>
-          <a:p>
-            <a:r>
-              <a:rPr lang="en-US" sz="1200" b="0" i="0" dirty="0">
-                <a:solidFill>
-                  <a:schemeClr val="bg1"/>
-                </a:solidFill>
-                <a:effectLst/>
-                <a:latin typeface="ui-monospace"/>
-              </a:rPr>
-              <a:t>import { </a:t>
-            </a:r>
-            <a:r>
-              <a:rPr lang="en-US" sz="1200" b="0" i="0" dirty="0" err="1">
-                <a:solidFill>
-                  <a:schemeClr val="bg1"/>
-                </a:solidFill>
-                <a:effectLst/>
-                <a:latin typeface="ui-monospace"/>
-              </a:rPr>
-              <a:t>createPinia</a:t>
-            </a:r>
-            <a:r>
-              <a:rPr lang="en-US" sz="1200" b="0" i="0" dirty="0">
-                <a:solidFill>
-                  <a:schemeClr val="bg1"/>
-                </a:solidFill>
-                <a:effectLst/>
-                <a:latin typeface="ui-monospace"/>
-              </a:rPr>
-              <a:t> } from "</a:t>
-            </a:r>
-            <a:r>
-              <a:rPr lang="en-US" sz="1200" b="0" i="0" dirty="0" err="1">
-                <a:solidFill>
-                  <a:schemeClr val="bg1"/>
-                </a:solidFill>
-                <a:effectLst/>
-                <a:latin typeface="ui-monospace"/>
-              </a:rPr>
-              <a:t>pinia</a:t>
-            </a:r>
-            <a:r>
-              <a:rPr lang="en-US" sz="1200" b="0" i="0" dirty="0">
-                <a:solidFill>
-                  <a:schemeClr val="bg1"/>
-                </a:solidFill>
-                <a:effectLst/>
-                <a:latin typeface="ui-monospace"/>
-              </a:rPr>
-              <a:t>";</a:t>
-            </a:r>
-          </a:p>
-          <a:p>
-            <a:r>
-              <a:rPr lang="en-US" sz="1200" b="0" i="0" dirty="0">
-                <a:solidFill>
-                  <a:schemeClr val="bg1"/>
-                </a:solidFill>
-                <a:effectLst/>
-                <a:latin typeface="ui-monospace"/>
-              </a:rPr>
-              <a:t>const </a:t>
-            </a:r>
-            <a:r>
-              <a:rPr lang="en-US" sz="1200" b="0" i="0" dirty="0" err="1">
-                <a:solidFill>
-                  <a:schemeClr val="bg1"/>
-                </a:solidFill>
-                <a:effectLst/>
-                <a:latin typeface="ui-monospace"/>
-              </a:rPr>
-              <a:t>pinia</a:t>
-            </a:r>
-            <a:r>
-              <a:rPr lang="en-US" sz="1200" b="0" i="0" dirty="0">
-                <a:solidFill>
-                  <a:schemeClr val="bg1"/>
-                </a:solidFill>
-                <a:effectLst/>
-                <a:latin typeface="ui-monospace"/>
-              </a:rPr>
-              <a:t> = </a:t>
-            </a:r>
-            <a:r>
-              <a:rPr lang="en-US" sz="1200" b="0" i="0" dirty="0" err="1">
-                <a:solidFill>
-                  <a:schemeClr val="bg1"/>
-                </a:solidFill>
-                <a:effectLst/>
-                <a:latin typeface="ui-monospace"/>
-              </a:rPr>
-              <a:t>createPinia</a:t>
-            </a:r>
-            <a:r>
-              <a:rPr lang="en-US" sz="1200" b="0" i="0" dirty="0">
-                <a:solidFill>
-                  <a:schemeClr val="bg1"/>
-                </a:solidFill>
-                <a:effectLst/>
-                <a:latin typeface="ui-monospace"/>
-              </a:rPr>
-              <a:t>();</a:t>
-            </a:r>
-          </a:p>
-          <a:p>
-            <a:r>
-              <a:rPr lang="en-US" sz="1200" b="0" i="0" dirty="0">
-                <a:solidFill>
-                  <a:schemeClr val="bg1"/>
-                </a:solidFill>
-                <a:effectLst/>
-                <a:latin typeface="ui-monospace"/>
-              </a:rPr>
-              <a:t>// </a:t>
-            </a:r>
-            <a:r>
-              <a:rPr lang="zh-CN" altLang="en-US" sz="1200" b="0" i="0" dirty="0">
-                <a:solidFill>
-                  <a:schemeClr val="bg1"/>
-                </a:solidFill>
-                <a:effectLst/>
-                <a:latin typeface="ui-monospace"/>
-              </a:rPr>
-              <a:t>持久化存储</a:t>
-            </a:r>
-          </a:p>
-          <a:p>
-            <a:r>
-              <a:rPr lang="en-US" sz="1200" b="0" i="0" dirty="0">
-                <a:solidFill>
-                  <a:schemeClr val="bg1"/>
-                </a:solidFill>
-                <a:effectLst/>
-                <a:latin typeface="ui-monospace"/>
-              </a:rPr>
-              <a:t>import { </a:t>
-            </a:r>
-            <a:r>
-              <a:rPr lang="en-US" sz="1200" b="0" i="0" dirty="0" err="1">
-                <a:solidFill>
-                  <a:schemeClr val="bg1"/>
-                </a:solidFill>
-                <a:effectLst/>
-                <a:latin typeface="ui-monospace"/>
-              </a:rPr>
-              <a:t>createPersistedState</a:t>
-            </a:r>
-            <a:r>
-              <a:rPr lang="en-US" sz="1200" b="0" i="0" dirty="0">
-                <a:solidFill>
-                  <a:schemeClr val="bg1"/>
-                </a:solidFill>
-                <a:effectLst/>
-                <a:latin typeface="ui-monospace"/>
-              </a:rPr>
-              <a:t> } from "</a:t>
-            </a:r>
-            <a:r>
-              <a:rPr lang="en-US" sz="1200" b="0" i="0" dirty="0" err="1">
-                <a:solidFill>
-                  <a:schemeClr val="bg1"/>
-                </a:solidFill>
-                <a:effectLst/>
-                <a:latin typeface="ui-monospace"/>
-              </a:rPr>
-              <a:t>pinia</a:t>
-            </a:r>
-            <a:r>
-              <a:rPr lang="en-US" sz="1200" b="0" i="0" dirty="0">
-                <a:solidFill>
-                  <a:schemeClr val="bg1"/>
-                </a:solidFill>
-                <a:effectLst/>
-                <a:latin typeface="ui-monospace"/>
-              </a:rPr>
-              <a:t>-plugin-</a:t>
-            </a:r>
-            <a:r>
-              <a:rPr lang="en-US" sz="1200" b="0" i="0" dirty="0" err="1">
-                <a:solidFill>
-                  <a:schemeClr val="bg1"/>
-                </a:solidFill>
-                <a:effectLst/>
-                <a:latin typeface="ui-monospace"/>
-              </a:rPr>
-              <a:t>persistedstate</a:t>
-            </a:r>
-            <a:r>
-              <a:rPr lang="en-US" sz="1200" b="0" i="0" dirty="0">
-                <a:solidFill>
-                  <a:schemeClr val="bg1"/>
-                </a:solidFill>
-                <a:effectLst/>
-                <a:latin typeface="ui-monospace"/>
-              </a:rPr>
-              <a:t>";</a:t>
-            </a:r>
-          </a:p>
-          <a:p>
-            <a:r>
-              <a:rPr lang="en-US" sz="1200" b="0" i="0" dirty="0" err="1">
-                <a:solidFill>
-                  <a:schemeClr val="bg1"/>
-                </a:solidFill>
-                <a:effectLst/>
-                <a:latin typeface="ui-monospace"/>
-              </a:rPr>
-              <a:t>pinia.use</a:t>
-            </a:r>
-            <a:r>
-              <a:rPr lang="en-US" sz="1200" b="0" i="0" dirty="0">
-                <a:solidFill>
-                  <a:schemeClr val="bg1"/>
-                </a:solidFill>
-                <a:effectLst/>
-                <a:latin typeface="ui-monospace"/>
-              </a:rPr>
-              <a:t>(</a:t>
-            </a:r>
-          </a:p>
-          <a:p>
-            <a:r>
-              <a:rPr lang="en-US" sz="1200" b="0" i="0" dirty="0">
-                <a:solidFill>
-                  <a:schemeClr val="bg1"/>
-                </a:solidFill>
-                <a:effectLst/>
-                <a:latin typeface="ui-monospace"/>
-              </a:rPr>
-              <a:t>    </a:t>
-            </a:r>
-            <a:r>
-              <a:rPr lang="en-US" sz="1200" b="0" i="0" dirty="0" err="1">
-                <a:solidFill>
-                  <a:schemeClr val="bg1"/>
-                </a:solidFill>
-                <a:effectLst/>
-                <a:latin typeface="ui-monospace"/>
-              </a:rPr>
-              <a:t>createPersistedState</a:t>
-            </a:r>
-            <a:r>
-              <a:rPr lang="en-US" sz="1200" b="0" i="0" dirty="0">
-                <a:solidFill>
-                  <a:schemeClr val="bg1"/>
-                </a:solidFill>
-                <a:effectLst/>
-                <a:latin typeface="ui-monospace"/>
-              </a:rPr>
-              <a:t>({</a:t>
-            </a:r>
-          </a:p>
-          <a:p>
-            <a:r>
-              <a:rPr lang="en-US" sz="1200" b="0" i="0" dirty="0">
-                <a:solidFill>
-                  <a:schemeClr val="bg1"/>
-                </a:solidFill>
-                <a:effectLst/>
-                <a:latin typeface="ui-monospace"/>
-              </a:rPr>
-              <a:t>        auto: true,</a:t>
-            </a:r>
-          </a:p>
-          <a:p>
-            <a:r>
-              <a:rPr lang="en-US" sz="1200" b="0" i="0" dirty="0">
-                <a:solidFill>
-                  <a:schemeClr val="bg1"/>
-                </a:solidFill>
-                <a:effectLst/>
-                <a:latin typeface="ui-monospace"/>
-              </a:rPr>
-              <a:t>    })</a:t>
-            </a:r>
-          </a:p>
-          <a:p>
-            <a:r>
-              <a:rPr lang="en-US" sz="1200" b="0" i="0" dirty="0">
-                <a:solidFill>
-                  <a:schemeClr val="bg1"/>
-                </a:solidFill>
-                <a:effectLst/>
-                <a:latin typeface="ui-monospace"/>
-              </a:rPr>
-              <a:t>);</a:t>
-            </a:r>
-          </a:p>
-          <a:p>
-            <a:r>
-              <a:rPr lang="en-US" sz="1200" b="0" i="0" dirty="0">
-                <a:solidFill>
-                  <a:schemeClr val="bg1"/>
-                </a:solidFill>
-                <a:effectLst/>
-                <a:latin typeface="ui-monospace"/>
-              </a:rPr>
-              <a:t>// </a:t>
-            </a:r>
-            <a:r>
-              <a:rPr lang="zh-CN" altLang="en-US" sz="1200" b="0" i="0" dirty="0">
-                <a:solidFill>
-                  <a:schemeClr val="bg1"/>
-                </a:solidFill>
-                <a:effectLst/>
-                <a:latin typeface="ui-monospace"/>
-              </a:rPr>
-              <a:t>重写 </a:t>
-            </a:r>
-            <a:r>
-              <a:rPr lang="en-US" altLang="zh-CN" sz="1200" b="0" i="0" dirty="0">
-                <a:solidFill>
-                  <a:schemeClr val="bg1"/>
-                </a:solidFill>
-                <a:effectLst/>
-                <a:latin typeface="ui-monospace"/>
-              </a:rPr>
-              <a:t>$</a:t>
-            </a:r>
-            <a:r>
-              <a:rPr lang="en-US" sz="1200" b="0" i="0" dirty="0">
-                <a:solidFill>
-                  <a:schemeClr val="bg1"/>
-                </a:solidFill>
-                <a:effectLst/>
-                <a:latin typeface="ui-monospace"/>
-              </a:rPr>
-              <a:t>reset </a:t>
-            </a:r>
-            <a:r>
-              <a:rPr lang="zh-CN" altLang="en-US" sz="1200" b="0" i="0" dirty="0">
-                <a:solidFill>
-                  <a:schemeClr val="bg1"/>
-                </a:solidFill>
-                <a:effectLst/>
-                <a:latin typeface="ui-monospace"/>
-              </a:rPr>
-              <a:t>方法 </a:t>
-            </a:r>
-            <a:r>
-              <a:rPr lang="en-US" altLang="zh-CN" sz="1200" b="0" i="0" dirty="0">
-                <a:solidFill>
-                  <a:schemeClr val="bg1"/>
-                </a:solidFill>
-                <a:effectLst/>
-                <a:latin typeface="ui-monospace"/>
-              </a:rPr>
-              <a:t>=&gt; </a:t>
-            </a:r>
-            <a:r>
-              <a:rPr lang="zh-CN" altLang="en-US" sz="1200" b="0" i="0" dirty="0">
-                <a:solidFill>
-                  <a:schemeClr val="bg1"/>
-                </a:solidFill>
-                <a:effectLst/>
-                <a:latin typeface="ui-monospace"/>
-              </a:rPr>
-              <a:t>解决组合式</a:t>
-            </a:r>
-            <a:r>
-              <a:rPr lang="en-US" sz="1200" b="0" i="0" dirty="0" err="1">
-                <a:solidFill>
-                  <a:schemeClr val="bg1"/>
-                </a:solidFill>
-                <a:effectLst/>
-                <a:latin typeface="ui-monospace"/>
-              </a:rPr>
-              <a:t>api</a:t>
-            </a:r>
-            <a:r>
-              <a:rPr lang="zh-CN" altLang="en-US" sz="1200" b="0" i="0" dirty="0">
-                <a:solidFill>
-                  <a:schemeClr val="bg1"/>
-                </a:solidFill>
-                <a:effectLst/>
-                <a:latin typeface="ui-monospace"/>
-              </a:rPr>
-              <a:t>中无法使用问题</a:t>
-            </a:r>
-          </a:p>
-          <a:p>
-            <a:r>
-              <a:rPr lang="en-US" sz="1200" b="0" i="0" dirty="0" err="1">
-                <a:solidFill>
-                  <a:schemeClr val="bg1"/>
-                </a:solidFill>
-                <a:effectLst/>
-                <a:latin typeface="ui-monospace"/>
-              </a:rPr>
-              <a:t>pinia.use</a:t>
-            </a:r>
-            <a:r>
-              <a:rPr lang="en-US" sz="1200" b="0" i="0" dirty="0">
-                <a:solidFill>
-                  <a:schemeClr val="bg1"/>
-                </a:solidFill>
-                <a:effectLst/>
-                <a:latin typeface="ui-monospace"/>
-              </a:rPr>
-              <a:t>(({ store }) =&gt; {</a:t>
-            </a:r>
-          </a:p>
-          <a:p>
-            <a:r>
-              <a:rPr lang="en-US" sz="1200" b="0" i="0" dirty="0">
-                <a:solidFill>
-                  <a:schemeClr val="bg1"/>
-                </a:solidFill>
-                <a:effectLst/>
-                <a:latin typeface="ui-monospace"/>
-              </a:rPr>
-              <a:t>    const </a:t>
-            </a:r>
-            <a:r>
-              <a:rPr lang="en-US" sz="1200" b="0" i="0" dirty="0" err="1">
-                <a:solidFill>
-                  <a:schemeClr val="bg1"/>
-                </a:solidFill>
-                <a:effectLst/>
-                <a:latin typeface="ui-monospace"/>
-              </a:rPr>
-              <a:t>initialState</a:t>
-            </a:r>
-            <a:r>
-              <a:rPr lang="en-US" sz="1200" b="0" i="0" dirty="0">
-                <a:solidFill>
-                  <a:schemeClr val="bg1"/>
-                </a:solidFill>
-                <a:effectLst/>
-                <a:latin typeface="ui-monospace"/>
-              </a:rPr>
-              <a:t> = </a:t>
-            </a:r>
-            <a:r>
-              <a:rPr lang="en-US" sz="1200" b="0" i="0" dirty="0" err="1">
-                <a:solidFill>
-                  <a:schemeClr val="bg1"/>
-                </a:solidFill>
-                <a:effectLst/>
-                <a:latin typeface="ui-monospace"/>
-              </a:rPr>
-              <a:t>JSON.parse</a:t>
-            </a:r>
-            <a:r>
-              <a:rPr lang="en-US" sz="1200" b="0" i="0" dirty="0">
-                <a:solidFill>
-                  <a:schemeClr val="bg1"/>
-                </a:solidFill>
-                <a:effectLst/>
-                <a:latin typeface="ui-monospace"/>
-              </a:rPr>
-              <a:t>(</a:t>
-            </a:r>
-            <a:r>
-              <a:rPr lang="en-US" sz="1200" b="0" i="0" dirty="0" err="1">
-                <a:solidFill>
-                  <a:schemeClr val="bg1"/>
-                </a:solidFill>
-                <a:effectLst/>
-                <a:latin typeface="ui-monospace"/>
-              </a:rPr>
-              <a:t>JSON.stringify</a:t>
-            </a:r>
-            <a:r>
-              <a:rPr lang="en-US" sz="1200" b="0" i="0" dirty="0">
-                <a:solidFill>
-                  <a:schemeClr val="bg1"/>
-                </a:solidFill>
-                <a:effectLst/>
-                <a:latin typeface="ui-monospace"/>
-              </a:rPr>
-              <a:t>(</a:t>
-            </a:r>
-            <a:r>
-              <a:rPr lang="en-US" sz="1200" b="0" i="0" dirty="0" err="1">
-                <a:solidFill>
-                  <a:schemeClr val="bg1"/>
-                </a:solidFill>
-                <a:effectLst/>
-                <a:latin typeface="ui-monospace"/>
-              </a:rPr>
-              <a:t>store.$state</a:t>
-            </a:r>
-            <a:r>
-              <a:rPr lang="en-US" sz="1200" b="0" i="0" dirty="0">
-                <a:solidFill>
-                  <a:schemeClr val="bg1"/>
-                </a:solidFill>
-                <a:effectLst/>
-                <a:latin typeface="ui-monospace"/>
-              </a:rPr>
-              <a:t>));</a:t>
-            </a:r>
-          </a:p>
-          <a:p>
-            <a:r>
-              <a:rPr lang="en-US" sz="1200" b="0" i="0" dirty="0">
-                <a:solidFill>
-                  <a:schemeClr val="bg1"/>
-                </a:solidFill>
-                <a:effectLst/>
-                <a:latin typeface="ui-monospace"/>
-              </a:rPr>
-              <a:t>    </a:t>
-            </a:r>
-            <a:r>
-              <a:rPr lang="en-US" sz="1200" b="0" i="0" dirty="0" err="1">
-                <a:solidFill>
-                  <a:schemeClr val="bg1"/>
-                </a:solidFill>
-                <a:effectLst/>
-                <a:latin typeface="ui-monospace"/>
-              </a:rPr>
-              <a:t>store.$reset</a:t>
-            </a:r>
-            <a:r>
-              <a:rPr lang="en-US" sz="1200" b="0" i="0" dirty="0">
-                <a:solidFill>
-                  <a:schemeClr val="bg1"/>
-                </a:solidFill>
-                <a:effectLst/>
-                <a:latin typeface="ui-monospace"/>
-              </a:rPr>
-              <a:t> = () =&gt; {</a:t>
-            </a:r>
-          </a:p>
-          <a:p>
-            <a:r>
-              <a:rPr lang="en-US" sz="1200" b="0" i="0" dirty="0">
-                <a:solidFill>
-                  <a:schemeClr val="bg1"/>
-                </a:solidFill>
-                <a:effectLst/>
-                <a:latin typeface="ui-monospace"/>
-              </a:rPr>
-              <a:t>        </a:t>
-            </a:r>
-            <a:r>
-              <a:rPr lang="en-US" sz="1200" b="0" i="0" dirty="0" err="1">
-                <a:solidFill>
-                  <a:schemeClr val="bg1"/>
-                </a:solidFill>
-                <a:effectLst/>
-                <a:latin typeface="ui-monospace"/>
-              </a:rPr>
-              <a:t>store.$patch</a:t>
-            </a:r>
-            <a:r>
-              <a:rPr lang="en-US" sz="1200" b="0" i="0" dirty="0">
-                <a:solidFill>
-                  <a:schemeClr val="bg1"/>
-                </a:solidFill>
-                <a:effectLst/>
-                <a:latin typeface="ui-monospace"/>
-              </a:rPr>
-              <a:t>(</a:t>
-            </a:r>
-            <a:r>
-              <a:rPr lang="en-US" sz="1200" b="0" i="0" dirty="0" err="1">
-                <a:solidFill>
-                  <a:schemeClr val="bg1"/>
-                </a:solidFill>
-                <a:effectLst/>
-                <a:latin typeface="ui-monospace"/>
-              </a:rPr>
-              <a:t>initialState</a:t>
-            </a:r>
-            <a:r>
-              <a:rPr lang="en-US" sz="1200" b="0" i="0" dirty="0">
-                <a:solidFill>
-                  <a:schemeClr val="bg1"/>
-                </a:solidFill>
-                <a:effectLst/>
-                <a:latin typeface="ui-monospace"/>
-              </a:rPr>
-              <a:t>);</a:t>
-            </a:r>
-          </a:p>
-          <a:p>
-            <a:r>
-              <a:rPr lang="en-US" sz="1200" b="0" i="0" dirty="0">
-                <a:solidFill>
-                  <a:schemeClr val="bg1"/>
-                </a:solidFill>
-                <a:effectLst/>
-                <a:latin typeface="ui-monospace"/>
-              </a:rPr>
-              <a:t>    };</a:t>
-            </a:r>
-          </a:p>
-          <a:p>
-            <a:r>
-              <a:rPr lang="en-US" sz="1200" b="0" i="0" dirty="0">
-                <a:solidFill>
-                  <a:schemeClr val="bg1"/>
-                </a:solidFill>
-                <a:effectLst/>
-                <a:latin typeface="ui-monospace"/>
-              </a:rPr>
-              <a:t>});</a:t>
-            </a:r>
-          </a:p>
-          <a:p>
-            <a:r>
-              <a:rPr lang="en-US" sz="1200" b="0" i="0" dirty="0" err="1">
-                <a:solidFill>
-                  <a:schemeClr val="bg1"/>
-                </a:solidFill>
-                <a:effectLst/>
-                <a:latin typeface="ui-monospace"/>
-              </a:rPr>
-              <a:t>app.use</a:t>
-            </a:r>
-            <a:r>
-              <a:rPr lang="en-US" sz="1200" b="0" i="0" dirty="0">
-                <a:solidFill>
-                  <a:schemeClr val="bg1"/>
-                </a:solidFill>
-                <a:effectLst/>
-                <a:latin typeface="ui-monospace"/>
-              </a:rPr>
-              <a:t>(</a:t>
-            </a:r>
-            <a:r>
-              <a:rPr lang="en-US" sz="1200" b="0" i="0" dirty="0" err="1">
-                <a:solidFill>
-                  <a:schemeClr val="bg1"/>
-                </a:solidFill>
-                <a:effectLst/>
-                <a:latin typeface="ui-monospace"/>
-              </a:rPr>
-              <a:t>pinia</a:t>
-            </a:r>
-            <a:r>
-              <a:rPr lang="en-US" sz="1200" b="0" i="0" dirty="0">
-                <a:solidFill>
-                  <a:schemeClr val="bg1"/>
-                </a:solidFill>
-                <a:effectLst/>
-                <a:latin typeface="ui-monospace"/>
-              </a:rPr>
-              <a:t>);</a:t>
-            </a:r>
-            <a:endParaRPr lang="en-US" sz="1200" dirty="0">
-              <a:solidFill>
-                <a:schemeClr val="bg1"/>
-              </a:solidFill>
-            </a:endParaRPr>
-          </a:p>
-        </p:txBody>
-      </p:sp>
-    </p:spTree>
-    <p:extLst>
-      <p:ext uri="{BB962C8B-B14F-4D97-AF65-F5344CB8AC3E}">
-        <p14:creationId xmlns:p14="http://schemas.microsoft.com/office/powerpoint/2010/main" val="1267691032"/>
       </p:ext>
     </p:extLst>
   </p:cSld>

--- a/public/docs/StudyCards.pptx
+++ b/public/docs/StudyCards.pptx
@@ -7,6 +7,7 @@
   <p:sldIdLst>
     <p:sldId id="257" r:id="rId2"/>
     <p:sldId id="256" r:id="rId3"/>
+    <p:sldId id="258" r:id="rId4"/>
   </p:sldIdLst>
   <p:sldSz cx="12192000" cy="6858000"/>
   <p:notesSz cx="6858000" cy="9926638"/>
@@ -260,7 +261,7 @@
           <a:p>
             <a:fld id="{D0E5D855-4F39-4693-A2AA-4E6EEA7B06AC}" type="datetimeFigureOut">
               <a:rPr lang="en-US" smtClean="0"/>
-              <a:t>5/16/2025</a:t>
+              <a:t>5/26/2025</a:t>
             </a:fld>
             <a:endParaRPr lang="en-US"/>
           </a:p>
@@ -458,7 +459,7 @@
           <a:p>
             <a:fld id="{D0E5D855-4F39-4693-A2AA-4E6EEA7B06AC}" type="datetimeFigureOut">
               <a:rPr lang="en-US" smtClean="0"/>
-              <a:t>5/16/2025</a:t>
+              <a:t>5/26/2025</a:t>
             </a:fld>
             <a:endParaRPr lang="en-US"/>
           </a:p>
@@ -666,7 +667,7 @@
           <a:p>
             <a:fld id="{D0E5D855-4F39-4693-A2AA-4E6EEA7B06AC}" type="datetimeFigureOut">
               <a:rPr lang="en-US" smtClean="0"/>
-              <a:t>5/16/2025</a:t>
+              <a:t>5/26/2025</a:t>
             </a:fld>
             <a:endParaRPr lang="en-US"/>
           </a:p>
@@ -864,7 +865,7 @@
           <a:p>
             <a:fld id="{D0E5D855-4F39-4693-A2AA-4E6EEA7B06AC}" type="datetimeFigureOut">
               <a:rPr lang="en-US" smtClean="0"/>
-              <a:t>5/16/2025</a:t>
+              <a:t>5/26/2025</a:t>
             </a:fld>
             <a:endParaRPr lang="en-US"/>
           </a:p>
@@ -1139,7 +1140,7 @@
           <a:p>
             <a:fld id="{D0E5D855-4F39-4693-A2AA-4E6EEA7B06AC}" type="datetimeFigureOut">
               <a:rPr lang="en-US" smtClean="0"/>
-              <a:t>5/16/2025</a:t>
+              <a:t>5/26/2025</a:t>
             </a:fld>
             <a:endParaRPr lang="en-US"/>
           </a:p>
@@ -1404,7 +1405,7 @@
           <a:p>
             <a:fld id="{D0E5D855-4F39-4693-A2AA-4E6EEA7B06AC}" type="datetimeFigureOut">
               <a:rPr lang="en-US" smtClean="0"/>
-              <a:t>5/16/2025</a:t>
+              <a:t>5/26/2025</a:t>
             </a:fld>
             <a:endParaRPr lang="en-US"/>
           </a:p>
@@ -1816,7 +1817,7 @@
           <a:p>
             <a:fld id="{D0E5D855-4F39-4693-A2AA-4E6EEA7B06AC}" type="datetimeFigureOut">
               <a:rPr lang="en-US" smtClean="0"/>
-              <a:t>5/16/2025</a:t>
+              <a:t>5/26/2025</a:t>
             </a:fld>
             <a:endParaRPr lang="en-US"/>
           </a:p>
@@ -1957,7 +1958,7 @@
           <a:p>
             <a:fld id="{D0E5D855-4F39-4693-A2AA-4E6EEA7B06AC}" type="datetimeFigureOut">
               <a:rPr lang="en-US" smtClean="0"/>
-              <a:t>5/16/2025</a:t>
+              <a:t>5/26/2025</a:t>
             </a:fld>
             <a:endParaRPr lang="en-US"/>
           </a:p>
@@ -2070,7 +2071,7 @@
           <a:p>
             <a:fld id="{D0E5D855-4F39-4693-A2AA-4E6EEA7B06AC}" type="datetimeFigureOut">
               <a:rPr lang="en-US" smtClean="0"/>
-              <a:t>5/16/2025</a:t>
+              <a:t>5/26/2025</a:t>
             </a:fld>
             <a:endParaRPr lang="en-US"/>
           </a:p>
@@ -2381,7 +2382,7 @@
           <a:p>
             <a:fld id="{D0E5D855-4F39-4693-A2AA-4E6EEA7B06AC}" type="datetimeFigureOut">
               <a:rPr lang="en-US" smtClean="0"/>
-              <a:t>5/16/2025</a:t>
+              <a:t>5/26/2025</a:t>
             </a:fld>
             <a:endParaRPr lang="en-US"/>
           </a:p>
@@ -2669,7 +2670,7 @@
           <a:p>
             <a:fld id="{D0E5D855-4F39-4693-A2AA-4E6EEA7B06AC}" type="datetimeFigureOut">
               <a:rPr lang="en-US" smtClean="0"/>
-              <a:t>5/16/2025</a:t>
+              <a:t>5/26/2025</a:t>
             </a:fld>
             <a:endParaRPr lang="en-US"/>
           </a:p>
@@ -2910,7 +2911,7 @@
           <a:p>
             <a:fld id="{D0E5D855-4F39-4693-A2AA-4E6EEA7B06AC}" type="datetimeFigureOut">
               <a:rPr lang="en-US" smtClean="0"/>
-              <a:t>5/16/2025</a:t>
+              <a:t>5/26/2025</a:t>
             </a:fld>
             <a:endParaRPr lang="en-US"/>
           </a:p>
@@ -4332,7 +4333,7 @@
         </p:nvGrpSpPr>
         <p:grpSpPr>
           <a:xfrm>
-            <a:off x="7614609" y="73250"/>
+            <a:off x="7614609" y="149450"/>
             <a:ext cx="4386653" cy="572261"/>
             <a:chOff x="7614613" y="5950488"/>
             <a:chExt cx="4386653" cy="572261"/>
@@ -4475,7 +4476,7 @@
         </p:nvGrpSpPr>
         <p:grpSpPr>
           <a:xfrm>
-            <a:off x="7614611" y="2102013"/>
+            <a:off x="7614611" y="2197263"/>
             <a:ext cx="4386653" cy="1126259"/>
             <a:chOff x="7614613" y="5950488"/>
             <a:chExt cx="4386653" cy="1126259"/>
@@ -4659,7 +4660,7 @@
         </p:nvGrpSpPr>
         <p:grpSpPr>
           <a:xfrm>
-            <a:off x="7614612" y="640173"/>
+            <a:off x="7614612" y="725898"/>
             <a:ext cx="4391408" cy="1512010"/>
             <a:chOff x="7471489" y="743546"/>
             <a:chExt cx="4391408" cy="1512010"/>
@@ -4926,7 +4927,7 @@
         </p:nvGrpSpPr>
         <p:grpSpPr>
           <a:xfrm>
-            <a:off x="7614611" y="3245526"/>
+            <a:off x="7614611" y="3321726"/>
             <a:ext cx="4386653" cy="941593"/>
             <a:chOff x="7614613" y="5950488"/>
             <a:chExt cx="4386653" cy="941593"/>
@@ -5187,7 +5188,7 @@
         </p:nvGrpSpPr>
         <p:grpSpPr>
           <a:xfrm>
-            <a:off x="7614610" y="4216046"/>
+            <a:off x="7614610" y="4254146"/>
             <a:ext cx="4386653" cy="1310925"/>
             <a:chOff x="7614613" y="5950488"/>
             <a:chExt cx="4386653" cy="1310925"/>
@@ -6736,6 +6737,96 @@
           </a:prstGeom>
         </p:spPr>
       </p:pic>
+      <p:cxnSp>
+        <p:nvCxnSpPr>
+          <p:cNvPr id="4" name="Straight Connector 3">
+            <a:extLst>
+              <a:ext uri="{FF2B5EF4-FFF2-40B4-BE49-F238E27FC236}">
+                <a16:creationId xmlns:a16="http://schemas.microsoft.com/office/drawing/2014/main" id="{D1CA20DA-8D81-F06A-D641-4E2FC7DE3B3F}"/>
+              </a:ext>
+            </a:extLst>
+          </p:cNvPr>
+          <p:cNvCxnSpPr/>
+          <p:nvPr/>
+        </p:nvCxnSpPr>
+        <p:spPr>
+          <a:xfrm>
+            <a:off x="7579897" y="69657"/>
+            <a:ext cx="0" cy="6761095"/>
+          </a:xfrm>
+          <a:prstGeom prst="line">
+            <a:avLst/>
+          </a:prstGeom>
+          <a:ln w="19050" cap="flat" cmpd="sng" algn="ctr">
+            <a:solidFill>
+              <a:schemeClr val="accent3"/>
+            </a:solidFill>
+            <a:prstDash val="dash"/>
+            <a:round/>
+            <a:headEnd type="none" w="med" len="med"/>
+            <a:tailEnd type="none" w="med" len="med"/>
+          </a:ln>
+        </p:spPr>
+        <p:style>
+          <a:lnRef idx="0">
+            <a:scrgbClr r="0" g="0" b="0"/>
+          </a:lnRef>
+          <a:fillRef idx="0">
+            <a:scrgbClr r="0" g="0" b="0"/>
+          </a:fillRef>
+          <a:effectRef idx="0">
+            <a:scrgbClr r="0" g="0" b="0"/>
+          </a:effectRef>
+          <a:fontRef idx="minor">
+            <a:schemeClr val="tx1"/>
+          </a:fontRef>
+        </p:style>
+      </p:cxnSp>
+      <p:cxnSp>
+        <p:nvCxnSpPr>
+          <p:cNvPr id="5" name="Straight Connector 4">
+            <a:extLst>
+              <a:ext uri="{FF2B5EF4-FFF2-40B4-BE49-F238E27FC236}">
+                <a16:creationId xmlns:a16="http://schemas.microsoft.com/office/drawing/2014/main" id="{9AA51DD1-2F6D-F8B1-CF4C-062DF2338116}"/>
+              </a:ext>
+            </a:extLst>
+          </p:cNvPr>
+          <p:cNvCxnSpPr/>
+          <p:nvPr/>
+        </p:nvCxnSpPr>
+        <p:spPr>
+          <a:xfrm>
+            <a:off x="3103143" y="85725"/>
+            <a:ext cx="0" cy="6761095"/>
+          </a:xfrm>
+          <a:prstGeom prst="line">
+            <a:avLst/>
+          </a:prstGeom>
+          <a:ln w="19050" cap="flat" cmpd="sng" algn="ctr">
+            <a:solidFill>
+              <a:schemeClr val="accent3"/>
+            </a:solidFill>
+            <a:prstDash val="dash"/>
+            <a:round/>
+            <a:headEnd type="none" w="med" len="med"/>
+            <a:tailEnd type="none" w="med" len="med"/>
+          </a:ln>
+        </p:spPr>
+        <p:style>
+          <a:lnRef idx="0">
+            <a:scrgbClr r="0" g="0" b="0"/>
+          </a:lnRef>
+          <a:fillRef idx="0">
+            <a:scrgbClr r="0" g="0" b="0"/>
+          </a:fillRef>
+          <a:effectRef idx="0">
+            <a:scrgbClr r="0" g="0" b="0"/>
+          </a:effectRef>
+          <a:fontRef idx="minor">
+            <a:schemeClr val="tx1"/>
+          </a:fontRef>
+        </p:style>
+      </p:cxnSp>
     </p:spTree>
     <p:extLst>
       <p:ext uri="{BB962C8B-B14F-4D97-AF65-F5344CB8AC3E}">
@@ -6780,8 +6871,8 @@
         </p:nvSpPr>
         <p:spPr>
           <a:xfrm>
-            <a:off x="8219922" y="508213"/>
-            <a:ext cx="3649211" cy="5866725"/>
+            <a:off x="7614609" y="327238"/>
+            <a:ext cx="4386654" cy="5866725"/>
           </a:xfrm>
           <a:prstGeom prst="roundRect">
             <a:avLst>
@@ -7366,7 +7457,7 @@
         </p:nvSpPr>
         <p:spPr>
           <a:xfrm>
-            <a:off x="3669702" y="508213"/>
+            <a:off x="3155148" y="327238"/>
             <a:ext cx="4386653" cy="3899484"/>
           </a:xfrm>
           <a:prstGeom prst="roundRect">
@@ -8091,7 +8182,7 @@
         </p:nvSpPr>
         <p:spPr>
           <a:xfrm>
-            <a:off x="3669702" y="4562322"/>
+            <a:off x="3155148" y="4381347"/>
             <a:ext cx="4386653" cy="1812616"/>
           </a:xfrm>
           <a:prstGeom prst="roundRect">
@@ -8354,12 +8445,102 @@
           </a:p>
         </p:txBody>
       </p:sp>
+      <p:cxnSp>
+        <p:nvCxnSpPr>
+          <p:cNvPr id="3" name="Straight Connector 2">
+            <a:extLst>
+              <a:ext uri="{FF2B5EF4-FFF2-40B4-BE49-F238E27FC236}">
+                <a16:creationId xmlns:a16="http://schemas.microsoft.com/office/drawing/2014/main" id="{DF5D2390-25A6-F282-1971-1E1052411E61}"/>
+              </a:ext>
+            </a:extLst>
+          </p:cNvPr>
+          <p:cNvCxnSpPr/>
+          <p:nvPr/>
+        </p:nvCxnSpPr>
+        <p:spPr>
+          <a:xfrm>
+            <a:off x="7579897" y="69657"/>
+            <a:ext cx="0" cy="6761095"/>
+          </a:xfrm>
+          <a:prstGeom prst="line">
+            <a:avLst/>
+          </a:prstGeom>
+          <a:ln w="19050" cap="flat" cmpd="sng" algn="ctr">
+            <a:solidFill>
+              <a:schemeClr val="accent3"/>
+            </a:solidFill>
+            <a:prstDash val="dash"/>
+            <a:round/>
+            <a:headEnd type="none" w="med" len="med"/>
+            <a:tailEnd type="none" w="med" len="med"/>
+          </a:ln>
+        </p:spPr>
+        <p:style>
+          <a:lnRef idx="0">
+            <a:scrgbClr r="0" g="0" b="0"/>
+          </a:lnRef>
+          <a:fillRef idx="0">
+            <a:scrgbClr r="0" g="0" b="0"/>
+          </a:fillRef>
+          <a:effectRef idx="0">
+            <a:scrgbClr r="0" g="0" b="0"/>
+          </a:effectRef>
+          <a:fontRef idx="minor">
+            <a:schemeClr val="tx1"/>
+          </a:fontRef>
+        </p:style>
+      </p:cxnSp>
+      <p:cxnSp>
+        <p:nvCxnSpPr>
+          <p:cNvPr id="7" name="Straight Connector 6">
+            <a:extLst>
+              <a:ext uri="{FF2B5EF4-FFF2-40B4-BE49-F238E27FC236}">
+                <a16:creationId xmlns:a16="http://schemas.microsoft.com/office/drawing/2014/main" id="{CF4B1BC1-8EB0-298E-FE20-D1DB847E5DA5}"/>
+              </a:ext>
+            </a:extLst>
+          </p:cNvPr>
+          <p:cNvCxnSpPr/>
+          <p:nvPr/>
+        </p:nvCxnSpPr>
+        <p:spPr>
+          <a:xfrm>
+            <a:off x="3103143" y="85725"/>
+            <a:ext cx="0" cy="6761095"/>
+          </a:xfrm>
+          <a:prstGeom prst="line">
+            <a:avLst/>
+          </a:prstGeom>
+          <a:ln w="19050" cap="flat" cmpd="sng" algn="ctr">
+            <a:solidFill>
+              <a:schemeClr val="accent3"/>
+            </a:solidFill>
+            <a:prstDash val="dash"/>
+            <a:round/>
+            <a:headEnd type="none" w="med" len="med"/>
+            <a:tailEnd type="none" w="med" len="med"/>
+          </a:ln>
+        </p:spPr>
+        <p:style>
+          <a:lnRef idx="0">
+            <a:scrgbClr r="0" g="0" b="0"/>
+          </a:lnRef>
+          <a:fillRef idx="0">
+            <a:scrgbClr r="0" g="0" b="0"/>
+          </a:fillRef>
+          <a:effectRef idx="0">
+            <a:scrgbClr r="0" g="0" b="0"/>
+          </a:effectRef>
+          <a:fontRef idx="minor">
+            <a:schemeClr val="tx1"/>
+          </a:fontRef>
+        </p:style>
+      </p:cxnSp>
       <p:sp>
         <p:nvSpPr>
-          <p:cNvPr id="6" name="Rectangle 5">
+          <p:cNvPr id="9" name="Rectangle 8">
             <a:extLst>
               <a:ext uri="{FF2B5EF4-FFF2-40B4-BE49-F238E27FC236}">
-                <a16:creationId xmlns:a16="http://schemas.microsoft.com/office/drawing/2014/main" id="{E2676DE7-374E-1D23-9877-65DFF30960F9}"/>
+                <a16:creationId xmlns:a16="http://schemas.microsoft.com/office/drawing/2014/main" id="{5A99DE7B-28B5-4C45-AB9C-01B950A55B47}"/>
               </a:ext>
             </a:extLst>
           </p:cNvPr>
@@ -8368,14 +8549,14 @@
         </p:nvSpPr>
         <p:spPr>
           <a:xfrm>
-            <a:off x="-1" y="0"/>
-            <a:ext cx="3376663" cy="6858000"/>
+            <a:off x="0" y="0"/>
+            <a:ext cx="2986206" cy="6858000"/>
           </a:xfrm>
           <a:prstGeom prst="rect">
             <a:avLst/>
           </a:prstGeom>
           <a:solidFill>
-            <a:srgbClr val="00B050"/>
+            <a:srgbClr val="44BD86"/>
           </a:solidFill>
           <a:ln>
             <a:noFill/>
@@ -9541,10 +9722,595 @@
           </a:p>
         </p:txBody>
       </p:sp>
+      <p:sp>
+        <p:nvSpPr>
+          <p:cNvPr id="16" name="Rectangle: Rounded Corners 15">
+            <a:extLst>
+              <a:ext uri="{FF2B5EF4-FFF2-40B4-BE49-F238E27FC236}">
+                <a16:creationId xmlns:a16="http://schemas.microsoft.com/office/drawing/2014/main" id="{CCDB8431-5589-2B9D-5CD5-B629210BB468}"/>
+              </a:ext>
+            </a:extLst>
+          </p:cNvPr>
+          <p:cNvSpPr/>
+          <p:nvPr/>
+        </p:nvSpPr>
+        <p:spPr>
+          <a:xfrm>
+            <a:off x="2065296" y="153911"/>
+            <a:ext cx="652694" cy="652694"/>
+          </a:xfrm>
+          <a:prstGeom prst="roundRect">
+            <a:avLst/>
+          </a:prstGeom>
+          <a:solidFill>
+            <a:schemeClr val="bg1">
+              <a:lumMod val="95000"/>
+            </a:schemeClr>
+          </a:solidFill>
+          <a:ln>
+            <a:noFill/>
+          </a:ln>
+        </p:spPr>
+        <p:style>
+          <a:lnRef idx="2">
+            <a:schemeClr val="accent1">
+              <a:shade val="15000"/>
+            </a:schemeClr>
+          </a:lnRef>
+          <a:fillRef idx="1">
+            <a:schemeClr val="accent1"/>
+          </a:fillRef>
+          <a:effectRef idx="0">
+            <a:schemeClr val="accent1"/>
+          </a:effectRef>
+          <a:fontRef idx="minor">
+            <a:schemeClr val="lt1"/>
+          </a:fontRef>
+        </p:style>
+        <p:txBody>
+          <a:bodyPr rtlCol="0" anchor="ctr"/>
+          <a:lstStyle/>
+          <a:p>
+            <a:pPr algn="ctr"/>
+            <a:endParaRPr lang="en-US"/>
+          </a:p>
+        </p:txBody>
+      </p:sp>
     </p:spTree>
     <p:extLst>
       <p:ext uri="{BB962C8B-B14F-4D97-AF65-F5344CB8AC3E}">
         <p14:creationId xmlns:p14="http://schemas.microsoft.com/office/powerpoint/2010/main" val="416431619"/>
+      </p:ext>
+    </p:extLst>
+  </p:cSld>
+  <p:clrMapOvr>
+    <a:masterClrMapping/>
+  </p:clrMapOvr>
+</p:sld>
+</file>
+
+<file path=ppt/slides/slide3.xml><?xml version="1.0" encoding="utf-8"?>
+<p:sld xmlns:a="http://schemas.openxmlformats.org/drawingml/2006/main" xmlns:r="http://schemas.openxmlformats.org/officeDocument/2006/relationships" xmlns:p="http://schemas.openxmlformats.org/presentationml/2006/main">
+  <p:cSld>
+    <p:spTree>
+      <p:nvGrpSpPr>
+        <p:cNvPr id="1" name=""/>
+        <p:cNvGrpSpPr/>
+        <p:nvPr/>
+      </p:nvGrpSpPr>
+      <p:grpSpPr>
+        <a:xfrm>
+          <a:off x="0" y="0"/>
+          <a:ext cx="0" cy="0"/>
+          <a:chOff x="0" y="0"/>
+          <a:chExt cx="0" cy="0"/>
+        </a:xfrm>
+      </p:grpSpPr>
+      <p:sp>
+        <p:nvSpPr>
+          <p:cNvPr id="3" name="Rectangle 2">
+            <a:extLst>
+              <a:ext uri="{FF2B5EF4-FFF2-40B4-BE49-F238E27FC236}">
+                <a16:creationId xmlns:a16="http://schemas.microsoft.com/office/drawing/2014/main" id="{D72040EB-432B-07FC-795F-35A9E6DB34A0}"/>
+              </a:ext>
+            </a:extLst>
+          </p:cNvPr>
+          <p:cNvSpPr/>
+          <p:nvPr/>
+        </p:nvSpPr>
+        <p:spPr>
+          <a:xfrm>
+            <a:off x="0" y="0"/>
+            <a:ext cx="2986206" cy="6858000"/>
+          </a:xfrm>
+          <a:prstGeom prst="rect">
+            <a:avLst/>
+          </a:prstGeom>
+          <a:solidFill>
+            <a:srgbClr val="44BD86"/>
+          </a:solidFill>
+          <a:ln>
+            <a:noFill/>
+          </a:ln>
+        </p:spPr>
+        <p:style>
+          <a:lnRef idx="2">
+            <a:schemeClr val="accent1">
+              <a:shade val="15000"/>
+            </a:schemeClr>
+          </a:lnRef>
+          <a:fillRef idx="1">
+            <a:schemeClr val="accent1"/>
+          </a:fillRef>
+          <a:effectRef idx="0">
+            <a:schemeClr val="accent1"/>
+          </a:effectRef>
+          <a:fontRef idx="minor">
+            <a:schemeClr val="lt1"/>
+          </a:fontRef>
+        </p:style>
+        <p:txBody>
+          <a:bodyPr rtlCol="0" anchor="ctr"/>
+          <a:lstStyle/>
+          <a:p>
+            <a:pPr marL="0" marR="0" lvl="0" indent="0" algn="l" defTabSz="914400" rtl="0" eaLnBrk="0" fontAlgn="base" latinLnBrk="0" hangingPunct="0">
+              <a:lnSpc>
+                <a:spcPct val="100000"/>
+              </a:lnSpc>
+              <a:spcBef>
+                <a:spcPct val="0"/>
+              </a:spcBef>
+              <a:spcAft>
+                <a:spcPct val="0"/>
+              </a:spcAft>
+              <a:buClrTx/>
+              <a:buSzTx/>
+              <a:buFontTx/>
+              <a:buNone/>
+              <a:tabLst/>
+            </a:pPr>
+            <a:endParaRPr kumimoji="0" lang="en-US" altLang="zh-CN" sz="1400" b="0" i="0" u="none" strike="noStrike" cap="none" normalizeH="0" baseline="0" dirty="0">
+              <a:ln>
+                <a:noFill/>
+              </a:ln>
+              <a:solidFill>
+                <a:schemeClr val="tx1"/>
+              </a:solidFill>
+              <a:effectLst/>
+              <a:latin typeface="Arial" panose="020B0604020202020204" pitchFamily="34" charset="0"/>
+            </a:endParaRPr>
+          </a:p>
+        </p:txBody>
+      </p:sp>
+      <p:grpSp>
+        <p:nvGrpSpPr>
+          <p:cNvPr id="33" name="Group 32">
+            <a:extLst>
+              <a:ext uri="{FF2B5EF4-FFF2-40B4-BE49-F238E27FC236}">
+                <a16:creationId xmlns:a16="http://schemas.microsoft.com/office/drawing/2014/main" id="{B669CF29-58BB-DB19-E1A0-5A9E43620F75}"/>
+              </a:ext>
+            </a:extLst>
+          </p:cNvPr>
+          <p:cNvGrpSpPr/>
+          <p:nvPr/>
+        </p:nvGrpSpPr>
+        <p:grpSpPr>
+          <a:xfrm>
+            <a:off x="7614609" y="149450"/>
+            <a:ext cx="4386653" cy="572261"/>
+            <a:chOff x="7614613" y="5950488"/>
+            <a:chExt cx="4386653" cy="572261"/>
+          </a:xfrm>
+        </p:grpSpPr>
+        <p:sp>
+          <p:nvSpPr>
+            <p:cNvPr id="34" name="Rectangle: Rounded Corners 33">
+              <a:extLst>
+                <a:ext uri="{FF2B5EF4-FFF2-40B4-BE49-F238E27FC236}">
+                  <a16:creationId xmlns:a16="http://schemas.microsoft.com/office/drawing/2014/main" id="{96BAD8AD-3198-E06A-3088-04BB09BD5983}"/>
+                </a:ext>
+              </a:extLst>
+            </p:cNvPr>
+            <p:cNvSpPr/>
+            <p:nvPr/>
+          </p:nvSpPr>
+          <p:spPr>
+            <a:xfrm>
+              <a:off x="7614613" y="5950488"/>
+              <a:ext cx="4386653" cy="285959"/>
+            </a:xfrm>
+            <a:prstGeom prst="roundRect">
+              <a:avLst>
+                <a:gd name="adj" fmla="val 16014"/>
+              </a:avLst>
+            </a:prstGeom>
+            <a:solidFill>
+              <a:schemeClr val="tx1"/>
+            </a:solidFill>
+          </p:spPr>
+          <p:style>
+            <a:lnRef idx="2">
+              <a:schemeClr val="accent1">
+                <a:shade val="15000"/>
+              </a:schemeClr>
+            </a:lnRef>
+            <a:fillRef idx="1">
+              <a:schemeClr val="accent1"/>
+            </a:fillRef>
+            <a:effectRef idx="0">
+              <a:schemeClr val="accent1"/>
+            </a:effectRef>
+            <a:fontRef idx="minor">
+              <a:schemeClr val="lt1"/>
+            </a:fontRef>
+          </p:style>
+          <p:txBody>
+            <a:bodyPr rtlCol="0" anchor="ctr"/>
+            <a:lstStyle/>
+            <a:p>
+              <a:r>
+                <a:rPr lang="zh-CN" altLang="en-US" sz="1200" dirty="0">
+                  <a:solidFill>
+                    <a:schemeClr val="bg1"/>
+                  </a:solidFill>
+                  <a:latin typeface="ui-monospace"/>
+                </a:rPr>
+                <a:t>▶响应式变量</a:t>
+              </a:r>
+              <a:endParaRPr lang="en-US" altLang="zh-CN" sz="1200" dirty="0">
+                <a:solidFill>
+                  <a:schemeClr val="bg1"/>
+                </a:solidFill>
+                <a:latin typeface="ui-monospace"/>
+              </a:endParaRPr>
+            </a:p>
+          </p:txBody>
+        </p:sp>
+        <p:sp>
+          <p:nvSpPr>
+            <p:cNvPr id="35" name="TextBox 34">
+              <a:extLst>
+                <a:ext uri="{FF2B5EF4-FFF2-40B4-BE49-F238E27FC236}">
+                  <a16:creationId xmlns:a16="http://schemas.microsoft.com/office/drawing/2014/main" id="{441AD841-B020-834F-3FCE-AAA92E0E965B}"/>
+                </a:ext>
+              </a:extLst>
+            </p:cNvPr>
+            <p:cNvSpPr txBox="1"/>
+            <p:nvPr/>
+          </p:nvSpPr>
+          <p:spPr>
+            <a:xfrm>
+              <a:off x="7667294" y="6245750"/>
+              <a:ext cx="4281578" cy="276999"/>
+            </a:xfrm>
+            <a:prstGeom prst="rect">
+              <a:avLst/>
+            </a:prstGeom>
+            <a:noFill/>
+          </p:spPr>
+          <p:txBody>
+            <a:bodyPr wrap="square">
+              <a:spAutoFit/>
+            </a:bodyPr>
+            <a:lstStyle/>
+            <a:p>
+              <a:r>
+                <a:rPr lang="en-US" sz="1200" dirty="0">
+                  <a:solidFill>
+                    <a:srgbClr val="44BD86"/>
+                  </a:solidFill>
+                  <a:latin typeface="ui-monospace"/>
+                </a:rPr>
+                <a:t>ref(0) / reactive({…}) / </a:t>
+              </a:r>
+              <a:r>
+                <a:rPr lang="en-US" sz="1200" dirty="0" err="1">
+                  <a:solidFill>
+                    <a:srgbClr val="44BD86"/>
+                  </a:solidFill>
+                  <a:latin typeface="ui-monospace"/>
+                </a:rPr>
+                <a:t>toRef</a:t>
+              </a:r>
+              <a:r>
+                <a:rPr lang="en-US" sz="1200" dirty="0">
+                  <a:solidFill>
+                    <a:srgbClr val="44BD86"/>
+                  </a:solidFill>
+                  <a:latin typeface="ui-monospace"/>
+                </a:rPr>
+                <a:t>()</a:t>
+              </a:r>
+            </a:p>
+          </p:txBody>
+        </p:sp>
+      </p:grpSp>
+      <p:grpSp>
+        <p:nvGrpSpPr>
+          <p:cNvPr id="52" name="Group 51">
+            <a:extLst>
+              <a:ext uri="{FF2B5EF4-FFF2-40B4-BE49-F238E27FC236}">
+                <a16:creationId xmlns:a16="http://schemas.microsoft.com/office/drawing/2014/main" id="{7F44DE50-9377-2A2B-7C24-6B3A24D4135D}"/>
+              </a:ext>
+            </a:extLst>
+          </p:cNvPr>
+          <p:cNvGrpSpPr/>
+          <p:nvPr/>
+        </p:nvGrpSpPr>
+        <p:grpSpPr>
+          <a:xfrm>
+            <a:off x="3155148" y="151546"/>
+            <a:ext cx="4386653" cy="572261"/>
+            <a:chOff x="7614613" y="5950488"/>
+            <a:chExt cx="4386653" cy="572261"/>
+          </a:xfrm>
+        </p:grpSpPr>
+        <p:sp>
+          <p:nvSpPr>
+            <p:cNvPr id="53" name="Rectangle: Rounded Corners 52">
+              <a:extLst>
+                <a:ext uri="{FF2B5EF4-FFF2-40B4-BE49-F238E27FC236}">
+                  <a16:creationId xmlns:a16="http://schemas.microsoft.com/office/drawing/2014/main" id="{0E2D2E61-7153-9F4D-6CA9-4391CC561302}"/>
+                </a:ext>
+              </a:extLst>
+            </p:cNvPr>
+            <p:cNvSpPr/>
+            <p:nvPr/>
+          </p:nvSpPr>
+          <p:spPr>
+            <a:xfrm>
+              <a:off x="7614613" y="5950488"/>
+              <a:ext cx="4386653" cy="285959"/>
+            </a:xfrm>
+            <a:prstGeom prst="roundRect">
+              <a:avLst>
+                <a:gd name="adj" fmla="val 16014"/>
+              </a:avLst>
+            </a:prstGeom>
+            <a:solidFill>
+              <a:schemeClr val="tx1"/>
+            </a:solidFill>
+          </p:spPr>
+          <p:style>
+            <a:lnRef idx="2">
+              <a:schemeClr val="accent1">
+                <a:shade val="15000"/>
+              </a:schemeClr>
+            </a:lnRef>
+            <a:fillRef idx="1">
+              <a:schemeClr val="accent1"/>
+            </a:fillRef>
+            <a:effectRef idx="0">
+              <a:schemeClr val="accent1"/>
+            </a:effectRef>
+            <a:fontRef idx="minor">
+              <a:schemeClr val="lt1"/>
+            </a:fontRef>
+          </p:style>
+          <p:txBody>
+            <a:bodyPr rtlCol="0" anchor="ctr"/>
+            <a:lstStyle/>
+            <a:p>
+              <a:r>
+                <a:rPr lang="zh-CN" altLang="en-US" sz="1200" dirty="0">
+                  <a:solidFill>
+                    <a:schemeClr val="bg1"/>
+                  </a:solidFill>
+                  <a:latin typeface="ui-monospace"/>
+                </a:rPr>
+                <a:t>▶项目结构</a:t>
+              </a:r>
+              <a:endParaRPr lang="en-US" sz="1200" dirty="0">
+                <a:solidFill>
+                  <a:schemeClr val="bg1"/>
+                </a:solidFill>
+              </a:endParaRPr>
+            </a:p>
+          </p:txBody>
+        </p:sp>
+        <p:sp>
+          <p:nvSpPr>
+            <p:cNvPr id="54" name="TextBox 53">
+              <a:extLst>
+                <a:ext uri="{FF2B5EF4-FFF2-40B4-BE49-F238E27FC236}">
+                  <a16:creationId xmlns:a16="http://schemas.microsoft.com/office/drawing/2014/main" id="{ABF720B2-9684-6EC8-A231-DAD96B70A1B7}"/>
+                </a:ext>
+              </a:extLst>
+            </p:cNvPr>
+            <p:cNvSpPr txBox="1"/>
+            <p:nvPr/>
+          </p:nvSpPr>
+          <p:spPr>
+            <a:xfrm>
+              <a:off x="7667294" y="6245750"/>
+              <a:ext cx="4281578" cy="276999"/>
+            </a:xfrm>
+            <a:prstGeom prst="rect">
+              <a:avLst/>
+            </a:prstGeom>
+            <a:noFill/>
+          </p:spPr>
+          <p:txBody>
+            <a:bodyPr wrap="square">
+              <a:spAutoFit/>
+            </a:bodyPr>
+            <a:lstStyle/>
+            <a:p>
+              <a:r>
+                <a:rPr lang="en-US" sz="1200" dirty="0" err="1">
+                  <a:solidFill>
+                    <a:srgbClr val="44BD86"/>
+                  </a:solidFill>
+                  <a:latin typeface="ui-monospace"/>
+                </a:rPr>
+                <a:t>vue</a:t>
+              </a:r>
+              <a:r>
+                <a:rPr lang="en-US" sz="1200" dirty="0">
+                  <a:solidFill>
+                    <a:srgbClr val="44BD86"/>
+                  </a:solidFill>
+                  <a:latin typeface="ui-monospace"/>
+                </a:rPr>
+                <a:t>-template</a:t>
+              </a:r>
+              <a:endParaRPr lang="en-US" sz="1200" dirty="0">
+                <a:solidFill>
+                  <a:srgbClr val="44BD86"/>
+                </a:solidFill>
+              </a:endParaRPr>
+            </a:p>
+          </p:txBody>
+        </p:sp>
+      </p:grpSp>
+      <p:sp>
+        <p:nvSpPr>
+          <p:cNvPr id="1052" name="Rectangle: Rounded Corners 1051">
+            <a:extLst>
+              <a:ext uri="{FF2B5EF4-FFF2-40B4-BE49-F238E27FC236}">
+                <a16:creationId xmlns:a16="http://schemas.microsoft.com/office/drawing/2014/main" id="{2F17CD35-FA66-0249-D2CA-F24E730EE464}"/>
+              </a:ext>
+            </a:extLst>
+          </p:cNvPr>
+          <p:cNvSpPr/>
+          <p:nvPr/>
+        </p:nvSpPr>
+        <p:spPr>
+          <a:xfrm>
+            <a:off x="2065296" y="153911"/>
+            <a:ext cx="652694" cy="652694"/>
+          </a:xfrm>
+          <a:prstGeom prst="roundRect">
+            <a:avLst/>
+          </a:prstGeom>
+          <a:solidFill>
+            <a:schemeClr val="bg1">
+              <a:lumMod val="95000"/>
+            </a:schemeClr>
+          </a:solidFill>
+          <a:ln>
+            <a:noFill/>
+          </a:ln>
+        </p:spPr>
+        <p:style>
+          <a:lnRef idx="2">
+            <a:schemeClr val="accent1">
+              <a:shade val="15000"/>
+            </a:schemeClr>
+          </a:lnRef>
+          <a:fillRef idx="1">
+            <a:schemeClr val="accent1"/>
+          </a:fillRef>
+          <a:effectRef idx="0">
+            <a:schemeClr val="accent1"/>
+          </a:effectRef>
+          <a:fontRef idx="minor">
+            <a:schemeClr val="lt1"/>
+          </a:fontRef>
+        </p:style>
+        <p:txBody>
+          <a:bodyPr rtlCol="0" anchor="ctr"/>
+          <a:lstStyle/>
+          <a:p>
+            <a:pPr algn="ctr"/>
+            <a:endParaRPr lang="en-US"/>
+          </a:p>
+        </p:txBody>
+      </p:sp>
+      <p:cxnSp>
+        <p:nvCxnSpPr>
+          <p:cNvPr id="4" name="Straight Connector 3">
+            <a:extLst>
+              <a:ext uri="{FF2B5EF4-FFF2-40B4-BE49-F238E27FC236}">
+                <a16:creationId xmlns:a16="http://schemas.microsoft.com/office/drawing/2014/main" id="{D1CA20DA-8D81-F06A-D641-4E2FC7DE3B3F}"/>
+              </a:ext>
+            </a:extLst>
+          </p:cNvPr>
+          <p:cNvCxnSpPr/>
+          <p:nvPr/>
+        </p:nvCxnSpPr>
+        <p:spPr>
+          <a:xfrm>
+            <a:off x="7579897" y="69657"/>
+            <a:ext cx="0" cy="6761095"/>
+          </a:xfrm>
+          <a:prstGeom prst="line">
+            <a:avLst/>
+          </a:prstGeom>
+          <a:ln w="19050" cap="flat" cmpd="sng" algn="ctr">
+            <a:solidFill>
+              <a:schemeClr val="accent3"/>
+            </a:solidFill>
+            <a:prstDash val="dash"/>
+            <a:round/>
+            <a:headEnd type="none" w="med" len="med"/>
+            <a:tailEnd type="none" w="med" len="med"/>
+          </a:ln>
+        </p:spPr>
+        <p:style>
+          <a:lnRef idx="0">
+            <a:scrgbClr r="0" g="0" b="0"/>
+          </a:lnRef>
+          <a:fillRef idx="0">
+            <a:scrgbClr r="0" g="0" b="0"/>
+          </a:fillRef>
+          <a:effectRef idx="0">
+            <a:scrgbClr r="0" g="0" b="0"/>
+          </a:effectRef>
+          <a:fontRef idx="minor">
+            <a:schemeClr val="tx1"/>
+          </a:fontRef>
+        </p:style>
+      </p:cxnSp>
+      <p:cxnSp>
+        <p:nvCxnSpPr>
+          <p:cNvPr id="5" name="Straight Connector 4">
+            <a:extLst>
+              <a:ext uri="{FF2B5EF4-FFF2-40B4-BE49-F238E27FC236}">
+                <a16:creationId xmlns:a16="http://schemas.microsoft.com/office/drawing/2014/main" id="{9AA51DD1-2F6D-F8B1-CF4C-062DF2338116}"/>
+              </a:ext>
+            </a:extLst>
+          </p:cNvPr>
+          <p:cNvCxnSpPr/>
+          <p:nvPr/>
+        </p:nvCxnSpPr>
+        <p:spPr>
+          <a:xfrm>
+            <a:off x="3103143" y="85725"/>
+            <a:ext cx="0" cy="6761095"/>
+          </a:xfrm>
+          <a:prstGeom prst="line">
+            <a:avLst/>
+          </a:prstGeom>
+          <a:ln w="19050" cap="flat" cmpd="sng" algn="ctr">
+            <a:solidFill>
+              <a:schemeClr val="accent3"/>
+            </a:solidFill>
+            <a:prstDash val="dash"/>
+            <a:round/>
+            <a:headEnd type="none" w="med" len="med"/>
+            <a:tailEnd type="none" w="med" len="med"/>
+          </a:ln>
+        </p:spPr>
+        <p:style>
+          <a:lnRef idx="0">
+            <a:scrgbClr r="0" g="0" b="0"/>
+          </a:lnRef>
+          <a:fillRef idx="0">
+            <a:scrgbClr r="0" g="0" b="0"/>
+          </a:fillRef>
+          <a:effectRef idx="0">
+            <a:scrgbClr r="0" g="0" b="0"/>
+          </a:effectRef>
+          <a:fontRef idx="minor">
+            <a:schemeClr val="tx1"/>
+          </a:fontRef>
+        </p:style>
+      </p:cxnSp>
+    </p:spTree>
+    <p:extLst>
+      <p:ext uri="{BB962C8B-B14F-4D97-AF65-F5344CB8AC3E}">
+        <p14:creationId xmlns:p14="http://schemas.microsoft.com/office/powerpoint/2010/main" val="4213739435"/>
       </p:ext>
     </p:extLst>
   </p:cSld>

--- a/public/docs/StudyCards.pptx
+++ b/public/docs/StudyCards.pptx
@@ -6,7 +6,7 @@
   </p:sldMasterIdLst>
   <p:sldIdLst>
     <p:sldId id="257" r:id="rId2"/>
-    <p:sldId id="256" r:id="rId3"/>
+    <p:sldId id="259" r:id="rId3"/>
     <p:sldId id="258" r:id="rId4"/>
   </p:sldIdLst>
   <p:sldSz cx="12192000" cy="6858000"/>
@@ -261,7 +261,7 @@
           <a:p>
             <a:fld id="{D0E5D855-4F39-4693-A2AA-4E6EEA7B06AC}" type="datetimeFigureOut">
               <a:rPr lang="en-US" smtClean="0"/>
-              <a:t>5/26/2025</a:t>
+              <a:t>6/30/2025</a:t>
             </a:fld>
             <a:endParaRPr lang="en-US"/>
           </a:p>
@@ -459,7 +459,7 @@
           <a:p>
             <a:fld id="{D0E5D855-4F39-4693-A2AA-4E6EEA7B06AC}" type="datetimeFigureOut">
               <a:rPr lang="en-US" smtClean="0"/>
-              <a:t>5/26/2025</a:t>
+              <a:t>6/30/2025</a:t>
             </a:fld>
             <a:endParaRPr lang="en-US"/>
           </a:p>
@@ -667,7 +667,7 @@
           <a:p>
             <a:fld id="{D0E5D855-4F39-4693-A2AA-4E6EEA7B06AC}" type="datetimeFigureOut">
               <a:rPr lang="en-US" smtClean="0"/>
-              <a:t>5/26/2025</a:t>
+              <a:t>6/30/2025</a:t>
             </a:fld>
             <a:endParaRPr lang="en-US"/>
           </a:p>
@@ -865,7 +865,7 @@
           <a:p>
             <a:fld id="{D0E5D855-4F39-4693-A2AA-4E6EEA7B06AC}" type="datetimeFigureOut">
               <a:rPr lang="en-US" smtClean="0"/>
-              <a:t>5/26/2025</a:t>
+              <a:t>6/30/2025</a:t>
             </a:fld>
             <a:endParaRPr lang="en-US"/>
           </a:p>
@@ -1140,7 +1140,7 @@
           <a:p>
             <a:fld id="{D0E5D855-4F39-4693-A2AA-4E6EEA7B06AC}" type="datetimeFigureOut">
               <a:rPr lang="en-US" smtClean="0"/>
-              <a:t>5/26/2025</a:t>
+              <a:t>6/30/2025</a:t>
             </a:fld>
             <a:endParaRPr lang="en-US"/>
           </a:p>
@@ -1405,7 +1405,7 @@
           <a:p>
             <a:fld id="{D0E5D855-4F39-4693-A2AA-4E6EEA7B06AC}" type="datetimeFigureOut">
               <a:rPr lang="en-US" smtClean="0"/>
-              <a:t>5/26/2025</a:t>
+              <a:t>6/30/2025</a:t>
             </a:fld>
             <a:endParaRPr lang="en-US"/>
           </a:p>
@@ -1817,7 +1817,7 @@
           <a:p>
             <a:fld id="{D0E5D855-4F39-4693-A2AA-4E6EEA7B06AC}" type="datetimeFigureOut">
               <a:rPr lang="en-US" smtClean="0"/>
-              <a:t>5/26/2025</a:t>
+              <a:t>6/30/2025</a:t>
             </a:fld>
             <a:endParaRPr lang="en-US"/>
           </a:p>
@@ -1958,7 +1958,7 @@
           <a:p>
             <a:fld id="{D0E5D855-4F39-4693-A2AA-4E6EEA7B06AC}" type="datetimeFigureOut">
               <a:rPr lang="en-US" smtClean="0"/>
-              <a:t>5/26/2025</a:t>
+              <a:t>6/30/2025</a:t>
             </a:fld>
             <a:endParaRPr lang="en-US"/>
           </a:p>
@@ -2071,7 +2071,7 @@
           <a:p>
             <a:fld id="{D0E5D855-4F39-4693-A2AA-4E6EEA7B06AC}" type="datetimeFigureOut">
               <a:rPr lang="en-US" smtClean="0"/>
-              <a:t>5/26/2025</a:t>
+              <a:t>6/30/2025</a:t>
             </a:fld>
             <a:endParaRPr lang="en-US"/>
           </a:p>
@@ -2382,7 +2382,7 @@
           <a:p>
             <a:fld id="{D0E5D855-4F39-4693-A2AA-4E6EEA7B06AC}" type="datetimeFigureOut">
               <a:rPr lang="en-US" smtClean="0"/>
-              <a:t>5/26/2025</a:t>
+              <a:t>6/30/2025</a:t>
             </a:fld>
             <a:endParaRPr lang="en-US"/>
           </a:p>
@@ -2670,7 +2670,7 @@
           <a:p>
             <a:fld id="{D0E5D855-4F39-4693-A2AA-4E6EEA7B06AC}" type="datetimeFigureOut">
               <a:rPr lang="en-US" smtClean="0"/>
-              <a:t>5/26/2025</a:t>
+              <a:t>6/30/2025</a:t>
             </a:fld>
             <a:endParaRPr lang="en-US"/>
           </a:p>
@@ -2911,7 +2911,7 @@
           <a:p>
             <a:fld id="{D0E5D855-4F39-4693-A2AA-4E6EEA7B06AC}" type="datetimeFigureOut">
               <a:rPr lang="en-US" smtClean="0"/>
-              <a:t>5/26/2025</a:t>
+              <a:t>6/30/2025</a:t>
             </a:fld>
             <a:endParaRPr lang="en-US"/>
           </a:p>
@@ -3402,7 +3402,7 @@
                 <a:effectLst/>
                 <a:latin typeface="Arial" panose="020B0604020202020204" pitchFamily="34" charset="0"/>
               </a:rPr>
-              <a:t> Vue</a:t>
+              <a:t> </a:t>
             </a:r>
             <a:r>
               <a:rPr kumimoji="0" lang="zh-CN" altLang="en-US" sz="2800" b="0" i="0" u="none" strike="noStrike" cap="none" normalizeH="0" baseline="0" dirty="0">
@@ -3446,655 +3446,6 @@
               <a:tabLst/>
             </a:pPr>
             <a:endParaRPr kumimoji="0" lang="en-US" altLang="zh-CN" sz="1600" b="0" i="0" u="none" strike="noStrike" cap="none" normalizeH="0" baseline="0" dirty="0">
-              <a:ln>
-                <a:noFill/>
-              </a:ln>
-              <a:solidFill>
-                <a:schemeClr val="tx1"/>
-              </a:solidFill>
-              <a:effectLst/>
-              <a:latin typeface="Arial" panose="020B0604020202020204" pitchFamily="34" charset="0"/>
-            </a:endParaRPr>
-          </a:p>
-          <a:p>
-            <a:pPr marL="0" marR="0" lvl="0" indent="0" algn="l" defTabSz="914400" rtl="0" eaLnBrk="0" fontAlgn="base" latinLnBrk="0" hangingPunct="0">
-              <a:lnSpc>
-                <a:spcPct val="100000"/>
-              </a:lnSpc>
-              <a:spcBef>
-                <a:spcPct val="0"/>
-              </a:spcBef>
-              <a:spcAft>
-                <a:spcPct val="0"/>
-              </a:spcAft>
-              <a:buClrTx/>
-              <a:buSzTx/>
-              <a:buFontTx/>
-              <a:buNone/>
-              <a:tabLst/>
-            </a:pPr>
-            <a:r>
-              <a:rPr kumimoji="0" lang="zh-CN" altLang="en-US" sz="1600" b="0" i="0" u="none" strike="noStrike" cap="none" normalizeH="0" baseline="0" dirty="0">
-                <a:ln>
-                  <a:noFill/>
-                </a:ln>
-                <a:solidFill>
-                  <a:schemeClr val="tx1"/>
-                </a:solidFill>
-                <a:effectLst/>
-                <a:latin typeface="Arial" panose="020B0604020202020204" pitchFamily="34" charset="0"/>
-              </a:rPr>
-              <a:t>是一款轻量、灵活、渐进式的前端框架，专注于构建用户界面。它采用响应式数据绑定和组件化开发理念，使开发者能够高效地构建交互复杂、可维护性强的单页应用（</a:t>
-            </a:r>
-            <a:r>
-              <a:rPr kumimoji="0" lang="en-US" altLang="zh-CN" sz="1600" b="0" i="0" u="none" strike="noStrike" cap="none" normalizeH="0" baseline="0" dirty="0">
-                <a:ln>
-                  <a:noFill/>
-                </a:ln>
-                <a:solidFill>
-                  <a:schemeClr val="tx1"/>
-                </a:solidFill>
-                <a:effectLst/>
-                <a:latin typeface="Arial" panose="020B0604020202020204" pitchFamily="34" charset="0"/>
-              </a:rPr>
-              <a:t>SPA</a:t>
-            </a:r>
-            <a:r>
-              <a:rPr kumimoji="0" lang="zh-CN" altLang="en-US" sz="1600" b="0" i="0" u="none" strike="noStrike" cap="none" normalizeH="0" baseline="0" dirty="0">
-                <a:ln>
-                  <a:noFill/>
-                </a:ln>
-                <a:solidFill>
-                  <a:schemeClr val="tx1"/>
-                </a:solidFill>
-                <a:effectLst/>
-                <a:latin typeface="Arial" panose="020B0604020202020204" pitchFamily="34" charset="0"/>
-              </a:rPr>
-              <a:t>）和大型前端项目。</a:t>
-            </a:r>
-            <a:endParaRPr kumimoji="0" lang="en-US" altLang="zh-CN" sz="1600" b="0" i="0" u="none" strike="noStrike" cap="none" normalizeH="0" baseline="0" dirty="0">
-              <a:ln>
-                <a:noFill/>
-              </a:ln>
-              <a:solidFill>
-                <a:schemeClr val="tx1"/>
-              </a:solidFill>
-              <a:effectLst/>
-              <a:latin typeface="Arial" panose="020B0604020202020204" pitchFamily="34" charset="0"/>
-            </a:endParaRPr>
-          </a:p>
-          <a:p>
-            <a:pPr marL="0" marR="0" lvl="0" indent="0" algn="l" defTabSz="914400" rtl="0" eaLnBrk="0" fontAlgn="base" latinLnBrk="0" hangingPunct="0">
-              <a:lnSpc>
-                <a:spcPct val="100000"/>
-              </a:lnSpc>
-              <a:spcBef>
-                <a:spcPct val="0"/>
-              </a:spcBef>
-              <a:spcAft>
-                <a:spcPct val="0"/>
-              </a:spcAft>
-              <a:buClrTx/>
-              <a:buSzTx/>
-              <a:buFontTx/>
-              <a:buNone/>
-              <a:tabLst/>
-            </a:pPr>
-            <a:endParaRPr lang="en-US" altLang="zh-CN" sz="1600" dirty="0">
-              <a:solidFill>
-                <a:schemeClr val="tx1"/>
-              </a:solidFill>
-              <a:latin typeface="Arial" panose="020B0604020202020204" pitchFamily="34" charset="0"/>
-            </a:endParaRPr>
-          </a:p>
-          <a:p>
-            <a:pPr marL="0" marR="0" lvl="0" indent="0" algn="l" defTabSz="914400" rtl="0" eaLnBrk="0" fontAlgn="base" latinLnBrk="0" hangingPunct="0">
-              <a:lnSpc>
-                <a:spcPct val="100000"/>
-              </a:lnSpc>
-              <a:spcBef>
-                <a:spcPct val="0"/>
-              </a:spcBef>
-              <a:spcAft>
-                <a:spcPct val="0"/>
-              </a:spcAft>
-              <a:buClrTx/>
-              <a:buSzTx/>
-              <a:buFontTx/>
-              <a:buNone/>
-              <a:tabLst/>
-            </a:pPr>
-            <a:r>
-              <a:rPr kumimoji="0" lang="zh-CN" altLang="en-US" sz="1400" b="1" i="0" u="none" strike="noStrike" cap="none" normalizeH="0" baseline="0" dirty="0">
-                <a:ln>
-                  <a:noFill/>
-                </a:ln>
-                <a:solidFill>
-                  <a:schemeClr val="tx1"/>
-                </a:solidFill>
-                <a:effectLst/>
-                <a:latin typeface="Arial" panose="020B0604020202020204" pitchFamily="34" charset="0"/>
-              </a:rPr>
-              <a:t>简单易学，中文生态完善：</a:t>
-            </a:r>
-            <a:r>
-              <a:rPr kumimoji="0" lang="zh-CN" altLang="en-US" sz="1400" b="0" i="0" u="none" strike="noStrike" cap="none" normalizeH="0" baseline="0" dirty="0">
-                <a:ln>
-                  <a:noFill/>
-                </a:ln>
-                <a:solidFill>
-                  <a:schemeClr val="tx1"/>
-                </a:solidFill>
-                <a:effectLst/>
-                <a:latin typeface="Arial" panose="020B0604020202020204" pitchFamily="34" charset="0"/>
-              </a:rPr>
-              <a:t>语法直观，官方文档完善，学习曲线相对平缓，适合中小团队快速上手。</a:t>
-            </a:r>
-            <a:endParaRPr kumimoji="0" lang="en-US" altLang="zh-CN" sz="1400" b="0" i="0" u="none" strike="noStrike" cap="none" normalizeH="0" baseline="0" dirty="0">
-              <a:ln>
-                <a:noFill/>
-              </a:ln>
-              <a:solidFill>
-                <a:schemeClr val="tx1"/>
-              </a:solidFill>
-              <a:effectLst/>
-              <a:latin typeface="Arial" panose="020B0604020202020204" pitchFamily="34" charset="0"/>
-            </a:endParaRPr>
-          </a:p>
-          <a:p>
-            <a:pPr marL="0" marR="0" lvl="0" indent="0" algn="l" defTabSz="914400" rtl="0" eaLnBrk="0" fontAlgn="base" latinLnBrk="0" hangingPunct="0">
-              <a:lnSpc>
-                <a:spcPct val="100000"/>
-              </a:lnSpc>
-              <a:spcBef>
-                <a:spcPct val="0"/>
-              </a:spcBef>
-              <a:spcAft>
-                <a:spcPct val="0"/>
-              </a:spcAft>
-              <a:buClrTx/>
-              <a:buSzTx/>
-              <a:buFontTx/>
-              <a:buNone/>
-              <a:tabLst/>
-            </a:pPr>
-            <a:r>
-              <a:rPr kumimoji="0" lang="zh-CN" altLang="en-US" sz="1400" b="1" i="0" u="none" strike="noStrike" cap="none" normalizeH="0" baseline="0" dirty="0">
-                <a:ln>
-                  <a:noFill/>
-                </a:ln>
-                <a:solidFill>
-                  <a:schemeClr val="tx1"/>
-                </a:solidFill>
-                <a:effectLst/>
-                <a:latin typeface="Arial" panose="020B0604020202020204" pitchFamily="34" charset="0"/>
-              </a:rPr>
-              <a:t>响应式系统强大：</a:t>
-            </a:r>
-            <a:r>
-              <a:rPr kumimoji="0" lang="zh-CN" altLang="en-US" sz="1400" b="0" i="0" u="none" strike="noStrike" cap="none" normalizeH="0" baseline="0" dirty="0">
-                <a:ln>
-                  <a:noFill/>
-                </a:ln>
-                <a:solidFill>
-                  <a:schemeClr val="tx1"/>
-                </a:solidFill>
-                <a:effectLst/>
-                <a:latin typeface="Arial" panose="020B0604020202020204" pitchFamily="34" charset="0"/>
-              </a:rPr>
-              <a:t>通过 </a:t>
-            </a:r>
-            <a:r>
-              <a:rPr kumimoji="0" lang="en-US" altLang="zh-CN" sz="1400" b="0" i="0" u="none" strike="noStrike" cap="none" normalizeH="0" baseline="0" dirty="0">
-                <a:ln>
-                  <a:noFill/>
-                </a:ln>
-                <a:solidFill>
-                  <a:schemeClr val="tx1"/>
-                </a:solidFill>
-                <a:effectLst/>
-                <a:latin typeface="Arial" panose="020B0604020202020204" pitchFamily="34" charset="0"/>
-              </a:rPr>
-              <a:t>reactive </a:t>
-            </a:r>
-            <a:r>
-              <a:rPr kumimoji="0" lang="zh-CN" altLang="en-US" sz="1400" b="0" i="0" u="none" strike="noStrike" cap="none" normalizeH="0" baseline="0" dirty="0">
-                <a:ln>
-                  <a:noFill/>
-                </a:ln>
-                <a:solidFill>
-                  <a:schemeClr val="tx1"/>
-                </a:solidFill>
-                <a:effectLst/>
-                <a:latin typeface="Arial" panose="020B0604020202020204" pitchFamily="34" charset="0"/>
-              </a:rPr>
-              <a:t>和 </a:t>
-            </a:r>
-            <a:r>
-              <a:rPr kumimoji="0" lang="en-US" altLang="zh-CN" sz="1400" b="0" i="0" u="none" strike="noStrike" cap="none" normalizeH="0" baseline="0" dirty="0">
-                <a:ln>
-                  <a:noFill/>
-                </a:ln>
-                <a:solidFill>
-                  <a:schemeClr val="tx1"/>
-                </a:solidFill>
-                <a:effectLst/>
-                <a:latin typeface="Arial" panose="020B0604020202020204" pitchFamily="34" charset="0"/>
-              </a:rPr>
-              <a:t>ref </a:t>
-            </a:r>
-            <a:r>
-              <a:rPr kumimoji="0" lang="zh-CN" altLang="en-US" sz="1400" b="0" i="0" u="none" strike="noStrike" cap="none" normalizeH="0" baseline="0" dirty="0">
-                <a:ln>
-                  <a:noFill/>
-                </a:ln>
-                <a:solidFill>
-                  <a:schemeClr val="tx1"/>
-                </a:solidFill>
-                <a:effectLst/>
-                <a:latin typeface="Arial" panose="020B0604020202020204" pitchFamily="34" charset="0"/>
-              </a:rPr>
-              <a:t>实现数据驱动视图更新，开发体验优雅且高效。</a:t>
-            </a:r>
-            <a:endParaRPr kumimoji="0" lang="en-US" altLang="zh-CN" sz="1400" b="0" i="0" u="none" strike="noStrike" cap="none" normalizeH="0" baseline="0" dirty="0">
-              <a:ln>
-                <a:noFill/>
-              </a:ln>
-              <a:solidFill>
-                <a:schemeClr val="tx1"/>
-              </a:solidFill>
-              <a:effectLst/>
-              <a:latin typeface="Arial" panose="020B0604020202020204" pitchFamily="34" charset="0"/>
-            </a:endParaRPr>
-          </a:p>
-          <a:p>
-            <a:pPr marL="0" marR="0" lvl="0" indent="0" algn="l" defTabSz="914400" rtl="0" eaLnBrk="0" fontAlgn="base" latinLnBrk="0" hangingPunct="0">
-              <a:lnSpc>
-                <a:spcPct val="100000"/>
-              </a:lnSpc>
-              <a:spcBef>
-                <a:spcPct val="0"/>
-              </a:spcBef>
-              <a:spcAft>
-                <a:spcPct val="0"/>
-              </a:spcAft>
-              <a:buClrTx/>
-              <a:buSzTx/>
-              <a:buFontTx/>
-              <a:buNone/>
-              <a:tabLst/>
-            </a:pPr>
-            <a:r>
-              <a:rPr kumimoji="0" lang="zh-CN" altLang="en-US" sz="1400" b="1" i="0" u="none" strike="noStrike" cap="none" normalizeH="0" baseline="0" dirty="0">
-                <a:ln>
-                  <a:noFill/>
-                </a:ln>
-                <a:solidFill>
-                  <a:schemeClr val="tx1"/>
-                </a:solidFill>
-                <a:effectLst/>
-                <a:latin typeface="Arial" panose="020B0604020202020204" pitchFamily="34" charset="0"/>
-              </a:rPr>
-              <a:t>组合式 </a:t>
-            </a:r>
-            <a:r>
-              <a:rPr kumimoji="0" lang="en-US" altLang="zh-CN" sz="1400" b="1" i="0" u="none" strike="noStrike" cap="none" normalizeH="0" baseline="0" dirty="0">
-                <a:ln>
-                  <a:noFill/>
-                </a:ln>
-                <a:solidFill>
-                  <a:schemeClr val="tx1"/>
-                </a:solidFill>
-                <a:effectLst/>
-                <a:latin typeface="Arial" panose="020B0604020202020204" pitchFamily="34" charset="0"/>
-              </a:rPr>
-              <a:t>API (Composition API)</a:t>
-            </a:r>
-            <a:r>
-              <a:rPr kumimoji="0" lang="zh-CN" altLang="en-US" sz="1400" b="1" i="0" u="none" strike="noStrike" cap="none" normalizeH="0" baseline="0" dirty="0">
-                <a:ln>
-                  <a:noFill/>
-                </a:ln>
-                <a:solidFill>
-                  <a:schemeClr val="tx1"/>
-                </a:solidFill>
-                <a:effectLst/>
-                <a:latin typeface="Arial" panose="020B0604020202020204" pitchFamily="34" charset="0"/>
-              </a:rPr>
-              <a:t>：</a:t>
-            </a:r>
-            <a:r>
-              <a:rPr kumimoji="0" lang="zh-CN" altLang="en-US" sz="1400" b="0" i="0" u="none" strike="noStrike" cap="none" normalizeH="0" baseline="0" dirty="0">
-                <a:ln>
-                  <a:noFill/>
-                </a:ln>
-                <a:solidFill>
-                  <a:schemeClr val="tx1"/>
-                </a:solidFill>
-                <a:effectLst/>
-                <a:latin typeface="Arial" panose="020B0604020202020204" pitchFamily="34" charset="0"/>
-              </a:rPr>
-              <a:t>增强逻辑复用能力，适用于大型项目的模块化开发。</a:t>
-            </a:r>
-            <a:endParaRPr kumimoji="0" lang="en-US" altLang="zh-CN" sz="1400" b="0" i="0" u="none" strike="noStrike" cap="none" normalizeH="0" baseline="0" dirty="0">
-              <a:ln>
-                <a:noFill/>
-              </a:ln>
-              <a:solidFill>
-                <a:schemeClr val="tx1"/>
-              </a:solidFill>
-              <a:effectLst/>
-              <a:latin typeface="Arial" panose="020B0604020202020204" pitchFamily="34" charset="0"/>
-            </a:endParaRPr>
-          </a:p>
-          <a:p>
-            <a:pPr marL="0" marR="0" lvl="0" indent="0" algn="l" defTabSz="914400" rtl="0" eaLnBrk="0" fontAlgn="base" latinLnBrk="0" hangingPunct="0">
-              <a:lnSpc>
-                <a:spcPct val="100000"/>
-              </a:lnSpc>
-              <a:spcBef>
-                <a:spcPct val="0"/>
-              </a:spcBef>
-              <a:spcAft>
-                <a:spcPct val="0"/>
-              </a:spcAft>
-              <a:buClrTx/>
-              <a:buSzTx/>
-              <a:buFontTx/>
-              <a:buNone/>
-              <a:tabLst/>
-            </a:pPr>
-            <a:r>
-              <a:rPr kumimoji="0" lang="zh-CN" altLang="en-US" sz="1400" b="1" i="0" u="none" strike="noStrike" cap="none" normalizeH="0" baseline="0" dirty="0">
-                <a:ln>
-                  <a:noFill/>
-                </a:ln>
-                <a:solidFill>
-                  <a:schemeClr val="tx1"/>
-                </a:solidFill>
-                <a:effectLst/>
-                <a:latin typeface="Arial" panose="020B0604020202020204" pitchFamily="34" charset="0"/>
-              </a:rPr>
-              <a:t>组件化开发：</a:t>
-            </a:r>
-            <a:r>
-              <a:rPr kumimoji="0" lang="zh-CN" altLang="en-US" sz="1400" b="0" i="0" u="none" strike="noStrike" cap="none" normalizeH="0" baseline="0" dirty="0">
-                <a:ln>
-                  <a:noFill/>
-                </a:ln>
-                <a:solidFill>
-                  <a:schemeClr val="tx1"/>
-                </a:solidFill>
-                <a:effectLst/>
-                <a:latin typeface="Arial" panose="020B0604020202020204" pitchFamily="34" charset="0"/>
-              </a:rPr>
-              <a:t>鼓励 </a:t>
-            </a:r>
-            <a:r>
-              <a:rPr kumimoji="0" lang="en-US" altLang="zh-CN" sz="1400" b="0" i="0" u="none" strike="noStrike" cap="none" normalizeH="0" baseline="0" dirty="0">
-                <a:ln>
-                  <a:noFill/>
-                </a:ln>
-                <a:solidFill>
-                  <a:schemeClr val="tx1"/>
-                </a:solidFill>
-                <a:effectLst/>
-                <a:latin typeface="Arial" panose="020B0604020202020204" pitchFamily="34" charset="0"/>
-              </a:rPr>
-              <a:t>UI </a:t>
-            </a:r>
-            <a:r>
-              <a:rPr kumimoji="0" lang="zh-CN" altLang="en-US" sz="1400" b="0" i="0" u="none" strike="noStrike" cap="none" normalizeH="0" baseline="0" dirty="0">
-                <a:ln>
-                  <a:noFill/>
-                </a:ln>
-                <a:solidFill>
-                  <a:schemeClr val="tx1"/>
-                </a:solidFill>
-                <a:effectLst/>
-                <a:latin typeface="Arial" panose="020B0604020202020204" pitchFamily="34" charset="0"/>
-              </a:rPr>
-              <a:t>与逻辑封装，提升代码组织性和复用性。</a:t>
-            </a:r>
-            <a:endParaRPr kumimoji="0" lang="en-US" altLang="zh-CN" sz="1400" b="0" i="0" u="none" strike="noStrike" cap="none" normalizeH="0" baseline="0" dirty="0">
-              <a:ln>
-                <a:noFill/>
-              </a:ln>
-              <a:solidFill>
-                <a:schemeClr val="tx1"/>
-              </a:solidFill>
-              <a:effectLst/>
-              <a:latin typeface="Arial" panose="020B0604020202020204" pitchFamily="34" charset="0"/>
-            </a:endParaRPr>
-          </a:p>
-          <a:p>
-            <a:pPr marL="0" marR="0" lvl="0" indent="0" algn="l" defTabSz="914400" rtl="0" eaLnBrk="0" fontAlgn="base" latinLnBrk="0" hangingPunct="0">
-              <a:lnSpc>
-                <a:spcPct val="100000"/>
-              </a:lnSpc>
-              <a:spcBef>
-                <a:spcPct val="0"/>
-              </a:spcBef>
-              <a:spcAft>
-                <a:spcPct val="0"/>
-              </a:spcAft>
-              <a:buClrTx/>
-              <a:buSzTx/>
-              <a:buFontTx/>
-              <a:buNone/>
-              <a:tabLst/>
-            </a:pPr>
-            <a:r>
-              <a:rPr kumimoji="0" lang="zh-CN" altLang="en-US" sz="1400" b="1" i="0" u="none" strike="noStrike" cap="none" normalizeH="0" baseline="0" dirty="0">
-                <a:ln>
-                  <a:noFill/>
-                </a:ln>
-                <a:solidFill>
-                  <a:schemeClr val="tx1"/>
-                </a:solidFill>
-                <a:effectLst/>
-                <a:latin typeface="Arial" panose="020B0604020202020204" pitchFamily="34" charset="0"/>
-              </a:rPr>
-              <a:t>生态丰富：</a:t>
-            </a:r>
-            <a:r>
-              <a:rPr kumimoji="0" lang="en-US" altLang="zh-CN" sz="1400" b="0" i="0" u="none" strike="noStrike" cap="none" normalizeH="0" baseline="0" dirty="0" err="1">
-                <a:ln>
-                  <a:noFill/>
-                </a:ln>
-                <a:solidFill>
-                  <a:schemeClr val="tx1"/>
-                </a:solidFill>
-                <a:effectLst/>
-                <a:latin typeface="Arial" panose="020B0604020202020204" pitchFamily="34" charset="0"/>
-              </a:rPr>
-              <a:t>Pinia</a:t>
-            </a:r>
-            <a:r>
-              <a:rPr kumimoji="0" lang="zh-CN" altLang="en-US" sz="1400" b="0" i="0" u="none" strike="noStrike" cap="none" normalizeH="0" baseline="0" dirty="0">
-                <a:ln>
-                  <a:noFill/>
-                </a:ln>
-                <a:solidFill>
-                  <a:schemeClr val="tx1"/>
-                </a:solidFill>
-                <a:effectLst/>
-                <a:latin typeface="Arial" panose="020B0604020202020204" pitchFamily="34" charset="0"/>
-              </a:rPr>
-              <a:t>（状态管理）、</a:t>
-            </a:r>
-            <a:r>
-              <a:rPr kumimoji="0" lang="en-US" altLang="zh-CN" sz="1400" b="0" i="0" u="none" strike="noStrike" cap="none" normalizeH="0" baseline="0" dirty="0">
-                <a:ln>
-                  <a:noFill/>
-                </a:ln>
-                <a:solidFill>
-                  <a:schemeClr val="tx1"/>
-                </a:solidFill>
-                <a:effectLst/>
-                <a:latin typeface="Arial" panose="020B0604020202020204" pitchFamily="34" charset="0"/>
-              </a:rPr>
-              <a:t>Vue Router</a:t>
-            </a:r>
-            <a:r>
-              <a:rPr kumimoji="0" lang="zh-CN" altLang="en-US" sz="1400" b="0" i="0" u="none" strike="noStrike" cap="none" normalizeH="0" baseline="0" dirty="0">
-                <a:ln>
-                  <a:noFill/>
-                </a:ln>
-                <a:solidFill>
-                  <a:schemeClr val="tx1"/>
-                </a:solidFill>
-                <a:effectLst/>
-                <a:latin typeface="Arial" panose="020B0604020202020204" pitchFamily="34" charset="0"/>
-              </a:rPr>
-              <a:t>、</a:t>
-            </a:r>
-            <a:r>
-              <a:rPr kumimoji="0" lang="en-US" altLang="zh-CN" sz="1400" b="0" i="0" u="none" strike="noStrike" cap="none" normalizeH="0" baseline="0" dirty="0" err="1">
-                <a:ln>
-                  <a:noFill/>
-                </a:ln>
-                <a:solidFill>
-                  <a:schemeClr val="tx1"/>
-                </a:solidFill>
-                <a:effectLst/>
-                <a:latin typeface="Arial" panose="020B0604020202020204" pitchFamily="34" charset="0"/>
-              </a:rPr>
-              <a:t>Vite</a:t>
-            </a:r>
-            <a:r>
-              <a:rPr kumimoji="0" lang="zh-CN" altLang="en-US" sz="1400" b="0" i="0" u="none" strike="noStrike" cap="none" normalizeH="0" baseline="0" dirty="0">
-                <a:ln>
-                  <a:noFill/>
-                </a:ln>
-                <a:solidFill>
-                  <a:schemeClr val="tx1"/>
-                </a:solidFill>
-                <a:effectLst/>
-                <a:latin typeface="Arial" panose="020B0604020202020204" pitchFamily="34" charset="0"/>
-              </a:rPr>
-              <a:t>（构建）、</a:t>
-            </a:r>
-            <a:r>
-              <a:rPr kumimoji="0" lang="en-US" altLang="zh-CN" sz="1400" b="0" i="0" u="none" strike="noStrike" cap="none" normalizeH="0" baseline="0" dirty="0" err="1">
-                <a:ln>
-                  <a:noFill/>
-                </a:ln>
-                <a:solidFill>
-                  <a:schemeClr val="tx1"/>
-                </a:solidFill>
-                <a:effectLst/>
-                <a:latin typeface="Arial" panose="020B0604020202020204" pitchFamily="34" charset="0"/>
-              </a:rPr>
-              <a:t>VueUse</a:t>
-            </a:r>
-            <a:r>
-              <a:rPr kumimoji="0" lang="en-US" altLang="zh-CN" sz="1400" b="0" i="0" u="none" strike="noStrike" cap="none" normalizeH="0" baseline="0" dirty="0">
-                <a:ln>
-                  <a:noFill/>
-                </a:ln>
-                <a:solidFill>
-                  <a:schemeClr val="tx1"/>
-                </a:solidFill>
-                <a:effectLst/>
-                <a:latin typeface="Arial" panose="020B0604020202020204" pitchFamily="34" charset="0"/>
-              </a:rPr>
-              <a:t> </a:t>
-            </a:r>
-            <a:r>
-              <a:rPr kumimoji="0" lang="zh-CN" altLang="en-US" sz="1400" b="0" i="0" u="none" strike="noStrike" cap="none" normalizeH="0" baseline="0" dirty="0">
-                <a:ln>
-                  <a:noFill/>
-                </a:ln>
-                <a:solidFill>
-                  <a:schemeClr val="tx1"/>
-                </a:solidFill>
-                <a:effectLst/>
-                <a:latin typeface="Arial" panose="020B0604020202020204" pitchFamily="34" charset="0"/>
-              </a:rPr>
-              <a:t>等构建完整技术栈。</a:t>
-            </a:r>
-            <a:endParaRPr kumimoji="0" lang="en-US" altLang="zh-CN" sz="1400" b="0" i="0" u="none" strike="noStrike" cap="none" normalizeH="0" baseline="0" dirty="0">
-              <a:ln>
-                <a:noFill/>
-              </a:ln>
-              <a:solidFill>
-                <a:schemeClr val="tx1"/>
-              </a:solidFill>
-              <a:effectLst/>
-              <a:latin typeface="Arial" panose="020B0604020202020204" pitchFamily="34" charset="0"/>
-            </a:endParaRPr>
-          </a:p>
-          <a:p>
-            <a:pPr marL="0" marR="0" lvl="0" indent="0" algn="l" defTabSz="914400" rtl="0" eaLnBrk="0" fontAlgn="base" latinLnBrk="0" hangingPunct="0">
-              <a:lnSpc>
-                <a:spcPct val="100000"/>
-              </a:lnSpc>
-              <a:spcBef>
-                <a:spcPct val="0"/>
-              </a:spcBef>
-              <a:spcAft>
-                <a:spcPct val="0"/>
-              </a:spcAft>
-              <a:buClrTx/>
-              <a:buSzTx/>
-              <a:buFontTx/>
-              <a:buNone/>
-              <a:tabLst/>
-            </a:pPr>
-            <a:r>
-              <a:rPr kumimoji="0" lang="zh-CN" altLang="en-US" sz="1400" b="1" i="0" u="none" strike="noStrike" cap="none" normalizeH="0" baseline="0" dirty="0">
-                <a:ln>
-                  <a:noFill/>
-                </a:ln>
-                <a:solidFill>
-                  <a:schemeClr val="tx1"/>
-                </a:solidFill>
-                <a:effectLst/>
-                <a:latin typeface="Arial" panose="020B0604020202020204" pitchFamily="34" charset="0"/>
-              </a:rPr>
-              <a:t>良好的渐进式设计：</a:t>
-            </a:r>
-            <a:r>
-              <a:rPr kumimoji="0" lang="zh-CN" altLang="en-US" sz="1400" b="0" i="0" u="none" strike="noStrike" cap="none" normalizeH="0" baseline="0" dirty="0">
-                <a:ln>
-                  <a:noFill/>
-                </a:ln>
-                <a:solidFill>
-                  <a:schemeClr val="tx1"/>
-                </a:solidFill>
-                <a:effectLst/>
-                <a:latin typeface="Arial" panose="020B0604020202020204" pitchFamily="34" charset="0"/>
-              </a:rPr>
-              <a:t>可以逐步引入特性，适用于小型项目或将现有项目渐进迁移到 </a:t>
-            </a:r>
-            <a:r>
-              <a:rPr kumimoji="0" lang="en-US" altLang="zh-CN" sz="1400" b="0" i="0" u="none" strike="noStrike" cap="none" normalizeH="0" baseline="0" dirty="0">
-                <a:ln>
-                  <a:noFill/>
-                </a:ln>
-                <a:solidFill>
-                  <a:schemeClr val="tx1"/>
-                </a:solidFill>
-                <a:effectLst/>
-                <a:latin typeface="Arial" panose="020B0604020202020204" pitchFamily="34" charset="0"/>
-              </a:rPr>
-              <a:t>Vue</a:t>
-            </a:r>
-            <a:r>
-              <a:rPr kumimoji="0" lang="zh-CN" altLang="en-US" sz="1400" b="0" i="0" u="none" strike="noStrike" cap="none" normalizeH="0" baseline="0" dirty="0">
-                <a:ln>
-                  <a:noFill/>
-                </a:ln>
-                <a:solidFill>
-                  <a:schemeClr val="tx1"/>
-                </a:solidFill>
-                <a:effectLst/>
-                <a:latin typeface="Arial" panose="020B0604020202020204" pitchFamily="34" charset="0"/>
-              </a:rPr>
-              <a:t>。</a:t>
-            </a:r>
-            <a:endParaRPr kumimoji="0" lang="en-US" altLang="zh-CN" sz="1400" b="0" i="0" u="none" strike="noStrike" cap="none" normalizeH="0" baseline="0" dirty="0">
               <a:ln>
                 <a:noFill/>
               </a:ln>
@@ -6827,6 +6178,909 @@
           </a:fontRef>
         </p:style>
       </p:cxnSp>
+      <p:sp>
+        <p:nvSpPr>
+          <p:cNvPr id="2" name="TextBox 1">
+            <a:extLst>
+              <a:ext uri="{FF2B5EF4-FFF2-40B4-BE49-F238E27FC236}">
+                <a16:creationId xmlns:a16="http://schemas.microsoft.com/office/drawing/2014/main" id="{6B65F82D-4649-CF2A-2F13-069905BDACE4}"/>
+              </a:ext>
+            </a:extLst>
+          </p:cNvPr>
+          <p:cNvSpPr txBox="1"/>
+          <p:nvPr/>
+        </p:nvSpPr>
+        <p:spPr>
+          <a:xfrm>
+            <a:off x="0" y="959472"/>
+            <a:ext cx="2986206" cy="5724644"/>
+          </a:xfrm>
+          <a:prstGeom prst="rect">
+            <a:avLst/>
+          </a:prstGeom>
+          <a:noFill/>
+        </p:spPr>
+        <p:txBody>
+          <a:bodyPr wrap="square" rtlCol="0">
+            <a:spAutoFit/>
+          </a:bodyPr>
+          <a:lstStyle/>
+          <a:p>
+            <a:pPr marL="0" marR="0" lvl="0" indent="0" algn="l" defTabSz="914400" rtl="0" eaLnBrk="0" fontAlgn="base" latinLnBrk="0" hangingPunct="0">
+              <a:lnSpc>
+                <a:spcPct val="100000"/>
+              </a:lnSpc>
+              <a:spcBef>
+                <a:spcPct val="0"/>
+              </a:spcBef>
+              <a:spcAft>
+                <a:spcPct val="0"/>
+              </a:spcAft>
+              <a:buClrTx/>
+              <a:buSzTx/>
+              <a:buFontTx/>
+              <a:buNone/>
+              <a:tabLst/>
+              <a:defRPr/>
+            </a:pPr>
+            <a:r>
+              <a:rPr kumimoji="0" lang="zh-CN" altLang="en-US" sz="1600" b="0" i="0" u="none" strike="noStrike" kern="1200" cap="none" spc="0" normalizeH="0" baseline="0" noProof="0" dirty="0">
+                <a:ln>
+                  <a:noFill/>
+                </a:ln>
+                <a:solidFill>
+                  <a:prstClr val="black"/>
+                </a:solidFill>
+                <a:effectLst/>
+                <a:uLnTx/>
+                <a:uFillTx/>
+                <a:latin typeface="Arial" panose="020B0604020202020204" pitchFamily="34" charset="0"/>
+                <a:ea typeface="等线" panose="02010600030101010101" pitchFamily="2" charset="-122"/>
+                <a:cs typeface="+mn-cs"/>
+              </a:rPr>
+              <a:t>是一款轻量、灵活、渐进式的前端框架，专注于构建用户界面。它采用响应式数据绑定和组件化开发理念，使开发者能够高效地构建交互复杂、可维护性强的单页应用（</a:t>
+            </a:r>
+            <a:r>
+              <a:rPr kumimoji="0" lang="en-US" altLang="zh-CN" sz="1600" b="0" i="0" u="none" strike="noStrike" kern="1200" cap="none" spc="0" normalizeH="0" baseline="0" noProof="0" dirty="0">
+                <a:ln>
+                  <a:noFill/>
+                </a:ln>
+                <a:solidFill>
+                  <a:prstClr val="black"/>
+                </a:solidFill>
+                <a:effectLst/>
+                <a:uLnTx/>
+                <a:uFillTx/>
+                <a:latin typeface="Arial" panose="020B0604020202020204" pitchFamily="34" charset="0"/>
+                <a:ea typeface="等线" panose="02010600030101010101" pitchFamily="2" charset="-122"/>
+                <a:cs typeface="+mn-cs"/>
+              </a:rPr>
+              <a:t>SPA</a:t>
+            </a:r>
+            <a:r>
+              <a:rPr kumimoji="0" lang="zh-CN" altLang="en-US" sz="1600" b="0" i="0" u="none" strike="noStrike" kern="1200" cap="none" spc="0" normalizeH="0" baseline="0" noProof="0" dirty="0">
+                <a:ln>
+                  <a:noFill/>
+                </a:ln>
+                <a:solidFill>
+                  <a:prstClr val="black"/>
+                </a:solidFill>
+                <a:effectLst/>
+                <a:uLnTx/>
+                <a:uFillTx/>
+                <a:latin typeface="Arial" panose="020B0604020202020204" pitchFamily="34" charset="0"/>
+                <a:ea typeface="等线" panose="02010600030101010101" pitchFamily="2" charset="-122"/>
+                <a:cs typeface="+mn-cs"/>
+              </a:rPr>
+              <a:t>）和大型前端项目。</a:t>
+            </a:r>
+            <a:endParaRPr kumimoji="0" lang="en-US" altLang="zh-CN" sz="1600" b="0" i="0" u="none" strike="noStrike" kern="1200" cap="none" spc="0" normalizeH="0" baseline="0" noProof="0" dirty="0">
+              <a:ln>
+                <a:noFill/>
+              </a:ln>
+              <a:solidFill>
+                <a:prstClr val="black"/>
+              </a:solidFill>
+              <a:effectLst/>
+              <a:uLnTx/>
+              <a:uFillTx/>
+              <a:latin typeface="Arial" panose="020B0604020202020204" pitchFamily="34" charset="0"/>
+              <a:ea typeface="等线" panose="02010600030101010101" pitchFamily="2" charset="-122"/>
+              <a:cs typeface="+mn-cs"/>
+            </a:endParaRPr>
+          </a:p>
+          <a:p>
+            <a:pPr marL="0" marR="0" lvl="0" indent="0" algn="l" defTabSz="914400" rtl="0" eaLnBrk="0" fontAlgn="base" latinLnBrk="0" hangingPunct="0">
+              <a:lnSpc>
+                <a:spcPct val="100000"/>
+              </a:lnSpc>
+              <a:spcBef>
+                <a:spcPct val="0"/>
+              </a:spcBef>
+              <a:spcAft>
+                <a:spcPct val="0"/>
+              </a:spcAft>
+              <a:buClrTx/>
+              <a:buSzTx/>
+              <a:buFontTx/>
+              <a:buNone/>
+              <a:tabLst/>
+              <a:defRPr/>
+            </a:pPr>
+            <a:endParaRPr kumimoji="0" lang="en-US" altLang="zh-CN" sz="1600" b="0" i="0" u="none" strike="noStrike" kern="1200" cap="none" spc="0" normalizeH="0" baseline="0" noProof="0" dirty="0">
+              <a:ln>
+                <a:noFill/>
+              </a:ln>
+              <a:solidFill>
+                <a:prstClr val="black"/>
+              </a:solidFill>
+              <a:effectLst/>
+              <a:uLnTx/>
+              <a:uFillTx/>
+              <a:latin typeface="Arial" panose="020B0604020202020204" pitchFamily="34" charset="0"/>
+              <a:ea typeface="等线" panose="02010600030101010101" pitchFamily="2" charset="-122"/>
+              <a:cs typeface="+mn-cs"/>
+            </a:endParaRPr>
+          </a:p>
+          <a:p>
+            <a:pPr marL="0" marR="0" lvl="0" indent="0" algn="l" defTabSz="914400" rtl="0" eaLnBrk="0" fontAlgn="base" latinLnBrk="0" hangingPunct="0">
+              <a:lnSpc>
+                <a:spcPct val="100000"/>
+              </a:lnSpc>
+              <a:spcBef>
+                <a:spcPct val="0"/>
+              </a:spcBef>
+              <a:spcAft>
+                <a:spcPct val="0"/>
+              </a:spcAft>
+              <a:buClrTx/>
+              <a:buSzTx/>
+              <a:buFontTx/>
+              <a:buNone/>
+              <a:tabLst/>
+              <a:defRPr/>
+            </a:pPr>
+            <a:r>
+              <a:rPr kumimoji="0" lang="zh-CN" altLang="en-US" sz="1400" b="1" i="0" u="none" strike="noStrike" kern="1200" cap="none" spc="0" normalizeH="0" baseline="0" noProof="0" dirty="0">
+                <a:ln>
+                  <a:noFill/>
+                </a:ln>
+                <a:solidFill>
+                  <a:prstClr val="black"/>
+                </a:solidFill>
+                <a:effectLst/>
+                <a:uLnTx/>
+                <a:uFillTx/>
+                <a:latin typeface="Arial" panose="020B0604020202020204" pitchFamily="34" charset="0"/>
+                <a:ea typeface="等线" panose="02010600030101010101" pitchFamily="2" charset="-122"/>
+                <a:cs typeface="+mn-cs"/>
+              </a:rPr>
+              <a:t>简单易学，中文生态完善：</a:t>
+            </a:r>
+            <a:r>
+              <a:rPr kumimoji="0" lang="zh-CN" altLang="en-US" sz="1400" b="0" i="0" u="none" strike="noStrike" kern="1200" cap="none" spc="0" normalizeH="0" baseline="0" noProof="0" dirty="0">
+                <a:ln>
+                  <a:noFill/>
+                </a:ln>
+                <a:solidFill>
+                  <a:prstClr val="black"/>
+                </a:solidFill>
+                <a:effectLst/>
+                <a:uLnTx/>
+                <a:uFillTx/>
+                <a:latin typeface="Arial" panose="020B0604020202020204" pitchFamily="34" charset="0"/>
+                <a:ea typeface="等线" panose="02010600030101010101" pitchFamily="2" charset="-122"/>
+                <a:cs typeface="+mn-cs"/>
+              </a:rPr>
+              <a:t>语法直观，官方文档完善，学习曲线相对平缓，适合中小团队快速上手。</a:t>
+            </a:r>
+            <a:endParaRPr kumimoji="0" lang="en-US" altLang="zh-CN" sz="1400" b="0" i="0" u="none" strike="noStrike" kern="1200" cap="none" spc="0" normalizeH="0" baseline="0" noProof="0" dirty="0">
+              <a:ln>
+                <a:noFill/>
+              </a:ln>
+              <a:solidFill>
+                <a:prstClr val="black"/>
+              </a:solidFill>
+              <a:effectLst/>
+              <a:uLnTx/>
+              <a:uFillTx/>
+              <a:latin typeface="Arial" panose="020B0604020202020204" pitchFamily="34" charset="0"/>
+              <a:ea typeface="等线" panose="02010600030101010101" pitchFamily="2" charset="-122"/>
+              <a:cs typeface="+mn-cs"/>
+            </a:endParaRPr>
+          </a:p>
+          <a:p>
+            <a:pPr marL="0" marR="0" lvl="0" indent="0" algn="l" defTabSz="914400" rtl="0" eaLnBrk="0" fontAlgn="base" latinLnBrk="0" hangingPunct="0">
+              <a:lnSpc>
+                <a:spcPct val="100000"/>
+              </a:lnSpc>
+              <a:spcBef>
+                <a:spcPct val="0"/>
+              </a:spcBef>
+              <a:spcAft>
+                <a:spcPct val="0"/>
+              </a:spcAft>
+              <a:buClrTx/>
+              <a:buSzTx/>
+              <a:buFontTx/>
+              <a:buNone/>
+              <a:tabLst/>
+              <a:defRPr/>
+            </a:pPr>
+            <a:r>
+              <a:rPr kumimoji="0" lang="zh-CN" altLang="en-US" sz="1400" b="1" i="0" u="none" strike="noStrike" kern="1200" cap="none" spc="0" normalizeH="0" baseline="0" noProof="0" dirty="0">
+                <a:ln>
+                  <a:noFill/>
+                </a:ln>
+                <a:solidFill>
+                  <a:prstClr val="black"/>
+                </a:solidFill>
+                <a:effectLst/>
+                <a:uLnTx/>
+                <a:uFillTx/>
+                <a:latin typeface="Arial" panose="020B0604020202020204" pitchFamily="34" charset="0"/>
+                <a:ea typeface="等线" panose="02010600030101010101" pitchFamily="2" charset="-122"/>
+                <a:cs typeface="+mn-cs"/>
+              </a:rPr>
+              <a:t>响应式系统强大：</a:t>
+            </a:r>
+            <a:r>
+              <a:rPr kumimoji="0" lang="zh-CN" altLang="en-US" sz="1400" b="0" i="0" u="none" strike="noStrike" kern="1200" cap="none" spc="0" normalizeH="0" baseline="0" noProof="0" dirty="0">
+                <a:ln>
+                  <a:noFill/>
+                </a:ln>
+                <a:solidFill>
+                  <a:prstClr val="black"/>
+                </a:solidFill>
+                <a:effectLst/>
+                <a:uLnTx/>
+                <a:uFillTx/>
+                <a:latin typeface="Arial" panose="020B0604020202020204" pitchFamily="34" charset="0"/>
+                <a:ea typeface="等线" panose="02010600030101010101" pitchFamily="2" charset="-122"/>
+                <a:cs typeface="+mn-cs"/>
+              </a:rPr>
+              <a:t>通过 </a:t>
+            </a:r>
+            <a:r>
+              <a:rPr kumimoji="0" lang="en-US" altLang="zh-CN" sz="1400" b="0" i="0" u="none" strike="noStrike" kern="1200" cap="none" spc="0" normalizeH="0" baseline="0" noProof="0" dirty="0">
+                <a:ln>
+                  <a:noFill/>
+                </a:ln>
+                <a:solidFill>
+                  <a:prstClr val="black"/>
+                </a:solidFill>
+                <a:effectLst/>
+                <a:uLnTx/>
+                <a:uFillTx/>
+                <a:latin typeface="Arial" panose="020B0604020202020204" pitchFamily="34" charset="0"/>
+                <a:ea typeface="等线" panose="02010600030101010101" pitchFamily="2" charset="-122"/>
+                <a:cs typeface="+mn-cs"/>
+              </a:rPr>
+              <a:t>reactive </a:t>
+            </a:r>
+            <a:r>
+              <a:rPr kumimoji="0" lang="zh-CN" altLang="en-US" sz="1400" b="0" i="0" u="none" strike="noStrike" kern="1200" cap="none" spc="0" normalizeH="0" baseline="0" noProof="0" dirty="0">
+                <a:ln>
+                  <a:noFill/>
+                </a:ln>
+                <a:solidFill>
+                  <a:prstClr val="black"/>
+                </a:solidFill>
+                <a:effectLst/>
+                <a:uLnTx/>
+                <a:uFillTx/>
+                <a:latin typeface="Arial" panose="020B0604020202020204" pitchFamily="34" charset="0"/>
+                <a:ea typeface="等线" panose="02010600030101010101" pitchFamily="2" charset="-122"/>
+                <a:cs typeface="+mn-cs"/>
+              </a:rPr>
+              <a:t>和 </a:t>
+            </a:r>
+            <a:r>
+              <a:rPr kumimoji="0" lang="en-US" altLang="zh-CN" sz="1400" b="0" i="0" u="none" strike="noStrike" kern="1200" cap="none" spc="0" normalizeH="0" baseline="0" noProof="0" dirty="0">
+                <a:ln>
+                  <a:noFill/>
+                </a:ln>
+                <a:solidFill>
+                  <a:prstClr val="black"/>
+                </a:solidFill>
+                <a:effectLst/>
+                <a:uLnTx/>
+                <a:uFillTx/>
+                <a:latin typeface="Arial" panose="020B0604020202020204" pitchFamily="34" charset="0"/>
+                <a:ea typeface="等线" panose="02010600030101010101" pitchFamily="2" charset="-122"/>
+                <a:cs typeface="+mn-cs"/>
+              </a:rPr>
+              <a:t>ref </a:t>
+            </a:r>
+            <a:r>
+              <a:rPr kumimoji="0" lang="zh-CN" altLang="en-US" sz="1400" b="0" i="0" u="none" strike="noStrike" kern="1200" cap="none" spc="0" normalizeH="0" baseline="0" noProof="0" dirty="0">
+                <a:ln>
+                  <a:noFill/>
+                </a:ln>
+                <a:solidFill>
+                  <a:prstClr val="black"/>
+                </a:solidFill>
+                <a:effectLst/>
+                <a:uLnTx/>
+                <a:uFillTx/>
+                <a:latin typeface="Arial" panose="020B0604020202020204" pitchFamily="34" charset="0"/>
+                <a:ea typeface="等线" panose="02010600030101010101" pitchFamily="2" charset="-122"/>
+                <a:cs typeface="+mn-cs"/>
+              </a:rPr>
+              <a:t>实现数据驱动视图更新，开发体验优雅且高效。</a:t>
+            </a:r>
+            <a:endParaRPr kumimoji="0" lang="en-US" altLang="zh-CN" sz="1400" b="0" i="0" u="none" strike="noStrike" kern="1200" cap="none" spc="0" normalizeH="0" baseline="0" noProof="0" dirty="0">
+              <a:ln>
+                <a:noFill/>
+              </a:ln>
+              <a:solidFill>
+                <a:prstClr val="black"/>
+              </a:solidFill>
+              <a:effectLst/>
+              <a:uLnTx/>
+              <a:uFillTx/>
+              <a:latin typeface="Arial" panose="020B0604020202020204" pitchFamily="34" charset="0"/>
+              <a:ea typeface="等线" panose="02010600030101010101" pitchFamily="2" charset="-122"/>
+              <a:cs typeface="+mn-cs"/>
+            </a:endParaRPr>
+          </a:p>
+          <a:p>
+            <a:pPr marL="0" marR="0" lvl="0" indent="0" algn="l" defTabSz="914400" rtl="0" eaLnBrk="0" fontAlgn="base" latinLnBrk="0" hangingPunct="0">
+              <a:lnSpc>
+                <a:spcPct val="100000"/>
+              </a:lnSpc>
+              <a:spcBef>
+                <a:spcPct val="0"/>
+              </a:spcBef>
+              <a:spcAft>
+                <a:spcPct val="0"/>
+              </a:spcAft>
+              <a:buClrTx/>
+              <a:buSzTx/>
+              <a:buFontTx/>
+              <a:buNone/>
+              <a:tabLst/>
+              <a:defRPr/>
+            </a:pPr>
+            <a:r>
+              <a:rPr kumimoji="0" lang="zh-CN" altLang="en-US" sz="1400" b="1" i="0" u="none" strike="noStrike" kern="1200" cap="none" spc="0" normalizeH="0" baseline="0" noProof="0" dirty="0">
+                <a:ln>
+                  <a:noFill/>
+                </a:ln>
+                <a:solidFill>
+                  <a:prstClr val="black"/>
+                </a:solidFill>
+                <a:effectLst/>
+                <a:uLnTx/>
+                <a:uFillTx/>
+                <a:latin typeface="Arial" panose="020B0604020202020204" pitchFamily="34" charset="0"/>
+                <a:ea typeface="等线" panose="02010600030101010101" pitchFamily="2" charset="-122"/>
+                <a:cs typeface="+mn-cs"/>
+              </a:rPr>
+              <a:t>组合式 </a:t>
+            </a:r>
+            <a:r>
+              <a:rPr kumimoji="0" lang="en-US" altLang="zh-CN" sz="1400" b="1" i="0" u="none" strike="noStrike" kern="1200" cap="none" spc="0" normalizeH="0" baseline="0" noProof="0" dirty="0">
+                <a:ln>
+                  <a:noFill/>
+                </a:ln>
+                <a:solidFill>
+                  <a:prstClr val="black"/>
+                </a:solidFill>
+                <a:effectLst/>
+                <a:uLnTx/>
+                <a:uFillTx/>
+                <a:latin typeface="Arial" panose="020B0604020202020204" pitchFamily="34" charset="0"/>
+                <a:ea typeface="等线" panose="02010600030101010101" pitchFamily="2" charset="-122"/>
+                <a:cs typeface="+mn-cs"/>
+              </a:rPr>
+              <a:t>API (Composition API)</a:t>
+            </a:r>
+            <a:r>
+              <a:rPr kumimoji="0" lang="zh-CN" altLang="en-US" sz="1400" b="1" i="0" u="none" strike="noStrike" kern="1200" cap="none" spc="0" normalizeH="0" baseline="0" noProof="0" dirty="0">
+                <a:ln>
+                  <a:noFill/>
+                </a:ln>
+                <a:solidFill>
+                  <a:prstClr val="black"/>
+                </a:solidFill>
+                <a:effectLst/>
+                <a:uLnTx/>
+                <a:uFillTx/>
+                <a:latin typeface="Arial" panose="020B0604020202020204" pitchFamily="34" charset="0"/>
+                <a:ea typeface="等线" panose="02010600030101010101" pitchFamily="2" charset="-122"/>
+                <a:cs typeface="+mn-cs"/>
+              </a:rPr>
+              <a:t>：</a:t>
+            </a:r>
+            <a:r>
+              <a:rPr kumimoji="0" lang="zh-CN" altLang="en-US" sz="1400" b="0" i="0" u="none" strike="noStrike" kern="1200" cap="none" spc="0" normalizeH="0" baseline="0" noProof="0" dirty="0">
+                <a:ln>
+                  <a:noFill/>
+                </a:ln>
+                <a:solidFill>
+                  <a:prstClr val="black"/>
+                </a:solidFill>
+                <a:effectLst/>
+                <a:uLnTx/>
+                <a:uFillTx/>
+                <a:latin typeface="Arial" panose="020B0604020202020204" pitchFamily="34" charset="0"/>
+                <a:ea typeface="等线" panose="02010600030101010101" pitchFamily="2" charset="-122"/>
+                <a:cs typeface="+mn-cs"/>
+              </a:rPr>
+              <a:t>增强逻辑复用能力，适用于大型项目的模块化开发。</a:t>
+            </a:r>
+            <a:endParaRPr kumimoji="0" lang="en-US" altLang="zh-CN" sz="1400" b="0" i="0" u="none" strike="noStrike" kern="1200" cap="none" spc="0" normalizeH="0" baseline="0" noProof="0" dirty="0">
+              <a:ln>
+                <a:noFill/>
+              </a:ln>
+              <a:solidFill>
+                <a:prstClr val="black"/>
+              </a:solidFill>
+              <a:effectLst/>
+              <a:uLnTx/>
+              <a:uFillTx/>
+              <a:latin typeface="Arial" panose="020B0604020202020204" pitchFamily="34" charset="0"/>
+              <a:ea typeface="等线" panose="02010600030101010101" pitchFamily="2" charset="-122"/>
+              <a:cs typeface="+mn-cs"/>
+            </a:endParaRPr>
+          </a:p>
+          <a:p>
+            <a:pPr marL="0" marR="0" lvl="0" indent="0" algn="l" defTabSz="914400" rtl="0" eaLnBrk="0" fontAlgn="base" latinLnBrk="0" hangingPunct="0">
+              <a:lnSpc>
+                <a:spcPct val="100000"/>
+              </a:lnSpc>
+              <a:spcBef>
+                <a:spcPct val="0"/>
+              </a:spcBef>
+              <a:spcAft>
+                <a:spcPct val="0"/>
+              </a:spcAft>
+              <a:buClrTx/>
+              <a:buSzTx/>
+              <a:buFontTx/>
+              <a:buNone/>
+              <a:tabLst/>
+              <a:defRPr/>
+            </a:pPr>
+            <a:r>
+              <a:rPr kumimoji="0" lang="zh-CN" altLang="en-US" sz="1400" b="1" i="0" u="none" strike="noStrike" kern="1200" cap="none" spc="0" normalizeH="0" baseline="0" noProof="0" dirty="0">
+                <a:ln>
+                  <a:noFill/>
+                </a:ln>
+                <a:solidFill>
+                  <a:prstClr val="black"/>
+                </a:solidFill>
+                <a:effectLst/>
+                <a:uLnTx/>
+                <a:uFillTx/>
+                <a:latin typeface="Arial" panose="020B0604020202020204" pitchFamily="34" charset="0"/>
+                <a:ea typeface="等线" panose="02010600030101010101" pitchFamily="2" charset="-122"/>
+                <a:cs typeface="+mn-cs"/>
+              </a:rPr>
+              <a:t>组件化开发：</a:t>
+            </a:r>
+            <a:r>
+              <a:rPr kumimoji="0" lang="zh-CN" altLang="en-US" sz="1400" b="0" i="0" u="none" strike="noStrike" kern="1200" cap="none" spc="0" normalizeH="0" baseline="0" noProof="0" dirty="0">
+                <a:ln>
+                  <a:noFill/>
+                </a:ln>
+                <a:solidFill>
+                  <a:prstClr val="black"/>
+                </a:solidFill>
+                <a:effectLst/>
+                <a:uLnTx/>
+                <a:uFillTx/>
+                <a:latin typeface="Arial" panose="020B0604020202020204" pitchFamily="34" charset="0"/>
+                <a:ea typeface="等线" panose="02010600030101010101" pitchFamily="2" charset="-122"/>
+                <a:cs typeface="+mn-cs"/>
+              </a:rPr>
+              <a:t>鼓励 </a:t>
+            </a:r>
+            <a:r>
+              <a:rPr kumimoji="0" lang="en-US" altLang="zh-CN" sz="1400" b="0" i="0" u="none" strike="noStrike" kern="1200" cap="none" spc="0" normalizeH="0" baseline="0" noProof="0" dirty="0">
+                <a:ln>
+                  <a:noFill/>
+                </a:ln>
+                <a:solidFill>
+                  <a:prstClr val="black"/>
+                </a:solidFill>
+                <a:effectLst/>
+                <a:uLnTx/>
+                <a:uFillTx/>
+                <a:latin typeface="Arial" panose="020B0604020202020204" pitchFamily="34" charset="0"/>
+                <a:ea typeface="等线" panose="02010600030101010101" pitchFamily="2" charset="-122"/>
+                <a:cs typeface="+mn-cs"/>
+              </a:rPr>
+              <a:t>UI </a:t>
+            </a:r>
+            <a:r>
+              <a:rPr kumimoji="0" lang="zh-CN" altLang="en-US" sz="1400" b="0" i="0" u="none" strike="noStrike" kern="1200" cap="none" spc="0" normalizeH="0" baseline="0" noProof="0" dirty="0">
+                <a:ln>
+                  <a:noFill/>
+                </a:ln>
+                <a:solidFill>
+                  <a:prstClr val="black"/>
+                </a:solidFill>
+                <a:effectLst/>
+                <a:uLnTx/>
+                <a:uFillTx/>
+                <a:latin typeface="Arial" panose="020B0604020202020204" pitchFamily="34" charset="0"/>
+                <a:ea typeface="等线" panose="02010600030101010101" pitchFamily="2" charset="-122"/>
+                <a:cs typeface="+mn-cs"/>
+              </a:rPr>
+              <a:t>与逻辑封装，提升代码组织性和复用性。</a:t>
+            </a:r>
+            <a:endParaRPr kumimoji="0" lang="en-US" altLang="zh-CN" sz="1400" b="0" i="0" u="none" strike="noStrike" kern="1200" cap="none" spc="0" normalizeH="0" baseline="0" noProof="0" dirty="0">
+              <a:ln>
+                <a:noFill/>
+              </a:ln>
+              <a:solidFill>
+                <a:prstClr val="black"/>
+              </a:solidFill>
+              <a:effectLst/>
+              <a:uLnTx/>
+              <a:uFillTx/>
+              <a:latin typeface="Arial" panose="020B0604020202020204" pitchFamily="34" charset="0"/>
+              <a:ea typeface="等线" panose="02010600030101010101" pitchFamily="2" charset="-122"/>
+              <a:cs typeface="+mn-cs"/>
+            </a:endParaRPr>
+          </a:p>
+          <a:p>
+            <a:pPr marL="0" marR="0" lvl="0" indent="0" algn="l" defTabSz="914400" rtl="0" eaLnBrk="0" fontAlgn="base" latinLnBrk="0" hangingPunct="0">
+              <a:lnSpc>
+                <a:spcPct val="100000"/>
+              </a:lnSpc>
+              <a:spcBef>
+                <a:spcPct val="0"/>
+              </a:spcBef>
+              <a:spcAft>
+                <a:spcPct val="0"/>
+              </a:spcAft>
+              <a:buClrTx/>
+              <a:buSzTx/>
+              <a:buFontTx/>
+              <a:buNone/>
+              <a:tabLst/>
+              <a:defRPr/>
+            </a:pPr>
+            <a:r>
+              <a:rPr kumimoji="0" lang="zh-CN" altLang="en-US" sz="1400" b="1" i="0" u="none" strike="noStrike" kern="1200" cap="none" spc="0" normalizeH="0" baseline="0" noProof="0" dirty="0">
+                <a:ln>
+                  <a:noFill/>
+                </a:ln>
+                <a:solidFill>
+                  <a:prstClr val="black"/>
+                </a:solidFill>
+                <a:effectLst/>
+                <a:uLnTx/>
+                <a:uFillTx/>
+                <a:latin typeface="Arial" panose="020B0604020202020204" pitchFamily="34" charset="0"/>
+                <a:ea typeface="等线" panose="02010600030101010101" pitchFamily="2" charset="-122"/>
+                <a:cs typeface="+mn-cs"/>
+              </a:rPr>
+              <a:t>生态丰富：</a:t>
+            </a:r>
+            <a:r>
+              <a:rPr kumimoji="0" lang="en-US" altLang="zh-CN" sz="1400" b="0" i="0" u="none" strike="noStrike" kern="1200" cap="none" spc="0" normalizeH="0" baseline="0" noProof="0" dirty="0" err="1">
+                <a:ln>
+                  <a:noFill/>
+                </a:ln>
+                <a:solidFill>
+                  <a:prstClr val="black"/>
+                </a:solidFill>
+                <a:effectLst/>
+                <a:uLnTx/>
+                <a:uFillTx/>
+                <a:latin typeface="Arial" panose="020B0604020202020204" pitchFamily="34" charset="0"/>
+                <a:ea typeface="等线" panose="02010600030101010101" pitchFamily="2" charset="-122"/>
+                <a:cs typeface="+mn-cs"/>
+              </a:rPr>
+              <a:t>Pinia</a:t>
+            </a:r>
+            <a:r>
+              <a:rPr kumimoji="0" lang="zh-CN" altLang="en-US" sz="1400" b="0" i="0" u="none" strike="noStrike" kern="1200" cap="none" spc="0" normalizeH="0" baseline="0" noProof="0" dirty="0">
+                <a:ln>
+                  <a:noFill/>
+                </a:ln>
+                <a:solidFill>
+                  <a:prstClr val="black"/>
+                </a:solidFill>
+                <a:effectLst/>
+                <a:uLnTx/>
+                <a:uFillTx/>
+                <a:latin typeface="Arial" panose="020B0604020202020204" pitchFamily="34" charset="0"/>
+                <a:ea typeface="等线" panose="02010600030101010101" pitchFamily="2" charset="-122"/>
+                <a:cs typeface="+mn-cs"/>
+              </a:rPr>
+              <a:t>（状态管理）、</a:t>
+            </a:r>
+            <a:r>
+              <a:rPr kumimoji="0" lang="en-US" altLang="zh-CN" sz="1400" b="0" i="0" u="none" strike="noStrike" kern="1200" cap="none" spc="0" normalizeH="0" baseline="0" noProof="0" dirty="0">
+                <a:ln>
+                  <a:noFill/>
+                </a:ln>
+                <a:solidFill>
+                  <a:prstClr val="black"/>
+                </a:solidFill>
+                <a:effectLst/>
+                <a:uLnTx/>
+                <a:uFillTx/>
+                <a:latin typeface="Arial" panose="020B0604020202020204" pitchFamily="34" charset="0"/>
+                <a:ea typeface="等线" panose="02010600030101010101" pitchFamily="2" charset="-122"/>
+                <a:cs typeface="+mn-cs"/>
+              </a:rPr>
+              <a:t>Vue Router</a:t>
+            </a:r>
+            <a:r>
+              <a:rPr kumimoji="0" lang="zh-CN" altLang="en-US" sz="1400" b="0" i="0" u="none" strike="noStrike" kern="1200" cap="none" spc="0" normalizeH="0" baseline="0" noProof="0" dirty="0">
+                <a:ln>
+                  <a:noFill/>
+                </a:ln>
+                <a:solidFill>
+                  <a:prstClr val="black"/>
+                </a:solidFill>
+                <a:effectLst/>
+                <a:uLnTx/>
+                <a:uFillTx/>
+                <a:latin typeface="Arial" panose="020B0604020202020204" pitchFamily="34" charset="0"/>
+                <a:ea typeface="等线" panose="02010600030101010101" pitchFamily="2" charset="-122"/>
+                <a:cs typeface="+mn-cs"/>
+              </a:rPr>
+              <a:t>、</a:t>
+            </a:r>
+            <a:r>
+              <a:rPr kumimoji="0" lang="en-US" altLang="zh-CN" sz="1400" b="0" i="0" u="none" strike="noStrike" kern="1200" cap="none" spc="0" normalizeH="0" baseline="0" noProof="0" dirty="0" err="1">
+                <a:ln>
+                  <a:noFill/>
+                </a:ln>
+                <a:solidFill>
+                  <a:prstClr val="black"/>
+                </a:solidFill>
+                <a:effectLst/>
+                <a:uLnTx/>
+                <a:uFillTx/>
+                <a:latin typeface="Arial" panose="020B0604020202020204" pitchFamily="34" charset="0"/>
+                <a:ea typeface="等线" panose="02010600030101010101" pitchFamily="2" charset="-122"/>
+                <a:cs typeface="+mn-cs"/>
+              </a:rPr>
+              <a:t>Vite</a:t>
+            </a:r>
+            <a:r>
+              <a:rPr kumimoji="0" lang="zh-CN" altLang="en-US" sz="1400" b="0" i="0" u="none" strike="noStrike" kern="1200" cap="none" spc="0" normalizeH="0" baseline="0" noProof="0" dirty="0">
+                <a:ln>
+                  <a:noFill/>
+                </a:ln>
+                <a:solidFill>
+                  <a:prstClr val="black"/>
+                </a:solidFill>
+                <a:effectLst/>
+                <a:uLnTx/>
+                <a:uFillTx/>
+                <a:latin typeface="Arial" panose="020B0604020202020204" pitchFamily="34" charset="0"/>
+                <a:ea typeface="等线" panose="02010600030101010101" pitchFamily="2" charset="-122"/>
+                <a:cs typeface="+mn-cs"/>
+              </a:rPr>
+              <a:t>（构建）、</a:t>
+            </a:r>
+            <a:r>
+              <a:rPr kumimoji="0" lang="en-US" altLang="zh-CN" sz="1400" b="0" i="0" u="none" strike="noStrike" kern="1200" cap="none" spc="0" normalizeH="0" baseline="0" noProof="0" dirty="0" err="1">
+                <a:ln>
+                  <a:noFill/>
+                </a:ln>
+                <a:solidFill>
+                  <a:prstClr val="black"/>
+                </a:solidFill>
+                <a:effectLst/>
+                <a:uLnTx/>
+                <a:uFillTx/>
+                <a:latin typeface="Arial" panose="020B0604020202020204" pitchFamily="34" charset="0"/>
+                <a:ea typeface="等线" panose="02010600030101010101" pitchFamily="2" charset="-122"/>
+                <a:cs typeface="+mn-cs"/>
+              </a:rPr>
+              <a:t>VueUse</a:t>
+            </a:r>
+            <a:r>
+              <a:rPr kumimoji="0" lang="en-US" altLang="zh-CN" sz="1400" b="0" i="0" u="none" strike="noStrike" kern="1200" cap="none" spc="0" normalizeH="0" baseline="0" noProof="0" dirty="0">
+                <a:ln>
+                  <a:noFill/>
+                </a:ln>
+                <a:solidFill>
+                  <a:prstClr val="black"/>
+                </a:solidFill>
+                <a:effectLst/>
+                <a:uLnTx/>
+                <a:uFillTx/>
+                <a:latin typeface="Arial" panose="020B0604020202020204" pitchFamily="34" charset="0"/>
+                <a:ea typeface="等线" panose="02010600030101010101" pitchFamily="2" charset="-122"/>
+                <a:cs typeface="+mn-cs"/>
+              </a:rPr>
+              <a:t> </a:t>
+            </a:r>
+            <a:r>
+              <a:rPr kumimoji="0" lang="zh-CN" altLang="en-US" sz="1400" b="0" i="0" u="none" strike="noStrike" kern="1200" cap="none" spc="0" normalizeH="0" baseline="0" noProof="0" dirty="0">
+                <a:ln>
+                  <a:noFill/>
+                </a:ln>
+                <a:solidFill>
+                  <a:prstClr val="black"/>
+                </a:solidFill>
+                <a:effectLst/>
+                <a:uLnTx/>
+                <a:uFillTx/>
+                <a:latin typeface="Arial" panose="020B0604020202020204" pitchFamily="34" charset="0"/>
+                <a:ea typeface="等线" panose="02010600030101010101" pitchFamily="2" charset="-122"/>
+                <a:cs typeface="+mn-cs"/>
+              </a:rPr>
+              <a:t>等构建完整技术栈。</a:t>
+            </a:r>
+            <a:endParaRPr kumimoji="0" lang="en-US" altLang="zh-CN" sz="1400" b="0" i="0" u="none" strike="noStrike" kern="1200" cap="none" spc="0" normalizeH="0" baseline="0" noProof="0" dirty="0">
+              <a:ln>
+                <a:noFill/>
+              </a:ln>
+              <a:solidFill>
+                <a:prstClr val="black"/>
+              </a:solidFill>
+              <a:effectLst/>
+              <a:uLnTx/>
+              <a:uFillTx/>
+              <a:latin typeface="Arial" panose="020B0604020202020204" pitchFamily="34" charset="0"/>
+              <a:ea typeface="等线" panose="02010600030101010101" pitchFamily="2" charset="-122"/>
+              <a:cs typeface="+mn-cs"/>
+            </a:endParaRPr>
+          </a:p>
+          <a:p>
+            <a:pPr marL="0" marR="0" lvl="0" indent="0" algn="l" defTabSz="914400" rtl="0" eaLnBrk="0" fontAlgn="base" latinLnBrk="0" hangingPunct="0">
+              <a:lnSpc>
+                <a:spcPct val="100000"/>
+              </a:lnSpc>
+              <a:spcBef>
+                <a:spcPct val="0"/>
+              </a:spcBef>
+              <a:spcAft>
+                <a:spcPct val="0"/>
+              </a:spcAft>
+              <a:buClrTx/>
+              <a:buSzTx/>
+              <a:buFontTx/>
+              <a:buNone/>
+              <a:tabLst/>
+              <a:defRPr/>
+            </a:pPr>
+            <a:r>
+              <a:rPr kumimoji="0" lang="zh-CN" altLang="en-US" sz="1400" b="1" i="0" u="none" strike="noStrike" kern="1200" cap="none" spc="0" normalizeH="0" baseline="0" noProof="0" dirty="0">
+                <a:ln>
+                  <a:noFill/>
+                </a:ln>
+                <a:solidFill>
+                  <a:prstClr val="black"/>
+                </a:solidFill>
+                <a:effectLst/>
+                <a:uLnTx/>
+                <a:uFillTx/>
+                <a:latin typeface="Arial" panose="020B0604020202020204" pitchFamily="34" charset="0"/>
+                <a:ea typeface="等线" panose="02010600030101010101" pitchFamily="2" charset="-122"/>
+                <a:cs typeface="+mn-cs"/>
+              </a:rPr>
+              <a:t>良好的渐进式设计：</a:t>
+            </a:r>
+            <a:r>
+              <a:rPr kumimoji="0" lang="zh-CN" altLang="en-US" sz="1400" b="0" i="0" u="none" strike="noStrike" kern="1200" cap="none" spc="0" normalizeH="0" baseline="0" noProof="0" dirty="0">
+                <a:ln>
+                  <a:noFill/>
+                </a:ln>
+                <a:solidFill>
+                  <a:prstClr val="black"/>
+                </a:solidFill>
+                <a:effectLst/>
+                <a:uLnTx/>
+                <a:uFillTx/>
+                <a:latin typeface="Arial" panose="020B0604020202020204" pitchFamily="34" charset="0"/>
+                <a:ea typeface="等线" panose="02010600030101010101" pitchFamily="2" charset="-122"/>
+                <a:cs typeface="+mn-cs"/>
+              </a:rPr>
+              <a:t>可以逐步引入特性，适用于小型项目或将现有项目渐进迁移到 </a:t>
+            </a:r>
+            <a:r>
+              <a:rPr kumimoji="0" lang="en-US" altLang="zh-CN" sz="1400" b="0" i="0" u="none" strike="noStrike" kern="1200" cap="none" spc="0" normalizeH="0" baseline="0" noProof="0" dirty="0">
+                <a:ln>
+                  <a:noFill/>
+                </a:ln>
+                <a:solidFill>
+                  <a:prstClr val="black"/>
+                </a:solidFill>
+                <a:effectLst/>
+                <a:uLnTx/>
+                <a:uFillTx/>
+                <a:latin typeface="Arial" panose="020B0604020202020204" pitchFamily="34" charset="0"/>
+                <a:ea typeface="等线" panose="02010600030101010101" pitchFamily="2" charset="-122"/>
+                <a:cs typeface="+mn-cs"/>
+              </a:rPr>
+              <a:t>Vue</a:t>
+            </a:r>
+            <a:r>
+              <a:rPr kumimoji="0" lang="zh-CN" altLang="en-US" sz="1400" b="0" i="0" u="none" strike="noStrike" kern="1200" cap="none" spc="0" normalizeH="0" baseline="0" noProof="0" dirty="0">
+                <a:ln>
+                  <a:noFill/>
+                </a:ln>
+                <a:solidFill>
+                  <a:prstClr val="black"/>
+                </a:solidFill>
+                <a:effectLst/>
+                <a:uLnTx/>
+                <a:uFillTx/>
+                <a:latin typeface="Arial" panose="020B0604020202020204" pitchFamily="34" charset="0"/>
+                <a:ea typeface="等线" panose="02010600030101010101" pitchFamily="2" charset="-122"/>
+                <a:cs typeface="+mn-cs"/>
+              </a:rPr>
+              <a:t>。</a:t>
+            </a:r>
+            <a:endParaRPr kumimoji="0" lang="en-US" altLang="zh-CN" sz="1400" b="0" i="0" u="none" strike="noStrike" kern="1200" cap="none" spc="0" normalizeH="0" baseline="0" noProof="0" dirty="0">
+              <a:ln>
+                <a:noFill/>
+              </a:ln>
+              <a:solidFill>
+                <a:prstClr val="black"/>
+              </a:solidFill>
+              <a:effectLst/>
+              <a:uLnTx/>
+              <a:uFillTx/>
+              <a:latin typeface="Arial" panose="020B0604020202020204" pitchFamily="34" charset="0"/>
+              <a:ea typeface="等线" panose="02010600030101010101" pitchFamily="2" charset="-122"/>
+              <a:cs typeface="+mn-cs"/>
+            </a:endParaRPr>
+          </a:p>
+        </p:txBody>
+      </p:sp>
+      <p:sp>
+        <p:nvSpPr>
+          <p:cNvPr id="6" name="TextBox 5">
+            <a:extLst>
+              <a:ext uri="{FF2B5EF4-FFF2-40B4-BE49-F238E27FC236}">
+                <a16:creationId xmlns:a16="http://schemas.microsoft.com/office/drawing/2014/main" id="{8FF4A962-7A86-6FB0-C3A1-FE038F493808}"/>
+              </a:ext>
+            </a:extLst>
+          </p:cNvPr>
+          <p:cNvSpPr txBox="1"/>
+          <p:nvPr/>
+        </p:nvSpPr>
+        <p:spPr>
+          <a:xfrm>
+            <a:off x="139289" y="218648"/>
+            <a:ext cx="830164" cy="523220"/>
+          </a:xfrm>
+          <a:prstGeom prst="rect">
+            <a:avLst/>
+          </a:prstGeom>
+          <a:noFill/>
+        </p:spPr>
+        <p:txBody>
+          <a:bodyPr wrap="none" rtlCol="0">
+            <a:spAutoFit/>
+          </a:bodyPr>
+          <a:lstStyle/>
+          <a:p>
+            <a:r>
+              <a:rPr kumimoji="0" lang="en-US" altLang="zh-CN" sz="2800" b="1" i="0" u="none" strike="noStrike" kern="1200" cap="none" spc="0" normalizeH="0" baseline="0" noProof="0" dirty="0">
+                <a:ln>
+                  <a:noFill/>
+                </a:ln>
+                <a:solidFill>
+                  <a:prstClr val="black"/>
+                </a:solidFill>
+                <a:effectLst/>
+                <a:uLnTx/>
+                <a:uFillTx/>
+                <a:latin typeface="Arial" panose="020B0604020202020204" pitchFamily="34" charset="0"/>
+                <a:ea typeface="等线" panose="02010600030101010101" pitchFamily="2" charset="-122"/>
+                <a:cs typeface="+mn-cs"/>
+              </a:rPr>
+              <a:t>Vue</a:t>
+            </a:r>
+            <a:endParaRPr lang="en-US" dirty="0"/>
+          </a:p>
+        </p:txBody>
+      </p:sp>
     </p:spTree>
     <p:extLst>
       <p:ext uri="{BB962C8B-B14F-4D97-AF65-F5344CB8AC3E}">
@@ -8556,7 +8810,7 @@
             <a:avLst/>
           </a:prstGeom>
           <a:solidFill>
-            <a:srgbClr val="44BD86"/>
+            <a:srgbClr val="FFE369"/>
           </a:solidFill>
           <a:ln>
             <a:noFill/>
@@ -8581,1117 +8835,6 @@
         <p:txBody>
           <a:bodyPr rtlCol="0" anchor="ctr"/>
           <a:lstStyle/>
-          <a:p>
-            <a:pPr marL="0" marR="0" lvl="0" indent="0" algn="l" defTabSz="914400" rtl="0" eaLnBrk="0" fontAlgn="base" latinLnBrk="0" hangingPunct="0">
-              <a:lnSpc>
-                <a:spcPct val="100000"/>
-              </a:lnSpc>
-              <a:spcBef>
-                <a:spcPct val="0"/>
-              </a:spcBef>
-              <a:spcAft>
-                <a:spcPct val="0"/>
-              </a:spcAft>
-              <a:buClrTx/>
-              <a:buSzTx/>
-              <a:buFontTx/>
-              <a:buNone/>
-              <a:tabLst/>
-            </a:pPr>
-            <a:r>
-              <a:rPr kumimoji="0" lang="en-US" altLang="en-US" sz="1200" b="0" i="0" u="none" strike="noStrike" cap="none" normalizeH="0" baseline="0" dirty="0" err="1">
-                <a:ln>
-                  <a:noFill/>
-                </a:ln>
-                <a:solidFill>
-                  <a:srgbClr val="D9E6EB"/>
-                </a:solidFill>
-                <a:effectLst/>
-                <a:latin typeface="Arial" panose="020B0604020202020204" pitchFamily="34" charset="0"/>
-                <a:ea typeface="Punctuation SC"/>
-              </a:rPr>
-              <a:t>Pinia</a:t>
-            </a:r>
-            <a:r>
-              <a:rPr kumimoji="0" lang="en-US" altLang="en-US" sz="1200" b="0" i="0" u="none" strike="noStrike" cap="none" normalizeH="0" baseline="0" dirty="0">
-                <a:ln>
-                  <a:noFill/>
-                </a:ln>
-                <a:solidFill>
-                  <a:srgbClr val="D9E6EB"/>
-                </a:solidFill>
-                <a:effectLst/>
-                <a:latin typeface="Arial" panose="020B0604020202020204" pitchFamily="34" charset="0"/>
-                <a:ea typeface="Punctuation SC"/>
-              </a:rPr>
-              <a:t> 是 Vue </a:t>
-            </a:r>
-            <a:r>
-              <a:rPr kumimoji="0" lang="en-US" altLang="en-US" sz="1200" b="0" i="0" u="none" strike="noStrike" cap="none" normalizeH="0" baseline="0" dirty="0" err="1">
-                <a:ln>
-                  <a:noFill/>
-                </a:ln>
-                <a:solidFill>
-                  <a:srgbClr val="D9E6EB"/>
-                </a:solidFill>
-                <a:effectLst/>
-                <a:latin typeface="Arial" panose="020B0604020202020204" pitchFamily="34" charset="0"/>
-                <a:ea typeface="Punctuation SC"/>
-              </a:rPr>
-              <a:t>的专属状态管理库，它允许你跨组件或页面共享状态</a:t>
-            </a:r>
-            <a:r>
-              <a:rPr kumimoji="0" lang="en-US" altLang="en-US" sz="1200" b="0" i="0" u="none" strike="noStrike" cap="none" normalizeH="0" baseline="0" dirty="0">
-                <a:ln>
-                  <a:noFill/>
-                </a:ln>
-                <a:solidFill>
-                  <a:srgbClr val="D9E6EB"/>
-                </a:solidFill>
-                <a:effectLst/>
-                <a:latin typeface="Arial" panose="020B0604020202020204" pitchFamily="34" charset="0"/>
-                <a:ea typeface="Punctuation SC"/>
-              </a:rPr>
-              <a:t>。</a:t>
-            </a:r>
-          </a:p>
-          <a:p>
-            <a:pPr marL="0" marR="0" lvl="0" indent="0" algn="l" defTabSz="914400" rtl="0" eaLnBrk="0" fontAlgn="base" latinLnBrk="0" hangingPunct="0">
-              <a:lnSpc>
-                <a:spcPct val="100000"/>
-              </a:lnSpc>
-              <a:spcBef>
-                <a:spcPct val="0"/>
-              </a:spcBef>
-              <a:spcAft>
-                <a:spcPct val="0"/>
-              </a:spcAft>
-              <a:buClrTx/>
-              <a:buSzTx/>
-              <a:buFontTx/>
-              <a:buNone/>
-              <a:tabLst/>
-            </a:pPr>
-            <a:r>
-              <a:rPr kumimoji="0" lang="en-US" altLang="en-US" sz="1200" b="0" i="0" u="none" strike="noStrike" cap="none" normalizeH="0" baseline="0" dirty="0" err="1">
-                <a:ln>
-                  <a:noFill/>
-                </a:ln>
-                <a:solidFill>
-                  <a:srgbClr val="D9E6EB"/>
-                </a:solidFill>
-                <a:effectLst/>
-                <a:latin typeface="Arial" panose="020B0604020202020204" pitchFamily="34" charset="0"/>
-                <a:ea typeface="Punctuation SC"/>
-              </a:rPr>
-              <a:t>如果你熟悉组合式</a:t>
-            </a:r>
-            <a:r>
-              <a:rPr kumimoji="0" lang="en-US" altLang="en-US" sz="1200" b="0" i="0" u="none" strike="noStrike" cap="none" normalizeH="0" baseline="0" dirty="0">
-                <a:ln>
-                  <a:noFill/>
-                </a:ln>
-                <a:solidFill>
-                  <a:srgbClr val="D9E6EB"/>
-                </a:solidFill>
-                <a:effectLst/>
-                <a:latin typeface="Arial" panose="020B0604020202020204" pitchFamily="34" charset="0"/>
-                <a:ea typeface="Punctuation SC"/>
-              </a:rPr>
-              <a:t> API </a:t>
-            </a:r>
-            <a:r>
-              <a:rPr kumimoji="0" lang="en-US" altLang="en-US" sz="1200" b="0" i="0" u="none" strike="noStrike" cap="none" normalizeH="0" baseline="0" dirty="0" err="1">
-                <a:ln>
-                  <a:noFill/>
-                </a:ln>
-                <a:solidFill>
-                  <a:srgbClr val="D9E6EB"/>
-                </a:solidFill>
-                <a:effectLst/>
-                <a:latin typeface="Arial" panose="020B0604020202020204" pitchFamily="34" charset="0"/>
-                <a:ea typeface="Punctuation SC"/>
-              </a:rPr>
-              <a:t>的话，你可能会认为可以通过一行简单的</a:t>
-            </a:r>
-            <a:r>
-              <a:rPr kumimoji="0" lang="en-US" altLang="en-US" sz="1200" b="0" i="0" u="none" strike="noStrike" cap="none" normalizeH="0" baseline="0" dirty="0">
-                <a:ln>
-                  <a:noFill/>
-                </a:ln>
-                <a:solidFill>
-                  <a:srgbClr val="D9E6EB"/>
-                </a:solidFill>
-                <a:effectLst/>
-                <a:latin typeface="Arial" panose="020B0604020202020204" pitchFamily="34" charset="0"/>
-                <a:ea typeface="Punctuation SC"/>
-              </a:rPr>
-              <a:t> </a:t>
-            </a:r>
-          </a:p>
-          <a:p>
-            <a:pPr marL="0" marR="0" lvl="0" indent="0" algn="l" defTabSz="914400" rtl="0" eaLnBrk="0" fontAlgn="base" latinLnBrk="0" hangingPunct="0">
-              <a:lnSpc>
-                <a:spcPct val="100000"/>
-              </a:lnSpc>
-              <a:spcBef>
-                <a:spcPct val="0"/>
-              </a:spcBef>
-              <a:spcAft>
-                <a:spcPct val="0"/>
-              </a:spcAft>
-              <a:buClrTx/>
-              <a:buSzTx/>
-              <a:buFontTx/>
-              <a:buNone/>
-              <a:tabLst/>
-            </a:pPr>
-            <a:r>
-              <a:rPr kumimoji="0" lang="en-US" altLang="en-US" sz="1000" b="0" i="0" u="none" strike="noStrike" cap="none" normalizeH="0" baseline="0" dirty="0">
-                <a:ln>
-                  <a:noFill/>
-                </a:ln>
-                <a:solidFill>
-                  <a:srgbClr val="D9E6EB"/>
-                </a:solidFill>
-                <a:effectLst/>
-                <a:latin typeface="Arial Unicode MS"/>
-                <a:ea typeface="var(--vp-font-family-mono)"/>
-              </a:rPr>
-              <a:t>export const state = reactive({})</a:t>
-            </a:r>
-            <a:r>
-              <a:rPr kumimoji="0" lang="en-US" altLang="en-US" sz="1200" b="0" i="0" u="none" strike="noStrike" cap="none" normalizeH="0" baseline="0" dirty="0">
-                <a:ln>
-                  <a:noFill/>
-                </a:ln>
-                <a:solidFill>
-                  <a:srgbClr val="D9E6EB"/>
-                </a:solidFill>
-                <a:effectLst/>
-                <a:ea typeface="Punctuation SC"/>
-              </a:rPr>
-              <a:t> </a:t>
-            </a:r>
-          </a:p>
-          <a:p>
-            <a:pPr marL="0" marR="0" lvl="0" indent="0" algn="l" defTabSz="914400" rtl="0" eaLnBrk="0" fontAlgn="base" latinLnBrk="0" hangingPunct="0">
-              <a:lnSpc>
-                <a:spcPct val="100000"/>
-              </a:lnSpc>
-              <a:spcBef>
-                <a:spcPct val="0"/>
-              </a:spcBef>
-              <a:spcAft>
-                <a:spcPct val="0"/>
-              </a:spcAft>
-              <a:buClrTx/>
-              <a:buSzTx/>
-              <a:buFontTx/>
-              <a:buNone/>
-              <a:tabLst/>
-            </a:pPr>
-            <a:r>
-              <a:rPr kumimoji="0" lang="en-US" altLang="en-US" sz="1200" b="0" i="0" u="none" strike="noStrike" cap="none" normalizeH="0" baseline="0" dirty="0" err="1">
-                <a:ln>
-                  <a:noFill/>
-                </a:ln>
-                <a:solidFill>
-                  <a:srgbClr val="D9E6EB"/>
-                </a:solidFill>
-                <a:effectLst/>
-                <a:latin typeface="Arial" panose="020B0604020202020204" pitchFamily="34" charset="0"/>
-                <a:ea typeface="Punctuation SC"/>
-              </a:rPr>
-              <a:t>来共享一个全局状态</a:t>
-            </a:r>
-            <a:r>
-              <a:rPr kumimoji="0" lang="en-US" altLang="en-US" sz="1200" b="0" i="0" u="none" strike="noStrike" cap="none" normalizeH="0" baseline="0" dirty="0">
-                <a:ln>
-                  <a:noFill/>
-                </a:ln>
-                <a:solidFill>
-                  <a:srgbClr val="D9E6EB"/>
-                </a:solidFill>
-                <a:effectLst/>
-                <a:latin typeface="Arial" panose="020B0604020202020204" pitchFamily="34" charset="0"/>
-                <a:ea typeface="Punctuation SC"/>
-              </a:rPr>
-              <a:t>。</a:t>
-            </a:r>
-          </a:p>
-          <a:p>
-            <a:pPr marL="0" marR="0" lvl="0" indent="0" algn="l" defTabSz="914400" rtl="0" eaLnBrk="0" fontAlgn="base" latinLnBrk="0" hangingPunct="0">
-              <a:lnSpc>
-                <a:spcPct val="100000"/>
-              </a:lnSpc>
-              <a:spcBef>
-                <a:spcPct val="0"/>
-              </a:spcBef>
-              <a:spcAft>
-                <a:spcPct val="0"/>
-              </a:spcAft>
-              <a:buClrTx/>
-              <a:buSzTx/>
-              <a:buFontTx/>
-              <a:buNone/>
-              <a:tabLst/>
-            </a:pPr>
-            <a:r>
-              <a:rPr kumimoji="0" lang="en-US" altLang="en-US" sz="1200" b="0" i="0" u="none" strike="noStrike" cap="none" normalizeH="0" baseline="0" dirty="0" err="1">
-                <a:ln>
-                  <a:noFill/>
-                </a:ln>
-                <a:solidFill>
-                  <a:srgbClr val="D9E6EB"/>
-                </a:solidFill>
-                <a:effectLst/>
-                <a:latin typeface="Arial" panose="020B0604020202020204" pitchFamily="34" charset="0"/>
-                <a:ea typeface="Punctuation SC"/>
-              </a:rPr>
-              <a:t>对于单页应用来说确实可以，但如果应用在服务器端渲染，这可能会使你的应用暴露出一些</a:t>
-            </a:r>
-            <a:r>
-              <a:rPr kumimoji="0" lang="en-US" altLang="en-US" sz="1200" b="0" i="0" u="none" strike="noStrike" cap="none" normalizeH="0" baseline="0" dirty="0" err="1">
-                <a:ln>
-                  <a:noFill/>
-                </a:ln>
-                <a:solidFill>
-                  <a:srgbClr val="D9E6EB"/>
-                </a:solidFill>
-                <a:effectLst/>
-                <a:latin typeface="Arial" panose="020B0604020202020204" pitchFamily="34" charset="0"/>
-                <a:ea typeface="Punctuation SC"/>
-                <a:hlinkClick r:id="rId2"/>
-              </a:rPr>
-              <a:t>安全漏洞</a:t>
-            </a:r>
-            <a:r>
-              <a:rPr kumimoji="0" lang="en-US" altLang="en-US" sz="1200" b="0" i="0" u="none" strike="noStrike" cap="none" normalizeH="0" baseline="0" dirty="0">
-                <a:ln>
-                  <a:noFill/>
-                </a:ln>
-                <a:solidFill>
-                  <a:srgbClr val="D9E6EB"/>
-                </a:solidFill>
-                <a:effectLst/>
-                <a:latin typeface="Arial" panose="020B0604020202020204" pitchFamily="34" charset="0"/>
-                <a:ea typeface="Punctuation SC"/>
-              </a:rPr>
-              <a:t>。 </a:t>
-            </a:r>
-          </a:p>
-          <a:p>
-            <a:pPr marL="0" marR="0" lvl="0" indent="0" algn="l" defTabSz="914400" rtl="0" eaLnBrk="0" fontAlgn="base" latinLnBrk="0" hangingPunct="0">
-              <a:lnSpc>
-                <a:spcPct val="100000"/>
-              </a:lnSpc>
-              <a:spcBef>
-                <a:spcPct val="0"/>
-              </a:spcBef>
-              <a:spcAft>
-                <a:spcPct val="0"/>
-              </a:spcAft>
-              <a:buClrTx/>
-              <a:buSzTx/>
-              <a:buFontTx/>
-              <a:buNone/>
-              <a:tabLst/>
-            </a:pPr>
-            <a:r>
-              <a:rPr kumimoji="0" lang="en-US" altLang="en-US" sz="1200" b="0" i="0" u="none" strike="noStrike" cap="none" normalizeH="0" baseline="0" dirty="0" err="1">
-                <a:ln>
-                  <a:noFill/>
-                </a:ln>
-                <a:solidFill>
-                  <a:srgbClr val="D9E6EB"/>
-                </a:solidFill>
-                <a:effectLst/>
-                <a:latin typeface="Arial" panose="020B0604020202020204" pitchFamily="34" charset="0"/>
-                <a:ea typeface="Punctuation SC"/>
-              </a:rPr>
-              <a:t>而如果使用</a:t>
-            </a:r>
-            <a:r>
-              <a:rPr kumimoji="0" lang="en-US" altLang="en-US" sz="1200" b="0" i="0" u="none" strike="noStrike" cap="none" normalizeH="0" baseline="0" dirty="0">
-                <a:ln>
-                  <a:noFill/>
-                </a:ln>
-                <a:solidFill>
-                  <a:srgbClr val="D9E6EB"/>
-                </a:solidFill>
-                <a:effectLst/>
-                <a:latin typeface="Arial" panose="020B0604020202020204" pitchFamily="34" charset="0"/>
-                <a:ea typeface="Punctuation SC"/>
-              </a:rPr>
-              <a:t> </a:t>
-            </a:r>
-            <a:r>
-              <a:rPr kumimoji="0" lang="en-US" altLang="en-US" sz="1200" b="0" i="0" u="none" strike="noStrike" cap="none" normalizeH="0" baseline="0" dirty="0" err="1">
-                <a:ln>
-                  <a:noFill/>
-                </a:ln>
-                <a:solidFill>
-                  <a:srgbClr val="D9E6EB"/>
-                </a:solidFill>
-                <a:effectLst/>
-                <a:latin typeface="Arial" panose="020B0604020202020204" pitchFamily="34" charset="0"/>
-                <a:ea typeface="Punctuation SC"/>
-              </a:rPr>
-              <a:t>Pinia，即使在小型单页应用中，你也可以获得如下功能</a:t>
-            </a:r>
-            <a:r>
-              <a:rPr kumimoji="0" lang="en-US" altLang="en-US" sz="1200" b="0" i="0" u="none" strike="noStrike" cap="none" normalizeH="0" baseline="0" dirty="0">
-                <a:ln>
-                  <a:noFill/>
-                </a:ln>
-                <a:solidFill>
-                  <a:srgbClr val="D9E6EB"/>
-                </a:solidFill>
-                <a:effectLst/>
-                <a:latin typeface="Arial" panose="020B0604020202020204" pitchFamily="34" charset="0"/>
-                <a:ea typeface="Punctuation SC"/>
-              </a:rPr>
-              <a:t>：</a:t>
-            </a:r>
-            <a:endParaRPr kumimoji="0" lang="en-US" altLang="en-US" sz="800" b="0" i="0" u="none" strike="noStrike" cap="none" normalizeH="0" baseline="0" dirty="0">
-              <a:ln>
-                <a:noFill/>
-              </a:ln>
-              <a:solidFill>
-                <a:schemeClr val="tx1"/>
-              </a:solidFill>
-              <a:effectLst/>
-              <a:latin typeface="Arial" panose="020B0604020202020204" pitchFamily="34" charset="0"/>
-            </a:endParaRPr>
-          </a:p>
-          <a:p>
-            <a:pPr marL="0" marR="0" lvl="0" indent="0" algn="l" defTabSz="914400" rtl="0" eaLnBrk="0" fontAlgn="base" latinLnBrk="0" hangingPunct="0">
-              <a:lnSpc>
-                <a:spcPct val="100000"/>
-              </a:lnSpc>
-              <a:spcBef>
-                <a:spcPct val="0"/>
-              </a:spcBef>
-              <a:spcAft>
-                <a:spcPct val="0"/>
-              </a:spcAft>
-              <a:buClrTx/>
-              <a:buSzTx/>
-              <a:buFontTx/>
-              <a:buChar char="•"/>
-              <a:tabLst/>
-            </a:pPr>
-            <a:endParaRPr kumimoji="0" lang="en-US" altLang="en-US" sz="1200" b="0" i="0" u="none" strike="noStrike" cap="none" normalizeH="0" baseline="0" dirty="0">
-              <a:ln>
-                <a:noFill/>
-              </a:ln>
-              <a:solidFill>
-                <a:srgbClr val="D9E6EB"/>
-              </a:solidFill>
-              <a:effectLst/>
-              <a:latin typeface="Arial" panose="020B0604020202020204" pitchFamily="34" charset="0"/>
-              <a:ea typeface="Punctuation SC"/>
-            </a:endParaRPr>
-          </a:p>
-          <a:p>
-            <a:pPr marL="0" marR="0" lvl="0" indent="0" algn="l" defTabSz="914400" rtl="0" eaLnBrk="0" fontAlgn="base" latinLnBrk="0" hangingPunct="0">
-              <a:lnSpc>
-                <a:spcPct val="100000"/>
-              </a:lnSpc>
-              <a:spcBef>
-                <a:spcPct val="0"/>
-              </a:spcBef>
-              <a:spcAft>
-                <a:spcPct val="0"/>
-              </a:spcAft>
-              <a:buClrTx/>
-              <a:buSzTx/>
-              <a:buFontTx/>
-              <a:buChar char="•"/>
-              <a:tabLst/>
-            </a:pPr>
-            <a:r>
-              <a:rPr kumimoji="0" lang="en-US" altLang="en-US" sz="1200" b="0" i="0" u="none" strike="noStrike" cap="none" normalizeH="0" baseline="0" dirty="0" err="1">
-                <a:ln>
-                  <a:noFill/>
-                </a:ln>
-                <a:solidFill>
-                  <a:srgbClr val="D9E6EB"/>
-                </a:solidFill>
-                <a:effectLst/>
-                <a:latin typeface="Arial" panose="020B0604020202020204" pitchFamily="34" charset="0"/>
-                <a:ea typeface="Punctuation SC"/>
-              </a:rPr>
-              <a:t>测试工具集</a:t>
-            </a:r>
-            <a:endParaRPr kumimoji="0" lang="en-US" altLang="en-US" sz="1200" b="0" i="0" u="none" strike="noStrike" cap="none" normalizeH="0" baseline="0" dirty="0">
-              <a:ln>
-                <a:noFill/>
-              </a:ln>
-              <a:solidFill>
-                <a:srgbClr val="D9E6EB"/>
-              </a:solidFill>
-              <a:effectLst/>
-              <a:latin typeface="Arial" panose="020B0604020202020204" pitchFamily="34" charset="0"/>
-              <a:ea typeface="Punctuation SC"/>
-            </a:endParaRPr>
-          </a:p>
-          <a:p>
-            <a:pPr marL="0" marR="0" lvl="0" indent="0" algn="l" defTabSz="914400" rtl="0" eaLnBrk="0" fontAlgn="base" latinLnBrk="0" hangingPunct="0">
-              <a:lnSpc>
-                <a:spcPct val="100000"/>
-              </a:lnSpc>
-              <a:spcBef>
-                <a:spcPct val="0"/>
-              </a:spcBef>
-              <a:spcAft>
-                <a:spcPct val="0"/>
-              </a:spcAft>
-              <a:buClrTx/>
-              <a:buSzTx/>
-              <a:buFontTx/>
-              <a:buChar char="•"/>
-              <a:tabLst/>
-            </a:pPr>
-            <a:r>
-              <a:rPr kumimoji="0" lang="en-US" altLang="en-US" sz="1200" b="0" i="0" u="none" strike="noStrike" cap="none" normalizeH="0" baseline="0" dirty="0" err="1">
-                <a:ln>
-                  <a:noFill/>
-                </a:ln>
-                <a:solidFill>
-                  <a:srgbClr val="D9E6EB"/>
-                </a:solidFill>
-                <a:effectLst/>
-                <a:latin typeface="Arial" panose="020B0604020202020204" pitchFamily="34" charset="0"/>
-                <a:ea typeface="Punctuation SC"/>
-              </a:rPr>
-              <a:t>插件：可通过插件扩展</a:t>
-            </a:r>
-            <a:r>
-              <a:rPr kumimoji="0" lang="en-US" altLang="en-US" sz="1200" b="0" i="0" u="none" strike="noStrike" cap="none" normalizeH="0" baseline="0" dirty="0">
-                <a:ln>
-                  <a:noFill/>
-                </a:ln>
-                <a:solidFill>
-                  <a:srgbClr val="D9E6EB"/>
-                </a:solidFill>
-                <a:effectLst/>
-                <a:latin typeface="Arial" panose="020B0604020202020204" pitchFamily="34" charset="0"/>
-                <a:ea typeface="Punctuation SC"/>
-              </a:rPr>
-              <a:t> </a:t>
-            </a:r>
-            <a:r>
-              <a:rPr kumimoji="0" lang="en-US" altLang="en-US" sz="1200" b="0" i="0" u="none" strike="noStrike" cap="none" normalizeH="0" baseline="0" dirty="0" err="1">
-                <a:ln>
-                  <a:noFill/>
-                </a:ln>
-                <a:solidFill>
-                  <a:srgbClr val="D9E6EB"/>
-                </a:solidFill>
-                <a:effectLst/>
-                <a:latin typeface="Arial" panose="020B0604020202020204" pitchFamily="34" charset="0"/>
-                <a:ea typeface="Punctuation SC"/>
-              </a:rPr>
-              <a:t>Pinia</a:t>
-            </a:r>
-            <a:r>
-              <a:rPr kumimoji="0" lang="en-US" altLang="en-US" sz="1200" b="0" i="0" u="none" strike="noStrike" cap="none" normalizeH="0" baseline="0" dirty="0">
-                <a:ln>
-                  <a:noFill/>
-                </a:ln>
-                <a:solidFill>
-                  <a:srgbClr val="D9E6EB"/>
-                </a:solidFill>
-                <a:effectLst/>
-                <a:latin typeface="Arial" panose="020B0604020202020204" pitchFamily="34" charset="0"/>
-                <a:ea typeface="Punctuation SC"/>
-              </a:rPr>
-              <a:t> </a:t>
-            </a:r>
-            <a:r>
-              <a:rPr kumimoji="0" lang="en-US" altLang="en-US" sz="1200" b="0" i="0" u="none" strike="noStrike" cap="none" normalizeH="0" baseline="0" dirty="0" err="1">
-                <a:ln>
-                  <a:noFill/>
-                </a:ln>
-                <a:solidFill>
-                  <a:srgbClr val="D9E6EB"/>
-                </a:solidFill>
-                <a:effectLst/>
-                <a:latin typeface="Arial" panose="020B0604020202020204" pitchFamily="34" charset="0"/>
-                <a:ea typeface="Punctuation SC"/>
-              </a:rPr>
-              <a:t>功能</a:t>
-            </a:r>
-            <a:endParaRPr kumimoji="0" lang="en-US" altLang="en-US" sz="1200" b="0" i="0" u="none" strike="noStrike" cap="none" normalizeH="0" baseline="0" dirty="0">
-              <a:ln>
-                <a:noFill/>
-              </a:ln>
-              <a:solidFill>
-                <a:srgbClr val="D9E6EB"/>
-              </a:solidFill>
-              <a:effectLst/>
-              <a:latin typeface="Arial" panose="020B0604020202020204" pitchFamily="34" charset="0"/>
-              <a:ea typeface="Punctuation SC"/>
-            </a:endParaRPr>
-          </a:p>
-          <a:p>
-            <a:pPr marL="0" marR="0" lvl="0" indent="0" algn="l" defTabSz="914400" rtl="0" eaLnBrk="0" fontAlgn="base" latinLnBrk="0" hangingPunct="0">
-              <a:lnSpc>
-                <a:spcPct val="100000"/>
-              </a:lnSpc>
-              <a:spcBef>
-                <a:spcPct val="0"/>
-              </a:spcBef>
-              <a:spcAft>
-                <a:spcPct val="0"/>
-              </a:spcAft>
-              <a:buClrTx/>
-              <a:buSzTx/>
-              <a:buFontTx/>
-              <a:buChar char="•"/>
-              <a:tabLst/>
-            </a:pPr>
-            <a:r>
-              <a:rPr kumimoji="0" lang="en-US" altLang="en-US" sz="1200" b="0" i="0" u="none" strike="noStrike" cap="none" normalizeH="0" baseline="0" dirty="0">
-                <a:ln>
-                  <a:noFill/>
-                </a:ln>
-                <a:solidFill>
-                  <a:srgbClr val="D9E6EB"/>
-                </a:solidFill>
-                <a:effectLst/>
-                <a:latin typeface="Arial" panose="020B0604020202020204" pitchFamily="34" charset="0"/>
-                <a:ea typeface="Punctuation SC"/>
-              </a:rPr>
-              <a:t>为 JS </a:t>
-            </a:r>
-            <a:r>
-              <a:rPr kumimoji="0" lang="en-US" altLang="en-US" sz="1200" b="0" i="0" u="none" strike="noStrike" cap="none" normalizeH="0" baseline="0" dirty="0" err="1">
-                <a:ln>
-                  <a:noFill/>
-                </a:ln>
-                <a:solidFill>
-                  <a:srgbClr val="D9E6EB"/>
-                </a:solidFill>
-                <a:effectLst/>
-                <a:latin typeface="Arial" panose="020B0604020202020204" pitchFamily="34" charset="0"/>
-                <a:ea typeface="Punctuation SC"/>
-              </a:rPr>
-              <a:t>开发者提供适当的</a:t>
-            </a:r>
-            <a:r>
-              <a:rPr kumimoji="0" lang="en-US" altLang="en-US" sz="1200" b="0" i="0" u="none" strike="noStrike" cap="none" normalizeH="0" baseline="0" dirty="0">
-                <a:ln>
-                  <a:noFill/>
-                </a:ln>
-                <a:solidFill>
-                  <a:srgbClr val="D9E6EB"/>
-                </a:solidFill>
-                <a:effectLst/>
-                <a:latin typeface="Arial" panose="020B0604020202020204" pitchFamily="34" charset="0"/>
-                <a:ea typeface="Punctuation SC"/>
-              </a:rPr>
-              <a:t> TypeScript </a:t>
-            </a:r>
-            <a:r>
-              <a:rPr kumimoji="0" lang="en-US" altLang="en-US" sz="1200" b="0" i="0" u="none" strike="noStrike" cap="none" normalizeH="0" baseline="0" dirty="0" err="1">
-                <a:ln>
-                  <a:noFill/>
-                </a:ln>
-                <a:solidFill>
-                  <a:srgbClr val="D9E6EB"/>
-                </a:solidFill>
-                <a:effectLst/>
-                <a:latin typeface="Arial" panose="020B0604020202020204" pitchFamily="34" charset="0"/>
-                <a:ea typeface="Punctuation SC"/>
-              </a:rPr>
-              <a:t>支持以及</a:t>
-            </a:r>
-            <a:r>
-              <a:rPr kumimoji="0" lang="en-US" altLang="en-US" sz="1200" b="1" i="0" u="none" strike="noStrike" cap="none" normalizeH="0" baseline="0" dirty="0" err="1">
-                <a:ln>
-                  <a:noFill/>
-                </a:ln>
-                <a:solidFill>
-                  <a:srgbClr val="D9E6EB"/>
-                </a:solidFill>
-                <a:effectLst/>
-                <a:latin typeface="Arial" panose="020B0604020202020204" pitchFamily="34" charset="0"/>
-                <a:ea typeface="Punctuation SC"/>
-              </a:rPr>
-              <a:t>自动补全</a:t>
-            </a:r>
-            <a:r>
-              <a:rPr kumimoji="0" lang="en-US" altLang="en-US" sz="1200" b="0" i="0" u="none" strike="noStrike" cap="none" normalizeH="0" baseline="0" dirty="0" err="1">
-                <a:ln>
-                  <a:noFill/>
-                </a:ln>
-                <a:solidFill>
-                  <a:srgbClr val="D9E6EB"/>
-                </a:solidFill>
-                <a:effectLst/>
-                <a:latin typeface="Arial" panose="020B0604020202020204" pitchFamily="34" charset="0"/>
-                <a:ea typeface="Punctuation SC"/>
-              </a:rPr>
-              <a:t>功能</a:t>
-            </a:r>
-            <a:r>
-              <a:rPr kumimoji="0" lang="en-US" altLang="en-US" sz="1200" b="0" i="0" u="none" strike="noStrike" cap="none" normalizeH="0" baseline="0" dirty="0">
-                <a:ln>
-                  <a:noFill/>
-                </a:ln>
-                <a:solidFill>
-                  <a:srgbClr val="D9E6EB"/>
-                </a:solidFill>
-                <a:effectLst/>
-                <a:latin typeface="Arial" panose="020B0604020202020204" pitchFamily="34" charset="0"/>
-                <a:ea typeface="Punctuation SC"/>
-              </a:rPr>
-              <a:t>。</a:t>
-            </a:r>
-          </a:p>
-          <a:p>
-            <a:pPr marL="0" marR="0" lvl="0" indent="0" algn="l" defTabSz="914400" rtl="0" eaLnBrk="0" fontAlgn="base" latinLnBrk="0" hangingPunct="0">
-              <a:lnSpc>
-                <a:spcPct val="100000"/>
-              </a:lnSpc>
-              <a:spcBef>
-                <a:spcPct val="0"/>
-              </a:spcBef>
-              <a:spcAft>
-                <a:spcPct val="0"/>
-              </a:spcAft>
-              <a:buClrTx/>
-              <a:buSzTx/>
-              <a:buFontTx/>
-              <a:buChar char="•"/>
-              <a:tabLst/>
-            </a:pPr>
-            <a:r>
-              <a:rPr kumimoji="0" lang="en-US" altLang="en-US" sz="1200" b="0" i="0" u="none" strike="noStrike" cap="none" normalizeH="0" baseline="0" dirty="0" err="1">
-                <a:ln>
-                  <a:noFill/>
-                </a:ln>
-                <a:solidFill>
-                  <a:srgbClr val="D9E6EB"/>
-                </a:solidFill>
-                <a:effectLst/>
-                <a:latin typeface="Arial" panose="020B0604020202020204" pitchFamily="34" charset="0"/>
-                <a:ea typeface="Punctuation SC"/>
-              </a:rPr>
-              <a:t>支持服务端渲染</a:t>
-            </a:r>
-            <a:endParaRPr kumimoji="0" lang="en-US" altLang="en-US" sz="1200" b="0" i="0" u="none" strike="noStrike" cap="none" normalizeH="0" baseline="0" dirty="0">
-              <a:ln>
-                <a:noFill/>
-              </a:ln>
-              <a:solidFill>
-                <a:srgbClr val="D9E6EB"/>
-              </a:solidFill>
-              <a:effectLst/>
-              <a:latin typeface="Arial" panose="020B0604020202020204" pitchFamily="34" charset="0"/>
-              <a:ea typeface="Punctuation SC"/>
-            </a:endParaRPr>
-          </a:p>
-          <a:p>
-            <a:pPr marL="0" marR="0" lvl="0" indent="0" algn="l" defTabSz="914400" rtl="0" eaLnBrk="0" fontAlgn="base" latinLnBrk="0" hangingPunct="0">
-              <a:lnSpc>
-                <a:spcPct val="100000"/>
-              </a:lnSpc>
-              <a:spcBef>
-                <a:spcPct val="0"/>
-              </a:spcBef>
-              <a:spcAft>
-                <a:spcPct val="0"/>
-              </a:spcAft>
-              <a:buClrTx/>
-              <a:buSzTx/>
-              <a:buFontTx/>
-              <a:buChar char="•"/>
-              <a:tabLst/>
-            </a:pPr>
-            <a:r>
-              <a:rPr kumimoji="0" lang="en-US" altLang="en-US" sz="1200" b="0" i="0" u="none" strike="noStrike" cap="none" normalizeH="0" baseline="0" dirty="0" err="1">
-                <a:ln>
-                  <a:noFill/>
-                </a:ln>
-                <a:solidFill>
-                  <a:srgbClr val="D9E6EB"/>
-                </a:solidFill>
-                <a:effectLst/>
-                <a:latin typeface="Arial" panose="020B0604020202020204" pitchFamily="34" charset="0"/>
-                <a:ea typeface="Punctuation SC"/>
-              </a:rPr>
-              <a:t>Devtools</a:t>
-            </a:r>
-            <a:r>
-              <a:rPr kumimoji="0" lang="en-US" altLang="en-US" sz="1200" b="0" i="0" u="none" strike="noStrike" cap="none" normalizeH="0" baseline="0" dirty="0">
-                <a:ln>
-                  <a:noFill/>
-                </a:ln>
-                <a:solidFill>
-                  <a:srgbClr val="D9E6EB"/>
-                </a:solidFill>
-                <a:effectLst/>
-                <a:latin typeface="Arial" panose="020B0604020202020204" pitchFamily="34" charset="0"/>
-                <a:ea typeface="Punctuation SC"/>
-              </a:rPr>
-              <a:t> </a:t>
-            </a:r>
-            <a:r>
-              <a:rPr kumimoji="0" lang="en-US" altLang="en-US" sz="1200" b="0" i="0" u="none" strike="noStrike" cap="none" normalizeH="0" baseline="0" dirty="0" err="1">
-                <a:ln>
-                  <a:noFill/>
-                </a:ln>
-                <a:solidFill>
-                  <a:srgbClr val="D9E6EB"/>
-                </a:solidFill>
-                <a:effectLst/>
-                <a:latin typeface="Arial" panose="020B0604020202020204" pitchFamily="34" charset="0"/>
-                <a:ea typeface="Punctuation SC"/>
-              </a:rPr>
-              <a:t>支持</a:t>
-            </a:r>
-            <a:endParaRPr kumimoji="0" lang="en-US" altLang="en-US" sz="1200" b="0" i="0" u="none" strike="noStrike" cap="none" normalizeH="0" baseline="0" dirty="0">
-              <a:ln>
-                <a:noFill/>
-              </a:ln>
-              <a:solidFill>
-                <a:srgbClr val="D9E6EB"/>
-              </a:solidFill>
-              <a:effectLst/>
-              <a:latin typeface="Arial" panose="020B0604020202020204" pitchFamily="34" charset="0"/>
-              <a:ea typeface="Punctuation SC"/>
-            </a:endParaRPr>
-          </a:p>
-          <a:p>
-            <a:pPr marL="457200" marR="0" lvl="1" indent="0" algn="l" defTabSz="914400" rtl="0" eaLnBrk="0" fontAlgn="base" latinLnBrk="0" hangingPunct="0">
-              <a:lnSpc>
-                <a:spcPct val="100000"/>
-              </a:lnSpc>
-              <a:spcBef>
-                <a:spcPct val="0"/>
-              </a:spcBef>
-              <a:spcAft>
-                <a:spcPct val="0"/>
-              </a:spcAft>
-              <a:buClrTx/>
-              <a:buSzTx/>
-              <a:buFontTx/>
-              <a:buChar char="•"/>
-              <a:tabLst/>
-            </a:pPr>
-            <a:r>
-              <a:rPr kumimoji="0" lang="en-US" altLang="en-US" sz="1200" b="0" i="0" u="none" strike="noStrike" cap="none" normalizeH="0" baseline="0" dirty="0" err="1">
-                <a:ln>
-                  <a:noFill/>
-                </a:ln>
-                <a:solidFill>
-                  <a:srgbClr val="D9E6EB"/>
-                </a:solidFill>
-                <a:effectLst/>
-                <a:latin typeface="Arial" panose="020B0604020202020204" pitchFamily="34" charset="0"/>
-                <a:ea typeface="Punctuation SC"/>
-              </a:rPr>
-              <a:t>追踪</a:t>
-            </a:r>
-            <a:r>
-              <a:rPr kumimoji="0" lang="en-US" altLang="en-US" sz="1200" b="0" i="0" u="none" strike="noStrike" cap="none" normalizeH="0" baseline="0" dirty="0">
-                <a:ln>
-                  <a:noFill/>
-                </a:ln>
-                <a:solidFill>
-                  <a:srgbClr val="D9E6EB"/>
-                </a:solidFill>
-                <a:effectLst/>
-                <a:latin typeface="Arial" panose="020B0604020202020204" pitchFamily="34" charset="0"/>
-                <a:ea typeface="Punctuation SC"/>
-              </a:rPr>
-              <a:t> </a:t>
-            </a:r>
-            <a:r>
-              <a:rPr kumimoji="0" lang="en-US" altLang="en-US" sz="1200" b="0" i="0" u="none" strike="noStrike" cap="none" normalizeH="0" baseline="0" dirty="0" err="1">
-                <a:ln>
-                  <a:noFill/>
-                </a:ln>
-                <a:solidFill>
-                  <a:srgbClr val="D9E6EB"/>
-                </a:solidFill>
-                <a:effectLst/>
-                <a:latin typeface="Arial" panose="020B0604020202020204" pitchFamily="34" charset="0"/>
-                <a:ea typeface="Punctuation SC"/>
-              </a:rPr>
-              <a:t>actions、mutations</a:t>
-            </a:r>
-            <a:r>
-              <a:rPr kumimoji="0" lang="en-US" altLang="en-US" sz="1200" b="0" i="0" u="none" strike="noStrike" cap="none" normalizeH="0" baseline="0" dirty="0">
-                <a:ln>
-                  <a:noFill/>
-                </a:ln>
-                <a:solidFill>
-                  <a:srgbClr val="D9E6EB"/>
-                </a:solidFill>
-                <a:effectLst/>
-                <a:latin typeface="Arial" panose="020B0604020202020204" pitchFamily="34" charset="0"/>
-                <a:ea typeface="Punctuation SC"/>
-              </a:rPr>
-              <a:t> </a:t>
-            </a:r>
-            <a:r>
-              <a:rPr kumimoji="0" lang="en-US" altLang="en-US" sz="1200" b="0" i="0" u="none" strike="noStrike" cap="none" normalizeH="0" baseline="0" dirty="0" err="1">
-                <a:ln>
-                  <a:noFill/>
-                </a:ln>
-                <a:solidFill>
-                  <a:srgbClr val="D9E6EB"/>
-                </a:solidFill>
-                <a:effectLst/>
-                <a:latin typeface="Arial" panose="020B0604020202020204" pitchFamily="34" charset="0"/>
-                <a:ea typeface="Punctuation SC"/>
-              </a:rPr>
-              <a:t>的时间线</a:t>
-            </a:r>
-            <a:endParaRPr kumimoji="0" lang="en-US" altLang="en-US" sz="1200" b="0" i="0" u="none" strike="noStrike" cap="none" normalizeH="0" baseline="0" dirty="0">
-              <a:ln>
-                <a:noFill/>
-              </a:ln>
-              <a:solidFill>
-                <a:srgbClr val="D9E6EB"/>
-              </a:solidFill>
-              <a:effectLst/>
-              <a:latin typeface="Arial" panose="020B0604020202020204" pitchFamily="34" charset="0"/>
-              <a:ea typeface="Punctuation SC"/>
-            </a:endParaRPr>
-          </a:p>
-          <a:p>
-            <a:pPr marL="457200" marR="0" lvl="1" indent="0" algn="l" defTabSz="914400" rtl="0" eaLnBrk="0" fontAlgn="base" latinLnBrk="0" hangingPunct="0">
-              <a:lnSpc>
-                <a:spcPct val="100000"/>
-              </a:lnSpc>
-              <a:spcBef>
-                <a:spcPct val="0"/>
-              </a:spcBef>
-              <a:spcAft>
-                <a:spcPct val="0"/>
-              </a:spcAft>
-              <a:buClrTx/>
-              <a:buSzTx/>
-              <a:buFontTx/>
-              <a:buChar char="•"/>
-              <a:tabLst/>
-            </a:pPr>
-            <a:r>
-              <a:rPr kumimoji="0" lang="en-US" altLang="en-US" sz="1200" b="0" i="0" u="none" strike="noStrike" cap="none" normalizeH="0" baseline="0" dirty="0" err="1">
-                <a:ln>
-                  <a:noFill/>
-                </a:ln>
-                <a:solidFill>
-                  <a:srgbClr val="D9E6EB"/>
-                </a:solidFill>
-                <a:effectLst/>
-                <a:latin typeface="Arial" panose="020B0604020202020204" pitchFamily="34" charset="0"/>
-                <a:ea typeface="Punctuation SC"/>
-              </a:rPr>
-              <a:t>在组件中展示它们所用到的</a:t>
-            </a:r>
-            <a:r>
-              <a:rPr kumimoji="0" lang="en-US" altLang="en-US" sz="1200" b="0" i="0" u="none" strike="noStrike" cap="none" normalizeH="0" baseline="0" dirty="0">
-                <a:ln>
-                  <a:noFill/>
-                </a:ln>
-                <a:solidFill>
-                  <a:srgbClr val="D9E6EB"/>
-                </a:solidFill>
-                <a:effectLst/>
-                <a:latin typeface="Arial" panose="020B0604020202020204" pitchFamily="34" charset="0"/>
-                <a:ea typeface="Punctuation SC"/>
-              </a:rPr>
-              <a:t> Store</a:t>
-            </a:r>
-          </a:p>
-          <a:p>
-            <a:pPr marL="457200" marR="0" lvl="1" indent="0" algn="l" defTabSz="914400" rtl="0" eaLnBrk="0" fontAlgn="base" latinLnBrk="0" hangingPunct="0">
-              <a:lnSpc>
-                <a:spcPct val="100000"/>
-              </a:lnSpc>
-              <a:spcBef>
-                <a:spcPct val="0"/>
-              </a:spcBef>
-              <a:spcAft>
-                <a:spcPct val="0"/>
-              </a:spcAft>
-              <a:buClrTx/>
-              <a:buSzTx/>
-              <a:buFontTx/>
-              <a:buChar char="•"/>
-              <a:tabLst/>
-            </a:pPr>
-            <a:r>
-              <a:rPr kumimoji="0" lang="en-US" altLang="en-US" sz="1200" b="0" i="0" u="none" strike="noStrike" cap="none" normalizeH="0" baseline="0" dirty="0" err="1">
-                <a:ln>
-                  <a:noFill/>
-                </a:ln>
-                <a:solidFill>
-                  <a:srgbClr val="D9E6EB"/>
-                </a:solidFill>
-                <a:effectLst/>
-                <a:latin typeface="Arial" panose="020B0604020202020204" pitchFamily="34" charset="0"/>
-                <a:ea typeface="Punctuation SC"/>
-              </a:rPr>
-              <a:t>让调试更容易的</a:t>
-            </a:r>
-            <a:r>
-              <a:rPr kumimoji="0" lang="en-US" altLang="en-US" sz="1200" b="0" i="0" u="none" strike="noStrike" cap="none" normalizeH="0" baseline="0" dirty="0">
-                <a:ln>
-                  <a:noFill/>
-                </a:ln>
-                <a:solidFill>
-                  <a:srgbClr val="D9E6EB"/>
-                </a:solidFill>
-                <a:effectLst/>
-                <a:latin typeface="Arial" panose="020B0604020202020204" pitchFamily="34" charset="0"/>
-                <a:ea typeface="Punctuation SC"/>
-              </a:rPr>
-              <a:t> Time travel</a:t>
-            </a:r>
-          </a:p>
-          <a:p>
-            <a:pPr marL="0" marR="0" lvl="0" indent="0" algn="l" defTabSz="914400" rtl="0" eaLnBrk="0" fontAlgn="base" latinLnBrk="0" hangingPunct="0">
-              <a:lnSpc>
-                <a:spcPct val="100000"/>
-              </a:lnSpc>
-              <a:spcBef>
-                <a:spcPct val="0"/>
-              </a:spcBef>
-              <a:spcAft>
-                <a:spcPct val="0"/>
-              </a:spcAft>
-              <a:buClrTx/>
-              <a:buSzTx/>
-              <a:buFontTx/>
-              <a:buChar char="•"/>
-              <a:tabLst/>
-            </a:pPr>
-            <a:r>
-              <a:rPr kumimoji="0" lang="en-US" altLang="en-US" sz="1200" b="0" i="0" u="none" strike="noStrike" cap="none" normalizeH="0" baseline="0" dirty="0" err="1">
-                <a:ln>
-                  <a:noFill/>
-                </a:ln>
-                <a:solidFill>
-                  <a:srgbClr val="D9E6EB"/>
-                </a:solidFill>
-                <a:effectLst/>
-                <a:latin typeface="Arial" panose="020B0604020202020204" pitchFamily="34" charset="0"/>
-                <a:ea typeface="Punctuation SC"/>
-              </a:rPr>
-              <a:t>热更新</a:t>
-            </a:r>
-            <a:endParaRPr kumimoji="0" lang="en-US" altLang="en-US" sz="1200" b="0" i="0" u="none" strike="noStrike" cap="none" normalizeH="0" baseline="0" dirty="0">
-              <a:ln>
-                <a:noFill/>
-              </a:ln>
-              <a:solidFill>
-                <a:srgbClr val="D9E6EB"/>
-              </a:solidFill>
-              <a:effectLst/>
-              <a:latin typeface="Arial" panose="020B0604020202020204" pitchFamily="34" charset="0"/>
-              <a:ea typeface="Punctuation SC"/>
-            </a:endParaRPr>
-          </a:p>
-          <a:p>
-            <a:pPr marL="457200" marR="0" lvl="1" indent="0" algn="l" defTabSz="914400" rtl="0" eaLnBrk="0" fontAlgn="base" latinLnBrk="0" hangingPunct="0">
-              <a:lnSpc>
-                <a:spcPct val="100000"/>
-              </a:lnSpc>
-              <a:spcBef>
-                <a:spcPct val="0"/>
-              </a:spcBef>
-              <a:spcAft>
-                <a:spcPct val="0"/>
-              </a:spcAft>
-              <a:buClrTx/>
-              <a:buSzTx/>
-              <a:buFontTx/>
-              <a:buChar char="•"/>
-              <a:tabLst/>
-            </a:pPr>
-            <a:r>
-              <a:rPr kumimoji="0" lang="en-US" altLang="en-US" sz="1200" b="0" i="0" u="none" strike="noStrike" cap="none" normalizeH="0" baseline="0" dirty="0" err="1">
-                <a:ln>
-                  <a:noFill/>
-                </a:ln>
-                <a:solidFill>
-                  <a:srgbClr val="D9E6EB"/>
-                </a:solidFill>
-                <a:effectLst/>
-                <a:latin typeface="Arial" panose="020B0604020202020204" pitchFamily="34" charset="0"/>
-                <a:ea typeface="Punctuation SC"/>
-              </a:rPr>
-              <a:t>不必重载页面即可修改</a:t>
-            </a:r>
-            <a:r>
-              <a:rPr kumimoji="0" lang="en-US" altLang="en-US" sz="1200" b="0" i="0" u="none" strike="noStrike" cap="none" normalizeH="0" baseline="0" dirty="0">
-                <a:ln>
-                  <a:noFill/>
-                </a:ln>
-                <a:solidFill>
-                  <a:srgbClr val="D9E6EB"/>
-                </a:solidFill>
-                <a:effectLst/>
-                <a:latin typeface="Arial" panose="020B0604020202020204" pitchFamily="34" charset="0"/>
-                <a:ea typeface="Punctuation SC"/>
-              </a:rPr>
-              <a:t> Store</a:t>
-            </a:r>
-          </a:p>
-          <a:p>
-            <a:pPr marL="457200" marR="0" lvl="1" indent="0" algn="l" defTabSz="914400" rtl="0" eaLnBrk="0" fontAlgn="base" latinLnBrk="0" hangingPunct="0">
-              <a:lnSpc>
-                <a:spcPct val="100000"/>
-              </a:lnSpc>
-              <a:spcBef>
-                <a:spcPct val="0"/>
-              </a:spcBef>
-              <a:spcAft>
-                <a:spcPct val="0"/>
-              </a:spcAft>
-              <a:buClrTx/>
-              <a:buSzTx/>
-              <a:buFontTx/>
-              <a:buChar char="•"/>
-              <a:tabLst/>
-            </a:pPr>
-            <a:r>
-              <a:rPr kumimoji="0" lang="en-US" altLang="en-US" sz="1200" b="0" i="0" u="none" strike="noStrike" cap="none" normalizeH="0" baseline="0" dirty="0" err="1">
-                <a:ln>
-                  <a:noFill/>
-                </a:ln>
-                <a:solidFill>
-                  <a:srgbClr val="D9E6EB"/>
-                </a:solidFill>
-                <a:effectLst/>
-                <a:latin typeface="Arial" panose="020B0604020202020204" pitchFamily="34" charset="0"/>
-                <a:ea typeface="Punctuation SC"/>
-              </a:rPr>
-              <a:t>开发时可保持当前的</a:t>
-            </a:r>
-            <a:r>
-              <a:rPr kumimoji="0" lang="en-US" altLang="en-US" sz="1200" b="0" i="0" u="none" strike="noStrike" cap="none" normalizeH="0" baseline="0" dirty="0">
-                <a:ln>
-                  <a:noFill/>
-                </a:ln>
-                <a:solidFill>
-                  <a:srgbClr val="D9E6EB"/>
-                </a:solidFill>
-                <a:effectLst/>
-                <a:latin typeface="Arial" panose="020B0604020202020204" pitchFamily="34" charset="0"/>
-                <a:ea typeface="Punctuation SC"/>
-              </a:rPr>
-              <a:t> State</a:t>
-            </a:r>
-          </a:p>
           <a:p>
             <a:pPr marL="0" marR="0" lvl="0" indent="0" algn="l" defTabSz="914400" rtl="0" eaLnBrk="0" fontAlgn="base" latinLnBrk="0" hangingPunct="0">
               <a:lnSpc>
@@ -9776,10 +8919,1211 @@
           </a:p>
         </p:txBody>
       </p:sp>
+      <p:sp>
+        <p:nvSpPr>
+          <p:cNvPr id="6" name="TextBox 5">
+            <a:extLst>
+              <a:ext uri="{FF2B5EF4-FFF2-40B4-BE49-F238E27FC236}">
+                <a16:creationId xmlns:a16="http://schemas.microsoft.com/office/drawing/2014/main" id="{3650F11B-FA22-30BF-DAB5-DDF29E994C16}"/>
+              </a:ext>
+            </a:extLst>
+          </p:cNvPr>
+          <p:cNvSpPr txBox="1"/>
+          <p:nvPr/>
+        </p:nvSpPr>
+        <p:spPr>
+          <a:xfrm>
+            <a:off x="0" y="959472"/>
+            <a:ext cx="2986206" cy="4708981"/>
+          </a:xfrm>
+          <a:prstGeom prst="rect">
+            <a:avLst/>
+          </a:prstGeom>
+          <a:noFill/>
+        </p:spPr>
+        <p:txBody>
+          <a:bodyPr wrap="square" rtlCol="0">
+            <a:spAutoFit/>
+          </a:bodyPr>
+          <a:lstStyle/>
+          <a:p>
+            <a:pPr marL="0" marR="0" lvl="0" indent="0" algn="l" defTabSz="914400" rtl="0" eaLnBrk="0" fontAlgn="base" latinLnBrk="0" hangingPunct="0">
+              <a:lnSpc>
+                <a:spcPct val="100000"/>
+              </a:lnSpc>
+              <a:spcBef>
+                <a:spcPct val="0"/>
+              </a:spcBef>
+              <a:spcAft>
+                <a:spcPct val="0"/>
+              </a:spcAft>
+              <a:buClrTx/>
+              <a:buSzTx/>
+              <a:buFontTx/>
+              <a:buNone/>
+              <a:tabLst/>
+              <a:defRPr/>
+            </a:pPr>
+            <a:r>
+              <a:rPr kumimoji="0" lang="en-US" altLang="en-US" sz="1200" b="0" i="0" u="none" strike="noStrike" kern="1200" cap="none" spc="0" normalizeH="0" baseline="0" noProof="0" dirty="0">
+                <a:ln>
+                  <a:noFill/>
+                </a:ln>
+                <a:effectLst/>
+                <a:uLnTx/>
+                <a:uFillTx/>
+                <a:latin typeface="Arial" panose="020B0604020202020204" pitchFamily="34" charset="0"/>
+                <a:ea typeface="Punctuation SC"/>
+                <a:cs typeface="+mn-cs"/>
+              </a:rPr>
+              <a:t>是 Vue </a:t>
+            </a:r>
+            <a:r>
+              <a:rPr kumimoji="0" lang="en-US" altLang="en-US" sz="1200" b="0" i="0" u="none" strike="noStrike" kern="1200" cap="none" spc="0" normalizeH="0" baseline="0" noProof="0" dirty="0" err="1">
+                <a:ln>
+                  <a:noFill/>
+                </a:ln>
+                <a:effectLst/>
+                <a:uLnTx/>
+                <a:uFillTx/>
+                <a:latin typeface="Arial" panose="020B0604020202020204" pitchFamily="34" charset="0"/>
+                <a:ea typeface="Punctuation SC"/>
+                <a:cs typeface="+mn-cs"/>
+              </a:rPr>
+              <a:t>的专属状态管理库，它允许你跨组件或页面共享状态</a:t>
+            </a:r>
+            <a:r>
+              <a:rPr kumimoji="0" lang="en-US" altLang="en-US" sz="1200" b="0" i="0" u="none" strike="noStrike" kern="1200" cap="none" spc="0" normalizeH="0" baseline="0" noProof="0" dirty="0">
+                <a:ln>
+                  <a:noFill/>
+                </a:ln>
+                <a:effectLst/>
+                <a:uLnTx/>
+                <a:uFillTx/>
+                <a:latin typeface="Arial" panose="020B0604020202020204" pitchFamily="34" charset="0"/>
+                <a:ea typeface="Punctuation SC"/>
+                <a:cs typeface="+mn-cs"/>
+              </a:rPr>
+              <a:t>。</a:t>
+            </a:r>
+          </a:p>
+          <a:p>
+            <a:pPr marL="0" marR="0" lvl="0" indent="0" algn="l" defTabSz="914400" rtl="0" eaLnBrk="0" fontAlgn="base" latinLnBrk="0" hangingPunct="0">
+              <a:lnSpc>
+                <a:spcPct val="100000"/>
+              </a:lnSpc>
+              <a:spcBef>
+                <a:spcPct val="0"/>
+              </a:spcBef>
+              <a:spcAft>
+                <a:spcPct val="0"/>
+              </a:spcAft>
+              <a:buClrTx/>
+              <a:buSzTx/>
+              <a:buFontTx/>
+              <a:buNone/>
+              <a:tabLst/>
+              <a:defRPr/>
+            </a:pPr>
+            <a:r>
+              <a:rPr kumimoji="0" lang="en-US" altLang="en-US" sz="1200" b="0" i="0" u="none" strike="noStrike" kern="1200" cap="none" spc="0" normalizeH="0" baseline="0" noProof="0" dirty="0" err="1">
+                <a:ln>
+                  <a:noFill/>
+                </a:ln>
+                <a:effectLst/>
+                <a:uLnTx/>
+                <a:uFillTx/>
+                <a:latin typeface="Arial" panose="020B0604020202020204" pitchFamily="34" charset="0"/>
+                <a:ea typeface="Punctuation SC"/>
+                <a:cs typeface="+mn-cs"/>
+              </a:rPr>
+              <a:t>如果你熟悉组合式</a:t>
+            </a:r>
+            <a:r>
+              <a:rPr kumimoji="0" lang="en-US" altLang="en-US" sz="1200" b="0" i="0" u="none" strike="noStrike" kern="1200" cap="none" spc="0" normalizeH="0" baseline="0" noProof="0" dirty="0">
+                <a:ln>
+                  <a:noFill/>
+                </a:ln>
+                <a:effectLst/>
+                <a:uLnTx/>
+                <a:uFillTx/>
+                <a:latin typeface="Arial" panose="020B0604020202020204" pitchFamily="34" charset="0"/>
+                <a:ea typeface="Punctuation SC"/>
+                <a:cs typeface="+mn-cs"/>
+              </a:rPr>
+              <a:t> API </a:t>
+            </a:r>
+            <a:r>
+              <a:rPr kumimoji="0" lang="en-US" altLang="en-US" sz="1200" b="0" i="0" u="none" strike="noStrike" kern="1200" cap="none" spc="0" normalizeH="0" baseline="0" noProof="0" dirty="0" err="1">
+                <a:ln>
+                  <a:noFill/>
+                </a:ln>
+                <a:effectLst/>
+                <a:uLnTx/>
+                <a:uFillTx/>
+                <a:latin typeface="Arial" panose="020B0604020202020204" pitchFamily="34" charset="0"/>
+                <a:ea typeface="Punctuation SC"/>
+                <a:cs typeface="+mn-cs"/>
+              </a:rPr>
+              <a:t>的话，你可能会认为可以通过一行简单的</a:t>
+            </a:r>
+            <a:r>
+              <a:rPr kumimoji="0" lang="en-US" altLang="en-US" sz="1200" b="0" i="0" u="none" strike="noStrike" kern="1200" cap="none" spc="0" normalizeH="0" baseline="0" noProof="0" dirty="0">
+                <a:ln>
+                  <a:noFill/>
+                </a:ln>
+                <a:effectLst/>
+                <a:uLnTx/>
+                <a:uFillTx/>
+                <a:latin typeface="Arial" panose="020B0604020202020204" pitchFamily="34" charset="0"/>
+                <a:ea typeface="Punctuation SC"/>
+                <a:cs typeface="+mn-cs"/>
+              </a:rPr>
+              <a:t> </a:t>
+            </a:r>
+          </a:p>
+          <a:p>
+            <a:pPr marL="0" marR="0" lvl="0" indent="0" algn="l" defTabSz="914400" rtl="0" eaLnBrk="0" fontAlgn="base" latinLnBrk="0" hangingPunct="0">
+              <a:lnSpc>
+                <a:spcPct val="100000"/>
+              </a:lnSpc>
+              <a:spcBef>
+                <a:spcPct val="0"/>
+              </a:spcBef>
+              <a:spcAft>
+                <a:spcPct val="0"/>
+              </a:spcAft>
+              <a:buClrTx/>
+              <a:buSzTx/>
+              <a:buFontTx/>
+              <a:buNone/>
+              <a:tabLst/>
+              <a:defRPr/>
+            </a:pPr>
+            <a:r>
+              <a:rPr kumimoji="0" lang="en-US" altLang="en-US" sz="1000" b="0" i="0" u="none" strike="noStrike" kern="1200" cap="none" spc="0" normalizeH="0" baseline="0" noProof="0" dirty="0">
+                <a:ln>
+                  <a:noFill/>
+                </a:ln>
+                <a:effectLst/>
+                <a:uLnTx/>
+                <a:uFillTx/>
+                <a:latin typeface="Arial Unicode MS"/>
+                <a:ea typeface="var(--vp-font-family-mono)"/>
+                <a:cs typeface="+mn-cs"/>
+              </a:rPr>
+              <a:t>export const state = reactive({})</a:t>
+            </a:r>
+            <a:r>
+              <a:rPr kumimoji="0" lang="en-US" altLang="en-US" sz="1200" b="0" i="0" u="none" strike="noStrike" kern="1200" cap="none" spc="0" normalizeH="0" baseline="0" noProof="0" dirty="0">
+                <a:ln>
+                  <a:noFill/>
+                </a:ln>
+                <a:effectLst/>
+                <a:uLnTx/>
+                <a:uFillTx/>
+                <a:latin typeface="Calibri" panose="020F0502020204030204"/>
+                <a:ea typeface="Punctuation SC"/>
+                <a:cs typeface="+mn-cs"/>
+              </a:rPr>
+              <a:t> </a:t>
+            </a:r>
+          </a:p>
+          <a:p>
+            <a:pPr marL="0" marR="0" lvl="0" indent="0" algn="l" defTabSz="914400" rtl="0" eaLnBrk="0" fontAlgn="base" latinLnBrk="0" hangingPunct="0">
+              <a:lnSpc>
+                <a:spcPct val="100000"/>
+              </a:lnSpc>
+              <a:spcBef>
+                <a:spcPct val="0"/>
+              </a:spcBef>
+              <a:spcAft>
+                <a:spcPct val="0"/>
+              </a:spcAft>
+              <a:buClrTx/>
+              <a:buSzTx/>
+              <a:buFontTx/>
+              <a:buNone/>
+              <a:tabLst/>
+              <a:defRPr/>
+            </a:pPr>
+            <a:r>
+              <a:rPr kumimoji="0" lang="en-US" altLang="en-US" sz="1200" b="0" i="0" u="none" strike="noStrike" kern="1200" cap="none" spc="0" normalizeH="0" baseline="0" noProof="0" dirty="0" err="1">
+                <a:ln>
+                  <a:noFill/>
+                </a:ln>
+                <a:effectLst/>
+                <a:uLnTx/>
+                <a:uFillTx/>
+                <a:latin typeface="Arial" panose="020B0604020202020204" pitchFamily="34" charset="0"/>
+                <a:ea typeface="Punctuation SC"/>
+                <a:cs typeface="+mn-cs"/>
+              </a:rPr>
+              <a:t>来共享一个全局状态</a:t>
+            </a:r>
+            <a:r>
+              <a:rPr kumimoji="0" lang="en-US" altLang="en-US" sz="1200" b="0" i="0" u="none" strike="noStrike" kern="1200" cap="none" spc="0" normalizeH="0" baseline="0" noProof="0" dirty="0">
+                <a:ln>
+                  <a:noFill/>
+                </a:ln>
+                <a:effectLst/>
+                <a:uLnTx/>
+                <a:uFillTx/>
+                <a:latin typeface="Arial" panose="020B0604020202020204" pitchFamily="34" charset="0"/>
+                <a:ea typeface="Punctuation SC"/>
+                <a:cs typeface="+mn-cs"/>
+              </a:rPr>
+              <a:t>。</a:t>
+            </a:r>
+          </a:p>
+          <a:p>
+            <a:pPr marL="0" marR="0" lvl="0" indent="0" algn="l" defTabSz="914400" rtl="0" eaLnBrk="0" fontAlgn="base" latinLnBrk="0" hangingPunct="0">
+              <a:lnSpc>
+                <a:spcPct val="100000"/>
+              </a:lnSpc>
+              <a:spcBef>
+                <a:spcPct val="0"/>
+              </a:spcBef>
+              <a:spcAft>
+                <a:spcPct val="0"/>
+              </a:spcAft>
+              <a:buClrTx/>
+              <a:buSzTx/>
+              <a:buFontTx/>
+              <a:buNone/>
+              <a:tabLst/>
+              <a:defRPr/>
+            </a:pPr>
+            <a:r>
+              <a:rPr kumimoji="0" lang="en-US" altLang="en-US" sz="1200" b="0" i="0" u="none" strike="noStrike" kern="1200" cap="none" spc="0" normalizeH="0" baseline="0" noProof="0" dirty="0" err="1">
+                <a:ln>
+                  <a:noFill/>
+                </a:ln>
+                <a:effectLst/>
+                <a:uLnTx/>
+                <a:uFillTx/>
+                <a:latin typeface="Arial" panose="020B0604020202020204" pitchFamily="34" charset="0"/>
+                <a:ea typeface="Punctuation SC"/>
+                <a:cs typeface="+mn-cs"/>
+              </a:rPr>
+              <a:t>对于单页应用来说确实可以，但如果应用在服务器端渲染，这可能会使你的应用暴露出一些</a:t>
+            </a:r>
+            <a:r>
+              <a:rPr kumimoji="0" lang="en-US" altLang="en-US" sz="1200" b="0" i="0" u="none" strike="noStrike" kern="1200" cap="none" spc="0" normalizeH="0" baseline="0" noProof="0" dirty="0" err="1">
+                <a:ln>
+                  <a:noFill/>
+                </a:ln>
+                <a:effectLst/>
+                <a:uLnTx/>
+                <a:uFillTx/>
+                <a:latin typeface="Arial" panose="020B0604020202020204" pitchFamily="34" charset="0"/>
+                <a:ea typeface="Punctuation SC"/>
+                <a:cs typeface="+mn-cs"/>
+                <a:hlinkClick r:id="rId2">
+                  <a:extLst>
+                    <a:ext uri="{A12FA001-AC4F-418D-AE19-62706E023703}">
+                      <ahyp:hlinkClr xmlns:ahyp="http://schemas.microsoft.com/office/drawing/2018/hyperlinkcolor" val="tx"/>
+                    </a:ext>
+                  </a:extLst>
+                </a:hlinkClick>
+              </a:rPr>
+              <a:t>安全漏洞</a:t>
+            </a:r>
+            <a:r>
+              <a:rPr kumimoji="0" lang="en-US" altLang="en-US" sz="1200" b="0" i="0" u="none" strike="noStrike" kern="1200" cap="none" spc="0" normalizeH="0" baseline="0" noProof="0" dirty="0">
+                <a:ln>
+                  <a:noFill/>
+                </a:ln>
+                <a:effectLst/>
+                <a:uLnTx/>
+                <a:uFillTx/>
+                <a:latin typeface="Arial" panose="020B0604020202020204" pitchFamily="34" charset="0"/>
+                <a:ea typeface="Punctuation SC"/>
+                <a:cs typeface="+mn-cs"/>
+              </a:rPr>
+              <a:t>。 </a:t>
+            </a:r>
+          </a:p>
+          <a:p>
+            <a:pPr marL="0" marR="0" lvl="0" indent="0" algn="l" defTabSz="914400" rtl="0" eaLnBrk="0" fontAlgn="base" latinLnBrk="0" hangingPunct="0">
+              <a:lnSpc>
+                <a:spcPct val="100000"/>
+              </a:lnSpc>
+              <a:spcBef>
+                <a:spcPct val="0"/>
+              </a:spcBef>
+              <a:spcAft>
+                <a:spcPct val="0"/>
+              </a:spcAft>
+              <a:buClrTx/>
+              <a:buSzTx/>
+              <a:buFontTx/>
+              <a:buNone/>
+              <a:tabLst/>
+              <a:defRPr/>
+            </a:pPr>
+            <a:r>
+              <a:rPr kumimoji="0" lang="en-US" altLang="en-US" sz="1200" b="0" i="0" u="none" strike="noStrike" kern="1200" cap="none" spc="0" normalizeH="0" baseline="0" noProof="0" dirty="0" err="1">
+                <a:ln>
+                  <a:noFill/>
+                </a:ln>
+                <a:effectLst/>
+                <a:uLnTx/>
+                <a:uFillTx/>
+                <a:latin typeface="Arial" panose="020B0604020202020204" pitchFamily="34" charset="0"/>
+                <a:ea typeface="Punctuation SC"/>
+                <a:cs typeface="+mn-cs"/>
+              </a:rPr>
+              <a:t>而如果使用</a:t>
+            </a:r>
+            <a:r>
+              <a:rPr kumimoji="0" lang="en-US" altLang="en-US" sz="1200" b="0" i="0" u="none" strike="noStrike" kern="1200" cap="none" spc="0" normalizeH="0" baseline="0" noProof="0" dirty="0">
+                <a:ln>
+                  <a:noFill/>
+                </a:ln>
+                <a:effectLst/>
+                <a:uLnTx/>
+                <a:uFillTx/>
+                <a:latin typeface="Arial" panose="020B0604020202020204" pitchFamily="34" charset="0"/>
+                <a:ea typeface="Punctuation SC"/>
+                <a:cs typeface="+mn-cs"/>
+              </a:rPr>
+              <a:t> </a:t>
+            </a:r>
+            <a:r>
+              <a:rPr kumimoji="0" lang="en-US" altLang="en-US" sz="1200" b="0" i="0" u="none" strike="noStrike" kern="1200" cap="none" spc="0" normalizeH="0" baseline="0" noProof="0" dirty="0" err="1">
+                <a:ln>
+                  <a:noFill/>
+                </a:ln>
+                <a:effectLst/>
+                <a:uLnTx/>
+                <a:uFillTx/>
+                <a:latin typeface="Arial" panose="020B0604020202020204" pitchFamily="34" charset="0"/>
+                <a:ea typeface="Punctuation SC"/>
+                <a:cs typeface="+mn-cs"/>
+              </a:rPr>
+              <a:t>Pinia，即使在小型单页应用中，你也可以获得如下功能</a:t>
+            </a:r>
+            <a:r>
+              <a:rPr kumimoji="0" lang="en-US" altLang="en-US" sz="1200" b="0" i="0" u="none" strike="noStrike" kern="1200" cap="none" spc="0" normalizeH="0" baseline="0" noProof="0" dirty="0">
+                <a:ln>
+                  <a:noFill/>
+                </a:ln>
+                <a:effectLst/>
+                <a:uLnTx/>
+                <a:uFillTx/>
+                <a:latin typeface="Arial" panose="020B0604020202020204" pitchFamily="34" charset="0"/>
+                <a:ea typeface="Punctuation SC"/>
+                <a:cs typeface="+mn-cs"/>
+              </a:rPr>
+              <a:t>：</a:t>
+            </a:r>
+            <a:endParaRPr kumimoji="0" lang="en-US" altLang="en-US" sz="800" b="0" i="0" u="none" strike="noStrike" kern="1200" cap="none" spc="0" normalizeH="0" baseline="0" noProof="0" dirty="0">
+              <a:ln>
+                <a:noFill/>
+              </a:ln>
+              <a:effectLst/>
+              <a:uLnTx/>
+              <a:uFillTx/>
+              <a:latin typeface="Arial" panose="020B0604020202020204" pitchFamily="34" charset="0"/>
+              <a:ea typeface="+mn-ea"/>
+              <a:cs typeface="+mn-cs"/>
+            </a:endParaRPr>
+          </a:p>
+          <a:p>
+            <a:pPr marL="0" marR="0" lvl="0" indent="0" algn="l" defTabSz="914400" rtl="0" eaLnBrk="0" fontAlgn="base" latinLnBrk="0" hangingPunct="0">
+              <a:lnSpc>
+                <a:spcPct val="100000"/>
+              </a:lnSpc>
+              <a:spcBef>
+                <a:spcPct val="0"/>
+              </a:spcBef>
+              <a:spcAft>
+                <a:spcPct val="0"/>
+              </a:spcAft>
+              <a:buClrTx/>
+              <a:buSzTx/>
+              <a:buFontTx/>
+              <a:buChar char="•"/>
+              <a:tabLst/>
+              <a:defRPr/>
+            </a:pPr>
+            <a:endParaRPr kumimoji="0" lang="en-US" altLang="en-US" sz="1200" b="0" i="0" u="none" strike="noStrike" kern="1200" cap="none" spc="0" normalizeH="0" baseline="0" noProof="0" dirty="0">
+              <a:ln>
+                <a:noFill/>
+              </a:ln>
+              <a:effectLst/>
+              <a:uLnTx/>
+              <a:uFillTx/>
+              <a:latin typeface="Arial" panose="020B0604020202020204" pitchFamily="34" charset="0"/>
+              <a:ea typeface="Punctuation SC"/>
+              <a:cs typeface="+mn-cs"/>
+            </a:endParaRPr>
+          </a:p>
+          <a:p>
+            <a:pPr marL="0" marR="0" lvl="0" indent="0" algn="l" defTabSz="914400" rtl="0" eaLnBrk="0" fontAlgn="base" latinLnBrk="0" hangingPunct="0">
+              <a:lnSpc>
+                <a:spcPct val="100000"/>
+              </a:lnSpc>
+              <a:spcBef>
+                <a:spcPct val="0"/>
+              </a:spcBef>
+              <a:spcAft>
+                <a:spcPct val="0"/>
+              </a:spcAft>
+              <a:buClrTx/>
+              <a:buSzTx/>
+              <a:buFontTx/>
+              <a:buChar char="•"/>
+              <a:tabLst/>
+              <a:defRPr/>
+            </a:pPr>
+            <a:r>
+              <a:rPr kumimoji="0" lang="en-US" altLang="en-US" sz="1200" b="0" i="0" u="none" strike="noStrike" kern="1200" cap="none" spc="0" normalizeH="0" baseline="0" noProof="0" dirty="0" err="1">
+                <a:ln>
+                  <a:noFill/>
+                </a:ln>
+                <a:effectLst/>
+                <a:uLnTx/>
+                <a:uFillTx/>
+                <a:latin typeface="Arial" panose="020B0604020202020204" pitchFamily="34" charset="0"/>
+                <a:ea typeface="Punctuation SC"/>
+                <a:cs typeface="+mn-cs"/>
+              </a:rPr>
+              <a:t>测试工具集</a:t>
+            </a:r>
+            <a:endParaRPr kumimoji="0" lang="en-US" altLang="en-US" sz="1200" b="0" i="0" u="none" strike="noStrike" kern="1200" cap="none" spc="0" normalizeH="0" baseline="0" noProof="0" dirty="0">
+              <a:ln>
+                <a:noFill/>
+              </a:ln>
+              <a:effectLst/>
+              <a:uLnTx/>
+              <a:uFillTx/>
+              <a:latin typeface="Arial" panose="020B0604020202020204" pitchFamily="34" charset="0"/>
+              <a:ea typeface="Punctuation SC"/>
+              <a:cs typeface="+mn-cs"/>
+            </a:endParaRPr>
+          </a:p>
+          <a:p>
+            <a:pPr marL="0" marR="0" lvl="0" indent="0" algn="l" defTabSz="914400" rtl="0" eaLnBrk="0" fontAlgn="base" latinLnBrk="0" hangingPunct="0">
+              <a:lnSpc>
+                <a:spcPct val="100000"/>
+              </a:lnSpc>
+              <a:spcBef>
+                <a:spcPct val="0"/>
+              </a:spcBef>
+              <a:spcAft>
+                <a:spcPct val="0"/>
+              </a:spcAft>
+              <a:buClrTx/>
+              <a:buSzTx/>
+              <a:buFontTx/>
+              <a:buChar char="•"/>
+              <a:tabLst/>
+              <a:defRPr/>
+            </a:pPr>
+            <a:r>
+              <a:rPr kumimoji="0" lang="en-US" altLang="en-US" sz="1200" b="0" i="0" u="none" strike="noStrike" kern="1200" cap="none" spc="0" normalizeH="0" baseline="0" noProof="0" dirty="0" err="1">
+                <a:ln>
+                  <a:noFill/>
+                </a:ln>
+                <a:effectLst/>
+                <a:uLnTx/>
+                <a:uFillTx/>
+                <a:latin typeface="Arial" panose="020B0604020202020204" pitchFamily="34" charset="0"/>
+                <a:ea typeface="Punctuation SC"/>
+                <a:cs typeface="+mn-cs"/>
+              </a:rPr>
+              <a:t>插件：可通过插件扩展</a:t>
+            </a:r>
+            <a:r>
+              <a:rPr kumimoji="0" lang="en-US" altLang="en-US" sz="1200" b="0" i="0" u="none" strike="noStrike" kern="1200" cap="none" spc="0" normalizeH="0" baseline="0" noProof="0" dirty="0">
+                <a:ln>
+                  <a:noFill/>
+                </a:ln>
+                <a:effectLst/>
+                <a:uLnTx/>
+                <a:uFillTx/>
+                <a:latin typeface="Arial" panose="020B0604020202020204" pitchFamily="34" charset="0"/>
+                <a:ea typeface="Punctuation SC"/>
+                <a:cs typeface="+mn-cs"/>
+              </a:rPr>
+              <a:t> </a:t>
+            </a:r>
+            <a:r>
+              <a:rPr kumimoji="0" lang="en-US" altLang="en-US" sz="1200" b="0" i="0" u="none" strike="noStrike" kern="1200" cap="none" spc="0" normalizeH="0" baseline="0" noProof="0" dirty="0" err="1">
+                <a:ln>
+                  <a:noFill/>
+                </a:ln>
+                <a:effectLst/>
+                <a:uLnTx/>
+                <a:uFillTx/>
+                <a:latin typeface="Arial" panose="020B0604020202020204" pitchFamily="34" charset="0"/>
+                <a:ea typeface="Punctuation SC"/>
+                <a:cs typeface="+mn-cs"/>
+              </a:rPr>
+              <a:t>Pinia</a:t>
+            </a:r>
+            <a:r>
+              <a:rPr kumimoji="0" lang="en-US" altLang="en-US" sz="1200" b="0" i="0" u="none" strike="noStrike" kern="1200" cap="none" spc="0" normalizeH="0" baseline="0" noProof="0" dirty="0">
+                <a:ln>
+                  <a:noFill/>
+                </a:ln>
+                <a:effectLst/>
+                <a:uLnTx/>
+                <a:uFillTx/>
+                <a:latin typeface="Arial" panose="020B0604020202020204" pitchFamily="34" charset="0"/>
+                <a:ea typeface="Punctuation SC"/>
+                <a:cs typeface="+mn-cs"/>
+              </a:rPr>
+              <a:t> </a:t>
+            </a:r>
+            <a:r>
+              <a:rPr kumimoji="0" lang="en-US" altLang="en-US" sz="1200" b="0" i="0" u="none" strike="noStrike" kern="1200" cap="none" spc="0" normalizeH="0" baseline="0" noProof="0" dirty="0" err="1">
+                <a:ln>
+                  <a:noFill/>
+                </a:ln>
+                <a:effectLst/>
+                <a:uLnTx/>
+                <a:uFillTx/>
+                <a:latin typeface="Arial" panose="020B0604020202020204" pitchFamily="34" charset="0"/>
+                <a:ea typeface="Punctuation SC"/>
+                <a:cs typeface="+mn-cs"/>
+              </a:rPr>
+              <a:t>功能</a:t>
+            </a:r>
+            <a:endParaRPr kumimoji="0" lang="en-US" altLang="en-US" sz="1200" b="0" i="0" u="none" strike="noStrike" kern="1200" cap="none" spc="0" normalizeH="0" baseline="0" noProof="0" dirty="0">
+              <a:ln>
+                <a:noFill/>
+              </a:ln>
+              <a:effectLst/>
+              <a:uLnTx/>
+              <a:uFillTx/>
+              <a:latin typeface="Arial" panose="020B0604020202020204" pitchFamily="34" charset="0"/>
+              <a:ea typeface="Punctuation SC"/>
+              <a:cs typeface="+mn-cs"/>
+            </a:endParaRPr>
+          </a:p>
+          <a:p>
+            <a:pPr marL="0" marR="0" lvl="0" indent="0" algn="l" defTabSz="914400" rtl="0" eaLnBrk="0" fontAlgn="base" latinLnBrk="0" hangingPunct="0">
+              <a:lnSpc>
+                <a:spcPct val="100000"/>
+              </a:lnSpc>
+              <a:spcBef>
+                <a:spcPct val="0"/>
+              </a:spcBef>
+              <a:spcAft>
+                <a:spcPct val="0"/>
+              </a:spcAft>
+              <a:buClrTx/>
+              <a:buSzTx/>
+              <a:buFontTx/>
+              <a:buChar char="•"/>
+              <a:tabLst/>
+              <a:defRPr/>
+            </a:pPr>
+            <a:r>
+              <a:rPr kumimoji="0" lang="en-US" altLang="en-US" sz="1200" b="0" i="0" u="none" strike="noStrike" kern="1200" cap="none" spc="0" normalizeH="0" baseline="0" noProof="0" dirty="0">
+                <a:ln>
+                  <a:noFill/>
+                </a:ln>
+                <a:effectLst/>
+                <a:uLnTx/>
+                <a:uFillTx/>
+                <a:latin typeface="Arial" panose="020B0604020202020204" pitchFamily="34" charset="0"/>
+                <a:ea typeface="Punctuation SC"/>
+                <a:cs typeface="+mn-cs"/>
+              </a:rPr>
+              <a:t>为 JS </a:t>
+            </a:r>
+            <a:r>
+              <a:rPr kumimoji="0" lang="en-US" altLang="en-US" sz="1200" b="0" i="0" u="none" strike="noStrike" kern="1200" cap="none" spc="0" normalizeH="0" baseline="0" noProof="0" dirty="0" err="1">
+                <a:ln>
+                  <a:noFill/>
+                </a:ln>
+                <a:effectLst/>
+                <a:uLnTx/>
+                <a:uFillTx/>
+                <a:latin typeface="Arial" panose="020B0604020202020204" pitchFamily="34" charset="0"/>
+                <a:ea typeface="Punctuation SC"/>
+                <a:cs typeface="+mn-cs"/>
+              </a:rPr>
+              <a:t>开发者提供适当的</a:t>
+            </a:r>
+            <a:r>
+              <a:rPr kumimoji="0" lang="en-US" altLang="en-US" sz="1200" b="0" i="0" u="none" strike="noStrike" kern="1200" cap="none" spc="0" normalizeH="0" baseline="0" noProof="0" dirty="0">
+                <a:ln>
+                  <a:noFill/>
+                </a:ln>
+                <a:effectLst/>
+                <a:uLnTx/>
+                <a:uFillTx/>
+                <a:latin typeface="Arial" panose="020B0604020202020204" pitchFamily="34" charset="0"/>
+                <a:ea typeface="Punctuation SC"/>
+                <a:cs typeface="+mn-cs"/>
+              </a:rPr>
+              <a:t> TypeScript </a:t>
+            </a:r>
+            <a:r>
+              <a:rPr kumimoji="0" lang="en-US" altLang="en-US" sz="1200" b="0" i="0" u="none" strike="noStrike" kern="1200" cap="none" spc="0" normalizeH="0" baseline="0" noProof="0" dirty="0" err="1">
+                <a:ln>
+                  <a:noFill/>
+                </a:ln>
+                <a:effectLst/>
+                <a:uLnTx/>
+                <a:uFillTx/>
+                <a:latin typeface="Arial" panose="020B0604020202020204" pitchFamily="34" charset="0"/>
+                <a:ea typeface="Punctuation SC"/>
+                <a:cs typeface="+mn-cs"/>
+              </a:rPr>
+              <a:t>支持以及</a:t>
+            </a:r>
+            <a:r>
+              <a:rPr kumimoji="0" lang="en-US" altLang="en-US" sz="1200" b="1" i="0" u="none" strike="noStrike" kern="1200" cap="none" spc="0" normalizeH="0" baseline="0" noProof="0" dirty="0" err="1">
+                <a:ln>
+                  <a:noFill/>
+                </a:ln>
+                <a:effectLst/>
+                <a:uLnTx/>
+                <a:uFillTx/>
+                <a:latin typeface="Arial" panose="020B0604020202020204" pitchFamily="34" charset="0"/>
+                <a:ea typeface="Punctuation SC"/>
+                <a:cs typeface="+mn-cs"/>
+              </a:rPr>
+              <a:t>自动补全</a:t>
+            </a:r>
+            <a:r>
+              <a:rPr kumimoji="0" lang="en-US" altLang="en-US" sz="1200" b="0" i="0" u="none" strike="noStrike" kern="1200" cap="none" spc="0" normalizeH="0" baseline="0" noProof="0" dirty="0" err="1">
+                <a:ln>
+                  <a:noFill/>
+                </a:ln>
+                <a:effectLst/>
+                <a:uLnTx/>
+                <a:uFillTx/>
+                <a:latin typeface="Arial" panose="020B0604020202020204" pitchFamily="34" charset="0"/>
+                <a:ea typeface="Punctuation SC"/>
+                <a:cs typeface="+mn-cs"/>
+              </a:rPr>
+              <a:t>功能</a:t>
+            </a:r>
+            <a:r>
+              <a:rPr kumimoji="0" lang="en-US" altLang="en-US" sz="1200" b="0" i="0" u="none" strike="noStrike" kern="1200" cap="none" spc="0" normalizeH="0" baseline="0" noProof="0" dirty="0">
+                <a:ln>
+                  <a:noFill/>
+                </a:ln>
+                <a:effectLst/>
+                <a:uLnTx/>
+                <a:uFillTx/>
+                <a:latin typeface="Arial" panose="020B0604020202020204" pitchFamily="34" charset="0"/>
+                <a:ea typeface="Punctuation SC"/>
+                <a:cs typeface="+mn-cs"/>
+              </a:rPr>
+              <a:t>。</a:t>
+            </a:r>
+          </a:p>
+          <a:p>
+            <a:pPr marL="0" marR="0" lvl="0" indent="0" algn="l" defTabSz="914400" rtl="0" eaLnBrk="0" fontAlgn="base" latinLnBrk="0" hangingPunct="0">
+              <a:lnSpc>
+                <a:spcPct val="100000"/>
+              </a:lnSpc>
+              <a:spcBef>
+                <a:spcPct val="0"/>
+              </a:spcBef>
+              <a:spcAft>
+                <a:spcPct val="0"/>
+              </a:spcAft>
+              <a:buClrTx/>
+              <a:buSzTx/>
+              <a:buFontTx/>
+              <a:buChar char="•"/>
+              <a:tabLst/>
+              <a:defRPr/>
+            </a:pPr>
+            <a:r>
+              <a:rPr kumimoji="0" lang="en-US" altLang="en-US" sz="1200" b="0" i="0" u="none" strike="noStrike" kern="1200" cap="none" spc="0" normalizeH="0" baseline="0" noProof="0" dirty="0" err="1">
+                <a:ln>
+                  <a:noFill/>
+                </a:ln>
+                <a:effectLst/>
+                <a:uLnTx/>
+                <a:uFillTx/>
+                <a:latin typeface="Arial" panose="020B0604020202020204" pitchFamily="34" charset="0"/>
+                <a:ea typeface="Punctuation SC"/>
+                <a:cs typeface="+mn-cs"/>
+              </a:rPr>
+              <a:t>支持服务端渲染</a:t>
+            </a:r>
+            <a:endParaRPr kumimoji="0" lang="en-US" altLang="en-US" sz="1200" b="0" i="0" u="none" strike="noStrike" kern="1200" cap="none" spc="0" normalizeH="0" baseline="0" noProof="0" dirty="0">
+              <a:ln>
+                <a:noFill/>
+              </a:ln>
+              <a:effectLst/>
+              <a:uLnTx/>
+              <a:uFillTx/>
+              <a:latin typeface="Arial" panose="020B0604020202020204" pitchFamily="34" charset="0"/>
+              <a:ea typeface="Punctuation SC"/>
+              <a:cs typeface="+mn-cs"/>
+            </a:endParaRPr>
+          </a:p>
+          <a:p>
+            <a:pPr marL="0" marR="0" lvl="0" indent="0" algn="l" defTabSz="914400" rtl="0" eaLnBrk="0" fontAlgn="base" latinLnBrk="0" hangingPunct="0">
+              <a:lnSpc>
+                <a:spcPct val="100000"/>
+              </a:lnSpc>
+              <a:spcBef>
+                <a:spcPct val="0"/>
+              </a:spcBef>
+              <a:spcAft>
+                <a:spcPct val="0"/>
+              </a:spcAft>
+              <a:buClrTx/>
+              <a:buSzTx/>
+              <a:buFontTx/>
+              <a:buChar char="•"/>
+              <a:tabLst/>
+              <a:defRPr/>
+            </a:pPr>
+            <a:r>
+              <a:rPr kumimoji="0" lang="en-US" altLang="en-US" sz="1200" b="0" i="0" u="none" strike="noStrike" kern="1200" cap="none" spc="0" normalizeH="0" baseline="0" noProof="0" dirty="0" err="1">
+                <a:ln>
+                  <a:noFill/>
+                </a:ln>
+                <a:effectLst/>
+                <a:uLnTx/>
+                <a:uFillTx/>
+                <a:latin typeface="Arial" panose="020B0604020202020204" pitchFamily="34" charset="0"/>
+                <a:ea typeface="Punctuation SC"/>
+                <a:cs typeface="+mn-cs"/>
+              </a:rPr>
+              <a:t>Devtools</a:t>
+            </a:r>
+            <a:r>
+              <a:rPr kumimoji="0" lang="en-US" altLang="en-US" sz="1200" b="0" i="0" u="none" strike="noStrike" kern="1200" cap="none" spc="0" normalizeH="0" baseline="0" noProof="0" dirty="0">
+                <a:ln>
+                  <a:noFill/>
+                </a:ln>
+                <a:effectLst/>
+                <a:uLnTx/>
+                <a:uFillTx/>
+                <a:latin typeface="Arial" panose="020B0604020202020204" pitchFamily="34" charset="0"/>
+                <a:ea typeface="Punctuation SC"/>
+                <a:cs typeface="+mn-cs"/>
+              </a:rPr>
+              <a:t> </a:t>
+            </a:r>
+            <a:r>
+              <a:rPr kumimoji="0" lang="en-US" altLang="en-US" sz="1200" b="0" i="0" u="none" strike="noStrike" kern="1200" cap="none" spc="0" normalizeH="0" baseline="0" noProof="0" dirty="0" err="1">
+                <a:ln>
+                  <a:noFill/>
+                </a:ln>
+                <a:effectLst/>
+                <a:uLnTx/>
+                <a:uFillTx/>
+                <a:latin typeface="Arial" panose="020B0604020202020204" pitchFamily="34" charset="0"/>
+                <a:ea typeface="Punctuation SC"/>
+                <a:cs typeface="+mn-cs"/>
+              </a:rPr>
+              <a:t>支持</a:t>
+            </a:r>
+            <a:endParaRPr kumimoji="0" lang="en-US" altLang="en-US" sz="1200" b="0" i="0" u="none" strike="noStrike" kern="1200" cap="none" spc="0" normalizeH="0" baseline="0" noProof="0" dirty="0">
+              <a:ln>
+                <a:noFill/>
+              </a:ln>
+              <a:effectLst/>
+              <a:uLnTx/>
+              <a:uFillTx/>
+              <a:latin typeface="Arial" panose="020B0604020202020204" pitchFamily="34" charset="0"/>
+              <a:ea typeface="Punctuation SC"/>
+              <a:cs typeface="+mn-cs"/>
+            </a:endParaRPr>
+          </a:p>
+          <a:p>
+            <a:pPr marL="457200" marR="0" lvl="1" indent="0" algn="l" defTabSz="914400" rtl="0" eaLnBrk="0" fontAlgn="base" latinLnBrk="0" hangingPunct="0">
+              <a:lnSpc>
+                <a:spcPct val="100000"/>
+              </a:lnSpc>
+              <a:spcBef>
+                <a:spcPct val="0"/>
+              </a:spcBef>
+              <a:spcAft>
+                <a:spcPct val="0"/>
+              </a:spcAft>
+              <a:buClrTx/>
+              <a:buSzTx/>
+              <a:buFontTx/>
+              <a:buChar char="•"/>
+              <a:tabLst/>
+              <a:defRPr/>
+            </a:pPr>
+            <a:r>
+              <a:rPr kumimoji="0" lang="en-US" altLang="en-US" sz="1200" b="0" i="0" u="none" strike="noStrike" kern="1200" cap="none" spc="0" normalizeH="0" baseline="0" noProof="0" dirty="0" err="1">
+                <a:ln>
+                  <a:noFill/>
+                </a:ln>
+                <a:effectLst/>
+                <a:uLnTx/>
+                <a:uFillTx/>
+                <a:latin typeface="Arial" panose="020B0604020202020204" pitchFamily="34" charset="0"/>
+                <a:ea typeface="Punctuation SC"/>
+                <a:cs typeface="+mn-cs"/>
+              </a:rPr>
+              <a:t>追踪</a:t>
+            </a:r>
+            <a:r>
+              <a:rPr kumimoji="0" lang="en-US" altLang="en-US" sz="1200" b="0" i="0" u="none" strike="noStrike" kern="1200" cap="none" spc="0" normalizeH="0" baseline="0" noProof="0" dirty="0">
+                <a:ln>
+                  <a:noFill/>
+                </a:ln>
+                <a:effectLst/>
+                <a:uLnTx/>
+                <a:uFillTx/>
+                <a:latin typeface="Arial" panose="020B0604020202020204" pitchFamily="34" charset="0"/>
+                <a:ea typeface="Punctuation SC"/>
+                <a:cs typeface="+mn-cs"/>
+              </a:rPr>
+              <a:t> </a:t>
+            </a:r>
+            <a:r>
+              <a:rPr kumimoji="0" lang="en-US" altLang="en-US" sz="1200" b="0" i="0" u="none" strike="noStrike" kern="1200" cap="none" spc="0" normalizeH="0" baseline="0" noProof="0" dirty="0" err="1">
+                <a:ln>
+                  <a:noFill/>
+                </a:ln>
+                <a:effectLst/>
+                <a:uLnTx/>
+                <a:uFillTx/>
+                <a:latin typeface="Arial" panose="020B0604020202020204" pitchFamily="34" charset="0"/>
+                <a:ea typeface="Punctuation SC"/>
+                <a:cs typeface="+mn-cs"/>
+              </a:rPr>
+              <a:t>actions、mutations</a:t>
+            </a:r>
+            <a:r>
+              <a:rPr kumimoji="0" lang="en-US" altLang="en-US" sz="1200" b="0" i="0" u="none" strike="noStrike" kern="1200" cap="none" spc="0" normalizeH="0" baseline="0" noProof="0" dirty="0">
+                <a:ln>
+                  <a:noFill/>
+                </a:ln>
+                <a:effectLst/>
+                <a:uLnTx/>
+                <a:uFillTx/>
+                <a:latin typeface="Arial" panose="020B0604020202020204" pitchFamily="34" charset="0"/>
+                <a:ea typeface="Punctuation SC"/>
+                <a:cs typeface="+mn-cs"/>
+              </a:rPr>
+              <a:t> </a:t>
+            </a:r>
+            <a:r>
+              <a:rPr kumimoji="0" lang="en-US" altLang="en-US" sz="1200" b="0" i="0" u="none" strike="noStrike" kern="1200" cap="none" spc="0" normalizeH="0" baseline="0" noProof="0" dirty="0" err="1">
+                <a:ln>
+                  <a:noFill/>
+                </a:ln>
+                <a:effectLst/>
+                <a:uLnTx/>
+                <a:uFillTx/>
+                <a:latin typeface="Arial" panose="020B0604020202020204" pitchFamily="34" charset="0"/>
+                <a:ea typeface="Punctuation SC"/>
+                <a:cs typeface="+mn-cs"/>
+              </a:rPr>
+              <a:t>的时间线</a:t>
+            </a:r>
+            <a:endParaRPr kumimoji="0" lang="en-US" altLang="en-US" sz="1200" b="0" i="0" u="none" strike="noStrike" kern="1200" cap="none" spc="0" normalizeH="0" baseline="0" noProof="0" dirty="0">
+              <a:ln>
+                <a:noFill/>
+              </a:ln>
+              <a:effectLst/>
+              <a:uLnTx/>
+              <a:uFillTx/>
+              <a:latin typeface="Arial" panose="020B0604020202020204" pitchFamily="34" charset="0"/>
+              <a:ea typeface="Punctuation SC"/>
+              <a:cs typeface="+mn-cs"/>
+            </a:endParaRPr>
+          </a:p>
+          <a:p>
+            <a:pPr marL="457200" marR="0" lvl="1" indent="0" algn="l" defTabSz="914400" rtl="0" eaLnBrk="0" fontAlgn="base" latinLnBrk="0" hangingPunct="0">
+              <a:lnSpc>
+                <a:spcPct val="100000"/>
+              </a:lnSpc>
+              <a:spcBef>
+                <a:spcPct val="0"/>
+              </a:spcBef>
+              <a:spcAft>
+                <a:spcPct val="0"/>
+              </a:spcAft>
+              <a:buClrTx/>
+              <a:buSzTx/>
+              <a:buFontTx/>
+              <a:buChar char="•"/>
+              <a:tabLst/>
+              <a:defRPr/>
+            </a:pPr>
+            <a:r>
+              <a:rPr kumimoji="0" lang="en-US" altLang="en-US" sz="1200" b="0" i="0" u="none" strike="noStrike" kern="1200" cap="none" spc="0" normalizeH="0" baseline="0" noProof="0" dirty="0" err="1">
+                <a:ln>
+                  <a:noFill/>
+                </a:ln>
+                <a:effectLst/>
+                <a:uLnTx/>
+                <a:uFillTx/>
+                <a:latin typeface="Arial" panose="020B0604020202020204" pitchFamily="34" charset="0"/>
+                <a:ea typeface="Punctuation SC"/>
+                <a:cs typeface="+mn-cs"/>
+              </a:rPr>
+              <a:t>在组件中展示它们所用到的</a:t>
+            </a:r>
+            <a:r>
+              <a:rPr kumimoji="0" lang="en-US" altLang="en-US" sz="1200" b="0" i="0" u="none" strike="noStrike" kern="1200" cap="none" spc="0" normalizeH="0" baseline="0" noProof="0" dirty="0">
+                <a:ln>
+                  <a:noFill/>
+                </a:ln>
+                <a:effectLst/>
+                <a:uLnTx/>
+                <a:uFillTx/>
+                <a:latin typeface="Arial" panose="020B0604020202020204" pitchFamily="34" charset="0"/>
+                <a:ea typeface="Punctuation SC"/>
+                <a:cs typeface="+mn-cs"/>
+              </a:rPr>
+              <a:t> Store</a:t>
+            </a:r>
+          </a:p>
+          <a:p>
+            <a:pPr marL="457200" marR="0" lvl="1" indent="0" algn="l" defTabSz="914400" rtl="0" eaLnBrk="0" fontAlgn="base" latinLnBrk="0" hangingPunct="0">
+              <a:lnSpc>
+                <a:spcPct val="100000"/>
+              </a:lnSpc>
+              <a:spcBef>
+                <a:spcPct val="0"/>
+              </a:spcBef>
+              <a:spcAft>
+                <a:spcPct val="0"/>
+              </a:spcAft>
+              <a:buClrTx/>
+              <a:buSzTx/>
+              <a:buFontTx/>
+              <a:buChar char="•"/>
+              <a:tabLst/>
+              <a:defRPr/>
+            </a:pPr>
+            <a:r>
+              <a:rPr kumimoji="0" lang="en-US" altLang="en-US" sz="1200" b="0" i="0" u="none" strike="noStrike" kern="1200" cap="none" spc="0" normalizeH="0" baseline="0" noProof="0" dirty="0" err="1">
+                <a:ln>
+                  <a:noFill/>
+                </a:ln>
+                <a:effectLst/>
+                <a:uLnTx/>
+                <a:uFillTx/>
+                <a:latin typeface="Arial" panose="020B0604020202020204" pitchFamily="34" charset="0"/>
+                <a:ea typeface="Punctuation SC"/>
+                <a:cs typeface="+mn-cs"/>
+              </a:rPr>
+              <a:t>让调试更容易的</a:t>
+            </a:r>
+            <a:r>
+              <a:rPr kumimoji="0" lang="en-US" altLang="en-US" sz="1200" b="0" i="0" u="none" strike="noStrike" kern="1200" cap="none" spc="0" normalizeH="0" baseline="0" noProof="0" dirty="0">
+                <a:ln>
+                  <a:noFill/>
+                </a:ln>
+                <a:effectLst/>
+                <a:uLnTx/>
+                <a:uFillTx/>
+                <a:latin typeface="Arial" panose="020B0604020202020204" pitchFamily="34" charset="0"/>
+                <a:ea typeface="Punctuation SC"/>
+                <a:cs typeface="+mn-cs"/>
+              </a:rPr>
+              <a:t> Time travel</a:t>
+            </a:r>
+          </a:p>
+          <a:p>
+            <a:pPr marL="0" marR="0" lvl="0" indent="0" algn="l" defTabSz="914400" rtl="0" eaLnBrk="0" fontAlgn="base" latinLnBrk="0" hangingPunct="0">
+              <a:lnSpc>
+                <a:spcPct val="100000"/>
+              </a:lnSpc>
+              <a:spcBef>
+                <a:spcPct val="0"/>
+              </a:spcBef>
+              <a:spcAft>
+                <a:spcPct val="0"/>
+              </a:spcAft>
+              <a:buClrTx/>
+              <a:buSzTx/>
+              <a:buFontTx/>
+              <a:buChar char="•"/>
+              <a:tabLst/>
+              <a:defRPr/>
+            </a:pPr>
+            <a:r>
+              <a:rPr kumimoji="0" lang="en-US" altLang="en-US" sz="1200" b="0" i="0" u="none" strike="noStrike" kern="1200" cap="none" spc="0" normalizeH="0" baseline="0" noProof="0" dirty="0" err="1">
+                <a:ln>
+                  <a:noFill/>
+                </a:ln>
+                <a:effectLst/>
+                <a:uLnTx/>
+                <a:uFillTx/>
+                <a:latin typeface="Arial" panose="020B0604020202020204" pitchFamily="34" charset="0"/>
+                <a:ea typeface="Punctuation SC"/>
+                <a:cs typeface="+mn-cs"/>
+              </a:rPr>
+              <a:t>热更新</a:t>
+            </a:r>
+            <a:endParaRPr kumimoji="0" lang="en-US" altLang="en-US" sz="1200" b="0" i="0" u="none" strike="noStrike" kern="1200" cap="none" spc="0" normalizeH="0" baseline="0" noProof="0" dirty="0">
+              <a:ln>
+                <a:noFill/>
+              </a:ln>
+              <a:effectLst/>
+              <a:uLnTx/>
+              <a:uFillTx/>
+              <a:latin typeface="Arial" panose="020B0604020202020204" pitchFamily="34" charset="0"/>
+              <a:ea typeface="Punctuation SC"/>
+              <a:cs typeface="+mn-cs"/>
+            </a:endParaRPr>
+          </a:p>
+          <a:p>
+            <a:pPr marL="457200" marR="0" lvl="1" indent="0" algn="l" defTabSz="914400" rtl="0" eaLnBrk="0" fontAlgn="base" latinLnBrk="0" hangingPunct="0">
+              <a:lnSpc>
+                <a:spcPct val="100000"/>
+              </a:lnSpc>
+              <a:spcBef>
+                <a:spcPct val="0"/>
+              </a:spcBef>
+              <a:spcAft>
+                <a:spcPct val="0"/>
+              </a:spcAft>
+              <a:buClrTx/>
+              <a:buSzTx/>
+              <a:buFontTx/>
+              <a:buChar char="•"/>
+              <a:tabLst/>
+              <a:defRPr/>
+            </a:pPr>
+            <a:r>
+              <a:rPr kumimoji="0" lang="en-US" altLang="en-US" sz="1200" b="0" i="0" u="none" strike="noStrike" kern="1200" cap="none" spc="0" normalizeH="0" baseline="0" noProof="0" dirty="0" err="1">
+                <a:ln>
+                  <a:noFill/>
+                </a:ln>
+                <a:effectLst/>
+                <a:uLnTx/>
+                <a:uFillTx/>
+                <a:latin typeface="Arial" panose="020B0604020202020204" pitchFamily="34" charset="0"/>
+                <a:ea typeface="Punctuation SC"/>
+                <a:cs typeface="+mn-cs"/>
+              </a:rPr>
+              <a:t>不必重载页面即可修改</a:t>
+            </a:r>
+            <a:r>
+              <a:rPr kumimoji="0" lang="en-US" altLang="en-US" sz="1200" b="0" i="0" u="none" strike="noStrike" kern="1200" cap="none" spc="0" normalizeH="0" baseline="0" noProof="0" dirty="0">
+                <a:ln>
+                  <a:noFill/>
+                </a:ln>
+                <a:effectLst/>
+                <a:uLnTx/>
+                <a:uFillTx/>
+                <a:latin typeface="Arial" panose="020B0604020202020204" pitchFamily="34" charset="0"/>
+                <a:ea typeface="Punctuation SC"/>
+                <a:cs typeface="+mn-cs"/>
+              </a:rPr>
+              <a:t> Store</a:t>
+            </a:r>
+          </a:p>
+          <a:p>
+            <a:pPr marL="457200" marR="0" lvl="1" indent="0" algn="l" defTabSz="914400" rtl="0" eaLnBrk="0" fontAlgn="base" latinLnBrk="0" hangingPunct="0">
+              <a:lnSpc>
+                <a:spcPct val="100000"/>
+              </a:lnSpc>
+              <a:spcBef>
+                <a:spcPct val="0"/>
+              </a:spcBef>
+              <a:spcAft>
+                <a:spcPct val="0"/>
+              </a:spcAft>
+              <a:buClrTx/>
+              <a:buSzTx/>
+              <a:buFontTx/>
+              <a:buChar char="•"/>
+              <a:tabLst/>
+              <a:defRPr/>
+            </a:pPr>
+            <a:r>
+              <a:rPr kumimoji="0" lang="en-US" altLang="en-US" sz="1200" b="0" i="0" u="none" strike="noStrike" kern="1200" cap="none" spc="0" normalizeH="0" baseline="0" noProof="0" dirty="0" err="1">
+                <a:ln>
+                  <a:noFill/>
+                </a:ln>
+                <a:effectLst/>
+                <a:uLnTx/>
+                <a:uFillTx/>
+                <a:latin typeface="Arial" panose="020B0604020202020204" pitchFamily="34" charset="0"/>
+                <a:ea typeface="Punctuation SC"/>
+                <a:cs typeface="+mn-cs"/>
+              </a:rPr>
+              <a:t>开发时可保持当前的</a:t>
+            </a:r>
+            <a:r>
+              <a:rPr kumimoji="0" lang="en-US" altLang="en-US" sz="1200" b="0" i="0" u="none" strike="noStrike" kern="1200" cap="none" spc="0" normalizeH="0" baseline="0" noProof="0" dirty="0">
+                <a:ln>
+                  <a:noFill/>
+                </a:ln>
+                <a:effectLst/>
+                <a:uLnTx/>
+                <a:uFillTx/>
+                <a:latin typeface="Arial" panose="020B0604020202020204" pitchFamily="34" charset="0"/>
+                <a:ea typeface="Punctuation SC"/>
+                <a:cs typeface="+mn-cs"/>
+              </a:rPr>
+              <a:t> State</a:t>
+            </a:r>
+          </a:p>
+        </p:txBody>
+      </p:sp>
+      <p:sp>
+        <p:nvSpPr>
+          <p:cNvPr id="8" name="TextBox 7">
+            <a:extLst>
+              <a:ext uri="{FF2B5EF4-FFF2-40B4-BE49-F238E27FC236}">
+                <a16:creationId xmlns:a16="http://schemas.microsoft.com/office/drawing/2014/main" id="{64BEB007-FCFF-9DC0-F16B-A74BC5169CEC}"/>
+              </a:ext>
+            </a:extLst>
+          </p:cNvPr>
+          <p:cNvSpPr txBox="1"/>
+          <p:nvPr/>
+        </p:nvSpPr>
+        <p:spPr>
+          <a:xfrm>
+            <a:off x="139289" y="218648"/>
+            <a:ext cx="1042273" cy="523220"/>
+          </a:xfrm>
+          <a:prstGeom prst="rect">
+            <a:avLst/>
+          </a:prstGeom>
+          <a:noFill/>
+        </p:spPr>
+        <p:txBody>
+          <a:bodyPr wrap="none" rtlCol="0">
+            <a:spAutoFit/>
+          </a:bodyPr>
+          <a:lstStyle/>
+          <a:p>
+            <a:r>
+              <a:rPr kumimoji="0" lang="en-US" altLang="zh-CN" sz="2800" b="1" i="0" u="none" strike="noStrike" kern="1200" cap="none" spc="0" normalizeH="0" baseline="0" noProof="0" dirty="0" err="1">
+                <a:ln>
+                  <a:noFill/>
+                </a:ln>
+                <a:solidFill>
+                  <a:prstClr val="black"/>
+                </a:solidFill>
+                <a:effectLst/>
+                <a:uLnTx/>
+                <a:uFillTx/>
+                <a:latin typeface="Arial" panose="020B0604020202020204" pitchFamily="34" charset="0"/>
+                <a:ea typeface="等线" panose="02010600030101010101" pitchFamily="2" charset="-122"/>
+                <a:cs typeface="+mn-cs"/>
+              </a:rPr>
+              <a:t>Pinia</a:t>
+            </a:r>
+            <a:endParaRPr lang="en-US" dirty="0"/>
+          </a:p>
+        </p:txBody>
+      </p:sp>
     </p:spTree>
     <p:extLst>
       <p:ext uri="{BB962C8B-B14F-4D97-AF65-F5344CB8AC3E}">
-        <p14:creationId xmlns:p14="http://schemas.microsoft.com/office/powerpoint/2010/main" val="416431619"/>
+        <p14:creationId xmlns:p14="http://schemas.microsoft.com/office/powerpoint/2010/main" val="3975998785"/>
       </p:ext>
     </p:extLst>
   </p:cSld>
@@ -10307,6 +10651,128 @@
           </a:fontRef>
         </p:style>
       </p:cxnSp>
+      <p:sp>
+        <p:nvSpPr>
+          <p:cNvPr id="2" name="TextBox 1">
+            <a:extLst>
+              <a:ext uri="{FF2B5EF4-FFF2-40B4-BE49-F238E27FC236}">
+                <a16:creationId xmlns:a16="http://schemas.microsoft.com/office/drawing/2014/main" id="{FECA83C5-434B-C2BB-C03E-FEA77C2BBB11}"/>
+              </a:ext>
+            </a:extLst>
+          </p:cNvPr>
+          <p:cNvSpPr txBox="1"/>
+          <p:nvPr/>
+        </p:nvSpPr>
+        <p:spPr>
+          <a:xfrm>
+            <a:off x="0" y="959472"/>
+            <a:ext cx="2986206" cy="276999"/>
+          </a:xfrm>
+          <a:prstGeom prst="rect">
+            <a:avLst/>
+          </a:prstGeom>
+          <a:noFill/>
+        </p:spPr>
+        <p:txBody>
+          <a:bodyPr wrap="square" rtlCol="0">
+            <a:spAutoFit/>
+          </a:bodyPr>
+          <a:lstStyle/>
+          <a:p>
+            <a:pPr marL="0" marR="0" lvl="0" indent="0" algn="l" defTabSz="914400" rtl="0" eaLnBrk="0" fontAlgn="base" latinLnBrk="0" hangingPunct="0">
+              <a:lnSpc>
+                <a:spcPct val="100000"/>
+              </a:lnSpc>
+              <a:spcBef>
+                <a:spcPct val="0"/>
+              </a:spcBef>
+              <a:spcAft>
+                <a:spcPct val="0"/>
+              </a:spcAft>
+              <a:buClrTx/>
+              <a:buSzTx/>
+              <a:buFontTx/>
+              <a:buNone/>
+              <a:tabLst/>
+              <a:defRPr/>
+            </a:pPr>
+            <a:r>
+              <a:rPr kumimoji="0" lang="en-US" altLang="zh-CN" sz="1200" b="0" i="0" u="none" strike="noStrike" kern="1200" cap="none" spc="0" normalizeH="0" baseline="0" noProof="0" dirty="0">
+                <a:ln>
+                  <a:noFill/>
+                </a:ln>
+                <a:effectLst/>
+                <a:uLnTx/>
+                <a:uFillTx/>
+                <a:latin typeface="Arial" panose="020B0604020202020204" pitchFamily="34" charset="0"/>
+                <a:ea typeface="Punctuation SC"/>
+                <a:cs typeface="+mn-cs"/>
+              </a:rPr>
+              <a:t>xxx</a:t>
+            </a:r>
+            <a:endParaRPr kumimoji="0" lang="en-US" altLang="en-US" sz="1200" b="0" i="0" u="none" strike="noStrike" kern="1200" cap="none" spc="0" normalizeH="0" baseline="0" noProof="0" dirty="0">
+              <a:ln>
+                <a:noFill/>
+              </a:ln>
+              <a:effectLst/>
+              <a:uLnTx/>
+              <a:uFillTx/>
+              <a:latin typeface="Arial" panose="020B0604020202020204" pitchFamily="34" charset="0"/>
+              <a:ea typeface="Punctuation SC"/>
+              <a:cs typeface="+mn-cs"/>
+            </a:endParaRPr>
+          </a:p>
+        </p:txBody>
+      </p:sp>
+      <p:sp>
+        <p:nvSpPr>
+          <p:cNvPr id="6" name="TextBox 5">
+            <a:extLst>
+              <a:ext uri="{FF2B5EF4-FFF2-40B4-BE49-F238E27FC236}">
+                <a16:creationId xmlns:a16="http://schemas.microsoft.com/office/drawing/2014/main" id="{F6E8EA44-BACD-2DF7-D1BB-48B659756CE3}"/>
+              </a:ext>
+            </a:extLst>
+          </p:cNvPr>
+          <p:cNvSpPr txBox="1"/>
+          <p:nvPr/>
+        </p:nvSpPr>
+        <p:spPr>
+          <a:xfrm>
+            <a:off x="139289" y="218648"/>
+            <a:ext cx="901209" cy="523220"/>
+          </a:xfrm>
+          <a:prstGeom prst="rect">
+            <a:avLst/>
+          </a:prstGeom>
+          <a:noFill/>
+        </p:spPr>
+        <p:txBody>
+          <a:bodyPr wrap="none" rtlCol="0">
+            <a:spAutoFit/>
+          </a:bodyPr>
+          <a:lstStyle/>
+          <a:p>
+            <a:r>
+              <a:rPr kumimoji="0" lang="en-US" altLang="zh-CN" sz="2800" b="1" i="0" u="none" strike="noStrike" kern="1200" cap="none" spc="0" normalizeH="0" baseline="0" noProof="0" dirty="0">
+                <a:ln>
+                  <a:noFill/>
+                </a:ln>
+                <a:solidFill>
+                  <a:prstClr val="black"/>
+                </a:solidFill>
+                <a:effectLst/>
+                <a:uLnTx/>
+                <a:uFillTx/>
+                <a:latin typeface="Arial" panose="020B0604020202020204" pitchFamily="34" charset="0"/>
+                <a:ea typeface="等线" panose="02010600030101010101" pitchFamily="2" charset="-122"/>
+                <a:cs typeface="+mn-cs"/>
+              </a:rPr>
+              <a:t>XXX</a:t>
+            </a:r>
+            <a:endParaRPr lang="en-US" dirty="0"/>
+          </a:p>
+        </p:txBody>
+      </p:sp>
     </p:spTree>
     <p:extLst>
       <p:ext uri="{BB962C8B-B14F-4D97-AF65-F5344CB8AC3E}">
